--- a/figure2/ppt/figure2-pdf.pptx
+++ b/figure2/ppt/figure2-pdf.pptx
@@ -6,7 +6,6 @@
   </p:sldMasterIdLst>
   <p:sldIdLst>
     <p:sldId id="259" r:id="rId2"/>
-    <p:sldId id="260" r:id="rId3"/>
   </p:sldIdLst>
   <p:sldSz cx="9144000" cy="6858000" type="screen4x3"/>
   <p:notesSz cx="6858000" cy="9144000"/>
@@ -3611,784 +3610,235 @@
           <a:chExt cx="0" cy="0"/>
         </a:xfrm>
       </p:grpSpPr>
-      <p:pic>
-        <p:nvPicPr>
-          <p:cNvPr id="3074" name="图片 3"/>
-          <p:cNvPicPr>
-            <a:picLocks noChangeAspect="1"/>
-          </p:cNvPicPr>
+      <p:grpSp>
+        <p:nvGrpSpPr>
+          <p:cNvPr id="5" name="组合 4"/>
+          <p:cNvGrpSpPr/>
           <p:nvPr/>
-        </p:nvPicPr>
-        <p:blipFill>
-          <a:blip r:embed="rId2" cstate="print">
+        </p:nvGrpSpPr>
+        <p:grpSpPr>
+          <a:xfrm>
+            <a:off x="-3714750" y="-4275856"/>
+            <a:ext cx="14444677" cy="15913768"/>
+            <a:chOff x="-3714750" y="-4275856"/>
+            <a:chExt cx="14444677" cy="15913768"/>
+          </a:xfrm>
+        </p:grpSpPr>
+        <p:pic>
+          <p:nvPicPr>
+            <p:cNvPr id="3074" name="图片 3"/>
+            <p:cNvPicPr>
+              <a:picLocks noChangeAspect="1"/>
+            </p:cNvPicPr>
+            <p:nvPr/>
+          </p:nvPicPr>
+          <p:blipFill>
+            <a:blip r:embed="rId2" cstate="print">
+              <a:extLst>
+                <a:ext uri="{28A0092B-C50C-407E-A947-70E740481C1C}">
+                  <a14:useLocalDpi xmlns:a14="http://schemas.microsoft.com/office/drawing/2010/main" val="0"/>
+                </a:ext>
+              </a:extLst>
+            </a:blip>
+            <a:stretch>
+              <a:fillRect/>
+            </a:stretch>
+          </p:blipFill>
+          <p:spPr bwMode="auto">
+            <a:xfrm>
+              <a:off x="-3714750" y="-4275856"/>
+              <a:ext cx="8229600" cy="5486400"/>
+            </a:xfrm>
+            <a:prstGeom prst="rect">
+              <a:avLst/>
+            </a:prstGeom>
+            <a:noFill/>
+            <a:ln>
+              <a:noFill/>
+            </a:ln>
             <a:extLst>
-              <a:ext uri="{28A0092B-C50C-407E-A947-70E740481C1C}">
-                <a14:useLocalDpi xmlns:a14="http://schemas.microsoft.com/office/drawing/2010/main" val="0"/>
+              <a:ext uri="{909E8E84-426E-40DD-AFC4-6F175D3DCCD1}">
+                <a14:hiddenFill xmlns:a14="http://schemas.microsoft.com/office/drawing/2010/main">
+                  <a:solidFill>
+                    <a:srgbClr val="FFFFFF"/>
+                  </a:solidFill>
+                </a14:hiddenFill>
+              </a:ext>
+              <a:ext uri="{91240B29-F687-4F45-9708-019B960494DF}">
+                <a14:hiddenLine xmlns:a14="http://schemas.microsoft.com/office/drawing/2010/main" w="9525">
+                  <a:solidFill>
+                    <a:srgbClr val="000000"/>
+                  </a:solidFill>
+                  <a:miter lim="800000"/>
+                  <a:headEnd/>
+                  <a:tailEnd/>
+                </a14:hiddenLine>
               </a:ext>
             </a:extLst>
-          </a:blip>
-          <a:stretch>
-            <a:fillRect/>
-          </a:stretch>
-        </p:blipFill>
-        <p:spPr bwMode="auto">
-          <a:xfrm>
-            <a:off x="-3714750" y="-4275856"/>
-            <a:ext cx="8229600" cy="5486400"/>
-          </a:xfrm>
-          <a:prstGeom prst="rect">
-            <a:avLst/>
-          </a:prstGeom>
-          <a:noFill/>
-          <a:ln>
+          </p:spPr>
+        </p:pic>
+        <p:pic>
+          <p:nvPicPr>
+            <p:cNvPr id="3075" name="图片 4"/>
+            <p:cNvPicPr>
+              <a:picLocks noChangeAspect="1"/>
+            </p:cNvPicPr>
+            <p:nvPr/>
+          </p:nvPicPr>
+          <p:blipFill>
+            <a:blip r:embed="rId3" cstate="print">
+              <a:extLst>
+                <a:ext uri="{28A0092B-C50C-407E-A947-70E740481C1C}">
+                  <a14:useLocalDpi xmlns:a14="http://schemas.microsoft.com/office/drawing/2010/main" val="0"/>
+                </a:ext>
+              </a:extLst>
+            </a:blip>
+            <a:stretch>
+              <a:fillRect/>
+            </a:stretch>
+          </p:blipFill>
+          <p:spPr bwMode="auto">
+            <a:xfrm>
+              <a:off x="-3714749" y="908720"/>
+              <a:ext cx="8229600" cy="5486399"/>
+            </a:xfrm>
+            <a:prstGeom prst="rect">
+              <a:avLst/>
+            </a:prstGeom>
             <a:noFill/>
-          </a:ln>
-          <a:extLst>
-            <a:ext uri="{909E8E84-426E-40DD-AFC4-6F175D3DCCD1}">
-              <a14:hiddenFill xmlns:a14="http://schemas.microsoft.com/office/drawing/2010/main">
-                <a:solidFill>
-                  <a:srgbClr val="FFFFFF"/>
-                </a:solidFill>
-              </a14:hiddenFill>
-            </a:ext>
-            <a:ext uri="{91240B29-F687-4F45-9708-019B960494DF}">
-              <a14:hiddenLine xmlns:a14="http://schemas.microsoft.com/office/drawing/2010/main" w="9525">
-                <a:solidFill>
-                  <a:srgbClr val="000000"/>
-                </a:solidFill>
-                <a:miter lim="800000"/>
-                <a:headEnd/>
-                <a:tailEnd/>
-              </a14:hiddenLine>
-            </a:ext>
-          </a:extLst>
-        </p:spPr>
-      </p:pic>
-      <p:pic>
-        <p:nvPicPr>
-          <p:cNvPr id="3075" name="图片 4"/>
-          <p:cNvPicPr>
-            <a:picLocks noChangeAspect="1"/>
-          </p:cNvPicPr>
-          <p:nvPr/>
-        </p:nvPicPr>
-        <p:blipFill>
-          <a:blip r:embed="rId3" cstate="print">
+            <a:ln>
+              <a:noFill/>
+            </a:ln>
             <a:extLst>
-              <a:ext uri="{28A0092B-C50C-407E-A947-70E740481C1C}">
-                <a14:useLocalDpi xmlns:a14="http://schemas.microsoft.com/office/drawing/2010/main" val="0"/>
+              <a:ext uri="{909E8E84-426E-40DD-AFC4-6F175D3DCCD1}">
+                <a14:hiddenFill xmlns:a14="http://schemas.microsoft.com/office/drawing/2010/main">
+                  <a:solidFill>
+                    <a:srgbClr val="FFFFFF"/>
+                  </a:solidFill>
+                </a14:hiddenFill>
+              </a:ext>
+              <a:ext uri="{91240B29-F687-4F45-9708-019B960494DF}">
+                <a14:hiddenLine xmlns:a14="http://schemas.microsoft.com/office/drawing/2010/main" w="9525">
+                  <a:solidFill>
+                    <a:srgbClr val="000000"/>
+                  </a:solidFill>
+                  <a:miter lim="800000"/>
+                  <a:headEnd/>
+                  <a:tailEnd/>
+                </a14:hiddenLine>
               </a:ext>
             </a:extLst>
-          </a:blip>
-          <a:stretch>
-            <a:fillRect/>
-          </a:stretch>
-        </p:blipFill>
-        <p:spPr bwMode="auto">
-          <a:xfrm>
-            <a:off x="-3714749" y="908720"/>
-            <a:ext cx="8229600" cy="5486400"/>
-          </a:xfrm>
-          <a:prstGeom prst="rect">
-            <a:avLst/>
-          </a:prstGeom>
-          <a:noFill/>
-          <a:ln>
+          </p:spPr>
+        </p:pic>
+        <p:pic>
+          <p:nvPicPr>
+            <p:cNvPr id="3076" name="图片 14"/>
+            <p:cNvPicPr>
+              <a:picLocks noChangeAspect="1"/>
+            </p:cNvPicPr>
+            <p:nvPr/>
+          </p:nvPicPr>
+          <p:blipFill>
+            <a:blip r:embed="rId4" cstate="print">
+              <a:extLst>
+                <a:ext uri="{28A0092B-C50C-407E-A947-70E740481C1C}">
+                  <a14:useLocalDpi xmlns:a14="http://schemas.microsoft.com/office/drawing/2010/main" val="0"/>
+                </a:ext>
+              </a:extLst>
+            </a:blip>
+            <a:stretch>
+              <a:fillRect/>
+            </a:stretch>
+          </p:blipFill>
+          <p:spPr bwMode="auto">
+            <a:xfrm>
+              <a:off x="3414714" y="-4275856"/>
+              <a:ext cx="7315198" cy="5486399"/>
+            </a:xfrm>
+            <a:prstGeom prst="rect">
+              <a:avLst/>
+            </a:prstGeom>
             <a:noFill/>
-          </a:ln>
-          <a:extLst>
-            <a:ext uri="{909E8E84-426E-40DD-AFC4-6F175D3DCCD1}">
-              <a14:hiddenFill xmlns:a14="http://schemas.microsoft.com/office/drawing/2010/main">
-                <a:solidFill>
-                  <a:srgbClr val="FFFFFF"/>
-                </a:solidFill>
-              </a14:hiddenFill>
-            </a:ext>
-            <a:ext uri="{91240B29-F687-4F45-9708-019B960494DF}">
-              <a14:hiddenLine xmlns:a14="http://schemas.microsoft.com/office/drawing/2010/main" w="9525">
-                <a:solidFill>
-                  <a:srgbClr val="000000"/>
-                </a:solidFill>
-                <a:miter lim="800000"/>
-                <a:headEnd/>
-                <a:tailEnd/>
-              </a14:hiddenLine>
-            </a:ext>
-          </a:extLst>
-        </p:spPr>
-      </p:pic>
-      <p:pic>
-        <p:nvPicPr>
-          <p:cNvPr id="3076" name="图片 14"/>
-          <p:cNvPicPr>
-            <a:picLocks noChangeAspect="1"/>
-          </p:cNvPicPr>
-          <p:nvPr/>
-        </p:nvPicPr>
-        <p:blipFill>
-          <a:blip r:embed="rId4" cstate="print">
+            <a:ln>
+              <a:noFill/>
+            </a:ln>
             <a:extLst>
-              <a:ext uri="{28A0092B-C50C-407E-A947-70E740481C1C}">
-                <a14:useLocalDpi xmlns:a14="http://schemas.microsoft.com/office/drawing/2010/main" val="0"/>
+              <a:ext uri="{909E8E84-426E-40DD-AFC4-6F175D3DCCD1}">
+                <a14:hiddenFill xmlns:a14="http://schemas.microsoft.com/office/drawing/2010/main">
+                  <a:solidFill>
+                    <a:srgbClr val="FFFFFF"/>
+                  </a:solidFill>
+                </a14:hiddenFill>
+              </a:ext>
+              <a:ext uri="{91240B29-F687-4F45-9708-019B960494DF}">
+                <a14:hiddenLine xmlns:a14="http://schemas.microsoft.com/office/drawing/2010/main" w="9525">
+                  <a:solidFill>
+                    <a:srgbClr val="000000"/>
+                  </a:solidFill>
+                  <a:miter lim="800000"/>
+                  <a:headEnd/>
+                  <a:tailEnd/>
+                </a14:hiddenLine>
               </a:ext>
             </a:extLst>
-          </a:blip>
-          <a:stretch>
-            <a:fillRect/>
-          </a:stretch>
-        </p:blipFill>
-        <p:spPr bwMode="auto">
-          <a:xfrm>
-            <a:off x="3414713" y="-4275856"/>
-            <a:ext cx="7315200" cy="5486399"/>
-          </a:xfrm>
-          <a:prstGeom prst="rect">
-            <a:avLst/>
-          </a:prstGeom>
-          <a:noFill/>
-          <a:ln>
+          </p:spPr>
+        </p:pic>
+        <p:pic>
+          <p:nvPicPr>
+            <p:cNvPr id="3077" name="图片 15"/>
+            <p:cNvPicPr>
+              <a:picLocks noChangeAspect="1"/>
+            </p:cNvPicPr>
+            <p:nvPr/>
+          </p:nvPicPr>
+          <p:blipFill>
+            <a:blip r:embed="rId5" cstate="print">
+              <a:extLst>
+                <a:ext uri="{28A0092B-C50C-407E-A947-70E740481C1C}">
+                  <a14:useLocalDpi xmlns:a14="http://schemas.microsoft.com/office/drawing/2010/main" val="0"/>
+                </a:ext>
+              </a:extLst>
+            </a:blip>
+            <a:stretch>
+              <a:fillRect/>
+            </a:stretch>
+          </p:blipFill>
+          <p:spPr bwMode="auto">
+            <a:xfrm>
+              <a:off x="3414714" y="927969"/>
+              <a:ext cx="7315198" cy="5486399"/>
+            </a:xfrm>
+            <a:prstGeom prst="rect">
+              <a:avLst/>
+            </a:prstGeom>
             <a:noFill/>
-          </a:ln>
-          <a:extLst>
-            <a:ext uri="{909E8E84-426E-40DD-AFC4-6F175D3DCCD1}">
-              <a14:hiddenFill xmlns:a14="http://schemas.microsoft.com/office/drawing/2010/main">
-                <a:solidFill>
-                  <a:srgbClr val="FFFFFF"/>
-                </a:solidFill>
-              </a14:hiddenFill>
-            </a:ext>
-            <a:ext uri="{91240B29-F687-4F45-9708-019B960494DF}">
-              <a14:hiddenLine xmlns:a14="http://schemas.microsoft.com/office/drawing/2010/main" w="9525">
-                <a:solidFill>
-                  <a:srgbClr val="000000"/>
-                </a:solidFill>
-                <a:miter lim="800000"/>
-                <a:headEnd/>
-                <a:tailEnd/>
-              </a14:hiddenLine>
-            </a:ext>
-          </a:extLst>
-        </p:spPr>
-      </p:pic>
-      <p:pic>
-        <p:nvPicPr>
-          <p:cNvPr id="3077" name="图片 15"/>
-          <p:cNvPicPr>
-            <a:picLocks noChangeAspect="1"/>
-          </p:cNvPicPr>
-          <p:nvPr/>
-        </p:nvPicPr>
-        <p:blipFill>
-          <a:blip r:embed="rId5" cstate="print">
+            <a:ln>
+              <a:noFill/>
+            </a:ln>
             <a:extLst>
-              <a:ext uri="{28A0092B-C50C-407E-A947-70E740481C1C}">
-                <a14:useLocalDpi xmlns:a14="http://schemas.microsoft.com/office/drawing/2010/main" val="0"/>
+              <a:ext uri="{909E8E84-426E-40DD-AFC4-6F175D3DCCD1}">
+                <a14:hiddenFill xmlns:a14="http://schemas.microsoft.com/office/drawing/2010/main">
+                  <a:solidFill>
+                    <a:srgbClr val="FFFFFF"/>
+                  </a:solidFill>
+                </a14:hiddenFill>
+              </a:ext>
+              <a:ext uri="{91240B29-F687-4F45-9708-019B960494DF}">
+                <a14:hiddenLine xmlns:a14="http://schemas.microsoft.com/office/drawing/2010/main" w="9525">
+                  <a:solidFill>
+                    <a:srgbClr val="000000"/>
+                  </a:solidFill>
+                  <a:miter lim="800000"/>
+                  <a:headEnd/>
+                  <a:tailEnd/>
+                </a14:hiddenLine>
               </a:ext>
             </a:extLst>
-          </a:blip>
-          <a:stretch>
-            <a:fillRect/>
-          </a:stretch>
-        </p:blipFill>
-        <p:spPr bwMode="auto">
-          <a:xfrm>
-            <a:off x="3414713" y="927969"/>
-            <a:ext cx="7315200" cy="5486399"/>
-          </a:xfrm>
-          <a:prstGeom prst="rect">
-            <a:avLst/>
-          </a:prstGeom>
-          <a:noFill/>
-          <a:ln>
-            <a:noFill/>
-          </a:ln>
-          <a:extLst>
-            <a:ext uri="{909E8E84-426E-40DD-AFC4-6F175D3DCCD1}">
-              <a14:hiddenFill xmlns:a14="http://schemas.microsoft.com/office/drawing/2010/main">
-                <a:solidFill>
-                  <a:srgbClr val="FFFFFF"/>
-                </a:solidFill>
-              </a14:hiddenFill>
-            </a:ext>
-            <a:ext uri="{91240B29-F687-4F45-9708-019B960494DF}">
-              <a14:hiddenLine xmlns:a14="http://schemas.microsoft.com/office/drawing/2010/main" w="9525">
-                <a:solidFill>
-                  <a:srgbClr val="000000"/>
-                </a:solidFill>
-                <a:miter lim="800000"/>
-                <a:headEnd/>
-                <a:tailEnd/>
-              </a14:hiddenLine>
-            </a:ext>
-          </a:extLst>
-        </p:spPr>
-      </p:pic>
-      <p:sp>
-        <p:nvSpPr>
-          <p:cNvPr id="3078" name="TextBox 1"/>
-          <p:cNvSpPr txBox="1">
-            <a:spLocks noChangeArrowheads="1"/>
-          </p:cNvSpPr>
-          <p:nvPr/>
-        </p:nvSpPr>
-        <p:spPr bwMode="auto">
-          <a:xfrm>
-            <a:off x="2034574" y="616819"/>
-            <a:ext cx="3630612" cy="493713"/>
-          </a:xfrm>
-          <a:prstGeom prst="rect">
-            <a:avLst/>
-          </a:prstGeom>
-          <a:noFill/>
-          <a:ln>
-            <a:noFill/>
-          </a:ln>
-          <a:extLst>
-            <a:ext uri="{909E8E84-426E-40DD-AFC4-6F175D3DCCD1}">
-              <a14:hiddenFill xmlns:a14="http://schemas.microsoft.com/office/drawing/2010/main">
-                <a:solidFill>
-                  <a:srgbClr val="FFFFFF"/>
-                </a:solidFill>
-              </a14:hiddenFill>
-            </a:ext>
-            <a:ext uri="{91240B29-F687-4F45-9708-019B960494DF}">
-              <a14:hiddenLine xmlns:a14="http://schemas.microsoft.com/office/drawing/2010/main" w="9525">
-                <a:solidFill>
-                  <a:srgbClr val="000000"/>
-                </a:solidFill>
-                <a:miter lim="800000"/>
-                <a:headEnd/>
-                <a:tailEnd/>
-              </a14:hiddenLine>
-            </a:ext>
-          </a:extLst>
-        </p:spPr>
-        <p:txBody>
-          <a:bodyPr>
-            <a:spAutoFit/>
-          </a:bodyPr>
-          <a:lstStyle>
-            <a:lvl1pPr eaLnBrk="0" hangingPunct="0">
-              <a:defRPr>
-                <a:solidFill>
-                  <a:schemeClr val="tx1"/>
-                </a:solidFill>
-                <a:latin typeface="Arial" charset="0"/>
-                <a:ea typeface="宋体" pitchFamily="2" charset="-122"/>
-              </a:defRPr>
-            </a:lvl1pPr>
-            <a:lvl2pPr marL="742950" indent="-285750" eaLnBrk="0" hangingPunct="0">
-              <a:defRPr>
-                <a:solidFill>
-                  <a:schemeClr val="tx1"/>
-                </a:solidFill>
-                <a:latin typeface="Arial" charset="0"/>
-                <a:ea typeface="宋体" pitchFamily="2" charset="-122"/>
-              </a:defRPr>
-            </a:lvl2pPr>
-            <a:lvl3pPr marL="1143000" indent="-228600" eaLnBrk="0" hangingPunct="0">
-              <a:defRPr>
-                <a:solidFill>
-                  <a:schemeClr val="tx1"/>
-                </a:solidFill>
-                <a:latin typeface="Arial" charset="0"/>
-                <a:ea typeface="宋体" pitchFamily="2" charset="-122"/>
-              </a:defRPr>
-            </a:lvl3pPr>
-            <a:lvl4pPr marL="1600200" indent="-228600" eaLnBrk="0" hangingPunct="0">
-              <a:defRPr>
-                <a:solidFill>
-                  <a:schemeClr val="tx1"/>
-                </a:solidFill>
-                <a:latin typeface="Arial" charset="0"/>
-                <a:ea typeface="宋体" pitchFamily="2" charset="-122"/>
-              </a:defRPr>
-            </a:lvl4pPr>
-            <a:lvl5pPr marL="2057400" indent="-228600" eaLnBrk="0" hangingPunct="0">
-              <a:defRPr>
-                <a:solidFill>
-                  <a:schemeClr val="tx1"/>
-                </a:solidFill>
-                <a:latin typeface="Arial" charset="0"/>
-                <a:ea typeface="宋体" pitchFamily="2" charset="-122"/>
-              </a:defRPr>
-            </a:lvl5pPr>
-            <a:lvl6pPr marL="2514600" indent="-228600" eaLnBrk="0" fontAlgn="base" hangingPunct="0">
-              <a:spcBef>
-                <a:spcPct val="0"/>
-              </a:spcBef>
-              <a:spcAft>
-                <a:spcPct val="0"/>
-              </a:spcAft>
-              <a:defRPr>
-                <a:solidFill>
-                  <a:schemeClr val="tx1"/>
-                </a:solidFill>
-                <a:latin typeface="Arial" charset="0"/>
-                <a:ea typeface="宋体" pitchFamily="2" charset="-122"/>
-              </a:defRPr>
-            </a:lvl6pPr>
-            <a:lvl7pPr marL="2971800" indent="-228600" eaLnBrk="0" fontAlgn="base" hangingPunct="0">
-              <a:spcBef>
-                <a:spcPct val="0"/>
-              </a:spcBef>
-              <a:spcAft>
-                <a:spcPct val="0"/>
-              </a:spcAft>
-              <a:defRPr>
-                <a:solidFill>
-                  <a:schemeClr val="tx1"/>
-                </a:solidFill>
-                <a:latin typeface="Arial" charset="0"/>
-                <a:ea typeface="宋体" pitchFamily="2" charset="-122"/>
-              </a:defRPr>
-            </a:lvl7pPr>
-            <a:lvl8pPr marL="3429000" indent="-228600" eaLnBrk="0" fontAlgn="base" hangingPunct="0">
-              <a:spcBef>
-                <a:spcPct val="0"/>
-              </a:spcBef>
-              <a:spcAft>
-                <a:spcPct val="0"/>
-              </a:spcAft>
-              <a:defRPr>
-                <a:solidFill>
-                  <a:schemeClr val="tx1"/>
-                </a:solidFill>
-                <a:latin typeface="Arial" charset="0"/>
-                <a:ea typeface="宋体" pitchFamily="2" charset="-122"/>
-              </a:defRPr>
-            </a:lvl8pPr>
-            <a:lvl9pPr marL="3886200" indent="-228600" eaLnBrk="0" fontAlgn="base" hangingPunct="0">
-              <a:spcBef>
-                <a:spcPct val="0"/>
-              </a:spcBef>
-              <a:spcAft>
-                <a:spcPct val="0"/>
-              </a:spcAft>
-              <a:defRPr>
-                <a:solidFill>
-                  <a:schemeClr val="tx1"/>
-                </a:solidFill>
-                <a:latin typeface="Arial" charset="0"/>
-                <a:ea typeface="宋体" pitchFamily="2" charset="-122"/>
-              </a:defRPr>
-            </a:lvl9pPr>
-          </a:lstStyle>
-          <a:p>
-            <a:pPr algn="ctr" eaLnBrk="1" hangingPunct="1"/>
-            <a:r>
-              <a:rPr lang="en-US" altLang="zh-CN" sz="2600" b="1"/>
-              <a:t>(a) DSI-11 Ex Vivo</a:t>
-            </a:r>
-            <a:endParaRPr lang="zh-CN" altLang="en-US" sz="2600" b="1"/>
-          </a:p>
-        </p:txBody>
-      </p:sp>
-      <p:sp>
-        <p:nvSpPr>
-          <p:cNvPr id="3080" name="TextBox 15"/>
-          <p:cNvSpPr txBox="1">
-            <a:spLocks noChangeArrowheads="1"/>
-          </p:cNvSpPr>
-          <p:nvPr/>
-        </p:nvSpPr>
-        <p:spPr bwMode="auto">
-          <a:xfrm>
-            <a:off x="-977900" y="-3810719"/>
-            <a:ext cx="2576513" cy="493713"/>
-          </a:xfrm>
-          <a:prstGeom prst="rect">
-            <a:avLst/>
-          </a:prstGeom>
-          <a:noFill/>
-          <a:ln>
-            <a:noFill/>
-          </a:ln>
-          <a:extLst>
-            <a:ext uri="{909E8E84-426E-40DD-AFC4-6F175D3DCCD1}">
-              <a14:hiddenFill xmlns:a14="http://schemas.microsoft.com/office/drawing/2010/main">
-                <a:solidFill>
-                  <a:srgbClr val="FFFFFF"/>
-                </a:solidFill>
-              </a14:hiddenFill>
-            </a:ext>
-            <a:ext uri="{91240B29-F687-4F45-9708-019B960494DF}">
-              <a14:hiddenLine xmlns:a14="http://schemas.microsoft.com/office/drawing/2010/main" w="9525">
-                <a:solidFill>
-                  <a:srgbClr val="000000"/>
-                </a:solidFill>
-                <a:miter lim="800000"/>
-                <a:headEnd/>
-                <a:tailEnd/>
-              </a14:hiddenLine>
-            </a:ext>
-          </a:extLst>
-        </p:spPr>
-        <p:txBody>
-          <a:bodyPr>
-            <a:spAutoFit/>
-          </a:bodyPr>
-          <a:lstStyle>
-            <a:lvl1pPr eaLnBrk="0" hangingPunct="0">
-              <a:defRPr>
-                <a:solidFill>
-                  <a:schemeClr val="tx1"/>
-                </a:solidFill>
-                <a:latin typeface="Arial" charset="0"/>
-                <a:ea typeface="宋体" pitchFamily="2" charset="-122"/>
-              </a:defRPr>
-            </a:lvl1pPr>
-            <a:lvl2pPr marL="742950" indent="-285750" eaLnBrk="0" hangingPunct="0">
-              <a:defRPr>
-                <a:solidFill>
-                  <a:schemeClr val="tx1"/>
-                </a:solidFill>
-                <a:latin typeface="Arial" charset="0"/>
-                <a:ea typeface="宋体" pitchFamily="2" charset="-122"/>
-              </a:defRPr>
-            </a:lvl2pPr>
-            <a:lvl3pPr marL="1143000" indent="-228600" eaLnBrk="0" hangingPunct="0">
-              <a:defRPr>
-                <a:solidFill>
-                  <a:schemeClr val="tx1"/>
-                </a:solidFill>
-                <a:latin typeface="Arial" charset="0"/>
-                <a:ea typeface="宋体" pitchFamily="2" charset="-122"/>
-              </a:defRPr>
-            </a:lvl3pPr>
-            <a:lvl4pPr marL="1600200" indent="-228600" eaLnBrk="0" hangingPunct="0">
-              <a:defRPr>
-                <a:solidFill>
-                  <a:schemeClr val="tx1"/>
-                </a:solidFill>
-                <a:latin typeface="Arial" charset="0"/>
-                <a:ea typeface="宋体" pitchFamily="2" charset="-122"/>
-              </a:defRPr>
-            </a:lvl4pPr>
-            <a:lvl5pPr marL="2057400" indent="-228600" eaLnBrk="0" hangingPunct="0">
-              <a:defRPr>
-                <a:solidFill>
-                  <a:schemeClr val="tx1"/>
-                </a:solidFill>
-                <a:latin typeface="Arial" charset="0"/>
-                <a:ea typeface="宋体" pitchFamily="2" charset="-122"/>
-              </a:defRPr>
-            </a:lvl5pPr>
-            <a:lvl6pPr marL="2514600" indent="-228600" eaLnBrk="0" fontAlgn="base" hangingPunct="0">
-              <a:spcBef>
-                <a:spcPct val="0"/>
-              </a:spcBef>
-              <a:spcAft>
-                <a:spcPct val="0"/>
-              </a:spcAft>
-              <a:defRPr>
-                <a:solidFill>
-                  <a:schemeClr val="tx1"/>
-                </a:solidFill>
-                <a:latin typeface="Arial" charset="0"/>
-                <a:ea typeface="宋体" pitchFamily="2" charset="-122"/>
-              </a:defRPr>
-            </a:lvl6pPr>
-            <a:lvl7pPr marL="2971800" indent="-228600" eaLnBrk="0" fontAlgn="base" hangingPunct="0">
-              <a:spcBef>
-                <a:spcPct val="0"/>
-              </a:spcBef>
-              <a:spcAft>
-                <a:spcPct val="0"/>
-              </a:spcAft>
-              <a:defRPr>
-                <a:solidFill>
-                  <a:schemeClr val="tx1"/>
-                </a:solidFill>
-                <a:latin typeface="Arial" charset="0"/>
-                <a:ea typeface="宋体" pitchFamily="2" charset="-122"/>
-              </a:defRPr>
-            </a:lvl7pPr>
-            <a:lvl8pPr marL="3429000" indent="-228600" eaLnBrk="0" fontAlgn="base" hangingPunct="0">
-              <a:spcBef>
-                <a:spcPct val="0"/>
-              </a:spcBef>
-              <a:spcAft>
-                <a:spcPct val="0"/>
-              </a:spcAft>
-              <a:defRPr>
-                <a:solidFill>
-                  <a:schemeClr val="tx1"/>
-                </a:solidFill>
-                <a:latin typeface="Arial" charset="0"/>
-                <a:ea typeface="宋体" pitchFamily="2" charset="-122"/>
-              </a:defRPr>
-            </a:lvl8pPr>
-            <a:lvl9pPr marL="3886200" indent="-228600" eaLnBrk="0" fontAlgn="base" hangingPunct="0">
-              <a:spcBef>
-                <a:spcPct val="0"/>
-              </a:spcBef>
-              <a:spcAft>
-                <a:spcPct val="0"/>
-              </a:spcAft>
-              <a:defRPr>
-                <a:solidFill>
-                  <a:schemeClr val="tx1"/>
-                </a:solidFill>
-                <a:latin typeface="Arial" charset="0"/>
-                <a:ea typeface="宋体" pitchFamily="2" charset="-122"/>
-              </a:defRPr>
-            </a:lvl9pPr>
-          </a:lstStyle>
-          <a:p>
-            <a:pPr algn="ctr" eaLnBrk="1" hangingPunct="1"/>
-            <a:r>
-              <a:rPr lang="en-US" altLang="zh-CN" sz="2600" dirty="0" smtClean="0">
-                <a:solidFill>
-                  <a:srgbClr val="FF0000"/>
-                </a:solidFill>
-              </a:rPr>
-              <a:t>MDD=5.1</a:t>
-            </a:r>
-            <a:r>
-              <a:rPr lang="el-GR" altLang="zh-CN" sz="2600" dirty="0" smtClean="0">
-                <a:solidFill>
-                  <a:srgbClr val="FF0000"/>
-                </a:solidFill>
-              </a:rPr>
-              <a:t> </a:t>
-            </a:r>
-            <a:r>
-              <a:rPr lang="el-GR" altLang="zh-CN" sz="2600" dirty="0">
-                <a:solidFill>
-                  <a:srgbClr val="FF0000"/>
-                </a:solidFill>
-              </a:rPr>
-              <a:t>μ</a:t>
-            </a:r>
-            <a:r>
-              <a:rPr lang="en-US" altLang="zh-CN" sz="2600" dirty="0">
-                <a:solidFill>
-                  <a:srgbClr val="FF0000"/>
-                </a:solidFill>
-              </a:rPr>
-              <a:t>m</a:t>
-            </a:r>
-            <a:endParaRPr lang="zh-CN" altLang="en-US" sz="2600" dirty="0">
-              <a:solidFill>
-                <a:srgbClr val="FF0000"/>
-              </a:solidFill>
-            </a:endParaRPr>
-          </a:p>
-        </p:txBody>
-      </p:sp>
-      <p:sp>
-        <p:nvSpPr>
-          <p:cNvPr id="3081" name="TextBox 15"/>
-          <p:cNvSpPr txBox="1">
-            <a:spLocks noChangeArrowheads="1"/>
-          </p:cNvSpPr>
-          <p:nvPr/>
-        </p:nvSpPr>
-        <p:spPr bwMode="auto">
-          <a:xfrm>
-            <a:off x="-977900" y="1374057"/>
-            <a:ext cx="2576513" cy="492125"/>
-          </a:xfrm>
-          <a:prstGeom prst="rect">
-            <a:avLst/>
-          </a:prstGeom>
-          <a:noFill/>
-          <a:ln>
-            <a:noFill/>
-          </a:ln>
-          <a:extLst>
-            <a:ext uri="{909E8E84-426E-40DD-AFC4-6F175D3DCCD1}">
-              <a14:hiddenFill xmlns:a14="http://schemas.microsoft.com/office/drawing/2010/main">
-                <a:solidFill>
-                  <a:srgbClr val="FFFFFF"/>
-                </a:solidFill>
-              </a14:hiddenFill>
-            </a:ext>
-            <a:ext uri="{91240B29-F687-4F45-9708-019B960494DF}">
-              <a14:hiddenLine xmlns:a14="http://schemas.microsoft.com/office/drawing/2010/main" w="9525">
-                <a:solidFill>
-                  <a:srgbClr val="000000"/>
-                </a:solidFill>
-                <a:miter lim="800000"/>
-                <a:headEnd/>
-                <a:tailEnd/>
-              </a14:hiddenLine>
-            </a:ext>
-          </a:extLst>
-        </p:spPr>
-        <p:txBody>
-          <a:bodyPr>
-            <a:spAutoFit/>
-          </a:bodyPr>
-          <a:lstStyle>
-            <a:lvl1pPr eaLnBrk="0" hangingPunct="0">
-              <a:defRPr>
-                <a:solidFill>
-                  <a:schemeClr val="tx1"/>
-                </a:solidFill>
-                <a:latin typeface="Arial" charset="0"/>
-                <a:ea typeface="宋体" pitchFamily="2" charset="-122"/>
-              </a:defRPr>
-            </a:lvl1pPr>
-            <a:lvl2pPr marL="742950" indent="-285750" eaLnBrk="0" hangingPunct="0">
-              <a:defRPr>
-                <a:solidFill>
-                  <a:schemeClr val="tx1"/>
-                </a:solidFill>
-                <a:latin typeface="Arial" charset="0"/>
-                <a:ea typeface="宋体" pitchFamily="2" charset="-122"/>
-              </a:defRPr>
-            </a:lvl2pPr>
-            <a:lvl3pPr marL="1143000" indent="-228600" eaLnBrk="0" hangingPunct="0">
-              <a:defRPr>
-                <a:solidFill>
-                  <a:schemeClr val="tx1"/>
-                </a:solidFill>
-                <a:latin typeface="Arial" charset="0"/>
-                <a:ea typeface="宋体" pitchFamily="2" charset="-122"/>
-              </a:defRPr>
-            </a:lvl3pPr>
-            <a:lvl4pPr marL="1600200" indent="-228600" eaLnBrk="0" hangingPunct="0">
-              <a:defRPr>
-                <a:solidFill>
-                  <a:schemeClr val="tx1"/>
-                </a:solidFill>
-                <a:latin typeface="Arial" charset="0"/>
-                <a:ea typeface="宋体" pitchFamily="2" charset="-122"/>
-              </a:defRPr>
-            </a:lvl4pPr>
-            <a:lvl5pPr marL="2057400" indent="-228600" eaLnBrk="0" hangingPunct="0">
-              <a:defRPr>
-                <a:solidFill>
-                  <a:schemeClr val="tx1"/>
-                </a:solidFill>
-                <a:latin typeface="Arial" charset="0"/>
-                <a:ea typeface="宋体" pitchFamily="2" charset="-122"/>
-              </a:defRPr>
-            </a:lvl5pPr>
-            <a:lvl6pPr marL="2514600" indent="-228600" eaLnBrk="0" fontAlgn="base" hangingPunct="0">
-              <a:spcBef>
-                <a:spcPct val="0"/>
-              </a:spcBef>
-              <a:spcAft>
-                <a:spcPct val="0"/>
-              </a:spcAft>
-              <a:defRPr>
-                <a:solidFill>
-                  <a:schemeClr val="tx1"/>
-                </a:solidFill>
-                <a:latin typeface="Arial" charset="0"/>
-                <a:ea typeface="宋体" pitchFamily="2" charset="-122"/>
-              </a:defRPr>
-            </a:lvl6pPr>
-            <a:lvl7pPr marL="2971800" indent="-228600" eaLnBrk="0" fontAlgn="base" hangingPunct="0">
-              <a:spcBef>
-                <a:spcPct val="0"/>
-              </a:spcBef>
-              <a:spcAft>
-                <a:spcPct val="0"/>
-              </a:spcAft>
-              <a:defRPr>
-                <a:solidFill>
-                  <a:schemeClr val="tx1"/>
-                </a:solidFill>
-                <a:latin typeface="Arial" charset="0"/>
-                <a:ea typeface="宋体" pitchFamily="2" charset="-122"/>
-              </a:defRPr>
-            </a:lvl7pPr>
-            <a:lvl8pPr marL="3429000" indent="-228600" eaLnBrk="0" fontAlgn="base" hangingPunct="0">
-              <a:spcBef>
-                <a:spcPct val="0"/>
-              </a:spcBef>
-              <a:spcAft>
-                <a:spcPct val="0"/>
-              </a:spcAft>
-              <a:defRPr>
-                <a:solidFill>
-                  <a:schemeClr val="tx1"/>
-                </a:solidFill>
-                <a:latin typeface="Arial" charset="0"/>
-                <a:ea typeface="宋体" pitchFamily="2" charset="-122"/>
-              </a:defRPr>
-            </a:lvl8pPr>
-            <a:lvl9pPr marL="3886200" indent="-228600" eaLnBrk="0" fontAlgn="base" hangingPunct="0">
-              <a:spcBef>
-                <a:spcPct val="0"/>
-              </a:spcBef>
-              <a:spcAft>
-                <a:spcPct val="0"/>
-              </a:spcAft>
-              <a:defRPr>
-                <a:solidFill>
-                  <a:schemeClr val="tx1"/>
-                </a:solidFill>
-                <a:latin typeface="Arial" charset="0"/>
-                <a:ea typeface="宋体" pitchFamily="2" charset="-122"/>
-              </a:defRPr>
-            </a:lvl9pPr>
-          </a:lstStyle>
-          <a:p>
-            <a:pPr algn="ctr" eaLnBrk="1" hangingPunct="1"/>
-            <a:r>
-              <a:rPr lang="en-US" altLang="zh-CN" sz="2600" dirty="0" smtClean="0">
-                <a:solidFill>
-                  <a:srgbClr val="FF0000"/>
-                </a:solidFill>
-              </a:rPr>
-              <a:t>MDD=11.9</a:t>
-            </a:r>
-            <a:r>
-              <a:rPr lang="el-GR" altLang="zh-CN" sz="2600" dirty="0" smtClean="0">
-                <a:solidFill>
-                  <a:srgbClr val="FF0000"/>
-                </a:solidFill>
-              </a:rPr>
-              <a:t> </a:t>
-            </a:r>
-            <a:r>
-              <a:rPr lang="el-GR" altLang="zh-CN" sz="2600" dirty="0">
-                <a:solidFill>
-                  <a:srgbClr val="FF0000"/>
-                </a:solidFill>
-              </a:rPr>
-              <a:t>μ</a:t>
-            </a:r>
-            <a:r>
-              <a:rPr lang="en-US" altLang="zh-CN" sz="2600" dirty="0">
-                <a:solidFill>
-                  <a:srgbClr val="FF0000"/>
-                </a:solidFill>
-              </a:rPr>
-              <a:t>m</a:t>
-            </a:r>
-            <a:endParaRPr lang="zh-CN" altLang="en-US" sz="2600" dirty="0">
-              <a:solidFill>
-                <a:srgbClr val="FF0000"/>
-              </a:solidFill>
-            </a:endParaRPr>
-          </a:p>
-        </p:txBody>
-      </p:sp>
-      <p:grpSp>
-        <p:nvGrpSpPr>
-          <p:cNvPr id="3082" name="组合 39"/>
-          <p:cNvGrpSpPr>
-            <a:grpSpLocks/>
-          </p:cNvGrpSpPr>
-          <p:nvPr/>
-        </p:nvGrpSpPr>
-        <p:grpSpPr bwMode="auto">
-          <a:xfrm>
-            <a:off x="-1838325" y="458069"/>
-            <a:ext cx="4244976" cy="492125"/>
-            <a:chOff x="-1111738" y="-1200944"/>
-            <a:chExt cx="4243578" cy="492443"/>
-          </a:xfrm>
-        </p:grpSpPr>
+          </p:spPr>
+        </p:pic>
         <p:sp>
           <p:nvSpPr>
-            <p:cNvPr id="3093" name="TextBox 40"/>
+            <p:cNvPr id="3078" name="TextBox 1"/>
             <p:cNvSpPr txBox="1">
               <a:spLocks noChangeArrowheads="1"/>
             </p:cNvSpPr>
@@ -4396,8 +3846,8 @@
           </p:nvSpPr>
           <p:spPr bwMode="auto">
             <a:xfrm>
-              <a:off x="-252536" y="-1200944"/>
-              <a:ext cx="2536396" cy="492443"/>
+              <a:off x="1662187" y="775047"/>
+              <a:ext cx="3630612" cy="493713"/>
             </a:xfrm>
             <a:prstGeom prst="rect">
               <a:avLst/>
@@ -4540,112 +3990,16 @@
             <a:p>
               <a:pPr algn="ctr" eaLnBrk="1" hangingPunct="1"/>
               <a:r>
-                <a:rPr lang="en-US" altLang="zh-CN" sz="2600"/>
-                <a:t>FOV=28.0 </a:t>
+                <a:rPr lang="en-US" altLang="zh-CN" sz="2600" b="1" dirty="0"/>
+                <a:t>(a) DSI-11 Ex Vivo</a:t>
               </a:r>
-              <a:r>
-                <a:rPr lang="el-GR" altLang="zh-CN" sz="2600"/>
-                <a:t>μ</a:t>
-              </a:r>
-              <a:r>
-                <a:rPr lang="en-US" altLang="zh-CN" sz="2600"/>
-                <a:t>m</a:t>
-              </a:r>
+              <a:endParaRPr lang="zh-CN" altLang="en-US" sz="2600" b="1" dirty="0"/>
             </a:p>
           </p:txBody>
         </p:sp>
-        <p:cxnSp>
-          <p:nvCxnSpPr>
-            <p:cNvPr id="42" name="直接箭头连接符 41"/>
-            <p:cNvCxnSpPr/>
-            <p:nvPr/>
-          </p:nvCxnSpPr>
-          <p:spPr bwMode="auto">
-            <a:xfrm flipH="1" flipV="1">
-              <a:off x="-1111738" y="-954722"/>
-              <a:ext cx="858555" cy="0"/>
-            </a:xfrm>
-            <a:prstGeom prst="straightConnector1">
-              <a:avLst/>
-            </a:prstGeom>
-            <a:ln w="76200">
-              <a:solidFill>
-                <a:schemeClr val="tx1"/>
-              </a:solidFill>
-              <a:tailEnd type="arrow"/>
-            </a:ln>
-          </p:spPr>
-          <p:style>
-            <a:lnRef idx="1">
-              <a:schemeClr val="accent1"/>
-            </a:lnRef>
-            <a:fillRef idx="0">
-              <a:schemeClr val="accent1"/>
-            </a:fillRef>
-            <a:effectRef idx="0">
-              <a:schemeClr val="accent1"/>
-            </a:effectRef>
-            <a:fontRef idx="minor">
-              <a:schemeClr val="tx1"/>
-            </a:fontRef>
-          </p:style>
-        </p:cxnSp>
-        <p:cxnSp>
-          <p:nvCxnSpPr>
-            <p:cNvPr id="43" name="直接箭头连接符 42"/>
-            <p:cNvCxnSpPr/>
-            <p:nvPr/>
-          </p:nvCxnSpPr>
-          <p:spPr bwMode="auto">
-            <a:xfrm flipV="1">
-              <a:off x="2273285" y="-954722"/>
-              <a:ext cx="858555" cy="0"/>
-            </a:xfrm>
-            <a:prstGeom prst="straightConnector1">
-              <a:avLst/>
-            </a:prstGeom>
-            <a:ln w="76200">
-              <a:solidFill>
-                <a:schemeClr val="tx1"/>
-              </a:solidFill>
-              <a:tailEnd type="arrow"/>
-            </a:ln>
-          </p:spPr>
-          <p:style>
-            <a:lnRef idx="1">
-              <a:schemeClr val="accent1"/>
-            </a:lnRef>
-            <a:fillRef idx="0">
-              <a:schemeClr val="accent1"/>
-            </a:fillRef>
-            <a:effectRef idx="0">
-              <a:schemeClr val="accent1"/>
-            </a:effectRef>
-            <a:fontRef idx="minor">
-              <a:schemeClr val="tx1"/>
-            </a:fontRef>
-          </p:style>
-        </p:cxnSp>
-      </p:grpSp>
-      <p:grpSp>
-        <p:nvGrpSpPr>
-          <p:cNvPr id="3083" name="组合 43"/>
-          <p:cNvGrpSpPr>
-            <a:grpSpLocks/>
-          </p:cNvGrpSpPr>
-          <p:nvPr/>
-        </p:nvGrpSpPr>
-        <p:grpSpPr bwMode="auto">
-          <a:xfrm>
-            <a:off x="-1838325" y="5649194"/>
-            <a:ext cx="4244976" cy="492125"/>
-            <a:chOff x="-1111738" y="-1200944"/>
-            <a:chExt cx="4243578" cy="492443"/>
-          </a:xfrm>
-        </p:grpSpPr>
         <p:sp>
           <p:nvSpPr>
-            <p:cNvPr id="3090" name="TextBox 44"/>
+            <p:cNvPr id="3080" name="TextBox 15"/>
             <p:cNvSpPr txBox="1">
               <a:spLocks noChangeArrowheads="1"/>
             </p:cNvSpPr>
@@ -4653,8 +4007,8 @@
           </p:nvSpPr>
           <p:spPr bwMode="auto">
             <a:xfrm>
-              <a:off x="-252536" y="-1200944"/>
-              <a:ext cx="2536396" cy="492443"/>
+              <a:off x="-977900" y="-3810719"/>
+              <a:ext cx="2576513" cy="493713"/>
             </a:xfrm>
             <a:prstGeom prst="rect">
               <a:avLst/>
@@ -4797,1469 +4151,48 @@
             <a:p>
               <a:pPr algn="ctr" eaLnBrk="1" hangingPunct="1"/>
               <a:r>
-                <a:rPr lang="en-US" altLang="zh-CN" sz="2600"/>
-                <a:t>FOV=40.5 </a:t>
+                <a:rPr lang="en-US" altLang="zh-CN" sz="2600" dirty="0" smtClean="0">
+                  <a:solidFill>
+                    <a:srgbClr val="FF0000"/>
+                  </a:solidFill>
+                </a:rPr>
+                <a:t>MDD=5.1</a:t>
               </a:r>
               <a:r>
-                <a:rPr lang="el-GR" altLang="zh-CN" sz="2600"/>
+                <a:rPr lang="el-GR" altLang="zh-CN" sz="2600" dirty="0" smtClean="0">
+                  <a:solidFill>
+                    <a:srgbClr val="FF0000"/>
+                  </a:solidFill>
+                </a:rPr>
+                <a:t> </a:t>
+              </a:r>
+              <a:r>
+                <a:rPr lang="el-GR" altLang="zh-CN" sz="2600" dirty="0">
+                  <a:solidFill>
+                    <a:srgbClr val="FF0000"/>
+                  </a:solidFill>
+                </a:rPr>
                 <a:t>μ</a:t>
               </a:r>
               <a:r>
-                <a:rPr lang="en-US" altLang="zh-CN" sz="2600"/>
+                <a:rPr lang="en-US" altLang="zh-CN" sz="2600" dirty="0">
+                  <a:solidFill>
+                    <a:srgbClr val="FF0000"/>
+                  </a:solidFill>
+                </a:rPr>
                 <a:t>m</a:t>
               </a:r>
+              <a:endParaRPr lang="zh-CN" altLang="en-US" sz="2600" dirty="0">
+                <a:solidFill>
+                  <a:srgbClr val="FF0000"/>
+                </a:solidFill>
+              </a:endParaRPr>
             </a:p>
           </p:txBody>
         </p:sp>
-        <p:cxnSp>
-          <p:nvCxnSpPr>
-            <p:cNvPr id="46" name="直接箭头连接符 45"/>
-            <p:cNvCxnSpPr/>
-            <p:nvPr/>
-          </p:nvCxnSpPr>
-          <p:spPr bwMode="auto">
-            <a:xfrm flipH="1" flipV="1">
-              <a:off x="-1111738" y="-954722"/>
-              <a:ext cx="858555" cy="0"/>
-            </a:xfrm>
-            <a:prstGeom prst="straightConnector1">
-              <a:avLst/>
-            </a:prstGeom>
-            <a:ln w="76200">
-              <a:solidFill>
-                <a:schemeClr val="tx1"/>
-              </a:solidFill>
-              <a:tailEnd type="arrow"/>
-            </a:ln>
-          </p:spPr>
-          <p:style>
-            <a:lnRef idx="1">
-              <a:schemeClr val="accent1"/>
-            </a:lnRef>
-            <a:fillRef idx="0">
-              <a:schemeClr val="accent1"/>
-            </a:fillRef>
-            <a:effectRef idx="0">
-              <a:schemeClr val="accent1"/>
-            </a:effectRef>
-            <a:fontRef idx="minor">
-              <a:schemeClr val="tx1"/>
-            </a:fontRef>
-          </p:style>
-        </p:cxnSp>
-        <p:cxnSp>
-          <p:nvCxnSpPr>
-            <p:cNvPr id="47" name="直接箭头连接符 46"/>
-            <p:cNvCxnSpPr/>
-            <p:nvPr/>
-          </p:nvCxnSpPr>
-          <p:spPr bwMode="auto">
-            <a:xfrm flipV="1">
-              <a:off x="2273285" y="-954722"/>
-              <a:ext cx="858555" cy="0"/>
-            </a:xfrm>
-            <a:prstGeom prst="straightConnector1">
-              <a:avLst/>
-            </a:prstGeom>
-            <a:ln w="76200">
-              <a:solidFill>
-                <a:schemeClr val="tx1"/>
-              </a:solidFill>
-              <a:tailEnd type="arrow"/>
-            </a:ln>
-          </p:spPr>
-          <p:style>
-            <a:lnRef idx="1">
-              <a:schemeClr val="accent1"/>
-            </a:lnRef>
-            <a:fillRef idx="0">
-              <a:schemeClr val="accent1"/>
-            </a:fillRef>
-            <a:effectRef idx="0">
-              <a:schemeClr val="accent1"/>
-            </a:effectRef>
-            <a:fontRef idx="minor">
-              <a:schemeClr val="tx1"/>
-            </a:fontRef>
-          </p:style>
-        </p:cxnSp>
-      </p:grpSp>
-      <p:sp>
-        <p:nvSpPr>
-          <p:cNvPr id="3084" name="TextBox 12"/>
-          <p:cNvSpPr txBox="1">
-            <a:spLocks noChangeArrowheads="1"/>
-          </p:cNvSpPr>
-          <p:nvPr/>
-        </p:nvSpPr>
-        <p:spPr bwMode="auto">
-          <a:xfrm>
-            <a:off x="5878513" y="662857"/>
-            <a:ext cx="2387600" cy="400050"/>
-          </a:xfrm>
-          <a:prstGeom prst="rect">
-            <a:avLst/>
-          </a:prstGeom>
-          <a:noFill/>
-          <a:ln>
-            <a:noFill/>
-          </a:ln>
-          <a:extLst>
-            <a:ext uri="{909E8E84-426E-40DD-AFC4-6F175D3DCCD1}">
-              <a14:hiddenFill xmlns:a14="http://schemas.microsoft.com/office/drawing/2010/main">
-                <a:solidFill>
-                  <a:srgbClr val="FFFFFF"/>
-                </a:solidFill>
-              </a14:hiddenFill>
-            </a:ext>
-            <a:ext uri="{91240B29-F687-4F45-9708-019B960494DF}">
-              <a14:hiddenLine xmlns:a14="http://schemas.microsoft.com/office/drawing/2010/main" w="9525">
-                <a:solidFill>
-                  <a:srgbClr val="000000"/>
-                </a:solidFill>
-                <a:miter lim="800000"/>
-                <a:headEnd/>
-                <a:tailEnd/>
-              </a14:hiddenLine>
-            </a:ext>
-          </a:extLst>
-        </p:spPr>
-        <p:txBody>
-          <a:bodyPr>
-            <a:spAutoFit/>
-          </a:bodyPr>
-          <a:lstStyle>
-            <a:lvl1pPr eaLnBrk="0" hangingPunct="0">
-              <a:defRPr>
-                <a:solidFill>
-                  <a:schemeClr val="tx1"/>
-                </a:solidFill>
-                <a:latin typeface="Arial" charset="0"/>
-                <a:ea typeface="宋体" pitchFamily="2" charset="-122"/>
-              </a:defRPr>
-            </a:lvl1pPr>
-            <a:lvl2pPr marL="742950" indent="-285750" eaLnBrk="0" hangingPunct="0">
-              <a:defRPr>
-                <a:solidFill>
-                  <a:schemeClr val="tx1"/>
-                </a:solidFill>
-                <a:latin typeface="Arial" charset="0"/>
-                <a:ea typeface="宋体" pitchFamily="2" charset="-122"/>
-              </a:defRPr>
-            </a:lvl2pPr>
-            <a:lvl3pPr marL="1143000" indent="-228600" eaLnBrk="0" hangingPunct="0">
-              <a:defRPr>
-                <a:solidFill>
-                  <a:schemeClr val="tx1"/>
-                </a:solidFill>
-                <a:latin typeface="Arial" charset="0"/>
-                <a:ea typeface="宋体" pitchFamily="2" charset="-122"/>
-              </a:defRPr>
-            </a:lvl3pPr>
-            <a:lvl4pPr marL="1600200" indent="-228600" eaLnBrk="0" hangingPunct="0">
-              <a:defRPr>
-                <a:solidFill>
-                  <a:schemeClr val="tx1"/>
-                </a:solidFill>
-                <a:latin typeface="Arial" charset="0"/>
-                <a:ea typeface="宋体" pitchFamily="2" charset="-122"/>
-              </a:defRPr>
-            </a:lvl4pPr>
-            <a:lvl5pPr marL="2057400" indent="-228600" eaLnBrk="0" hangingPunct="0">
-              <a:defRPr>
-                <a:solidFill>
-                  <a:schemeClr val="tx1"/>
-                </a:solidFill>
-                <a:latin typeface="Arial" charset="0"/>
-                <a:ea typeface="宋体" pitchFamily="2" charset="-122"/>
-              </a:defRPr>
-            </a:lvl5pPr>
-            <a:lvl6pPr marL="2514600" indent="-228600" eaLnBrk="0" fontAlgn="base" hangingPunct="0">
-              <a:spcBef>
-                <a:spcPct val="0"/>
-              </a:spcBef>
-              <a:spcAft>
-                <a:spcPct val="0"/>
-              </a:spcAft>
-              <a:defRPr>
-                <a:solidFill>
-                  <a:schemeClr val="tx1"/>
-                </a:solidFill>
-                <a:latin typeface="Arial" charset="0"/>
-                <a:ea typeface="宋体" pitchFamily="2" charset="-122"/>
-              </a:defRPr>
-            </a:lvl6pPr>
-            <a:lvl7pPr marL="2971800" indent="-228600" eaLnBrk="0" fontAlgn="base" hangingPunct="0">
-              <a:spcBef>
-                <a:spcPct val="0"/>
-              </a:spcBef>
-              <a:spcAft>
-                <a:spcPct val="0"/>
-              </a:spcAft>
-              <a:defRPr>
-                <a:solidFill>
-                  <a:schemeClr val="tx1"/>
-                </a:solidFill>
-                <a:latin typeface="Arial" charset="0"/>
-                <a:ea typeface="宋体" pitchFamily="2" charset="-122"/>
-              </a:defRPr>
-            </a:lvl7pPr>
-            <a:lvl8pPr marL="3429000" indent="-228600" eaLnBrk="0" fontAlgn="base" hangingPunct="0">
-              <a:spcBef>
-                <a:spcPct val="0"/>
-              </a:spcBef>
-              <a:spcAft>
-                <a:spcPct val="0"/>
-              </a:spcAft>
-              <a:defRPr>
-                <a:solidFill>
-                  <a:schemeClr val="tx1"/>
-                </a:solidFill>
-                <a:latin typeface="Arial" charset="0"/>
-                <a:ea typeface="宋体" pitchFamily="2" charset="-122"/>
-              </a:defRPr>
-            </a:lvl8pPr>
-            <a:lvl9pPr marL="3886200" indent="-228600" eaLnBrk="0" fontAlgn="base" hangingPunct="0">
-              <a:spcBef>
-                <a:spcPct val="0"/>
-              </a:spcBef>
-              <a:spcAft>
-                <a:spcPct val="0"/>
-              </a:spcAft>
-              <a:defRPr>
-                <a:solidFill>
-                  <a:schemeClr val="tx1"/>
-                </a:solidFill>
-                <a:latin typeface="Arial" charset="0"/>
-                <a:ea typeface="宋体" pitchFamily="2" charset="-122"/>
-              </a:defRPr>
-            </a:lvl9pPr>
-          </a:lstStyle>
-          <a:p>
-            <a:pPr eaLnBrk="1" hangingPunct="1"/>
-            <a:r>
-              <a:rPr lang="en-US" altLang="zh-CN" sz="2000"/>
-              <a:t>displacement (</a:t>
-            </a:r>
-            <a:r>
-              <a:rPr lang="el-GR" altLang="zh-CN" sz="2000"/>
-              <a:t>μ</a:t>
-            </a:r>
-            <a:r>
-              <a:rPr lang="en-US" altLang="zh-CN" sz="2000"/>
-              <a:t>m)</a:t>
-            </a:r>
-            <a:endParaRPr lang="zh-CN" altLang="en-US" sz="2000"/>
-          </a:p>
-        </p:txBody>
-      </p:sp>
-      <p:sp>
-        <p:nvSpPr>
-          <p:cNvPr id="3086" name="TextBox 12"/>
-          <p:cNvSpPr txBox="1">
-            <a:spLocks noChangeArrowheads="1"/>
-          </p:cNvSpPr>
-          <p:nvPr/>
-        </p:nvSpPr>
-        <p:spPr bwMode="auto">
-          <a:xfrm rot="-5400000">
-            <a:off x="2596357" y="-1731887"/>
-            <a:ext cx="2386012" cy="400050"/>
-          </a:xfrm>
-          <a:prstGeom prst="rect">
-            <a:avLst/>
-          </a:prstGeom>
-          <a:noFill/>
-          <a:ln>
-            <a:noFill/>
-          </a:ln>
-          <a:extLst>
-            <a:ext uri="{909E8E84-426E-40DD-AFC4-6F175D3DCCD1}">
-              <a14:hiddenFill xmlns:a14="http://schemas.microsoft.com/office/drawing/2010/main">
-                <a:solidFill>
-                  <a:srgbClr val="FFFFFF"/>
-                </a:solidFill>
-              </a14:hiddenFill>
-            </a:ext>
-            <a:ext uri="{91240B29-F687-4F45-9708-019B960494DF}">
-              <a14:hiddenLine xmlns:a14="http://schemas.microsoft.com/office/drawing/2010/main" w="9525">
-                <a:solidFill>
-                  <a:srgbClr val="000000"/>
-                </a:solidFill>
-                <a:miter lim="800000"/>
-                <a:headEnd/>
-                <a:tailEnd/>
-              </a14:hiddenLine>
-            </a:ext>
-          </a:extLst>
-        </p:spPr>
-        <p:txBody>
-          <a:bodyPr>
-            <a:spAutoFit/>
-          </a:bodyPr>
-          <a:lstStyle>
-            <a:lvl1pPr eaLnBrk="0" hangingPunct="0">
-              <a:defRPr>
-                <a:solidFill>
-                  <a:schemeClr val="tx1"/>
-                </a:solidFill>
-                <a:latin typeface="Arial" charset="0"/>
-                <a:ea typeface="宋体" pitchFamily="2" charset="-122"/>
-              </a:defRPr>
-            </a:lvl1pPr>
-            <a:lvl2pPr marL="742950" indent="-285750" eaLnBrk="0" hangingPunct="0">
-              <a:defRPr>
-                <a:solidFill>
-                  <a:schemeClr val="tx1"/>
-                </a:solidFill>
-                <a:latin typeface="Arial" charset="0"/>
-                <a:ea typeface="宋体" pitchFamily="2" charset="-122"/>
-              </a:defRPr>
-            </a:lvl2pPr>
-            <a:lvl3pPr marL="1143000" indent="-228600" eaLnBrk="0" hangingPunct="0">
-              <a:defRPr>
-                <a:solidFill>
-                  <a:schemeClr val="tx1"/>
-                </a:solidFill>
-                <a:latin typeface="Arial" charset="0"/>
-                <a:ea typeface="宋体" pitchFamily="2" charset="-122"/>
-              </a:defRPr>
-            </a:lvl3pPr>
-            <a:lvl4pPr marL="1600200" indent="-228600" eaLnBrk="0" hangingPunct="0">
-              <a:defRPr>
-                <a:solidFill>
-                  <a:schemeClr val="tx1"/>
-                </a:solidFill>
-                <a:latin typeface="Arial" charset="0"/>
-                <a:ea typeface="宋体" pitchFamily="2" charset="-122"/>
-              </a:defRPr>
-            </a:lvl4pPr>
-            <a:lvl5pPr marL="2057400" indent="-228600" eaLnBrk="0" hangingPunct="0">
-              <a:defRPr>
-                <a:solidFill>
-                  <a:schemeClr val="tx1"/>
-                </a:solidFill>
-                <a:latin typeface="Arial" charset="0"/>
-                <a:ea typeface="宋体" pitchFamily="2" charset="-122"/>
-              </a:defRPr>
-            </a:lvl5pPr>
-            <a:lvl6pPr marL="2514600" indent="-228600" eaLnBrk="0" fontAlgn="base" hangingPunct="0">
-              <a:spcBef>
-                <a:spcPct val="0"/>
-              </a:spcBef>
-              <a:spcAft>
-                <a:spcPct val="0"/>
-              </a:spcAft>
-              <a:defRPr>
-                <a:solidFill>
-                  <a:schemeClr val="tx1"/>
-                </a:solidFill>
-                <a:latin typeface="Arial" charset="0"/>
-                <a:ea typeface="宋体" pitchFamily="2" charset="-122"/>
-              </a:defRPr>
-            </a:lvl6pPr>
-            <a:lvl7pPr marL="2971800" indent="-228600" eaLnBrk="0" fontAlgn="base" hangingPunct="0">
-              <a:spcBef>
-                <a:spcPct val="0"/>
-              </a:spcBef>
-              <a:spcAft>
-                <a:spcPct val="0"/>
-              </a:spcAft>
-              <a:defRPr>
-                <a:solidFill>
-                  <a:schemeClr val="tx1"/>
-                </a:solidFill>
-                <a:latin typeface="Arial" charset="0"/>
-                <a:ea typeface="宋体" pitchFamily="2" charset="-122"/>
-              </a:defRPr>
-            </a:lvl7pPr>
-            <a:lvl8pPr marL="3429000" indent="-228600" eaLnBrk="0" fontAlgn="base" hangingPunct="0">
-              <a:spcBef>
-                <a:spcPct val="0"/>
-              </a:spcBef>
-              <a:spcAft>
-                <a:spcPct val="0"/>
-              </a:spcAft>
-              <a:defRPr>
-                <a:solidFill>
-                  <a:schemeClr val="tx1"/>
-                </a:solidFill>
-                <a:latin typeface="Arial" charset="0"/>
-                <a:ea typeface="宋体" pitchFamily="2" charset="-122"/>
-              </a:defRPr>
-            </a:lvl8pPr>
-            <a:lvl9pPr marL="3886200" indent="-228600" eaLnBrk="0" fontAlgn="base" hangingPunct="0">
-              <a:spcBef>
-                <a:spcPct val="0"/>
-              </a:spcBef>
-              <a:spcAft>
-                <a:spcPct val="0"/>
-              </a:spcAft>
-              <a:defRPr>
-                <a:solidFill>
-                  <a:schemeClr val="tx1"/>
-                </a:solidFill>
-                <a:latin typeface="Arial" charset="0"/>
-                <a:ea typeface="宋体" pitchFamily="2" charset="-122"/>
-              </a:defRPr>
-            </a:lvl9pPr>
-          </a:lstStyle>
-          <a:p>
-            <a:pPr eaLnBrk="1" hangingPunct="1"/>
-            <a:r>
-              <a:rPr lang="en-US" altLang="zh-CN" sz="2000"/>
-              <a:t>probability density</a:t>
-            </a:r>
-            <a:endParaRPr lang="zh-CN" altLang="en-US" sz="2000"/>
-          </a:p>
-        </p:txBody>
-      </p:sp>
-      <p:sp>
-        <p:nvSpPr>
-          <p:cNvPr id="3087" name="TextBox 12"/>
-          <p:cNvSpPr txBox="1">
-            <a:spLocks noChangeArrowheads="1"/>
-          </p:cNvSpPr>
-          <p:nvPr/>
-        </p:nvSpPr>
-        <p:spPr bwMode="auto">
-          <a:xfrm rot="-5400000">
-            <a:off x="2596357" y="3471938"/>
-            <a:ext cx="2386012" cy="400050"/>
-          </a:xfrm>
-          <a:prstGeom prst="rect">
-            <a:avLst/>
-          </a:prstGeom>
-          <a:noFill/>
-          <a:ln>
-            <a:noFill/>
-          </a:ln>
-          <a:extLst>
-            <a:ext uri="{909E8E84-426E-40DD-AFC4-6F175D3DCCD1}">
-              <a14:hiddenFill xmlns:a14="http://schemas.microsoft.com/office/drawing/2010/main">
-                <a:solidFill>
-                  <a:srgbClr val="FFFFFF"/>
-                </a:solidFill>
-              </a14:hiddenFill>
-            </a:ext>
-            <a:ext uri="{91240B29-F687-4F45-9708-019B960494DF}">
-              <a14:hiddenLine xmlns:a14="http://schemas.microsoft.com/office/drawing/2010/main" w="9525">
-                <a:solidFill>
-                  <a:srgbClr val="000000"/>
-                </a:solidFill>
-                <a:miter lim="800000"/>
-                <a:headEnd/>
-                <a:tailEnd/>
-              </a14:hiddenLine>
-            </a:ext>
-          </a:extLst>
-        </p:spPr>
-        <p:txBody>
-          <a:bodyPr>
-            <a:spAutoFit/>
-          </a:bodyPr>
-          <a:lstStyle>
-            <a:lvl1pPr eaLnBrk="0" hangingPunct="0">
-              <a:defRPr>
-                <a:solidFill>
-                  <a:schemeClr val="tx1"/>
-                </a:solidFill>
-                <a:latin typeface="Arial" charset="0"/>
-                <a:ea typeface="宋体" pitchFamily="2" charset="-122"/>
-              </a:defRPr>
-            </a:lvl1pPr>
-            <a:lvl2pPr marL="742950" indent="-285750" eaLnBrk="0" hangingPunct="0">
-              <a:defRPr>
-                <a:solidFill>
-                  <a:schemeClr val="tx1"/>
-                </a:solidFill>
-                <a:latin typeface="Arial" charset="0"/>
-                <a:ea typeface="宋体" pitchFamily="2" charset="-122"/>
-              </a:defRPr>
-            </a:lvl2pPr>
-            <a:lvl3pPr marL="1143000" indent="-228600" eaLnBrk="0" hangingPunct="0">
-              <a:defRPr>
-                <a:solidFill>
-                  <a:schemeClr val="tx1"/>
-                </a:solidFill>
-                <a:latin typeface="Arial" charset="0"/>
-                <a:ea typeface="宋体" pitchFamily="2" charset="-122"/>
-              </a:defRPr>
-            </a:lvl3pPr>
-            <a:lvl4pPr marL="1600200" indent="-228600" eaLnBrk="0" hangingPunct="0">
-              <a:defRPr>
-                <a:solidFill>
-                  <a:schemeClr val="tx1"/>
-                </a:solidFill>
-                <a:latin typeface="Arial" charset="0"/>
-                <a:ea typeface="宋体" pitchFamily="2" charset="-122"/>
-              </a:defRPr>
-            </a:lvl4pPr>
-            <a:lvl5pPr marL="2057400" indent="-228600" eaLnBrk="0" hangingPunct="0">
-              <a:defRPr>
-                <a:solidFill>
-                  <a:schemeClr val="tx1"/>
-                </a:solidFill>
-                <a:latin typeface="Arial" charset="0"/>
-                <a:ea typeface="宋体" pitchFamily="2" charset="-122"/>
-              </a:defRPr>
-            </a:lvl5pPr>
-            <a:lvl6pPr marL="2514600" indent="-228600" eaLnBrk="0" fontAlgn="base" hangingPunct="0">
-              <a:spcBef>
-                <a:spcPct val="0"/>
-              </a:spcBef>
-              <a:spcAft>
-                <a:spcPct val="0"/>
-              </a:spcAft>
-              <a:defRPr>
-                <a:solidFill>
-                  <a:schemeClr val="tx1"/>
-                </a:solidFill>
-                <a:latin typeface="Arial" charset="0"/>
-                <a:ea typeface="宋体" pitchFamily="2" charset="-122"/>
-              </a:defRPr>
-            </a:lvl6pPr>
-            <a:lvl7pPr marL="2971800" indent="-228600" eaLnBrk="0" fontAlgn="base" hangingPunct="0">
-              <a:spcBef>
-                <a:spcPct val="0"/>
-              </a:spcBef>
-              <a:spcAft>
-                <a:spcPct val="0"/>
-              </a:spcAft>
-              <a:defRPr>
-                <a:solidFill>
-                  <a:schemeClr val="tx1"/>
-                </a:solidFill>
-                <a:latin typeface="Arial" charset="0"/>
-                <a:ea typeface="宋体" pitchFamily="2" charset="-122"/>
-              </a:defRPr>
-            </a:lvl7pPr>
-            <a:lvl8pPr marL="3429000" indent="-228600" eaLnBrk="0" fontAlgn="base" hangingPunct="0">
-              <a:spcBef>
-                <a:spcPct val="0"/>
-              </a:spcBef>
-              <a:spcAft>
-                <a:spcPct val="0"/>
-              </a:spcAft>
-              <a:defRPr>
-                <a:solidFill>
-                  <a:schemeClr val="tx1"/>
-                </a:solidFill>
-                <a:latin typeface="Arial" charset="0"/>
-                <a:ea typeface="宋体" pitchFamily="2" charset="-122"/>
-              </a:defRPr>
-            </a:lvl8pPr>
-            <a:lvl9pPr marL="3886200" indent="-228600" eaLnBrk="0" fontAlgn="base" hangingPunct="0">
-              <a:spcBef>
-                <a:spcPct val="0"/>
-              </a:spcBef>
-              <a:spcAft>
-                <a:spcPct val="0"/>
-              </a:spcAft>
-              <a:defRPr>
-                <a:solidFill>
-                  <a:schemeClr val="tx1"/>
-                </a:solidFill>
-                <a:latin typeface="Arial" charset="0"/>
-                <a:ea typeface="宋体" pitchFamily="2" charset="-122"/>
-              </a:defRPr>
-            </a:lvl9pPr>
-          </a:lstStyle>
-          <a:p>
-            <a:pPr eaLnBrk="1" hangingPunct="1"/>
-            <a:r>
-              <a:rPr lang="en-US" altLang="zh-CN" sz="2000"/>
-              <a:t>probability density</a:t>
-            </a:r>
-            <a:endParaRPr lang="zh-CN" altLang="en-US" sz="2000"/>
-          </a:p>
-        </p:txBody>
-      </p:sp>
-      <p:sp>
-        <p:nvSpPr>
-          <p:cNvPr id="45" name="右箭头 44"/>
-          <p:cNvSpPr/>
-          <p:nvPr/>
-        </p:nvSpPr>
-        <p:spPr bwMode="auto">
-          <a:xfrm rot="13800000">
-            <a:off x="1077119" y="-555549"/>
-            <a:ext cx="433387" cy="431800"/>
-          </a:xfrm>
-          <a:prstGeom prst="rightArrow">
-            <a:avLst/>
-          </a:prstGeom>
-          <a:solidFill>
-            <a:schemeClr val="bg1"/>
-          </a:solidFill>
-          <a:ln>
-            <a:solidFill>
-              <a:schemeClr val="bg1"/>
-            </a:solidFill>
-          </a:ln>
-          <a:effectLst/>
-        </p:spPr>
-        <p:style>
-          <a:lnRef idx="2">
-            <a:schemeClr val="accent1">
-              <a:shade val="50000"/>
-            </a:schemeClr>
-          </a:lnRef>
-          <a:fillRef idx="1">
-            <a:schemeClr val="accent1"/>
-          </a:fillRef>
-          <a:effectRef idx="0">
-            <a:schemeClr val="accent1"/>
-          </a:effectRef>
-          <a:fontRef idx="minor">
-            <a:schemeClr val="lt1"/>
-          </a:fontRef>
-        </p:style>
-        <p:txBody>
-          <a:bodyPr anchor="ctr"/>
-          <a:lstStyle/>
-          <a:p>
-            <a:pPr algn="ctr">
-              <a:defRPr/>
-            </a:pPr>
-            <a:endParaRPr lang="zh-CN" altLang="en-US"/>
-          </a:p>
-        </p:txBody>
-      </p:sp>
-      <p:sp>
-        <p:nvSpPr>
-          <p:cNvPr id="48" name="右箭头 47"/>
-          <p:cNvSpPr/>
-          <p:nvPr/>
-        </p:nvSpPr>
-        <p:spPr bwMode="auto">
-          <a:xfrm rot="13800000">
-            <a:off x="1036638" y="4647482"/>
-            <a:ext cx="433387" cy="433388"/>
-          </a:xfrm>
-          <a:prstGeom prst="rightArrow">
-            <a:avLst/>
-          </a:prstGeom>
-          <a:solidFill>
-            <a:schemeClr val="bg1"/>
-          </a:solidFill>
-          <a:ln>
-            <a:solidFill>
-              <a:schemeClr val="bg1"/>
-            </a:solidFill>
-          </a:ln>
-          <a:effectLst/>
-        </p:spPr>
-        <p:style>
-          <a:lnRef idx="2">
-            <a:schemeClr val="accent1">
-              <a:shade val="50000"/>
-            </a:schemeClr>
-          </a:lnRef>
-          <a:fillRef idx="1">
-            <a:schemeClr val="accent1"/>
-          </a:fillRef>
-          <a:effectRef idx="0">
-            <a:schemeClr val="accent1"/>
-          </a:effectRef>
-          <a:fontRef idx="minor">
-            <a:schemeClr val="lt1"/>
-          </a:fontRef>
-        </p:style>
-        <p:txBody>
-          <a:bodyPr anchor="ctr"/>
-          <a:lstStyle/>
-          <a:p>
-            <a:pPr algn="ctr">
-              <a:defRPr/>
-            </a:pPr>
-            <a:endParaRPr lang="zh-CN" altLang="en-US"/>
-          </a:p>
-        </p:txBody>
-      </p:sp>
-      <p:pic>
-        <p:nvPicPr>
-          <p:cNvPr id="4" name="图片 3"/>
-          <p:cNvPicPr>
-            <a:picLocks noChangeAspect="1"/>
-          </p:cNvPicPr>
-          <p:nvPr/>
-        </p:nvPicPr>
-        <p:blipFill>
-          <a:blip r:embed="rId6" cstate="print">
-            <a:extLst>
-              <a:ext uri="{28A0092B-C50C-407E-A947-70E740481C1C}">
-                <a14:useLocalDpi xmlns:a14="http://schemas.microsoft.com/office/drawing/2010/main" val="0"/>
-              </a:ext>
-            </a:extLst>
-          </a:blip>
-          <a:stretch>
-            <a:fillRect/>
-          </a:stretch>
-        </p:blipFill>
-        <p:spPr>
-          <a:xfrm>
-            <a:off x="-3714750" y="6093296"/>
-            <a:ext cx="8229601" cy="5486400"/>
-          </a:xfrm>
-          <a:prstGeom prst="rect">
-            <a:avLst/>
-          </a:prstGeom>
-        </p:spPr>
-      </p:pic>
-      <p:pic>
-        <p:nvPicPr>
-          <p:cNvPr id="3" name="图片 2"/>
-          <p:cNvPicPr>
-            <a:picLocks noChangeAspect="1"/>
-          </p:cNvPicPr>
-          <p:nvPr/>
-        </p:nvPicPr>
-        <p:blipFill>
-          <a:blip r:embed="rId7" cstate="print">
-            <a:extLst>
-              <a:ext uri="{28A0092B-C50C-407E-A947-70E740481C1C}">
-                <a14:useLocalDpi xmlns:a14="http://schemas.microsoft.com/office/drawing/2010/main" val="0"/>
-              </a:ext>
-            </a:extLst>
-          </a:blip>
-          <a:stretch>
-            <a:fillRect/>
-          </a:stretch>
-        </p:blipFill>
-        <p:spPr>
-          <a:xfrm>
-            <a:off x="3414713" y="6093296"/>
-            <a:ext cx="7315215" cy="5486411"/>
-          </a:xfrm>
-          <a:prstGeom prst="rect">
-            <a:avLst/>
-          </a:prstGeom>
-        </p:spPr>
-      </p:pic>
-      <p:sp>
-        <p:nvSpPr>
-          <p:cNvPr id="3079" name="TextBox 12"/>
-          <p:cNvSpPr txBox="1">
-            <a:spLocks noChangeArrowheads="1"/>
-          </p:cNvSpPr>
-          <p:nvPr/>
-        </p:nvSpPr>
-        <p:spPr bwMode="auto">
-          <a:xfrm>
-            <a:off x="1899240" y="5960893"/>
-            <a:ext cx="3901281" cy="492443"/>
-          </a:xfrm>
-          <a:prstGeom prst="rect">
-            <a:avLst/>
-          </a:prstGeom>
-          <a:noFill/>
-          <a:ln>
-            <a:noFill/>
-          </a:ln>
-          <a:extLst>
-            <a:ext uri="{909E8E84-426E-40DD-AFC4-6F175D3DCCD1}">
-              <a14:hiddenFill xmlns:a14="http://schemas.microsoft.com/office/drawing/2010/main">
-                <a:solidFill>
-                  <a:srgbClr val="FFFFFF"/>
-                </a:solidFill>
-              </a14:hiddenFill>
-            </a:ext>
-            <a:ext uri="{91240B29-F687-4F45-9708-019B960494DF}">
-              <a14:hiddenLine xmlns:a14="http://schemas.microsoft.com/office/drawing/2010/main" w="9525">
-                <a:solidFill>
-                  <a:srgbClr val="000000"/>
-                </a:solidFill>
-                <a:miter lim="800000"/>
-                <a:headEnd/>
-                <a:tailEnd/>
-              </a14:hiddenLine>
-            </a:ext>
-          </a:extLst>
-        </p:spPr>
-        <p:txBody>
-          <a:bodyPr wrap="square">
-            <a:spAutoFit/>
-          </a:bodyPr>
-          <a:lstStyle>
-            <a:lvl1pPr eaLnBrk="0" hangingPunct="0">
-              <a:defRPr>
-                <a:solidFill>
-                  <a:schemeClr val="tx1"/>
-                </a:solidFill>
-                <a:latin typeface="Arial" charset="0"/>
-                <a:ea typeface="宋体" pitchFamily="2" charset="-122"/>
-              </a:defRPr>
-            </a:lvl1pPr>
-            <a:lvl2pPr marL="742950" indent="-285750" eaLnBrk="0" hangingPunct="0">
-              <a:defRPr>
-                <a:solidFill>
-                  <a:schemeClr val="tx1"/>
-                </a:solidFill>
-                <a:latin typeface="Arial" charset="0"/>
-                <a:ea typeface="宋体" pitchFamily="2" charset="-122"/>
-              </a:defRPr>
-            </a:lvl2pPr>
-            <a:lvl3pPr marL="1143000" indent="-228600" eaLnBrk="0" hangingPunct="0">
-              <a:defRPr>
-                <a:solidFill>
-                  <a:schemeClr val="tx1"/>
-                </a:solidFill>
-                <a:latin typeface="Arial" charset="0"/>
-                <a:ea typeface="宋体" pitchFamily="2" charset="-122"/>
-              </a:defRPr>
-            </a:lvl3pPr>
-            <a:lvl4pPr marL="1600200" indent="-228600" eaLnBrk="0" hangingPunct="0">
-              <a:defRPr>
-                <a:solidFill>
-                  <a:schemeClr val="tx1"/>
-                </a:solidFill>
-                <a:latin typeface="Arial" charset="0"/>
-                <a:ea typeface="宋体" pitchFamily="2" charset="-122"/>
-              </a:defRPr>
-            </a:lvl4pPr>
-            <a:lvl5pPr marL="2057400" indent="-228600" eaLnBrk="0" hangingPunct="0">
-              <a:defRPr>
-                <a:solidFill>
-                  <a:schemeClr val="tx1"/>
-                </a:solidFill>
-                <a:latin typeface="Arial" charset="0"/>
-                <a:ea typeface="宋体" pitchFamily="2" charset="-122"/>
-              </a:defRPr>
-            </a:lvl5pPr>
-            <a:lvl6pPr marL="2514600" indent="-228600" eaLnBrk="0" fontAlgn="base" hangingPunct="0">
-              <a:spcBef>
-                <a:spcPct val="0"/>
-              </a:spcBef>
-              <a:spcAft>
-                <a:spcPct val="0"/>
-              </a:spcAft>
-              <a:defRPr>
-                <a:solidFill>
-                  <a:schemeClr val="tx1"/>
-                </a:solidFill>
-                <a:latin typeface="Arial" charset="0"/>
-                <a:ea typeface="宋体" pitchFamily="2" charset="-122"/>
-              </a:defRPr>
-            </a:lvl6pPr>
-            <a:lvl7pPr marL="2971800" indent="-228600" eaLnBrk="0" fontAlgn="base" hangingPunct="0">
-              <a:spcBef>
-                <a:spcPct val="0"/>
-              </a:spcBef>
-              <a:spcAft>
-                <a:spcPct val="0"/>
-              </a:spcAft>
-              <a:defRPr>
-                <a:solidFill>
-                  <a:schemeClr val="tx1"/>
-                </a:solidFill>
-                <a:latin typeface="Arial" charset="0"/>
-                <a:ea typeface="宋体" pitchFamily="2" charset="-122"/>
-              </a:defRPr>
-            </a:lvl7pPr>
-            <a:lvl8pPr marL="3429000" indent="-228600" eaLnBrk="0" fontAlgn="base" hangingPunct="0">
-              <a:spcBef>
-                <a:spcPct val="0"/>
-              </a:spcBef>
-              <a:spcAft>
-                <a:spcPct val="0"/>
-              </a:spcAft>
-              <a:defRPr>
-                <a:solidFill>
-                  <a:schemeClr val="tx1"/>
-                </a:solidFill>
-                <a:latin typeface="Arial" charset="0"/>
-                <a:ea typeface="宋体" pitchFamily="2" charset="-122"/>
-              </a:defRPr>
-            </a:lvl8pPr>
-            <a:lvl9pPr marL="3886200" indent="-228600" eaLnBrk="0" fontAlgn="base" hangingPunct="0">
-              <a:spcBef>
-                <a:spcPct val="0"/>
-              </a:spcBef>
-              <a:spcAft>
-                <a:spcPct val="0"/>
-              </a:spcAft>
-              <a:defRPr>
-                <a:solidFill>
-                  <a:schemeClr val="tx1"/>
-                </a:solidFill>
-                <a:latin typeface="Arial" charset="0"/>
-                <a:ea typeface="宋体" pitchFamily="2" charset="-122"/>
-              </a:defRPr>
-            </a:lvl9pPr>
-          </a:lstStyle>
-          <a:p>
-            <a:pPr algn="ctr" eaLnBrk="1" hangingPunct="1"/>
-            <a:r>
-              <a:rPr lang="en-US" altLang="zh-CN" sz="2600" b="1" dirty="0"/>
-              <a:t>(b) </a:t>
-            </a:r>
-            <a:r>
-              <a:rPr lang="en-US" altLang="zh-CN" sz="2600" b="1" dirty="0" smtClean="0"/>
-              <a:t>DSI-11 b10k </a:t>
-            </a:r>
-            <a:r>
-              <a:rPr lang="en-US" altLang="zh-CN" sz="2600" b="1" dirty="0"/>
-              <a:t>In Vivo</a:t>
-            </a:r>
-            <a:endParaRPr lang="zh-CN" altLang="en-US" sz="2600" b="1" dirty="0"/>
-          </a:p>
-        </p:txBody>
-      </p:sp>
-      <p:sp>
-        <p:nvSpPr>
-          <p:cNvPr id="3085" name="TextBox 12"/>
-          <p:cNvSpPr txBox="1">
-            <a:spLocks noChangeArrowheads="1"/>
-          </p:cNvSpPr>
-          <p:nvPr/>
-        </p:nvSpPr>
-        <p:spPr bwMode="auto">
-          <a:xfrm>
-            <a:off x="5878513" y="5877794"/>
-            <a:ext cx="2387600" cy="400050"/>
-          </a:xfrm>
-          <a:prstGeom prst="rect">
-            <a:avLst/>
-          </a:prstGeom>
-          <a:noFill/>
-          <a:ln>
-            <a:noFill/>
-          </a:ln>
-          <a:extLst>
-            <a:ext uri="{909E8E84-426E-40DD-AFC4-6F175D3DCCD1}">
-              <a14:hiddenFill xmlns:a14="http://schemas.microsoft.com/office/drawing/2010/main">
-                <a:solidFill>
-                  <a:srgbClr val="FFFFFF"/>
-                </a:solidFill>
-              </a14:hiddenFill>
-            </a:ext>
-            <a:ext uri="{91240B29-F687-4F45-9708-019B960494DF}">
-              <a14:hiddenLine xmlns:a14="http://schemas.microsoft.com/office/drawing/2010/main" w="9525">
-                <a:solidFill>
-                  <a:srgbClr val="000000"/>
-                </a:solidFill>
-                <a:miter lim="800000"/>
-                <a:headEnd/>
-                <a:tailEnd/>
-              </a14:hiddenLine>
-            </a:ext>
-          </a:extLst>
-        </p:spPr>
-        <p:txBody>
-          <a:bodyPr>
-            <a:spAutoFit/>
-          </a:bodyPr>
-          <a:lstStyle>
-            <a:lvl1pPr eaLnBrk="0" hangingPunct="0">
-              <a:defRPr>
-                <a:solidFill>
-                  <a:schemeClr val="tx1"/>
-                </a:solidFill>
-                <a:latin typeface="Arial" charset="0"/>
-                <a:ea typeface="宋体" pitchFamily="2" charset="-122"/>
-              </a:defRPr>
-            </a:lvl1pPr>
-            <a:lvl2pPr marL="742950" indent="-285750" eaLnBrk="0" hangingPunct="0">
-              <a:defRPr>
-                <a:solidFill>
-                  <a:schemeClr val="tx1"/>
-                </a:solidFill>
-                <a:latin typeface="Arial" charset="0"/>
-                <a:ea typeface="宋体" pitchFamily="2" charset="-122"/>
-              </a:defRPr>
-            </a:lvl2pPr>
-            <a:lvl3pPr marL="1143000" indent="-228600" eaLnBrk="0" hangingPunct="0">
-              <a:defRPr>
-                <a:solidFill>
-                  <a:schemeClr val="tx1"/>
-                </a:solidFill>
-                <a:latin typeface="Arial" charset="0"/>
-                <a:ea typeface="宋体" pitchFamily="2" charset="-122"/>
-              </a:defRPr>
-            </a:lvl3pPr>
-            <a:lvl4pPr marL="1600200" indent="-228600" eaLnBrk="0" hangingPunct="0">
-              <a:defRPr>
-                <a:solidFill>
-                  <a:schemeClr val="tx1"/>
-                </a:solidFill>
-                <a:latin typeface="Arial" charset="0"/>
-                <a:ea typeface="宋体" pitchFamily="2" charset="-122"/>
-              </a:defRPr>
-            </a:lvl4pPr>
-            <a:lvl5pPr marL="2057400" indent="-228600" eaLnBrk="0" hangingPunct="0">
-              <a:defRPr>
-                <a:solidFill>
-                  <a:schemeClr val="tx1"/>
-                </a:solidFill>
-                <a:latin typeface="Arial" charset="0"/>
-                <a:ea typeface="宋体" pitchFamily="2" charset="-122"/>
-              </a:defRPr>
-            </a:lvl5pPr>
-            <a:lvl6pPr marL="2514600" indent="-228600" eaLnBrk="0" fontAlgn="base" hangingPunct="0">
-              <a:spcBef>
-                <a:spcPct val="0"/>
-              </a:spcBef>
-              <a:spcAft>
-                <a:spcPct val="0"/>
-              </a:spcAft>
-              <a:defRPr>
-                <a:solidFill>
-                  <a:schemeClr val="tx1"/>
-                </a:solidFill>
-                <a:latin typeface="Arial" charset="0"/>
-                <a:ea typeface="宋体" pitchFamily="2" charset="-122"/>
-              </a:defRPr>
-            </a:lvl6pPr>
-            <a:lvl7pPr marL="2971800" indent="-228600" eaLnBrk="0" fontAlgn="base" hangingPunct="0">
-              <a:spcBef>
-                <a:spcPct val="0"/>
-              </a:spcBef>
-              <a:spcAft>
-                <a:spcPct val="0"/>
-              </a:spcAft>
-              <a:defRPr>
-                <a:solidFill>
-                  <a:schemeClr val="tx1"/>
-                </a:solidFill>
-                <a:latin typeface="Arial" charset="0"/>
-                <a:ea typeface="宋体" pitchFamily="2" charset="-122"/>
-              </a:defRPr>
-            </a:lvl7pPr>
-            <a:lvl8pPr marL="3429000" indent="-228600" eaLnBrk="0" fontAlgn="base" hangingPunct="0">
-              <a:spcBef>
-                <a:spcPct val="0"/>
-              </a:spcBef>
-              <a:spcAft>
-                <a:spcPct val="0"/>
-              </a:spcAft>
-              <a:defRPr>
-                <a:solidFill>
-                  <a:schemeClr val="tx1"/>
-                </a:solidFill>
-                <a:latin typeface="Arial" charset="0"/>
-                <a:ea typeface="宋体" pitchFamily="2" charset="-122"/>
-              </a:defRPr>
-            </a:lvl8pPr>
-            <a:lvl9pPr marL="3886200" indent="-228600" eaLnBrk="0" fontAlgn="base" hangingPunct="0">
-              <a:spcBef>
-                <a:spcPct val="0"/>
-              </a:spcBef>
-              <a:spcAft>
-                <a:spcPct val="0"/>
-              </a:spcAft>
-              <a:defRPr>
-                <a:solidFill>
-                  <a:schemeClr val="tx1"/>
-                </a:solidFill>
-                <a:latin typeface="Arial" charset="0"/>
-                <a:ea typeface="宋体" pitchFamily="2" charset="-122"/>
-              </a:defRPr>
-            </a:lvl9pPr>
-          </a:lstStyle>
-          <a:p>
-            <a:pPr eaLnBrk="1" hangingPunct="1"/>
-            <a:r>
-              <a:rPr lang="en-US" altLang="zh-CN" sz="2000"/>
-              <a:t>displacement (</a:t>
-            </a:r>
-            <a:r>
-              <a:rPr lang="el-GR" altLang="zh-CN" sz="2000"/>
-              <a:t>μ</a:t>
-            </a:r>
-            <a:r>
-              <a:rPr lang="en-US" altLang="zh-CN" sz="2000"/>
-              <a:t>m)</a:t>
-            </a:r>
-            <a:endParaRPr lang="zh-CN" altLang="en-US" sz="2000"/>
-          </a:p>
-        </p:txBody>
-      </p:sp>
-      <p:sp>
-        <p:nvSpPr>
-          <p:cNvPr id="27" name="TextBox 12"/>
-          <p:cNvSpPr txBox="1">
-            <a:spLocks noChangeArrowheads="1"/>
-          </p:cNvSpPr>
-          <p:nvPr/>
-        </p:nvSpPr>
-        <p:spPr bwMode="auto">
-          <a:xfrm>
-            <a:off x="1848043" y="11080898"/>
-            <a:ext cx="4003675" cy="492443"/>
-          </a:xfrm>
-          <a:prstGeom prst="rect">
-            <a:avLst/>
-          </a:prstGeom>
-          <a:noFill/>
-          <a:ln>
-            <a:noFill/>
-          </a:ln>
-          <a:extLst>
-            <a:ext uri="{909E8E84-426E-40DD-AFC4-6F175D3DCCD1}">
-              <a14:hiddenFill xmlns:a14="http://schemas.microsoft.com/office/drawing/2010/main">
-                <a:solidFill>
-                  <a:srgbClr val="FFFFFF"/>
-                </a:solidFill>
-              </a14:hiddenFill>
-            </a:ext>
-            <a:ext uri="{91240B29-F687-4F45-9708-019B960494DF}">
-              <a14:hiddenLine xmlns:a14="http://schemas.microsoft.com/office/drawing/2010/main" w="9525">
-                <a:solidFill>
-                  <a:srgbClr val="000000"/>
-                </a:solidFill>
-                <a:miter lim="800000"/>
-                <a:headEnd/>
-                <a:tailEnd/>
-              </a14:hiddenLine>
-            </a:ext>
-          </a:extLst>
-        </p:spPr>
-        <p:txBody>
-          <a:bodyPr wrap="square">
-            <a:spAutoFit/>
-          </a:bodyPr>
-          <a:lstStyle>
-            <a:lvl1pPr eaLnBrk="0" hangingPunct="0">
-              <a:defRPr>
-                <a:solidFill>
-                  <a:schemeClr val="tx1"/>
-                </a:solidFill>
-                <a:latin typeface="Arial" charset="0"/>
-                <a:ea typeface="宋体" pitchFamily="2" charset="-122"/>
-              </a:defRPr>
-            </a:lvl1pPr>
-            <a:lvl2pPr marL="742950" indent="-285750" eaLnBrk="0" hangingPunct="0">
-              <a:defRPr>
-                <a:solidFill>
-                  <a:schemeClr val="tx1"/>
-                </a:solidFill>
-                <a:latin typeface="Arial" charset="0"/>
-                <a:ea typeface="宋体" pitchFamily="2" charset="-122"/>
-              </a:defRPr>
-            </a:lvl2pPr>
-            <a:lvl3pPr marL="1143000" indent="-228600" eaLnBrk="0" hangingPunct="0">
-              <a:defRPr>
-                <a:solidFill>
-                  <a:schemeClr val="tx1"/>
-                </a:solidFill>
-                <a:latin typeface="Arial" charset="0"/>
-                <a:ea typeface="宋体" pitchFamily="2" charset="-122"/>
-              </a:defRPr>
-            </a:lvl3pPr>
-            <a:lvl4pPr marL="1600200" indent="-228600" eaLnBrk="0" hangingPunct="0">
-              <a:defRPr>
-                <a:solidFill>
-                  <a:schemeClr val="tx1"/>
-                </a:solidFill>
-                <a:latin typeface="Arial" charset="0"/>
-                <a:ea typeface="宋体" pitchFamily="2" charset="-122"/>
-              </a:defRPr>
-            </a:lvl4pPr>
-            <a:lvl5pPr marL="2057400" indent="-228600" eaLnBrk="0" hangingPunct="0">
-              <a:defRPr>
-                <a:solidFill>
-                  <a:schemeClr val="tx1"/>
-                </a:solidFill>
-                <a:latin typeface="Arial" charset="0"/>
-                <a:ea typeface="宋体" pitchFamily="2" charset="-122"/>
-              </a:defRPr>
-            </a:lvl5pPr>
-            <a:lvl6pPr marL="2514600" indent="-228600" eaLnBrk="0" fontAlgn="base" hangingPunct="0">
-              <a:spcBef>
-                <a:spcPct val="0"/>
-              </a:spcBef>
-              <a:spcAft>
-                <a:spcPct val="0"/>
-              </a:spcAft>
-              <a:defRPr>
-                <a:solidFill>
-                  <a:schemeClr val="tx1"/>
-                </a:solidFill>
-                <a:latin typeface="Arial" charset="0"/>
-                <a:ea typeface="宋体" pitchFamily="2" charset="-122"/>
-              </a:defRPr>
-            </a:lvl6pPr>
-            <a:lvl7pPr marL="2971800" indent="-228600" eaLnBrk="0" fontAlgn="base" hangingPunct="0">
-              <a:spcBef>
-                <a:spcPct val="0"/>
-              </a:spcBef>
-              <a:spcAft>
-                <a:spcPct val="0"/>
-              </a:spcAft>
-              <a:defRPr>
-                <a:solidFill>
-                  <a:schemeClr val="tx1"/>
-                </a:solidFill>
-                <a:latin typeface="Arial" charset="0"/>
-                <a:ea typeface="宋体" pitchFamily="2" charset="-122"/>
-              </a:defRPr>
-            </a:lvl7pPr>
-            <a:lvl8pPr marL="3429000" indent="-228600" eaLnBrk="0" fontAlgn="base" hangingPunct="0">
-              <a:spcBef>
-                <a:spcPct val="0"/>
-              </a:spcBef>
-              <a:spcAft>
-                <a:spcPct val="0"/>
-              </a:spcAft>
-              <a:defRPr>
-                <a:solidFill>
-                  <a:schemeClr val="tx1"/>
-                </a:solidFill>
-                <a:latin typeface="Arial" charset="0"/>
-                <a:ea typeface="宋体" pitchFamily="2" charset="-122"/>
-              </a:defRPr>
-            </a:lvl8pPr>
-            <a:lvl9pPr marL="3886200" indent="-228600" eaLnBrk="0" fontAlgn="base" hangingPunct="0">
-              <a:spcBef>
-                <a:spcPct val="0"/>
-              </a:spcBef>
-              <a:spcAft>
-                <a:spcPct val="0"/>
-              </a:spcAft>
-              <a:defRPr>
-                <a:solidFill>
-                  <a:schemeClr val="tx1"/>
-                </a:solidFill>
-                <a:latin typeface="Arial" charset="0"/>
-                <a:ea typeface="宋体" pitchFamily="2" charset="-122"/>
-              </a:defRPr>
-            </a:lvl9pPr>
-          </a:lstStyle>
-          <a:p>
-            <a:pPr algn="ctr" eaLnBrk="1" hangingPunct="1"/>
-            <a:r>
-              <a:rPr lang="en-US" altLang="zh-CN" sz="2600" b="1" dirty="0" smtClean="0"/>
-              <a:t>(c) </a:t>
-            </a:r>
-            <a:r>
-              <a:rPr lang="en-US" altLang="zh-CN" sz="2600" b="1" dirty="0"/>
-              <a:t>DSI-11 </a:t>
-            </a:r>
-            <a:r>
-              <a:rPr lang="en-US" altLang="zh-CN" sz="2600" b="1" dirty="0" smtClean="0"/>
-              <a:t>b7k In </a:t>
-            </a:r>
-            <a:r>
-              <a:rPr lang="en-US" altLang="zh-CN" sz="2600" b="1" dirty="0"/>
-              <a:t>Vivo</a:t>
-            </a:r>
-            <a:endParaRPr lang="zh-CN" altLang="en-US" sz="2600" b="1" dirty="0"/>
-          </a:p>
-        </p:txBody>
-      </p:sp>
-      <p:sp>
-        <p:nvSpPr>
-          <p:cNvPr id="28" name="TextBox 15"/>
-          <p:cNvSpPr txBox="1">
-            <a:spLocks noChangeArrowheads="1"/>
-          </p:cNvSpPr>
-          <p:nvPr/>
-        </p:nvSpPr>
-        <p:spPr bwMode="auto">
-          <a:xfrm>
-            <a:off x="-977900" y="6568395"/>
-            <a:ext cx="2576513" cy="492125"/>
-          </a:xfrm>
-          <a:prstGeom prst="rect">
-            <a:avLst/>
-          </a:prstGeom>
-          <a:noFill/>
-          <a:ln>
-            <a:noFill/>
-          </a:ln>
-          <a:extLst>
-            <a:ext uri="{909E8E84-426E-40DD-AFC4-6F175D3DCCD1}">
-              <a14:hiddenFill xmlns:a14="http://schemas.microsoft.com/office/drawing/2010/main">
-                <a:solidFill>
-                  <a:srgbClr val="FFFFFF"/>
-                </a:solidFill>
-              </a14:hiddenFill>
-            </a:ext>
-            <a:ext uri="{91240B29-F687-4F45-9708-019B960494DF}">
-              <a14:hiddenLine xmlns:a14="http://schemas.microsoft.com/office/drawing/2010/main" w="9525">
-                <a:solidFill>
-                  <a:srgbClr val="000000"/>
-                </a:solidFill>
-                <a:miter lim="800000"/>
-                <a:headEnd/>
-                <a:tailEnd/>
-              </a14:hiddenLine>
-            </a:ext>
-          </a:extLst>
-        </p:spPr>
-        <p:txBody>
-          <a:bodyPr>
-            <a:spAutoFit/>
-          </a:bodyPr>
-          <a:lstStyle>
-            <a:lvl1pPr eaLnBrk="0" hangingPunct="0">
-              <a:defRPr>
-                <a:solidFill>
-                  <a:schemeClr val="tx1"/>
-                </a:solidFill>
-                <a:latin typeface="Arial" charset="0"/>
-                <a:ea typeface="宋体" pitchFamily="2" charset="-122"/>
-              </a:defRPr>
-            </a:lvl1pPr>
-            <a:lvl2pPr marL="742950" indent="-285750" eaLnBrk="0" hangingPunct="0">
-              <a:defRPr>
-                <a:solidFill>
-                  <a:schemeClr val="tx1"/>
-                </a:solidFill>
-                <a:latin typeface="Arial" charset="0"/>
-                <a:ea typeface="宋体" pitchFamily="2" charset="-122"/>
-              </a:defRPr>
-            </a:lvl2pPr>
-            <a:lvl3pPr marL="1143000" indent="-228600" eaLnBrk="0" hangingPunct="0">
-              <a:defRPr>
-                <a:solidFill>
-                  <a:schemeClr val="tx1"/>
-                </a:solidFill>
-                <a:latin typeface="Arial" charset="0"/>
-                <a:ea typeface="宋体" pitchFamily="2" charset="-122"/>
-              </a:defRPr>
-            </a:lvl3pPr>
-            <a:lvl4pPr marL="1600200" indent="-228600" eaLnBrk="0" hangingPunct="0">
-              <a:defRPr>
-                <a:solidFill>
-                  <a:schemeClr val="tx1"/>
-                </a:solidFill>
-                <a:latin typeface="Arial" charset="0"/>
-                <a:ea typeface="宋体" pitchFamily="2" charset="-122"/>
-              </a:defRPr>
-            </a:lvl4pPr>
-            <a:lvl5pPr marL="2057400" indent="-228600" eaLnBrk="0" hangingPunct="0">
-              <a:defRPr>
-                <a:solidFill>
-                  <a:schemeClr val="tx1"/>
-                </a:solidFill>
-                <a:latin typeface="Arial" charset="0"/>
-                <a:ea typeface="宋体" pitchFamily="2" charset="-122"/>
-              </a:defRPr>
-            </a:lvl5pPr>
-            <a:lvl6pPr marL="2514600" indent="-228600" eaLnBrk="0" fontAlgn="base" hangingPunct="0">
-              <a:spcBef>
-                <a:spcPct val="0"/>
-              </a:spcBef>
-              <a:spcAft>
-                <a:spcPct val="0"/>
-              </a:spcAft>
-              <a:defRPr>
-                <a:solidFill>
-                  <a:schemeClr val="tx1"/>
-                </a:solidFill>
-                <a:latin typeface="Arial" charset="0"/>
-                <a:ea typeface="宋体" pitchFamily="2" charset="-122"/>
-              </a:defRPr>
-            </a:lvl6pPr>
-            <a:lvl7pPr marL="2971800" indent="-228600" eaLnBrk="0" fontAlgn="base" hangingPunct="0">
-              <a:spcBef>
-                <a:spcPct val="0"/>
-              </a:spcBef>
-              <a:spcAft>
-                <a:spcPct val="0"/>
-              </a:spcAft>
-              <a:defRPr>
-                <a:solidFill>
-                  <a:schemeClr val="tx1"/>
-                </a:solidFill>
-                <a:latin typeface="Arial" charset="0"/>
-                <a:ea typeface="宋体" pitchFamily="2" charset="-122"/>
-              </a:defRPr>
-            </a:lvl7pPr>
-            <a:lvl8pPr marL="3429000" indent="-228600" eaLnBrk="0" fontAlgn="base" hangingPunct="0">
-              <a:spcBef>
-                <a:spcPct val="0"/>
-              </a:spcBef>
-              <a:spcAft>
-                <a:spcPct val="0"/>
-              </a:spcAft>
-              <a:defRPr>
-                <a:solidFill>
-                  <a:schemeClr val="tx1"/>
-                </a:solidFill>
-                <a:latin typeface="Arial" charset="0"/>
-                <a:ea typeface="宋体" pitchFamily="2" charset="-122"/>
-              </a:defRPr>
-            </a:lvl8pPr>
-            <a:lvl9pPr marL="3886200" indent="-228600" eaLnBrk="0" fontAlgn="base" hangingPunct="0">
-              <a:spcBef>
-                <a:spcPct val="0"/>
-              </a:spcBef>
-              <a:spcAft>
-                <a:spcPct val="0"/>
-              </a:spcAft>
-              <a:defRPr>
-                <a:solidFill>
-                  <a:schemeClr val="tx1"/>
-                </a:solidFill>
-                <a:latin typeface="Arial" charset="0"/>
-                <a:ea typeface="宋体" pitchFamily="2" charset="-122"/>
-              </a:defRPr>
-            </a:lvl9pPr>
-          </a:lstStyle>
-          <a:p>
-            <a:pPr algn="ctr" eaLnBrk="1" hangingPunct="1"/>
-            <a:r>
-              <a:rPr lang="en-US" altLang="zh-CN" sz="2600" dirty="0" smtClean="0">
-                <a:solidFill>
-                  <a:srgbClr val="FF0000"/>
-                </a:solidFill>
-              </a:rPr>
-              <a:t>MDD=18.3</a:t>
-            </a:r>
-            <a:r>
-              <a:rPr lang="el-GR" altLang="zh-CN" sz="2600" dirty="0" smtClean="0">
-                <a:solidFill>
-                  <a:srgbClr val="FF0000"/>
-                </a:solidFill>
-              </a:rPr>
-              <a:t> </a:t>
-            </a:r>
-            <a:r>
-              <a:rPr lang="el-GR" altLang="zh-CN" sz="2600" dirty="0">
-                <a:solidFill>
-                  <a:srgbClr val="FF0000"/>
-                </a:solidFill>
-              </a:rPr>
-              <a:t>μ</a:t>
-            </a:r>
-            <a:r>
-              <a:rPr lang="en-US" altLang="zh-CN" sz="2600" dirty="0">
-                <a:solidFill>
-                  <a:srgbClr val="FF0000"/>
-                </a:solidFill>
-              </a:rPr>
-              <a:t>m</a:t>
-            </a:r>
-            <a:endParaRPr lang="zh-CN" altLang="en-US" sz="2600" dirty="0">
-              <a:solidFill>
-                <a:srgbClr val="FF0000"/>
-              </a:solidFill>
-            </a:endParaRPr>
-          </a:p>
-        </p:txBody>
-      </p:sp>
-      <p:grpSp>
-        <p:nvGrpSpPr>
-          <p:cNvPr id="29" name="组合 43"/>
-          <p:cNvGrpSpPr>
-            <a:grpSpLocks/>
-          </p:cNvGrpSpPr>
-          <p:nvPr/>
-        </p:nvGrpSpPr>
-        <p:grpSpPr bwMode="auto">
-          <a:xfrm>
-            <a:off x="-1832712" y="10822341"/>
-            <a:ext cx="4244976" cy="492125"/>
-            <a:chOff x="-1111738" y="-1200944"/>
-            <a:chExt cx="4243578" cy="492443"/>
-          </a:xfrm>
-        </p:grpSpPr>
         <p:sp>
           <p:nvSpPr>
-            <p:cNvPr id="30" name="TextBox 44"/>
+            <p:cNvPr id="3081" name="TextBox 15"/>
             <p:cNvSpPr txBox="1">
               <a:spLocks noChangeArrowheads="1"/>
             </p:cNvSpPr>
@@ -6267,8 +4200,8 @@
           </p:nvSpPr>
           <p:spPr bwMode="auto">
             <a:xfrm>
-              <a:off x="-252536" y="-1200944"/>
-              <a:ext cx="2536396" cy="492443"/>
+              <a:off x="-977900" y="1374057"/>
+              <a:ext cx="2576513" cy="492125"/>
             </a:xfrm>
             <a:prstGeom prst="rect">
               <a:avLst/>
@@ -6411,214 +4344,1062 @@
             <a:p>
               <a:pPr algn="ctr" eaLnBrk="1" hangingPunct="1"/>
               <a:r>
-                <a:rPr lang="en-US" altLang="zh-CN" sz="2600" dirty="0" smtClean="0"/>
-                <a:t>FOV=70.3 </a:t>
+                <a:rPr lang="en-US" altLang="zh-CN" sz="2600" dirty="0" smtClean="0">
+                  <a:solidFill>
+                    <a:srgbClr val="FF0000"/>
+                  </a:solidFill>
+                </a:rPr>
+                <a:t>MDD=11.9</a:t>
               </a:r>
               <a:r>
-                <a:rPr lang="el-GR" altLang="zh-CN" sz="2600" dirty="0"/>
+                <a:rPr lang="el-GR" altLang="zh-CN" sz="2600" dirty="0" smtClean="0">
+                  <a:solidFill>
+                    <a:srgbClr val="FF0000"/>
+                  </a:solidFill>
+                </a:rPr>
+                <a:t> </a:t>
+              </a:r>
+              <a:r>
+                <a:rPr lang="el-GR" altLang="zh-CN" sz="2600" dirty="0">
+                  <a:solidFill>
+                    <a:srgbClr val="FF0000"/>
+                  </a:solidFill>
+                </a:rPr>
                 <a:t>μ</a:t>
               </a:r>
               <a:r>
-                <a:rPr lang="en-US" altLang="zh-CN" sz="2600" dirty="0"/>
+                <a:rPr lang="en-US" altLang="zh-CN" sz="2600" dirty="0">
+                  <a:solidFill>
+                    <a:srgbClr val="FF0000"/>
+                  </a:solidFill>
+                </a:rPr>
                 <a:t>m</a:t>
               </a:r>
+              <a:endParaRPr lang="zh-CN" altLang="en-US" sz="2600" dirty="0">
+                <a:solidFill>
+                  <a:srgbClr val="FF0000"/>
+                </a:solidFill>
+              </a:endParaRPr>
             </a:p>
           </p:txBody>
         </p:sp>
-        <p:cxnSp>
-          <p:nvCxnSpPr>
-            <p:cNvPr id="31" name="直接箭头连接符 30"/>
-            <p:cNvCxnSpPr/>
+        <p:grpSp>
+          <p:nvGrpSpPr>
+            <p:cNvPr id="3082" name="组合 39"/>
+            <p:cNvGrpSpPr>
+              <a:grpSpLocks/>
+            </p:cNvGrpSpPr>
             <p:nvPr/>
-          </p:nvCxnSpPr>
+          </p:nvGrpSpPr>
+          <p:grpSpPr bwMode="auto">
+            <a:xfrm>
+              <a:off x="-1838325" y="458069"/>
+              <a:ext cx="4244976" cy="492125"/>
+              <a:chOff x="-1111738" y="-1200944"/>
+              <a:chExt cx="4243578" cy="492443"/>
+            </a:xfrm>
+          </p:grpSpPr>
+          <p:sp>
+            <p:nvSpPr>
+              <p:cNvPr id="3093" name="TextBox 40"/>
+              <p:cNvSpPr txBox="1">
+                <a:spLocks noChangeArrowheads="1"/>
+              </p:cNvSpPr>
+              <p:nvPr/>
+            </p:nvSpPr>
+            <p:spPr bwMode="auto">
+              <a:xfrm>
+                <a:off x="-252536" y="-1200944"/>
+                <a:ext cx="2536396" cy="492443"/>
+              </a:xfrm>
+              <a:prstGeom prst="rect">
+                <a:avLst/>
+              </a:prstGeom>
+              <a:noFill/>
+              <a:ln>
+                <a:noFill/>
+              </a:ln>
+              <a:extLst>
+                <a:ext uri="{909E8E84-426E-40DD-AFC4-6F175D3DCCD1}">
+                  <a14:hiddenFill xmlns:a14="http://schemas.microsoft.com/office/drawing/2010/main">
+                    <a:solidFill>
+                      <a:srgbClr val="FFFFFF"/>
+                    </a:solidFill>
+                  </a14:hiddenFill>
+                </a:ext>
+                <a:ext uri="{91240B29-F687-4F45-9708-019B960494DF}">
+                  <a14:hiddenLine xmlns:a14="http://schemas.microsoft.com/office/drawing/2010/main" w="9525">
+                    <a:solidFill>
+                      <a:srgbClr val="000000"/>
+                    </a:solidFill>
+                    <a:miter lim="800000"/>
+                    <a:headEnd/>
+                    <a:tailEnd/>
+                  </a14:hiddenLine>
+                </a:ext>
+              </a:extLst>
+            </p:spPr>
+            <p:txBody>
+              <a:bodyPr>
+                <a:spAutoFit/>
+              </a:bodyPr>
+              <a:lstStyle>
+                <a:lvl1pPr eaLnBrk="0" hangingPunct="0">
+                  <a:defRPr>
+                    <a:solidFill>
+                      <a:schemeClr val="tx1"/>
+                    </a:solidFill>
+                    <a:latin typeface="Arial" charset="0"/>
+                    <a:ea typeface="宋体" pitchFamily="2" charset="-122"/>
+                  </a:defRPr>
+                </a:lvl1pPr>
+                <a:lvl2pPr marL="742950" indent="-285750" eaLnBrk="0" hangingPunct="0">
+                  <a:defRPr>
+                    <a:solidFill>
+                      <a:schemeClr val="tx1"/>
+                    </a:solidFill>
+                    <a:latin typeface="Arial" charset="0"/>
+                    <a:ea typeface="宋体" pitchFamily="2" charset="-122"/>
+                  </a:defRPr>
+                </a:lvl2pPr>
+                <a:lvl3pPr marL="1143000" indent="-228600" eaLnBrk="0" hangingPunct="0">
+                  <a:defRPr>
+                    <a:solidFill>
+                      <a:schemeClr val="tx1"/>
+                    </a:solidFill>
+                    <a:latin typeface="Arial" charset="0"/>
+                    <a:ea typeface="宋体" pitchFamily="2" charset="-122"/>
+                  </a:defRPr>
+                </a:lvl3pPr>
+                <a:lvl4pPr marL="1600200" indent="-228600" eaLnBrk="0" hangingPunct="0">
+                  <a:defRPr>
+                    <a:solidFill>
+                      <a:schemeClr val="tx1"/>
+                    </a:solidFill>
+                    <a:latin typeface="Arial" charset="0"/>
+                    <a:ea typeface="宋体" pitchFamily="2" charset="-122"/>
+                  </a:defRPr>
+                </a:lvl4pPr>
+                <a:lvl5pPr marL="2057400" indent="-228600" eaLnBrk="0" hangingPunct="0">
+                  <a:defRPr>
+                    <a:solidFill>
+                      <a:schemeClr val="tx1"/>
+                    </a:solidFill>
+                    <a:latin typeface="Arial" charset="0"/>
+                    <a:ea typeface="宋体" pitchFamily="2" charset="-122"/>
+                  </a:defRPr>
+                </a:lvl5pPr>
+                <a:lvl6pPr marL="2514600" indent="-228600" eaLnBrk="0" fontAlgn="base" hangingPunct="0">
+                  <a:spcBef>
+                    <a:spcPct val="0"/>
+                  </a:spcBef>
+                  <a:spcAft>
+                    <a:spcPct val="0"/>
+                  </a:spcAft>
+                  <a:defRPr>
+                    <a:solidFill>
+                      <a:schemeClr val="tx1"/>
+                    </a:solidFill>
+                    <a:latin typeface="Arial" charset="0"/>
+                    <a:ea typeface="宋体" pitchFamily="2" charset="-122"/>
+                  </a:defRPr>
+                </a:lvl6pPr>
+                <a:lvl7pPr marL="2971800" indent="-228600" eaLnBrk="0" fontAlgn="base" hangingPunct="0">
+                  <a:spcBef>
+                    <a:spcPct val="0"/>
+                  </a:spcBef>
+                  <a:spcAft>
+                    <a:spcPct val="0"/>
+                  </a:spcAft>
+                  <a:defRPr>
+                    <a:solidFill>
+                      <a:schemeClr val="tx1"/>
+                    </a:solidFill>
+                    <a:latin typeface="Arial" charset="0"/>
+                    <a:ea typeface="宋体" pitchFamily="2" charset="-122"/>
+                  </a:defRPr>
+                </a:lvl7pPr>
+                <a:lvl8pPr marL="3429000" indent="-228600" eaLnBrk="0" fontAlgn="base" hangingPunct="0">
+                  <a:spcBef>
+                    <a:spcPct val="0"/>
+                  </a:spcBef>
+                  <a:spcAft>
+                    <a:spcPct val="0"/>
+                  </a:spcAft>
+                  <a:defRPr>
+                    <a:solidFill>
+                      <a:schemeClr val="tx1"/>
+                    </a:solidFill>
+                    <a:latin typeface="Arial" charset="0"/>
+                    <a:ea typeface="宋体" pitchFamily="2" charset="-122"/>
+                  </a:defRPr>
+                </a:lvl8pPr>
+                <a:lvl9pPr marL="3886200" indent="-228600" eaLnBrk="0" fontAlgn="base" hangingPunct="0">
+                  <a:spcBef>
+                    <a:spcPct val="0"/>
+                  </a:spcBef>
+                  <a:spcAft>
+                    <a:spcPct val="0"/>
+                  </a:spcAft>
+                  <a:defRPr>
+                    <a:solidFill>
+                      <a:schemeClr val="tx1"/>
+                    </a:solidFill>
+                    <a:latin typeface="Arial" charset="0"/>
+                    <a:ea typeface="宋体" pitchFamily="2" charset="-122"/>
+                  </a:defRPr>
+                </a:lvl9pPr>
+              </a:lstStyle>
+              <a:p>
+                <a:pPr algn="ctr" eaLnBrk="1" hangingPunct="1"/>
+                <a:r>
+                  <a:rPr lang="en-US" altLang="zh-CN" sz="2600"/>
+                  <a:t>FOV=28.0 </a:t>
+                </a:r>
+                <a:r>
+                  <a:rPr lang="el-GR" altLang="zh-CN" sz="2600"/>
+                  <a:t>μ</a:t>
+                </a:r>
+                <a:r>
+                  <a:rPr lang="en-US" altLang="zh-CN" sz="2600"/>
+                  <a:t>m</a:t>
+                </a:r>
+              </a:p>
+            </p:txBody>
+          </p:sp>
+          <p:cxnSp>
+            <p:nvCxnSpPr>
+              <p:cNvPr id="42" name="直接箭头连接符 41"/>
+              <p:cNvCxnSpPr/>
+              <p:nvPr/>
+            </p:nvCxnSpPr>
+            <p:spPr bwMode="auto">
+              <a:xfrm flipH="1" flipV="1">
+                <a:off x="-1111738" y="-954722"/>
+                <a:ext cx="858555" cy="0"/>
+              </a:xfrm>
+              <a:prstGeom prst="straightConnector1">
+                <a:avLst/>
+              </a:prstGeom>
+              <a:ln w="76200">
+                <a:solidFill>
+                  <a:schemeClr val="tx1"/>
+                </a:solidFill>
+                <a:tailEnd type="arrow"/>
+              </a:ln>
+            </p:spPr>
+            <p:style>
+              <a:lnRef idx="1">
+                <a:schemeClr val="accent1"/>
+              </a:lnRef>
+              <a:fillRef idx="0">
+                <a:schemeClr val="accent1"/>
+              </a:fillRef>
+              <a:effectRef idx="0">
+                <a:schemeClr val="accent1"/>
+              </a:effectRef>
+              <a:fontRef idx="minor">
+                <a:schemeClr val="tx1"/>
+              </a:fontRef>
+            </p:style>
+          </p:cxnSp>
+          <p:cxnSp>
+            <p:nvCxnSpPr>
+              <p:cNvPr id="43" name="直接箭头连接符 42"/>
+              <p:cNvCxnSpPr/>
+              <p:nvPr/>
+            </p:nvCxnSpPr>
+            <p:spPr bwMode="auto">
+              <a:xfrm flipV="1">
+                <a:off x="2273285" y="-954722"/>
+                <a:ext cx="858555" cy="0"/>
+              </a:xfrm>
+              <a:prstGeom prst="straightConnector1">
+                <a:avLst/>
+              </a:prstGeom>
+              <a:ln w="76200">
+                <a:solidFill>
+                  <a:schemeClr val="tx1"/>
+                </a:solidFill>
+                <a:tailEnd type="arrow"/>
+              </a:ln>
+            </p:spPr>
+            <p:style>
+              <a:lnRef idx="1">
+                <a:schemeClr val="accent1"/>
+              </a:lnRef>
+              <a:fillRef idx="0">
+                <a:schemeClr val="accent1"/>
+              </a:fillRef>
+              <a:effectRef idx="0">
+                <a:schemeClr val="accent1"/>
+              </a:effectRef>
+              <a:fontRef idx="minor">
+                <a:schemeClr val="tx1"/>
+              </a:fontRef>
+            </p:style>
+          </p:cxnSp>
+        </p:grpSp>
+        <p:grpSp>
+          <p:nvGrpSpPr>
+            <p:cNvPr id="3083" name="组合 43"/>
+            <p:cNvGrpSpPr>
+              <a:grpSpLocks/>
+            </p:cNvGrpSpPr>
+            <p:nvPr/>
+          </p:nvGrpSpPr>
+          <p:grpSpPr bwMode="auto">
+            <a:xfrm>
+              <a:off x="-1838325" y="5649194"/>
+              <a:ext cx="4244976" cy="492125"/>
+              <a:chOff x="-1111738" y="-1200944"/>
+              <a:chExt cx="4243578" cy="492443"/>
+            </a:xfrm>
+          </p:grpSpPr>
+          <p:sp>
+            <p:nvSpPr>
+              <p:cNvPr id="3090" name="TextBox 44"/>
+              <p:cNvSpPr txBox="1">
+                <a:spLocks noChangeArrowheads="1"/>
+              </p:cNvSpPr>
+              <p:nvPr/>
+            </p:nvSpPr>
+            <p:spPr bwMode="auto">
+              <a:xfrm>
+                <a:off x="-252536" y="-1200944"/>
+                <a:ext cx="2536396" cy="492443"/>
+              </a:xfrm>
+              <a:prstGeom prst="rect">
+                <a:avLst/>
+              </a:prstGeom>
+              <a:noFill/>
+              <a:ln>
+                <a:noFill/>
+              </a:ln>
+              <a:extLst>
+                <a:ext uri="{909E8E84-426E-40DD-AFC4-6F175D3DCCD1}">
+                  <a14:hiddenFill xmlns:a14="http://schemas.microsoft.com/office/drawing/2010/main">
+                    <a:solidFill>
+                      <a:srgbClr val="FFFFFF"/>
+                    </a:solidFill>
+                  </a14:hiddenFill>
+                </a:ext>
+                <a:ext uri="{91240B29-F687-4F45-9708-019B960494DF}">
+                  <a14:hiddenLine xmlns:a14="http://schemas.microsoft.com/office/drawing/2010/main" w="9525">
+                    <a:solidFill>
+                      <a:srgbClr val="000000"/>
+                    </a:solidFill>
+                    <a:miter lim="800000"/>
+                    <a:headEnd/>
+                    <a:tailEnd/>
+                  </a14:hiddenLine>
+                </a:ext>
+              </a:extLst>
+            </p:spPr>
+            <p:txBody>
+              <a:bodyPr>
+                <a:spAutoFit/>
+              </a:bodyPr>
+              <a:lstStyle>
+                <a:lvl1pPr eaLnBrk="0" hangingPunct="0">
+                  <a:defRPr>
+                    <a:solidFill>
+                      <a:schemeClr val="tx1"/>
+                    </a:solidFill>
+                    <a:latin typeface="Arial" charset="0"/>
+                    <a:ea typeface="宋体" pitchFamily="2" charset="-122"/>
+                  </a:defRPr>
+                </a:lvl1pPr>
+                <a:lvl2pPr marL="742950" indent="-285750" eaLnBrk="0" hangingPunct="0">
+                  <a:defRPr>
+                    <a:solidFill>
+                      <a:schemeClr val="tx1"/>
+                    </a:solidFill>
+                    <a:latin typeface="Arial" charset="0"/>
+                    <a:ea typeface="宋体" pitchFamily="2" charset="-122"/>
+                  </a:defRPr>
+                </a:lvl2pPr>
+                <a:lvl3pPr marL="1143000" indent="-228600" eaLnBrk="0" hangingPunct="0">
+                  <a:defRPr>
+                    <a:solidFill>
+                      <a:schemeClr val="tx1"/>
+                    </a:solidFill>
+                    <a:latin typeface="Arial" charset="0"/>
+                    <a:ea typeface="宋体" pitchFamily="2" charset="-122"/>
+                  </a:defRPr>
+                </a:lvl3pPr>
+                <a:lvl4pPr marL="1600200" indent="-228600" eaLnBrk="0" hangingPunct="0">
+                  <a:defRPr>
+                    <a:solidFill>
+                      <a:schemeClr val="tx1"/>
+                    </a:solidFill>
+                    <a:latin typeface="Arial" charset="0"/>
+                    <a:ea typeface="宋体" pitchFamily="2" charset="-122"/>
+                  </a:defRPr>
+                </a:lvl4pPr>
+                <a:lvl5pPr marL="2057400" indent="-228600" eaLnBrk="0" hangingPunct="0">
+                  <a:defRPr>
+                    <a:solidFill>
+                      <a:schemeClr val="tx1"/>
+                    </a:solidFill>
+                    <a:latin typeface="Arial" charset="0"/>
+                    <a:ea typeface="宋体" pitchFamily="2" charset="-122"/>
+                  </a:defRPr>
+                </a:lvl5pPr>
+                <a:lvl6pPr marL="2514600" indent="-228600" eaLnBrk="0" fontAlgn="base" hangingPunct="0">
+                  <a:spcBef>
+                    <a:spcPct val="0"/>
+                  </a:spcBef>
+                  <a:spcAft>
+                    <a:spcPct val="0"/>
+                  </a:spcAft>
+                  <a:defRPr>
+                    <a:solidFill>
+                      <a:schemeClr val="tx1"/>
+                    </a:solidFill>
+                    <a:latin typeface="Arial" charset="0"/>
+                    <a:ea typeface="宋体" pitchFamily="2" charset="-122"/>
+                  </a:defRPr>
+                </a:lvl6pPr>
+                <a:lvl7pPr marL="2971800" indent="-228600" eaLnBrk="0" fontAlgn="base" hangingPunct="0">
+                  <a:spcBef>
+                    <a:spcPct val="0"/>
+                  </a:spcBef>
+                  <a:spcAft>
+                    <a:spcPct val="0"/>
+                  </a:spcAft>
+                  <a:defRPr>
+                    <a:solidFill>
+                      <a:schemeClr val="tx1"/>
+                    </a:solidFill>
+                    <a:latin typeface="Arial" charset="0"/>
+                    <a:ea typeface="宋体" pitchFamily="2" charset="-122"/>
+                  </a:defRPr>
+                </a:lvl7pPr>
+                <a:lvl8pPr marL="3429000" indent="-228600" eaLnBrk="0" fontAlgn="base" hangingPunct="0">
+                  <a:spcBef>
+                    <a:spcPct val="0"/>
+                  </a:spcBef>
+                  <a:spcAft>
+                    <a:spcPct val="0"/>
+                  </a:spcAft>
+                  <a:defRPr>
+                    <a:solidFill>
+                      <a:schemeClr val="tx1"/>
+                    </a:solidFill>
+                    <a:latin typeface="Arial" charset="0"/>
+                    <a:ea typeface="宋体" pitchFamily="2" charset="-122"/>
+                  </a:defRPr>
+                </a:lvl8pPr>
+                <a:lvl9pPr marL="3886200" indent="-228600" eaLnBrk="0" fontAlgn="base" hangingPunct="0">
+                  <a:spcBef>
+                    <a:spcPct val="0"/>
+                  </a:spcBef>
+                  <a:spcAft>
+                    <a:spcPct val="0"/>
+                  </a:spcAft>
+                  <a:defRPr>
+                    <a:solidFill>
+                      <a:schemeClr val="tx1"/>
+                    </a:solidFill>
+                    <a:latin typeface="Arial" charset="0"/>
+                    <a:ea typeface="宋体" pitchFamily="2" charset="-122"/>
+                  </a:defRPr>
+                </a:lvl9pPr>
+              </a:lstStyle>
+              <a:p>
+                <a:pPr algn="ctr" eaLnBrk="1" hangingPunct="1"/>
+                <a:r>
+                  <a:rPr lang="en-US" altLang="zh-CN" sz="2600"/>
+                  <a:t>FOV=40.5 </a:t>
+                </a:r>
+                <a:r>
+                  <a:rPr lang="el-GR" altLang="zh-CN" sz="2600"/>
+                  <a:t>μ</a:t>
+                </a:r>
+                <a:r>
+                  <a:rPr lang="en-US" altLang="zh-CN" sz="2600"/>
+                  <a:t>m</a:t>
+                </a:r>
+              </a:p>
+            </p:txBody>
+          </p:sp>
+          <p:cxnSp>
+            <p:nvCxnSpPr>
+              <p:cNvPr id="46" name="直接箭头连接符 45"/>
+              <p:cNvCxnSpPr/>
+              <p:nvPr/>
+            </p:nvCxnSpPr>
+            <p:spPr bwMode="auto">
+              <a:xfrm flipH="1" flipV="1">
+                <a:off x="-1111738" y="-954722"/>
+                <a:ext cx="858555" cy="0"/>
+              </a:xfrm>
+              <a:prstGeom prst="straightConnector1">
+                <a:avLst/>
+              </a:prstGeom>
+              <a:ln w="76200">
+                <a:solidFill>
+                  <a:schemeClr val="tx1"/>
+                </a:solidFill>
+                <a:tailEnd type="arrow"/>
+              </a:ln>
+            </p:spPr>
+            <p:style>
+              <a:lnRef idx="1">
+                <a:schemeClr val="accent1"/>
+              </a:lnRef>
+              <a:fillRef idx="0">
+                <a:schemeClr val="accent1"/>
+              </a:fillRef>
+              <a:effectRef idx="0">
+                <a:schemeClr val="accent1"/>
+              </a:effectRef>
+              <a:fontRef idx="minor">
+                <a:schemeClr val="tx1"/>
+              </a:fontRef>
+            </p:style>
+          </p:cxnSp>
+          <p:cxnSp>
+            <p:nvCxnSpPr>
+              <p:cNvPr id="47" name="直接箭头连接符 46"/>
+              <p:cNvCxnSpPr/>
+              <p:nvPr/>
+            </p:nvCxnSpPr>
+            <p:spPr bwMode="auto">
+              <a:xfrm flipV="1">
+                <a:off x="2273285" y="-954722"/>
+                <a:ext cx="858555" cy="0"/>
+              </a:xfrm>
+              <a:prstGeom prst="straightConnector1">
+                <a:avLst/>
+              </a:prstGeom>
+              <a:ln w="76200">
+                <a:solidFill>
+                  <a:schemeClr val="tx1"/>
+                </a:solidFill>
+                <a:tailEnd type="arrow"/>
+              </a:ln>
+            </p:spPr>
+            <p:style>
+              <a:lnRef idx="1">
+                <a:schemeClr val="accent1"/>
+              </a:lnRef>
+              <a:fillRef idx="0">
+                <a:schemeClr val="accent1"/>
+              </a:fillRef>
+              <a:effectRef idx="0">
+                <a:schemeClr val="accent1"/>
+              </a:effectRef>
+              <a:fontRef idx="minor">
+                <a:schemeClr val="tx1"/>
+              </a:fontRef>
+            </p:style>
+          </p:cxnSp>
+        </p:grpSp>
+        <p:sp>
+          <p:nvSpPr>
+            <p:cNvPr id="3084" name="TextBox 12"/>
+            <p:cNvSpPr txBox="1">
+              <a:spLocks noChangeArrowheads="1"/>
+            </p:cNvSpPr>
+            <p:nvPr/>
+          </p:nvSpPr>
           <p:spPr bwMode="auto">
-            <a:xfrm flipH="1" flipV="1">
-              <a:off x="-1111738" y="-954722"/>
-              <a:ext cx="858555" cy="0"/>
+            <a:xfrm>
+              <a:off x="5878513" y="662857"/>
+              <a:ext cx="2387600" cy="400050"/>
             </a:xfrm>
-            <a:prstGeom prst="straightConnector1">
+            <a:prstGeom prst="rect">
               <a:avLst/>
             </a:prstGeom>
-            <a:ln w="76200">
-              <a:solidFill>
-                <a:schemeClr val="tx1"/>
-              </a:solidFill>
-              <a:tailEnd type="arrow"/>
+            <a:noFill/>
+            <a:ln>
+              <a:noFill/>
             </a:ln>
+            <a:extLst>
+              <a:ext uri="{909E8E84-426E-40DD-AFC4-6F175D3DCCD1}">
+                <a14:hiddenFill xmlns:a14="http://schemas.microsoft.com/office/drawing/2010/main">
+                  <a:solidFill>
+                    <a:srgbClr val="FFFFFF"/>
+                  </a:solidFill>
+                </a14:hiddenFill>
+              </a:ext>
+              <a:ext uri="{91240B29-F687-4F45-9708-019B960494DF}">
+                <a14:hiddenLine xmlns:a14="http://schemas.microsoft.com/office/drawing/2010/main" w="9525">
+                  <a:solidFill>
+                    <a:srgbClr val="000000"/>
+                  </a:solidFill>
+                  <a:miter lim="800000"/>
+                  <a:headEnd/>
+                  <a:tailEnd/>
+                </a14:hiddenLine>
+              </a:ext>
+            </a:extLst>
           </p:spPr>
-          <p:style>
-            <a:lnRef idx="1">
-              <a:schemeClr val="accent1"/>
-            </a:lnRef>
-            <a:fillRef idx="0">
-              <a:schemeClr val="accent1"/>
-            </a:fillRef>
-            <a:effectRef idx="0">
-              <a:schemeClr val="accent1"/>
-            </a:effectRef>
-            <a:fontRef idx="minor">
-              <a:schemeClr val="tx1"/>
-            </a:fontRef>
-          </p:style>
-        </p:cxnSp>
-        <p:cxnSp>
-          <p:nvCxnSpPr>
-            <p:cNvPr id="32" name="直接箭头连接符 31"/>
-            <p:cNvCxnSpPr/>
+          <p:txBody>
+            <a:bodyPr>
+              <a:spAutoFit/>
+            </a:bodyPr>
+            <a:lstStyle>
+              <a:lvl1pPr eaLnBrk="0" hangingPunct="0">
+                <a:defRPr>
+                  <a:solidFill>
+                    <a:schemeClr val="tx1"/>
+                  </a:solidFill>
+                  <a:latin typeface="Arial" charset="0"/>
+                  <a:ea typeface="宋体" pitchFamily="2" charset="-122"/>
+                </a:defRPr>
+              </a:lvl1pPr>
+              <a:lvl2pPr marL="742950" indent="-285750" eaLnBrk="0" hangingPunct="0">
+                <a:defRPr>
+                  <a:solidFill>
+                    <a:schemeClr val="tx1"/>
+                  </a:solidFill>
+                  <a:latin typeface="Arial" charset="0"/>
+                  <a:ea typeface="宋体" pitchFamily="2" charset="-122"/>
+                </a:defRPr>
+              </a:lvl2pPr>
+              <a:lvl3pPr marL="1143000" indent="-228600" eaLnBrk="0" hangingPunct="0">
+                <a:defRPr>
+                  <a:solidFill>
+                    <a:schemeClr val="tx1"/>
+                  </a:solidFill>
+                  <a:latin typeface="Arial" charset="0"/>
+                  <a:ea typeface="宋体" pitchFamily="2" charset="-122"/>
+                </a:defRPr>
+              </a:lvl3pPr>
+              <a:lvl4pPr marL="1600200" indent="-228600" eaLnBrk="0" hangingPunct="0">
+                <a:defRPr>
+                  <a:solidFill>
+                    <a:schemeClr val="tx1"/>
+                  </a:solidFill>
+                  <a:latin typeface="Arial" charset="0"/>
+                  <a:ea typeface="宋体" pitchFamily="2" charset="-122"/>
+                </a:defRPr>
+              </a:lvl4pPr>
+              <a:lvl5pPr marL="2057400" indent="-228600" eaLnBrk="0" hangingPunct="0">
+                <a:defRPr>
+                  <a:solidFill>
+                    <a:schemeClr val="tx1"/>
+                  </a:solidFill>
+                  <a:latin typeface="Arial" charset="0"/>
+                  <a:ea typeface="宋体" pitchFamily="2" charset="-122"/>
+                </a:defRPr>
+              </a:lvl5pPr>
+              <a:lvl6pPr marL="2514600" indent="-228600" eaLnBrk="0" fontAlgn="base" hangingPunct="0">
+                <a:spcBef>
+                  <a:spcPct val="0"/>
+                </a:spcBef>
+                <a:spcAft>
+                  <a:spcPct val="0"/>
+                </a:spcAft>
+                <a:defRPr>
+                  <a:solidFill>
+                    <a:schemeClr val="tx1"/>
+                  </a:solidFill>
+                  <a:latin typeface="Arial" charset="0"/>
+                  <a:ea typeface="宋体" pitchFamily="2" charset="-122"/>
+                </a:defRPr>
+              </a:lvl6pPr>
+              <a:lvl7pPr marL="2971800" indent="-228600" eaLnBrk="0" fontAlgn="base" hangingPunct="0">
+                <a:spcBef>
+                  <a:spcPct val="0"/>
+                </a:spcBef>
+                <a:spcAft>
+                  <a:spcPct val="0"/>
+                </a:spcAft>
+                <a:defRPr>
+                  <a:solidFill>
+                    <a:schemeClr val="tx1"/>
+                  </a:solidFill>
+                  <a:latin typeface="Arial" charset="0"/>
+                  <a:ea typeface="宋体" pitchFamily="2" charset="-122"/>
+                </a:defRPr>
+              </a:lvl7pPr>
+              <a:lvl8pPr marL="3429000" indent="-228600" eaLnBrk="0" fontAlgn="base" hangingPunct="0">
+                <a:spcBef>
+                  <a:spcPct val="0"/>
+                </a:spcBef>
+                <a:spcAft>
+                  <a:spcPct val="0"/>
+                </a:spcAft>
+                <a:defRPr>
+                  <a:solidFill>
+                    <a:schemeClr val="tx1"/>
+                  </a:solidFill>
+                  <a:latin typeface="Arial" charset="0"/>
+                  <a:ea typeface="宋体" pitchFamily="2" charset="-122"/>
+                </a:defRPr>
+              </a:lvl8pPr>
+              <a:lvl9pPr marL="3886200" indent="-228600" eaLnBrk="0" fontAlgn="base" hangingPunct="0">
+                <a:spcBef>
+                  <a:spcPct val="0"/>
+                </a:spcBef>
+                <a:spcAft>
+                  <a:spcPct val="0"/>
+                </a:spcAft>
+                <a:defRPr>
+                  <a:solidFill>
+                    <a:schemeClr val="tx1"/>
+                  </a:solidFill>
+                  <a:latin typeface="Arial" charset="0"/>
+                  <a:ea typeface="宋体" pitchFamily="2" charset="-122"/>
+                </a:defRPr>
+              </a:lvl9pPr>
+            </a:lstStyle>
+            <a:p>
+              <a:pPr eaLnBrk="1" hangingPunct="1"/>
+              <a:r>
+                <a:rPr lang="en-US" altLang="zh-CN" sz="2000"/>
+                <a:t>displacement (</a:t>
+              </a:r>
+              <a:r>
+                <a:rPr lang="el-GR" altLang="zh-CN" sz="2000"/>
+                <a:t>μ</a:t>
+              </a:r>
+              <a:r>
+                <a:rPr lang="en-US" altLang="zh-CN" sz="2000"/>
+                <a:t>m)</a:t>
+              </a:r>
+              <a:endParaRPr lang="zh-CN" altLang="en-US" sz="2000"/>
+            </a:p>
+          </p:txBody>
+        </p:sp>
+        <p:sp>
+          <p:nvSpPr>
+            <p:cNvPr id="3086" name="TextBox 12"/>
+            <p:cNvSpPr txBox="1">
+              <a:spLocks noChangeArrowheads="1"/>
+            </p:cNvSpPr>
             <p:nvPr/>
-          </p:nvCxnSpPr>
+          </p:nvSpPr>
           <p:spPr bwMode="auto">
-            <a:xfrm flipV="1">
-              <a:off x="2273285" y="-954722"/>
-              <a:ext cx="858555" cy="0"/>
+            <a:xfrm rot="16200000">
+              <a:off x="2596357" y="-1731887"/>
+              <a:ext cx="2386012" cy="400050"/>
             </a:xfrm>
-            <a:prstGeom prst="straightConnector1">
+            <a:prstGeom prst="rect">
               <a:avLst/>
             </a:prstGeom>
-            <a:ln w="76200">
-              <a:solidFill>
-                <a:schemeClr val="tx1"/>
-              </a:solidFill>
-              <a:tailEnd type="arrow"/>
+            <a:noFill/>
+            <a:ln>
+              <a:noFill/>
             </a:ln>
-          </p:spPr>
-          <p:style>
-            <a:lnRef idx="1">
-              <a:schemeClr val="accent1"/>
-            </a:lnRef>
-            <a:fillRef idx="0">
-              <a:schemeClr val="accent1"/>
-            </a:fillRef>
-            <a:effectRef idx="0">
-              <a:schemeClr val="accent1"/>
-            </a:effectRef>
-            <a:fontRef idx="minor">
-              <a:schemeClr val="tx1"/>
-            </a:fontRef>
-          </p:style>
-        </p:cxnSp>
-      </p:grpSp>
-      <p:pic>
-        <p:nvPicPr>
-          <p:cNvPr id="14" name="图片 13"/>
-          <p:cNvPicPr>
-            <a:picLocks noChangeAspect="1"/>
-          </p:cNvPicPr>
-          <p:nvPr/>
-        </p:nvPicPr>
-        <p:blipFill>
-          <a:blip r:embed="rId8" cstate="print">
             <a:extLst>
-              <a:ext uri="{28A0092B-C50C-407E-A947-70E740481C1C}">
-                <a14:useLocalDpi xmlns:a14="http://schemas.microsoft.com/office/drawing/2010/main" val="0"/>
+              <a:ext uri="{909E8E84-426E-40DD-AFC4-6F175D3DCCD1}">
+                <a14:hiddenFill xmlns:a14="http://schemas.microsoft.com/office/drawing/2010/main">
+                  <a:solidFill>
+                    <a:srgbClr val="FFFFFF"/>
+                  </a:solidFill>
+                </a14:hiddenFill>
+              </a:ext>
+              <a:ext uri="{91240B29-F687-4F45-9708-019B960494DF}">
+                <a14:hiddenLine xmlns:a14="http://schemas.microsoft.com/office/drawing/2010/main" w="9525">
+                  <a:solidFill>
+                    <a:srgbClr val="000000"/>
+                  </a:solidFill>
+                  <a:miter lim="800000"/>
+                  <a:headEnd/>
+                  <a:tailEnd/>
+                </a14:hiddenLine>
               </a:ext>
             </a:extLst>
-          </a:blip>
-          <a:stretch>
-            <a:fillRect/>
-          </a:stretch>
-        </p:blipFill>
-        <p:spPr>
-          <a:xfrm>
-            <a:off x="-1971312" y="-3844370"/>
-            <a:ext cx="874675" cy="931564"/>
-          </a:xfrm>
-          <a:prstGeom prst="rect">
-            <a:avLst/>
-          </a:prstGeom>
-        </p:spPr>
-      </p:pic>
-    </p:spTree>
-  </p:cSld>
-  <p:clrMapOvr>
-    <a:masterClrMapping/>
-  </p:clrMapOvr>
-</p:sld>
-</file>
-
-<file path=ppt/slides/slide2.xml><?xml version="1.0" encoding="utf-8"?>
-<p:sld xmlns:a="http://schemas.openxmlformats.org/drawingml/2006/main" xmlns:r="http://schemas.openxmlformats.org/officeDocument/2006/relationships" xmlns:p="http://schemas.openxmlformats.org/presentationml/2006/main">
-  <p:cSld>
-    <p:spTree>
-      <p:nvGrpSpPr>
-        <p:cNvPr id="1" name=""/>
-        <p:cNvGrpSpPr/>
-        <p:nvPr/>
-      </p:nvGrpSpPr>
-      <p:grpSpPr>
-        <a:xfrm>
-          <a:off x="0" y="0"/>
-          <a:ext cx="0" cy="0"/>
-          <a:chOff x="0" y="0"/>
-          <a:chExt cx="0" cy="0"/>
-        </a:xfrm>
-      </p:grpSpPr>
-      <p:sp>
-        <p:nvSpPr>
-          <p:cNvPr id="9" name="矩形 8"/>
-          <p:cNvSpPr/>
-          <p:nvPr/>
-        </p:nvSpPr>
-        <p:spPr>
-          <a:xfrm>
-            <a:off x="1994197" y="715199"/>
-            <a:ext cx="5643620" cy="4059446"/>
-          </a:xfrm>
-          <a:prstGeom prst="rect">
-            <a:avLst/>
-          </a:prstGeom>
-        </p:spPr>
-        <p:style>
-          <a:lnRef idx="2">
-            <a:schemeClr val="accent1">
-              <a:shade val="50000"/>
-            </a:schemeClr>
-          </a:lnRef>
-          <a:fillRef idx="1">
-            <a:schemeClr val="accent1"/>
-          </a:fillRef>
-          <a:effectRef idx="0">
-            <a:schemeClr val="accent1"/>
-          </a:effectRef>
-          <a:fontRef idx="minor">
-            <a:schemeClr val="lt1"/>
-          </a:fontRef>
-        </p:style>
-        <p:txBody>
-          <a:bodyPr rtlCol="0" anchor="ctr"/>
-          <a:lstStyle/>
-          <a:p>
-            <a:pPr algn="ctr"/>
-            <a:endParaRPr lang="zh-CN" altLang="en-US"/>
-          </a:p>
-        </p:txBody>
-      </p:sp>
-      <p:grpSp>
-        <p:nvGrpSpPr>
-          <p:cNvPr id="21" name="组合 20"/>
-          <p:cNvGrpSpPr/>
-          <p:nvPr/>
-        </p:nvGrpSpPr>
-        <p:grpSpPr>
-          <a:xfrm>
-            <a:off x="3398664" y="2341032"/>
-            <a:ext cx="1223142" cy="1371540"/>
-            <a:chOff x="3398664" y="2341032"/>
-            <a:chExt cx="1223142" cy="1371540"/>
-          </a:xfrm>
-        </p:grpSpPr>
+          </p:spPr>
+          <p:txBody>
+            <a:bodyPr>
+              <a:spAutoFit/>
+            </a:bodyPr>
+            <a:lstStyle>
+              <a:lvl1pPr eaLnBrk="0" hangingPunct="0">
+                <a:defRPr>
+                  <a:solidFill>
+                    <a:schemeClr val="tx1"/>
+                  </a:solidFill>
+                  <a:latin typeface="Arial" charset="0"/>
+                  <a:ea typeface="宋体" pitchFamily="2" charset="-122"/>
+                </a:defRPr>
+              </a:lvl1pPr>
+              <a:lvl2pPr marL="742950" indent="-285750" eaLnBrk="0" hangingPunct="0">
+                <a:defRPr>
+                  <a:solidFill>
+                    <a:schemeClr val="tx1"/>
+                  </a:solidFill>
+                  <a:latin typeface="Arial" charset="0"/>
+                  <a:ea typeface="宋体" pitchFamily="2" charset="-122"/>
+                </a:defRPr>
+              </a:lvl2pPr>
+              <a:lvl3pPr marL="1143000" indent="-228600" eaLnBrk="0" hangingPunct="0">
+                <a:defRPr>
+                  <a:solidFill>
+                    <a:schemeClr val="tx1"/>
+                  </a:solidFill>
+                  <a:latin typeface="Arial" charset="0"/>
+                  <a:ea typeface="宋体" pitchFamily="2" charset="-122"/>
+                </a:defRPr>
+              </a:lvl3pPr>
+              <a:lvl4pPr marL="1600200" indent="-228600" eaLnBrk="0" hangingPunct="0">
+                <a:defRPr>
+                  <a:solidFill>
+                    <a:schemeClr val="tx1"/>
+                  </a:solidFill>
+                  <a:latin typeface="Arial" charset="0"/>
+                  <a:ea typeface="宋体" pitchFamily="2" charset="-122"/>
+                </a:defRPr>
+              </a:lvl4pPr>
+              <a:lvl5pPr marL="2057400" indent="-228600" eaLnBrk="0" hangingPunct="0">
+                <a:defRPr>
+                  <a:solidFill>
+                    <a:schemeClr val="tx1"/>
+                  </a:solidFill>
+                  <a:latin typeface="Arial" charset="0"/>
+                  <a:ea typeface="宋体" pitchFamily="2" charset="-122"/>
+                </a:defRPr>
+              </a:lvl5pPr>
+              <a:lvl6pPr marL="2514600" indent="-228600" eaLnBrk="0" fontAlgn="base" hangingPunct="0">
+                <a:spcBef>
+                  <a:spcPct val="0"/>
+                </a:spcBef>
+                <a:spcAft>
+                  <a:spcPct val="0"/>
+                </a:spcAft>
+                <a:defRPr>
+                  <a:solidFill>
+                    <a:schemeClr val="tx1"/>
+                  </a:solidFill>
+                  <a:latin typeface="Arial" charset="0"/>
+                  <a:ea typeface="宋体" pitchFamily="2" charset="-122"/>
+                </a:defRPr>
+              </a:lvl6pPr>
+              <a:lvl7pPr marL="2971800" indent="-228600" eaLnBrk="0" fontAlgn="base" hangingPunct="0">
+                <a:spcBef>
+                  <a:spcPct val="0"/>
+                </a:spcBef>
+                <a:spcAft>
+                  <a:spcPct val="0"/>
+                </a:spcAft>
+                <a:defRPr>
+                  <a:solidFill>
+                    <a:schemeClr val="tx1"/>
+                  </a:solidFill>
+                  <a:latin typeface="Arial" charset="0"/>
+                  <a:ea typeface="宋体" pitchFamily="2" charset="-122"/>
+                </a:defRPr>
+              </a:lvl7pPr>
+              <a:lvl8pPr marL="3429000" indent="-228600" eaLnBrk="0" fontAlgn="base" hangingPunct="0">
+                <a:spcBef>
+                  <a:spcPct val="0"/>
+                </a:spcBef>
+                <a:spcAft>
+                  <a:spcPct val="0"/>
+                </a:spcAft>
+                <a:defRPr>
+                  <a:solidFill>
+                    <a:schemeClr val="tx1"/>
+                  </a:solidFill>
+                  <a:latin typeface="Arial" charset="0"/>
+                  <a:ea typeface="宋体" pitchFamily="2" charset="-122"/>
+                </a:defRPr>
+              </a:lvl8pPr>
+              <a:lvl9pPr marL="3886200" indent="-228600" eaLnBrk="0" fontAlgn="base" hangingPunct="0">
+                <a:spcBef>
+                  <a:spcPct val="0"/>
+                </a:spcBef>
+                <a:spcAft>
+                  <a:spcPct val="0"/>
+                </a:spcAft>
+                <a:defRPr>
+                  <a:solidFill>
+                    <a:schemeClr val="tx1"/>
+                  </a:solidFill>
+                  <a:latin typeface="Arial" charset="0"/>
+                  <a:ea typeface="宋体" pitchFamily="2" charset="-122"/>
+                </a:defRPr>
+              </a:lvl9pPr>
+            </a:lstStyle>
+            <a:p>
+              <a:pPr eaLnBrk="1" hangingPunct="1"/>
+              <a:r>
+                <a:rPr lang="en-US" altLang="zh-CN" sz="2000"/>
+                <a:t>probability density</a:t>
+              </a:r>
+              <a:endParaRPr lang="zh-CN" altLang="en-US" sz="2000"/>
+            </a:p>
+          </p:txBody>
+        </p:sp>
         <p:sp>
           <p:nvSpPr>
-            <p:cNvPr id="5" name="矩形 4"/>
+            <p:cNvPr id="3087" name="TextBox 12"/>
+            <p:cNvSpPr txBox="1">
+              <a:spLocks noChangeArrowheads="1"/>
+            </p:cNvSpPr>
+            <p:nvPr/>
+          </p:nvSpPr>
+          <p:spPr bwMode="auto">
+            <a:xfrm rot="16200000">
+              <a:off x="2596357" y="3471938"/>
+              <a:ext cx="2386012" cy="400050"/>
+            </a:xfrm>
+            <a:prstGeom prst="rect">
+              <a:avLst/>
+            </a:prstGeom>
+            <a:noFill/>
+            <a:ln>
+              <a:noFill/>
+            </a:ln>
+            <a:extLst>
+              <a:ext uri="{909E8E84-426E-40DD-AFC4-6F175D3DCCD1}">
+                <a14:hiddenFill xmlns:a14="http://schemas.microsoft.com/office/drawing/2010/main">
+                  <a:solidFill>
+                    <a:srgbClr val="FFFFFF"/>
+                  </a:solidFill>
+                </a14:hiddenFill>
+              </a:ext>
+              <a:ext uri="{91240B29-F687-4F45-9708-019B960494DF}">
+                <a14:hiddenLine xmlns:a14="http://schemas.microsoft.com/office/drawing/2010/main" w="9525">
+                  <a:solidFill>
+                    <a:srgbClr val="000000"/>
+                  </a:solidFill>
+                  <a:miter lim="800000"/>
+                  <a:headEnd/>
+                  <a:tailEnd/>
+                </a14:hiddenLine>
+              </a:ext>
+            </a:extLst>
+          </p:spPr>
+          <p:txBody>
+            <a:bodyPr>
+              <a:spAutoFit/>
+            </a:bodyPr>
+            <a:lstStyle>
+              <a:lvl1pPr eaLnBrk="0" hangingPunct="0">
+                <a:defRPr>
+                  <a:solidFill>
+                    <a:schemeClr val="tx1"/>
+                  </a:solidFill>
+                  <a:latin typeface="Arial" charset="0"/>
+                  <a:ea typeface="宋体" pitchFamily="2" charset="-122"/>
+                </a:defRPr>
+              </a:lvl1pPr>
+              <a:lvl2pPr marL="742950" indent="-285750" eaLnBrk="0" hangingPunct="0">
+                <a:defRPr>
+                  <a:solidFill>
+                    <a:schemeClr val="tx1"/>
+                  </a:solidFill>
+                  <a:latin typeface="Arial" charset="0"/>
+                  <a:ea typeface="宋体" pitchFamily="2" charset="-122"/>
+                </a:defRPr>
+              </a:lvl2pPr>
+              <a:lvl3pPr marL="1143000" indent="-228600" eaLnBrk="0" hangingPunct="0">
+                <a:defRPr>
+                  <a:solidFill>
+                    <a:schemeClr val="tx1"/>
+                  </a:solidFill>
+                  <a:latin typeface="Arial" charset="0"/>
+                  <a:ea typeface="宋体" pitchFamily="2" charset="-122"/>
+                </a:defRPr>
+              </a:lvl3pPr>
+              <a:lvl4pPr marL="1600200" indent="-228600" eaLnBrk="0" hangingPunct="0">
+                <a:defRPr>
+                  <a:solidFill>
+                    <a:schemeClr val="tx1"/>
+                  </a:solidFill>
+                  <a:latin typeface="Arial" charset="0"/>
+                  <a:ea typeface="宋体" pitchFamily="2" charset="-122"/>
+                </a:defRPr>
+              </a:lvl4pPr>
+              <a:lvl5pPr marL="2057400" indent="-228600" eaLnBrk="0" hangingPunct="0">
+                <a:defRPr>
+                  <a:solidFill>
+                    <a:schemeClr val="tx1"/>
+                  </a:solidFill>
+                  <a:latin typeface="Arial" charset="0"/>
+                  <a:ea typeface="宋体" pitchFamily="2" charset="-122"/>
+                </a:defRPr>
+              </a:lvl5pPr>
+              <a:lvl6pPr marL="2514600" indent="-228600" eaLnBrk="0" fontAlgn="base" hangingPunct="0">
+                <a:spcBef>
+                  <a:spcPct val="0"/>
+                </a:spcBef>
+                <a:spcAft>
+                  <a:spcPct val="0"/>
+                </a:spcAft>
+                <a:defRPr>
+                  <a:solidFill>
+                    <a:schemeClr val="tx1"/>
+                  </a:solidFill>
+                  <a:latin typeface="Arial" charset="0"/>
+                  <a:ea typeface="宋体" pitchFamily="2" charset="-122"/>
+                </a:defRPr>
+              </a:lvl6pPr>
+              <a:lvl7pPr marL="2971800" indent="-228600" eaLnBrk="0" fontAlgn="base" hangingPunct="0">
+                <a:spcBef>
+                  <a:spcPct val="0"/>
+                </a:spcBef>
+                <a:spcAft>
+                  <a:spcPct val="0"/>
+                </a:spcAft>
+                <a:defRPr>
+                  <a:solidFill>
+                    <a:schemeClr val="tx1"/>
+                  </a:solidFill>
+                  <a:latin typeface="Arial" charset="0"/>
+                  <a:ea typeface="宋体" pitchFamily="2" charset="-122"/>
+                </a:defRPr>
+              </a:lvl7pPr>
+              <a:lvl8pPr marL="3429000" indent="-228600" eaLnBrk="0" fontAlgn="base" hangingPunct="0">
+                <a:spcBef>
+                  <a:spcPct val="0"/>
+                </a:spcBef>
+                <a:spcAft>
+                  <a:spcPct val="0"/>
+                </a:spcAft>
+                <a:defRPr>
+                  <a:solidFill>
+                    <a:schemeClr val="tx1"/>
+                  </a:solidFill>
+                  <a:latin typeface="Arial" charset="0"/>
+                  <a:ea typeface="宋体" pitchFamily="2" charset="-122"/>
+                </a:defRPr>
+              </a:lvl8pPr>
+              <a:lvl9pPr marL="3886200" indent="-228600" eaLnBrk="0" fontAlgn="base" hangingPunct="0">
+                <a:spcBef>
+                  <a:spcPct val="0"/>
+                </a:spcBef>
+                <a:spcAft>
+                  <a:spcPct val="0"/>
+                </a:spcAft>
+                <a:defRPr>
+                  <a:solidFill>
+                    <a:schemeClr val="tx1"/>
+                  </a:solidFill>
+                  <a:latin typeface="Arial" charset="0"/>
+                  <a:ea typeface="宋体" pitchFamily="2" charset="-122"/>
+                </a:defRPr>
+              </a:lvl9pPr>
+            </a:lstStyle>
+            <a:p>
+              <a:pPr eaLnBrk="1" hangingPunct="1"/>
+              <a:r>
+                <a:rPr lang="en-US" altLang="zh-CN" sz="2000" dirty="0"/>
+                <a:t>probability density</a:t>
+              </a:r>
+              <a:endParaRPr lang="zh-CN" altLang="en-US" sz="2000" dirty="0"/>
+            </a:p>
+          </p:txBody>
+        </p:sp>
+        <p:sp>
+          <p:nvSpPr>
+            <p:cNvPr id="45" name="右箭头 44"/>
             <p:cNvSpPr/>
             <p:nvPr/>
           </p:nvSpPr>
-          <p:spPr>
-            <a:xfrm>
-              <a:off x="3475700" y="2442150"/>
-              <a:ext cx="1146106" cy="1146106"/>
+          <p:spPr bwMode="auto">
+            <a:xfrm rot="13800000">
+              <a:off x="1077119" y="-555549"/>
+              <a:ext cx="433387" cy="431800"/>
             </a:xfrm>
-            <a:prstGeom prst="rect">
+            <a:prstGeom prst="rightArrow">
               <a:avLst/>
             </a:prstGeom>
             <a:solidFill>
@@ -6629,6 +5410,7 @@
                 <a:schemeClr val="bg1"/>
               </a:solidFill>
             </a:ln>
+            <a:effectLst/>
           </p:spPr>
           <p:style>
             <a:lnRef idx="2">
@@ -6647,221 +5429,1501 @@
             </a:fontRef>
           </p:style>
           <p:txBody>
-            <a:bodyPr rtlCol="0" anchor="ctr"/>
+            <a:bodyPr anchor="ctr"/>
             <a:lstStyle/>
             <a:p>
-              <a:pPr algn="ctr"/>
-              <a:endParaRPr lang="zh-CN" altLang="en-US" dirty="0">
-                <a:solidFill>
-                  <a:schemeClr val="bg1"/>
-                </a:solidFill>
-              </a:endParaRPr>
+              <a:pPr algn="ctr">
+                <a:defRPr/>
+              </a:pPr>
+              <a:endParaRPr lang="zh-CN" altLang="en-US"/>
             </a:p>
           </p:txBody>
         </p:sp>
-        <p:cxnSp>
-          <p:nvCxnSpPr>
-            <p:cNvPr id="6" name="直接箭头连接符 5"/>
-            <p:cNvCxnSpPr/>
+        <p:sp>
+          <p:nvSpPr>
+            <p:cNvPr id="48" name="右箭头 47"/>
+            <p:cNvSpPr/>
             <p:nvPr/>
-          </p:nvCxnSpPr>
-          <p:spPr>
-            <a:xfrm flipV="1">
-              <a:off x="3756236" y="3030311"/>
-              <a:ext cx="548640" cy="1"/>
+          </p:nvSpPr>
+          <p:spPr bwMode="auto">
+            <a:xfrm rot="13800000">
+              <a:off x="916176" y="4851236"/>
+              <a:ext cx="433387" cy="433388"/>
             </a:xfrm>
-            <a:prstGeom prst="straightConnector1">
+            <a:prstGeom prst="rightArrow">
               <a:avLst/>
             </a:prstGeom>
-            <a:ln w="38100">
+            <a:solidFill>
+              <a:schemeClr val="bg1"/>
+            </a:solidFill>
+            <a:ln>
               <a:solidFill>
-                <a:schemeClr val="tx1"/>
+                <a:schemeClr val="bg1"/>
               </a:solidFill>
-              <a:headEnd type="arrow"/>
-              <a:tailEnd type="arrow"/>
             </a:ln>
+            <a:effectLst/>
           </p:spPr>
           <p:style>
-            <a:lnRef idx="1">
-              <a:schemeClr val="accent1"/>
+            <a:lnRef idx="2">
+              <a:schemeClr val="accent1">
+                <a:shade val="50000"/>
+              </a:schemeClr>
             </a:lnRef>
-            <a:fillRef idx="0">
+            <a:fillRef idx="1">
               <a:schemeClr val="accent1"/>
             </a:fillRef>
             <a:effectRef idx="0">
               <a:schemeClr val="accent1"/>
             </a:effectRef>
             <a:fontRef idx="minor">
-              <a:schemeClr val="tx1"/>
+              <a:schemeClr val="lt1"/>
             </a:fontRef>
           </p:style>
-        </p:cxnSp>
-        <p:cxnSp>
-          <p:nvCxnSpPr>
-            <p:cNvPr id="12" name="直接箭头连接符 11"/>
-            <p:cNvCxnSpPr/>
+          <p:txBody>
+            <a:bodyPr anchor="ctr"/>
+            <a:lstStyle/>
+            <a:p>
+              <a:pPr algn="ctr">
+                <a:defRPr/>
+              </a:pPr>
+              <a:endParaRPr lang="zh-CN" altLang="en-US"/>
+            </a:p>
+          </p:txBody>
+        </p:sp>
+        <p:pic>
+          <p:nvPicPr>
+            <p:cNvPr id="4" name="图片 3"/>
+            <p:cNvPicPr>
+              <a:picLocks noChangeAspect="1"/>
+            </p:cNvPicPr>
             <p:nvPr/>
-          </p:nvCxnSpPr>
+          </p:nvPicPr>
+          <p:blipFill>
+            <a:blip r:embed="rId6" cstate="print">
+              <a:extLst>
+                <a:ext uri="{28A0092B-C50C-407E-A947-70E740481C1C}">
+                  <a14:useLocalDpi xmlns:a14="http://schemas.microsoft.com/office/drawing/2010/main" val="0"/>
+                </a:ext>
+              </a:extLst>
+            </a:blip>
+            <a:stretch>
+              <a:fillRect/>
+            </a:stretch>
+          </p:blipFill>
           <p:spPr>
-            <a:xfrm rot="16200000" flipV="1">
-              <a:off x="3756237" y="3021045"/>
-              <a:ext cx="548640" cy="1"/>
+            <a:xfrm>
+              <a:off x="-3714750" y="6093296"/>
+              <a:ext cx="8229600" cy="5486400"/>
             </a:xfrm>
-            <a:prstGeom prst="straightConnector1">
+            <a:prstGeom prst="rect">
               <a:avLst/>
             </a:prstGeom>
-            <a:ln w="38100">
+          </p:spPr>
+        </p:pic>
+        <p:pic>
+          <p:nvPicPr>
+            <p:cNvPr id="3" name="图片 2"/>
+            <p:cNvPicPr>
+              <a:picLocks noChangeAspect="1"/>
+            </p:cNvPicPr>
+            <p:nvPr/>
+          </p:nvPicPr>
+          <p:blipFill>
+            <a:blip r:embed="rId7" cstate="print">
+              <a:extLst>
+                <a:ext uri="{28A0092B-C50C-407E-A947-70E740481C1C}">
+                  <a14:useLocalDpi xmlns:a14="http://schemas.microsoft.com/office/drawing/2010/main" val="0"/>
+                </a:ext>
+              </a:extLst>
+            </a:blip>
+            <a:stretch>
+              <a:fillRect/>
+            </a:stretch>
+          </p:blipFill>
+          <p:spPr>
+            <a:xfrm>
+              <a:off x="3414713" y="6093296"/>
+              <a:ext cx="7315214" cy="5486411"/>
+            </a:xfrm>
+            <a:prstGeom prst="rect">
+              <a:avLst/>
+            </a:prstGeom>
+          </p:spPr>
+        </p:pic>
+        <p:sp>
+          <p:nvSpPr>
+            <p:cNvPr id="3079" name="TextBox 12"/>
+            <p:cNvSpPr txBox="1">
+              <a:spLocks noChangeArrowheads="1"/>
+            </p:cNvSpPr>
+            <p:nvPr/>
+          </p:nvSpPr>
+          <p:spPr bwMode="auto">
+            <a:xfrm>
+              <a:off x="1526853" y="5960893"/>
+              <a:ext cx="3901281" cy="492443"/>
+            </a:xfrm>
+            <a:prstGeom prst="rect">
+              <a:avLst/>
+            </a:prstGeom>
+            <a:noFill/>
+            <a:ln>
+              <a:noFill/>
+            </a:ln>
+            <a:extLst>
+              <a:ext uri="{909E8E84-426E-40DD-AFC4-6F175D3DCCD1}">
+                <a14:hiddenFill xmlns:a14="http://schemas.microsoft.com/office/drawing/2010/main">
+                  <a:solidFill>
+                    <a:srgbClr val="FFFFFF"/>
+                  </a:solidFill>
+                </a14:hiddenFill>
+              </a:ext>
+              <a:ext uri="{91240B29-F687-4F45-9708-019B960494DF}">
+                <a14:hiddenLine xmlns:a14="http://schemas.microsoft.com/office/drawing/2010/main" w="9525">
+                  <a:solidFill>
+                    <a:srgbClr val="000000"/>
+                  </a:solidFill>
+                  <a:miter lim="800000"/>
+                  <a:headEnd/>
+                  <a:tailEnd/>
+                </a14:hiddenLine>
+              </a:ext>
+            </a:extLst>
+          </p:spPr>
+          <p:txBody>
+            <a:bodyPr wrap="square">
+              <a:spAutoFit/>
+            </a:bodyPr>
+            <a:lstStyle>
+              <a:lvl1pPr eaLnBrk="0" hangingPunct="0">
+                <a:defRPr>
+                  <a:solidFill>
+                    <a:schemeClr val="tx1"/>
+                  </a:solidFill>
+                  <a:latin typeface="Arial" charset="0"/>
+                  <a:ea typeface="宋体" pitchFamily="2" charset="-122"/>
+                </a:defRPr>
+              </a:lvl1pPr>
+              <a:lvl2pPr marL="742950" indent="-285750" eaLnBrk="0" hangingPunct="0">
+                <a:defRPr>
+                  <a:solidFill>
+                    <a:schemeClr val="tx1"/>
+                  </a:solidFill>
+                  <a:latin typeface="Arial" charset="0"/>
+                  <a:ea typeface="宋体" pitchFamily="2" charset="-122"/>
+                </a:defRPr>
+              </a:lvl2pPr>
+              <a:lvl3pPr marL="1143000" indent="-228600" eaLnBrk="0" hangingPunct="0">
+                <a:defRPr>
+                  <a:solidFill>
+                    <a:schemeClr val="tx1"/>
+                  </a:solidFill>
+                  <a:latin typeface="Arial" charset="0"/>
+                  <a:ea typeface="宋体" pitchFamily="2" charset="-122"/>
+                </a:defRPr>
+              </a:lvl3pPr>
+              <a:lvl4pPr marL="1600200" indent="-228600" eaLnBrk="0" hangingPunct="0">
+                <a:defRPr>
+                  <a:solidFill>
+                    <a:schemeClr val="tx1"/>
+                  </a:solidFill>
+                  <a:latin typeface="Arial" charset="0"/>
+                  <a:ea typeface="宋体" pitchFamily="2" charset="-122"/>
+                </a:defRPr>
+              </a:lvl4pPr>
+              <a:lvl5pPr marL="2057400" indent="-228600" eaLnBrk="0" hangingPunct="0">
+                <a:defRPr>
+                  <a:solidFill>
+                    <a:schemeClr val="tx1"/>
+                  </a:solidFill>
+                  <a:latin typeface="Arial" charset="0"/>
+                  <a:ea typeface="宋体" pitchFamily="2" charset="-122"/>
+                </a:defRPr>
+              </a:lvl5pPr>
+              <a:lvl6pPr marL="2514600" indent="-228600" eaLnBrk="0" fontAlgn="base" hangingPunct="0">
+                <a:spcBef>
+                  <a:spcPct val="0"/>
+                </a:spcBef>
+                <a:spcAft>
+                  <a:spcPct val="0"/>
+                </a:spcAft>
+                <a:defRPr>
+                  <a:solidFill>
+                    <a:schemeClr val="tx1"/>
+                  </a:solidFill>
+                  <a:latin typeface="Arial" charset="0"/>
+                  <a:ea typeface="宋体" pitchFamily="2" charset="-122"/>
+                </a:defRPr>
+              </a:lvl6pPr>
+              <a:lvl7pPr marL="2971800" indent="-228600" eaLnBrk="0" fontAlgn="base" hangingPunct="0">
+                <a:spcBef>
+                  <a:spcPct val="0"/>
+                </a:spcBef>
+                <a:spcAft>
+                  <a:spcPct val="0"/>
+                </a:spcAft>
+                <a:defRPr>
+                  <a:solidFill>
+                    <a:schemeClr val="tx1"/>
+                  </a:solidFill>
+                  <a:latin typeface="Arial" charset="0"/>
+                  <a:ea typeface="宋体" pitchFamily="2" charset="-122"/>
+                </a:defRPr>
+              </a:lvl7pPr>
+              <a:lvl8pPr marL="3429000" indent="-228600" eaLnBrk="0" fontAlgn="base" hangingPunct="0">
+                <a:spcBef>
+                  <a:spcPct val="0"/>
+                </a:spcBef>
+                <a:spcAft>
+                  <a:spcPct val="0"/>
+                </a:spcAft>
+                <a:defRPr>
+                  <a:solidFill>
+                    <a:schemeClr val="tx1"/>
+                  </a:solidFill>
+                  <a:latin typeface="Arial" charset="0"/>
+                  <a:ea typeface="宋体" pitchFamily="2" charset="-122"/>
+                </a:defRPr>
+              </a:lvl8pPr>
+              <a:lvl9pPr marL="3886200" indent="-228600" eaLnBrk="0" fontAlgn="base" hangingPunct="0">
+                <a:spcBef>
+                  <a:spcPct val="0"/>
+                </a:spcBef>
+                <a:spcAft>
+                  <a:spcPct val="0"/>
+                </a:spcAft>
+                <a:defRPr>
+                  <a:solidFill>
+                    <a:schemeClr val="tx1"/>
+                  </a:solidFill>
+                  <a:latin typeface="Arial" charset="0"/>
+                  <a:ea typeface="宋体" pitchFamily="2" charset="-122"/>
+                </a:defRPr>
+              </a:lvl9pPr>
+            </a:lstStyle>
+            <a:p>
+              <a:pPr algn="ctr" eaLnBrk="1" hangingPunct="1"/>
+              <a:r>
+                <a:rPr lang="en-US" altLang="zh-CN" sz="2600" b="1" dirty="0"/>
+                <a:t>(b) </a:t>
+              </a:r>
+              <a:r>
+                <a:rPr lang="en-US" altLang="zh-CN" sz="2600" b="1" dirty="0" smtClean="0"/>
+                <a:t>DSI-11 b10k </a:t>
+              </a:r>
+              <a:r>
+                <a:rPr lang="en-US" altLang="zh-CN" sz="2600" b="1" dirty="0"/>
+                <a:t>In Vivo</a:t>
+              </a:r>
+              <a:endParaRPr lang="zh-CN" altLang="en-US" sz="2600" b="1" dirty="0"/>
+            </a:p>
+          </p:txBody>
+        </p:sp>
+        <p:sp>
+          <p:nvSpPr>
+            <p:cNvPr id="3085" name="TextBox 12"/>
+            <p:cNvSpPr txBox="1">
+              <a:spLocks noChangeArrowheads="1"/>
+            </p:cNvSpPr>
+            <p:nvPr/>
+          </p:nvSpPr>
+          <p:spPr bwMode="auto">
+            <a:xfrm>
+              <a:off x="5878513" y="5877794"/>
+              <a:ext cx="2387600" cy="400050"/>
+            </a:xfrm>
+            <a:prstGeom prst="rect">
+              <a:avLst/>
+            </a:prstGeom>
+            <a:noFill/>
+            <a:ln>
+              <a:noFill/>
+            </a:ln>
+            <a:extLst>
+              <a:ext uri="{909E8E84-426E-40DD-AFC4-6F175D3DCCD1}">
+                <a14:hiddenFill xmlns:a14="http://schemas.microsoft.com/office/drawing/2010/main">
+                  <a:solidFill>
+                    <a:srgbClr val="FFFFFF"/>
+                  </a:solidFill>
+                </a14:hiddenFill>
+              </a:ext>
+              <a:ext uri="{91240B29-F687-4F45-9708-019B960494DF}">
+                <a14:hiddenLine xmlns:a14="http://schemas.microsoft.com/office/drawing/2010/main" w="9525">
+                  <a:solidFill>
+                    <a:srgbClr val="000000"/>
+                  </a:solidFill>
+                  <a:miter lim="800000"/>
+                  <a:headEnd/>
+                  <a:tailEnd/>
+                </a14:hiddenLine>
+              </a:ext>
+            </a:extLst>
+          </p:spPr>
+          <p:txBody>
+            <a:bodyPr>
+              <a:spAutoFit/>
+            </a:bodyPr>
+            <a:lstStyle>
+              <a:lvl1pPr eaLnBrk="0" hangingPunct="0">
+                <a:defRPr>
+                  <a:solidFill>
+                    <a:schemeClr val="tx1"/>
+                  </a:solidFill>
+                  <a:latin typeface="Arial" charset="0"/>
+                  <a:ea typeface="宋体" pitchFamily="2" charset="-122"/>
+                </a:defRPr>
+              </a:lvl1pPr>
+              <a:lvl2pPr marL="742950" indent="-285750" eaLnBrk="0" hangingPunct="0">
+                <a:defRPr>
+                  <a:solidFill>
+                    <a:schemeClr val="tx1"/>
+                  </a:solidFill>
+                  <a:latin typeface="Arial" charset="0"/>
+                  <a:ea typeface="宋体" pitchFamily="2" charset="-122"/>
+                </a:defRPr>
+              </a:lvl2pPr>
+              <a:lvl3pPr marL="1143000" indent="-228600" eaLnBrk="0" hangingPunct="0">
+                <a:defRPr>
+                  <a:solidFill>
+                    <a:schemeClr val="tx1"/>
+                  </a:solidFill>
+                  <a:latin typeface="Arial" charset="0"/>
+                  <a:ea typeface="宋体" pitchFamily="2" charset="-122"/>
+                </a:defRPr>
+              </a:lvl3pPr>
+              <a:lvl4pPr marL="1600200" indent="-228600" eaLnBrk="0" hangingPunct="0">
+                <a:defRPr>
+                  <a:solidFill>
+                    <a:schemeClr val="tx1"/>
+                  </a:solidFill>
+                  <a:latin typeface="Arial" charset="0"/>
+                  <a:ea typeface="宋体" pitchFamily="2" charset="-122"/>
+                </a:defRPr>
+              </a:lvl4pPr>
+              <a:lvl5pPr marL="2057400" indent="-228600" eaLnBrk="0" hangingPunct="0">
+                <a:defRPr>
+                  <a:solidFill>
+                    <a:schemeClr val="tx1"/>
+                  </a:solidFill>
+                  <a:latin typeface="Arial" charset="0"/>
+                  <a:ea typeface="宋体" pitchFamily="2" charset="-122"/>
+                </a:defRPr>
+              </a:lvl5pPr>
+              <a:lvl6pPr marL="2514600" indent="-228600" eaLnBrk="0" fontAlgn="base" hangingPunct="0">
+                <a:spcBef>
+                  <a:spcPct val="0"/>
+                </a:spcBef>
+                <a:spcAft>
+                  <a:spcPct val="0"/>
+                </a:spcAft>
+                <a:defRPr>
+                  <a:solidFill>
+                    <a:schemeClr val="tx1"/>
+                  </a:solidFill>
+                  <a:latin typeface="Arial" charset="0"/>
+                  <a:ea typeface="宋体" pitchFamily="2" charset="-122"/>
+                </a:defRPr>
+              </a:lvl6pPr>
+              <a:lvl7pPr marL="2971800" indent="-228600" eaLnBrk="0" fontAlgn="base" hangingPunct="0">
+                <a:spcBef>
+                  <a:spcPct val="0"/>
+                </a:spcBef>
+                <a:spcAft>
+                  <a:spcPct val="0"/>
+                </a:spcAft>
+                <a:defRPr>
+                  <a:solidFill>
+                    <a:schemeClr val="tx1"/>
+                  </a:solidFill>
+                  <a:latin typeface="Arial" charset="0"/>
+                  <a:ea typeface="宋体" pitchFamily="2" charset="-122"/>
+                </a:defRPr>
+              </a:lvl7pPr>
+              <a:lvl8pPr marL="3429000" indent="-228600" eaLnBrk="0" fontAlgn="base" hangingPunct="0">
+                <a:spcBef>
+                  <a:spcPct val="0"/>
+                </a:spcBef>
+                <a:spcAft>
+                  <a:spcPct val="0"/>
+                </a:spcAft>
+                <a:defRPr>
+                  <a:solidFill>
+                    <a:schemeClr val="tx1"/>
+                  </a:solidFill>
+                  <a:latin typeface="Arial" charset="0"/>
+                  <a:ea typeface="宋体" pitchFamily="2" charset="-122"/>
+                </a:defRPr>
+              </a:lvl8pPr>
+              <a:lvl9pPr marL="3886200" indent="-228600" eaLnBrk="0" fontAlgn="base" hangingPunct="0">
+                <a:spcBef>
+                  <a:spcPct val="0"/>
+                </a:spcBef>
+                <a:spcAft>
+                  <a:spcPct val="0"/>
+                </a:spcAft>
+                <a:defRPr>
+                  <a:solidFill>
+                    <a:schemeClr val="tx1"/>
+                  </a:solidFill>
+                  <a:latin typeface="Arial" charset="0"/>
+                  <a:ea typeface="宋体" pitchFamily="2" charset="-122"/>
+                </a:defRPr>
+              </a:lvl9pPr>
+            </a:lstStyle>
+            <a:p>
+              <a:pPr eaLnBrk="1" hangingPunct="1"/>
+              <a:r>
+                <a:rPr lang="en-US" altLang="zh-CN" sz="2000" dirty="0"/>
+                <a:t>displacement (</a:t>
+              </a:r>
+              <a:r>
+                <a:rPr lang="el-GR" altLang="zh-CN" sz="2000" dirty="0"/>
+                <a:t>μ</a:t>
+              </a:r>
+              <a:r>
+                <a:rPr lang="en-US" altLang="zh-CN" sz="2000" dirty="0"/>
+                <a:t>m)</a:t>
+              </a:r>
+              <a:endParaRPr lang="zh-CN" altLang="en-US" sz="2000" dirty="0"/>
+            </a:p>
+          </p:txBody>
+        </p:sp>
+        <p:sp>
+          <p:nvSpPr>
+            <p:cNvPr id="27" name="TextBox 12"/>
+            <p:cNvSpPr txBox="1">
+              <a:spLocks noChangeArrowheads="1"/>
+            </p:cNvSpPr>
+            <p:nvPr/>
+          </p:nvSpPr>
+          <p:spPr bwMode="auto">
+            <a:xfrm>
+              <a:off x="1475656" y="11145469"/>
+              <a:ext cx="4003675" cy="492443"/>
+            </a:xfrm>
+            <a:prstGeom prst="rect">
+              <a:avLst/>
+            </a:prstGeom>
+            <a:noFill/>
+            <a:ln>
+              <a:noFill/>
+            </a:ln>
+            <a:extLst>
+              <a:ext uri="{909E8E84-426E-40DD-AFC4-6F175D3DCCD1}">
+                <a14:hiddenFill xmlns:a14="http://schemas.microsoft.com/office/drawing/2010/main">
+                  <a:solidFill>
+                    <a:srgbClr val="FFFFFF"/>
+                  </a:solidFill>
+                </a14:hiddenFill>
+              </a:ext>
+              <a:ext uri="{91240B29-F687-4F45-9708-019B960494DF}">
+                <a14:hiddenLine xmlns:a14="http://schemas.microsoft.com/office/drawing/2010/main" w="9525">
+                  <a:solidFill>
+                    <a:srgbClr val="000000"/>
+                  </a:solidFill>
+                  <a:miter lim="800000"/>
+                  <a:headEnd/>
+                  <a:tailEnd/>
+                </a14:hiddenLine>
+              </a:ext>
+            </a:extLst>
+          </p:spPr>
+          <p:txBody>
+            <a:bodyPr wrap="square">
+              <a:spAutoFit/>
+            </a:bodyPr>
+            <a:lstStyle>
+              <a:lvl1pPr eaLnBrk="0" hangingPunct="0">
+                <a:defRPr>
+                  <a:solidFill>
+                    <a:schemeClr val="tx1"/>
+                  </a:solidFill>
+                  <a:latin typeface="Arial" charset="0"/>
+                  <a:ea typeface="宋体" pitchFamily="2" charset="-122"/>
+                </a:defRPr>
+              </a:lvl1pPr>
+              <a:lvl2pPr marL="742950" indent="-285750" eaLnBrk="0" hangingPunct="0">
+                <a:defRPr>
+                  <a:solidFill>
+                    <a:schemeClr val="tx1"/>
+                  </a:solidFill>
+                  <a:latin typeface="Arial" charset="0"/>
+                  <a:ea typeface="宋体" pitchFamily="2" charset="-122"/>
+                </a:defRPr>
+              </a:lvl2pPr>
+              <a:lvl3pPr marL="1143000" indent="-228600" eaLnBrk="0" hangingPunct="0">
+                <a:defRPr>
+                  <a:solidFill>
+                    <a:schemeClr val="tx1"/>
+                  </a:solidFill>
+                  <a:latin typeface="Arial" charset="0"/>
+                  <a:ea typeface="宋体" pitchFamily="2" charset="-122"/>
+                </a:defRPr>
+              </a:lvl3pPr>
+              <a:lvl4pPr marL="1600200" indent="-228600" eaLnBrk="0" hangingPunct="0">
+                <a:defRPr>
+                  <a:solidFill>
+                    <a:schemeClr val="tx1"/>
+                  </a:solidFill>
+                  <a:latin typeface="Arial" charset="0"/>
+                  <a:ea typeface="宋体" pitchFamily="2" charset="-122"/>
+                </a:defRPr>
+              </a:lvl4pPr>
+              <a:lvl5pPr marL="2057400" indent="-228600" eaLnBrk="0" hangingPunct="0">
+                <a:defRPr>
+                  <a:solidFill>
+                    <a:schemeClr val="tx1"/>
+                  </a:solidFill>
+                  <a:latin typeface="Arial" charset="0"/>
+                  <a:ea typeface="宋体" pitchFamily="2" charset="-122"/>
+                </a:defRPr>
+              </a:lvl5pPr>
+              <a:lvl6pPr marL="2514600" indent="-228600" eaLnBrk="0" fontAlgn="base" hangingPunct="0">
+                <a:spcBef>
+                  <a:spcPct val="0"/>
+                </a:spcBef>
+                <a:spcAft>
+                  <a:spcPct val="0"/>
+                </a:spcAft>
+                <a:defRPr>
+                  <a:solidFill>
+                    <a:schemeClr val="tx1"/>
+                  </a:solidFill>
+                  <a:latin typeface="Arial" charset="0"/>
+                  <a:ea typeface="宋体" pitchFamily="2" charset="-122"/>
+                </a:defRPr>
+              </a:lvl6pPr>
+              <a:lvl7pPr marL="2971800" indent="-228600" eaLnBrk="0" fontAlgn="base" hangingPunct="0">
+                <a:spcBef>
+                  <a:spcPct val="0"/>
+                </a:spcBef>
+                <a:spcAft>
+                  <a:spcPct val="0"/>
+                </a:spcAft>
+                <a:defRPr>
+                  <a:solidFill>
+                    <a:schemeClr val="tx1"/>
+                  </a:solidFill>
+                  <a:latin typeface="Arial" charset="0"/>
+                  <a:ea typeface="宋体" pitchFamily="2" charset="-122"/>
+                </a:defRPr>
+              </a:lvl7pPr>
+              <a:lvl8pPr marL="3429000" indent="-228600" eaLnBrk="0" fontAlgn="base" hangingPunct="0">
+                <a:spcBef>
+                  <a:spcPct val="0"/>
+                </a:spcBef>
+                <a:spcAft>
+                  <a:spcPct val="0"/>
+                </a:spcAft>
+                <a:defRPr>
+                  <a:solidFill>
+                    <a:schemeClr val="tx1"/>
+                  </a:solidFill>
+                  <a:latin typeface="Arial" charset="0"/>
+                  <a:ea typeface="宋体" pitchFamily="2" charset="-122"/>
+                </a:defRPr>
+              </a:lvl8pPr>
+              <a:lvl9pPr marL="3886200" indent="-228600" eaLnBrk="0" fontAlgn="base" hangingPunct="0">
+                <a:spcBef>
+                  <a:spcPct val="0"/>
+                </a:spcBef>
+                <a:spcAft>
+                  <a:spcPct val="0"/>
+                </a:spcAft>
+                <a:defRPr>
+                  <a:solidFill>
+                    <a:schemeClr val="tx1"/>
+                  </a:solidFill>
+                  <a:latin typeface="Arial" charset="0"/>
+                  <a:ea typeface="宋体" pitchFamily="2" charset="-122"/>
+                </a:defRPr>
+              </a:lvl9pPr>
+            </a:lstStyle>
+            <a:p>
+              <a:pPr algn="ctr" eaLnBrk="1" hangingPunct="1"/>
+              <a:r>
+                <a:rPr lang="en-US" altLang="zh-CN" sz="2600" b="1" dirty="0" smtClean="0"/>
+                <a:t>(c) </a:t>
+              </a:r>
+              <a:r>
+                <a:rPr lang="en-US" altLang="zh-CN" sz="2600" b="1" dirty="0"/>
+                <a:t>DSI-11 </a:t>
+              </a:r>
+              <a:r>
+                <a:rPr lang="en-US" altLang="zh-CN" sz="2600" b="1" dirty="0" smtClean="0"/>
+                <a:t>b7k In </a:t>
+              </a:r>
+              <a:r>
+                <a:rPr lang="en-US" altLang="zh-CN" sz="2600" b="1" dirty="0"/>
+                <a:t>Vivo</a:t>
+              </a:r>
+              <a:endParaRPr lang="zh-CN" altLang="en-US" sz="2600" b="1" dirty="0"/>
+            </a:p>
+          </p:txBody>
+        </p:sp>
+        <p:sp>
+          <p:nvSpPr>
+            <p:cNvPr id="28" name="TextBox 15"/>
+            <p:cNvSpPr txBox="1">
+              <a:spLocks noChangeArrowheads="1"/>
+            </p:cNvSpPr>
+            <p:nvPr/>
+          </p:nvSpPr>
+          <p:spPr bwMode="auto">
+            <a:xfrm>
+              <a:off x="-977900" y="6568395"/>
+              <a:ext cx="2576513" cy="492125"/>
+            </a:xfrm>
+            <a:prstGeom prst="rect">
+              <a:avLst/>
+            </a:prstGeom>
+            <a:noFill/>
+            <a:ln>
+              <a:noFill/>
+            </a:ln>
+            <a:extLst>
+              <a:ext uri="{909E8E84-426E-40DD-AFC4-6F175D3DCCD1}">
+                <a14:hiddenFill xmlns:a14="http://schemas.microsoft.com/office/drawing/2010/main">
+                  <a:solidFill>
+                    <a:srgbClr val="FFFFFF"/>
+                  </a:solidFill>
+                </a14:hiddenFill>
+              </a:ext>
+              <a:ext uri="{91240B29-F687-4F45-9708-019B960494DF}">
+                <a14:hiddenLine xmlns:a14="http://schemas.microsoft.com/office/drawing/2010/main" w="9525">
+                  <a:solidFill>
+                    <a:srgbClr val="000000"/>
+                  </a:solidFill>
+                  <a:miter lim="800000"/>
+                  <a:headEnd/>
+                  <a:tailEnd/>
+                </a14:hiddenLine>
+              </a:ext>
+            </a:extLst>
+          </p:spPr>
+          <p:txBody>
+            <a:bodyPr>
+              <a:spAutoFit/>
+            </a:bodyPr>
+            <a:lstStyle>
+              <a:lvl1pPr eaLnBrk="0" hangingPunct="0">
+                <a:defRPr>
+                  <a:solidFill>
+                    <a:schemeClr val="tx1"/>
+                  </a:solidFill>
+                  <a:latin typeface="Arial" charset="0"/>
+                  <a:ea typeface="宋体" pitchFamily="2" charset="-122"/>
+                </a:defRPr>
+              </a:lvl1pPr>
+              <a:lvl2pPr marL="742950" indent="-285750" eaLnBrk="0" hangingPunct="0">
+                <a:defRPr>
+                  <a:solidFill>
+                    <a:schemeClr val="tx1"/>
+                  </a:solidFill>
+                  <a:latin typeface="Arial" charset="0"/>
+                  <a:ea typeface="宋体" pitchFamily="2" charset="-122"/>
+                </a:defRPr>
+              </a:lvl2pPr>
+              <a:lvl3pPr marL="1143000" indent="-228600" eaLnBrk="0" hangingPunct="0">
+                <a:defRPr>
+                  <a:solidFill>
+                    <a:schemeClr val="tx1"/>
+                  </a:solidFill>
+                  <a:latin typeface="Arial" charset="0"/>
+                  <a:ea typeface="宋体" pitchFamily="2" charset="-122"/>
+                </a:defRPr>
+              </a:lvl3pPr>
+              <a:lvl4pPr marL="1600200" indent="-228600" eaLnBrk="0" hangingPunct="0">
+                <a:defRPr>
+                  <a:solidFill>
+                    <a:schemeClr val="tx1"/>
+                  </a:solidFill>
+                  <a:latin typeface="Arial" charset="0"/>
+                  <a:ea typeface="宋体" pitchFamily="2" charset="-122"/>
+                </a:defRPr>
+              </a:lvl4pPr>
+              <a:lvl5pPr marL="2057400" indent="-228600" eaLnBrk="0" hangingPunct="0">
+                <a:defRPr>
+                  <a:solidFill>
+                    <a:schemeClr val="tx1"/>
+                  </a:solidFill>
+                  <a:latin typeface="Arial" charset="0"/>
+                  <a:ea typeface="宋体" pitchFamily="2" charset="-122"/>
+                </a:defRPr>
+              </a:lvl5pPr>
+              <a:lvl6pPr marL="2514600" indent="-228600" eaLnBrk="0" fontAlgn="base" hangingPunct="0">
+                <a:spcBef>
+                  <a:spcPct val="0"/>
+                </a:spcBef>
+                <a:spcAft>
+                  <a:spcPct val="0"/>
+                </a:spcAft>
+                <a:defRPr>
+                  <a:solidFill>
+                    <a:schemeClr val="tx1"/>
+                  </a:solidFill>
+                  <a:latin typeface="Arial" charset="0"/>
+                  <a:ea typeface="宋体" pitchFamily="2" charset="-122"/>
+                </a:defRPr>
+              </a:lvl6pPr>
+              <a:lvl7pPr marL="2971800" indent="-228600" eaLnBrk="0" fontAlgn="base" hangingPunct="0">
+                <a:spcBef>
+                  <a:spcPct val="0"/>
+                </a:spcBef>
+                <a:spcAft>
+                  <a:spcPct val="0"/>
+                </a:spcAft>
+                <a:defRPr>
+                  <a:solidFill>
+                    <a:schemeClr val="tx1"/>
+                  </a:solidFill>
+                  <a:latin typeface="Arial" charset="0"/>
+                  <a:ea typeface="宋体" pitchFamily="2" charset="-122"/>
+                </a:defRPr>
+              </a:lvl7pPr>
+              <a:lvl8pPr marL="3429000" indent="-228600" eaLnBrk="0" fontAlgn="base" hangingPunct="0">
+                <a:spcBef>
+                  <a:spcPct val="0"/>
+                </a:spcBef>
+                <a:spcAft>
+                  <a:spcPct val="0"/>
+                </a:spcAft>
+                <a:defRPr>
+                  <a:solidFill>
+                    <a:schemeClr val="tx1"/>
+                  </a:solidFill>
+                  <a:latin typeface="Arial" charset="0"/>
+                  <a:ea typeface="宋体" pitchFamily="2" charset="-122"/>
+                </a:defRPr>
+              </a:lvl8pPr>
+              <a:lvl9pPr marL="3886200" indent="-228600" eaLnBrk="0" fontAlgn="base" hangingPunct="0">
+                <a:spcBef>
+                  <a:spcPct val="0"/>
+                </a:spcBef>
+                <a:spcAft>
+                  <a:spcPct val="0"/>
+                </a:spcAft>
+                <a:defRPr>
+                  <a:solidFill>
+                    <a:schemeClr val="tx1"/>
+                  </a:solidFill>
+                  <a:latin typeface="Arial" charset="0"/>
+                  <a:ea typeface="宋体" pitchFamily="2" charset="-122"/>
+                </a:defRPr>
+              </a:lvl9pPr>
+            </a:lstStyle>
+            <a:p>
+              <a:pPr algn="ctr" eaLnBrk="1" hangingPunct="1"/>
+              <a:r>
+                <a:rPr lang="en-US" altLang="zh-CN" sz="2600" dirty="0" smtClean="0">
+                  <a:solidFill>
+                    <a:srgbClr val="FF0000"/>
+                  </a:solidFill>
+                </a:rPr>
+                <a:t>MDD=18.3</a:t>
+              </a:r>
+              <a:r>
+                <a:rPr lang="el-GR" altLang="zh-CN" sz="2600" dirty="0" smtClean="0">
+                  <a:solidFill>
+                    <a:srgbClr val="FF0000"/>
+                  </a:solidFill>
+                </a:rPr>
+                <a:t> </a:t>
+              </a:r>
+              <a:r>
+                <a:rPr lang="el-GR" altLang="zh-CN" sz="2600" dirty="0">
+                  <a:solidFill>
+                    <a:srgbClr val="FF0000"/>
+                  </a:solidFill>
+                </a:rPr>
+                <a:t>μ</a:t>
+              </a:r>
+              <a:r>
+                <a:rPr lang="en-US" altLang="zh-CN" sz="2600" dirty="0">
+                  <a:solidFill>
+                    <a:srgbClr val="FF0000"/>
+                  </a:solidFill>
+                </a:rPr>
+                <a:t>m</a:t>
+              </a:r>
+              <a:endParaRPr lang="zh-CN" altLang="en-US" sz="2600" dirty="0">
+                <a:solidFill>
+                  <a:srgbClr val="FF0000"/>
+                </a:solidFill>
+              </a:endParaRPr>
+            </a:p>
+          </p:txBody>
+        </p:sp>
+        <p:grpSp>
+          <p:nvGrpSpPr>
+            <p:cNvPr id="29" name="组合 43"/>
+            <p:cNvGrpSpPr>
+              <a:grpSpLocks/>
+            </p:cNvGrpSpPr>
+            <p:nvPr/>
+          </p:nvGrpSpPr>
+          <p:grpSpPr bwMode="auto">
+            <a:xfrm>
+              <a:off x="-1832712" y="10822341"/>
+              <a:ext cx="4244976" cy="492125"/>
+              <a:chOff x="-1111738" y="-1200944"/>
+              <a:chExt cx="4243578" cy="492443"/>
+            </a:xfrm>
+          </p:grpSpPr>
+          <p:sp>
+            <p:nvSpPr>
+              <p:cNvPr id="30" name="TextBox 44"/>
+              <p:cNvSpPr txBox="1">
+                <a:spLocks noChangeArrowheads="1"/>
+              </p:cNvSpPr>
+              <p:nvPr/>
+            </p:nvSpPr>
+            <p:spPr bwMode="auto">
+              <a:xfrm>
+                <a:off x="-252536" y="-1200944"/>
+                <a:ext cx="2536396" cy="492443"/>
+              </a:xfrm>
+              <a:prstGeom prst="rect">
+                <a:avLst/>
+              </a:prstGeom>
+              <a:noFill/>
+              <a:ln>
+                <a:noFill/>
+              </a:ln>
+              <a:extLst>
+                <a:ext uri="{909E8E84-426E-40DD-AFC4-6F175D3DCCD1}">
+                  <a14:hiddenFill xmlns:a14="http://schemas.microsoft.com/office/drawing/2010/main">
+                    <a:solidFill>
+                      <a:srgbClr val="FFFFFF"/>
+                    </a:solidFill>
+                  </a14:hiddenFill>
+                </a:ext>
+                <a:ext uri="{91240B29-F687-4F45-9708-019B960494DF}">
+                  <a14:hiddenLine xmlns:a14="http://schemas.microsoft.com/office/drawing/2010/main" w="9525">
+                    <a:solidFill>
+                      <a:srgbClr val="000000"/>
+                    </a:solidFill>
+                    <a:miter lim="800000"/>
+                    <a:headEnd/>
+                    <a:tailEnd/>
+                  </a14:hiddenLine>
+                </a:ext>
+              </a:extLst>
+            </p:spPr>
+            <p:txBody>
+              <a:bodyPr>
+                <a:spAutoFit/>
+              </a:bodyPr>
+              <a:lstStyle>
+                <a:lvl1pPr eaLnBrk="0" hangingPunct="0">
+                  <a:defRPr>
+                    <a:solidFill>
+                      <a:schemeClr val="tx1"/>
+                    </a:solidFill>
+                    <a:latin typeface="Arial" charset="0"/>
+                    <a:ea typeface="宋体" pitchFamily="2" charset="-122"/>
+                  </a:defRPr>
+                </a:lvl1pPr>
+                <a:lvl2pPr marL="742950" indent="-285750" eaLnBrk="0" hangingPunct="0">
+                  <a:defRPr>
+                    <a:solidFill>
+                      <a:schemeClr val="tx1"/>
+                    </a:solidFill>
+                    <a:latin typeface="Arial" charset="0"/>
+                    <a:ea typeface="宋体" pitchFamily="2" charset="-122"/>
+                  </a:defRPr>
+                </a:lvl2pPr>
+                <a:lvl3pPr marL="1143000" indent="-228600" eaLnBrk="0" hangingPunct="0">
+                  <a:defRPr>
+                    <a:solidFill>
+                      <a:schemeClr val="tx1"/>
+                    </a:solidFill>
+                    <a:latin typeface="Arial" charset="0"/>
+                    <a:ea typeface="宋体" pitchFamily="2" charset="-122"/>
+                  </a:defRPr>
+                </a:lvl3pPr>
+                <a:lvl4pPr marL="1600200" indent="-228600" eaLnBrk="0" hangingPunct="0">
+                  <a:defRPr>
+                    <a:solidFill>
+                      <a:schemeClr val="tx1"/>
+                    </a:solidFill>
+                    <a:latin typeface="Arial" charset="0"/>
+                    <a:ea typeface="宋体" pitchFamily="2" charset="-122"/>
+                  </a:defRPr>
+                </a:lvl4pPr>
+                <a:lvl5pPr marL="2057400" indent="-228600" eaLnBrk="0" hangingPunct="0">
+                  <a:defRPr>
+                    <a:solidFill>
+                      <a:schemeClr val="tx1"/>
+                    </a:solidFill>
+                    <a:latin typeface="Arial" charset="0"/>
+                    <a:ea typeface="宋体" pitchFamily="2" charset="-122"/>
+                  </a:defRPr>
+                </a:lvl5pPr>
+                <a:lvl6pPr marL="2514600" indent="-228600" eaLnBrk="0" fontAlgn="base" hangingPunct="0">
+                  <a:spcBef>
+                    <a:spcPct val="0"/>
+                  </a:spcBef>
+                  <a:spcAft>
+                    <a:spcPct val="0"/>
+                  </a:spcAft>
+                  <a:defRPr>
+                    <a:solidFill>
+                      <a:schemeClr val="tx1"/>
+                    </a:solidFill>
+                    <a:latin typeface="Arial" charset="0"/>
+                    <a:ea typeface="宋体" pitchFamily="2" charset="-122"/>
+                  </a:defRPr>
+                </a:lvl6pPr>
+                <a:lvl7pPr marL="2971800" indent="-228600" eaLnBrk="0" fontAlgn="base" hangingPunct="0">
+                  <a:spcBef>
+                    <a:spcPct val="0"/>
+                  </a:spcBef>
+                  <a:spcAft>
+                    <a:spcPct val="0"/>
+                  </a:spcAft>
+                  <a:defRPr>
+                    <a:solidFill>
+                      <a:schemeClr val="tx1"/>
+                    </a:solidFill>
+                    <a:latin typeface="Arial" charset="0"/>
+                    <a:ea typeface="宋体" pitchFamily="2" charset="-122"/>
+                  </a:defRPr>
+                </a:lvl7pPr>
+                <a:lvl8pPr marL="3429000" indent="-228600" eaLnBrk="0" fontAlgn="base" hangingPunct="0">
+                  <a:spcBef>
+                    <a:spcPct val="0"/>
+                  </a:spcBef>
+                  <a:spcAft>
+                    <a:spcPct val="0"/>
+                  </a:spcAft>
+                  <a:defRPr>
+                    <a:solidFill>
+                      <a:schemeClr val="tx1"/>
+                    </a:solidFill>
+                    <a:latin typeface="Arial" charset="0"/>
+                    <a:ea typeface="宋体" pitchFamily="2" charset="-122"/>
+                  </a:defRPr>
+                </a:lvl8pPr>
+                <a:lvl9pPr marL="3886200" indent="-228600" eaLnBrk="0" fontAlgn="base" hangingPunct="0">
+                  <a:spcBef>
+                    <a:spcPct val="0"/>
+                  </a:spcBef>
+                  <a:spcAft>
+                    <a:spcPct val="0"/>
+                  </a:spcAft>
+                  <a:defRPr>
+                    <a:solidFill>
+                      <a:schemeClr val="tx1"/>
+                    </a:solidFill>
+                    <a:latin typeface="Arial" charset="0"/>
+                    <a:ea typeface="宋体" pitchFamily="2" charset="-122"/>
+                  </a:defRPr>
+                </a:lvl9pPr>
+              </a:lstStyle>
+              <a:p>
+                <a:pPr algn="ctr" eaLnBrk="1" hangingPunct="1"/>
+                <a:r>
+                  <a:rPr lang="en-US" altLang="zh-CN" sz="2600" dirty="0" smtClean="0"/>
+                  <a:t>FOV=70.3 </a:t>
+                </a:r>
+                <a:r>
+                  <a:rPr lang="el-GR" altLang="zh-CN" sz="2600" dirty="0"/>
+                  <a:t>μ</a:t>
+                </a:r>
+                <a:r>
+                  <a:rPr lang="en-US" altLang="zh-CN" sz="2600" dirty="0"/>
+                  <a:t>m</a:t>
+                </a:r>
+              </a:p>
+            </p:txBody>
+          </p:sp>
+          <p:cxnSp>
+            <p:nvCxnSpPr>
+              <p:cNvPr id="31" name="直接箭头连接符 30"/>
+              <p:cNvCxnSpPr/>
+              <p:nvPr/>
+            </p:nvCxnSpPr>
+            <p:spPr bwMode="auto">
+              <a:xfrm flipH="1" flipV="1">
+                <a:off x="-1111738" y="-954722"/>
+                <a:ext cx="858555" cy="0"/>
+              </a:xfrm>
+              <a:prstGeom prst="straightConnector1">
+                <a:avLst/>
+              </a:prstGeom>
+              <a:ln w="76200">
+                <a:solidFill>
+                  <a:schemeClr val="tx1"/>
+                </a:solidFill>
+                <a:tailEnd type="arrow"/>
+              </a:ln>
+            </p:spPr>
+            <p:style>
+              <a:lnRef idx="1">
+                <a:schemeClr val="accent1"/>
+              </a:lnRef>
+              <a:fillRef idx="0">
+                <a:schemeClr val="accent1"/>
+              </a:fillRef>
+              <a:effectRef idx="0">
+                <a:schemeClr val="accent1"/>
+              </a:effectRef>
+              <a:fontRef idx="minor">
+                <a:schemeClr val="tx1"/>
+              </a:fontRef>
+            </p:style>
+          </p:cxnSp>
+          <p:cxnSp>
+            <p:nvCxnSpPr>
+              <p:cNvPr id="32" name="直接箭头连接符 31"/>
+              <p:cNvCxnSpPr/>
+              <p:nvPr/>
+            </p:nvCxnSpPr>
+            <p:spPr bwMode="auto">
+              <a:xfrm flipV="1">
+                <a:off x="2273285" y="-954722"/>
+                <a:ext cx="858555" cy="0"/>
+              </a:xfrm>
+              <a:prstGeom prst="straightConnector1">
+                <a:avLst/>
+              </a:prstGeom>
+              <a:ln w="76200">
+                <a:solidFill>
+                  <a:schemeClr val="tx1"/>
+                </a:solidFill>
+                <a:tailEnd type="arrow"/>
+              </a:ln>
+            </p:spPr>
+            <p:style>
+              <a:lnRef idx="1">
+                <a:schemeClr val="accent1"/>
+              </a:lnRef>
+              <a:fillRef idx="0">
+                <a:schemeClr val="accent1"/>
+              </a:fillRef>
+              <a:effectRef idx="0">
+                <a:schemeClr val="accent1"/>
+              </a:effectRef>
+              <a:fontRef idx="minor">
+                <a:schemeClr val="tx1"/>
+              </a:fontRef>
+            </p:style>
+          </p:cxnSp>
+        </p:grpSp>
+        <p:pic>
+          <p:nvPicPr>
+            <p:cNvPr id="14" name="图片 13"/>
+            <p:cNvPicPr>
+              <a:picLocks noChangeAspect="1"/>
+            </p:cNvPicPr>
+            <p:nvPr/>
+          </p:nvPicPr>
+          <p:blipFill>
+            <a:blip r:embed="rId8" cstate="print">
+              <a:extLst>
+                <a:ext uri="{28A0092B-C50C-407E-A947-70E740481C1C}">
+                  <a14:useLocalDpi xmlns:a14="http://schemas.microsoft.com/office/drawing/2010/main" val="0"/>
+                </a:ext>
+              </a:extLst>
+            </a:blip>
+            <a:stretch>
+              <a:fillRect/>
+            </a:stretch>
+          </p:blipFill>
+          <p:spPr>
+            <a:xfrm>
+              <a:off x="-1971312" y="-3844370"/>
+              <a:ext cx="874675" cy="931564"/>
+            </a:xfrm>
+            <a:prstGeom prst="rect">
+              <a:avLst/>
+            </a:prstGeom>
+          </p:spPr>
+        </p:pic>
+        <p:sp>
+          <p:nvSpPr>
+            <p:cNvPr id="33" name="TextBox 12"/>
+            <p:cNvSpPr txBox="1">
+              <a:spLocks noChangeArrowheads="1"/>
+            </p:cNvSpPr>
+            <p:nvPr/>
+          </p:nvSpPr>
+          <p:spPr bwMode="auto">
+            <a:xfrm>
+              <a:off x="5878513" y="11055883"/>
+              <a:ext cx="2387600" cy="400050"/>
+            </a:xfrm>
+            <a:prstGeom prst="rect">
+              <a:avLst/>
+            </a:prstGeom>
+            <a:noFill/>
+            <a:ln>
+              <a:noFill/>
+            </a:ln>
+            <a:extLst>
+              <a:ext uri="{909E8E84-426E-40DD-AFC4-6F175D3DCCD1}">
+                <a14:hiddenFill xmlns:a14="http://schemas.microsoft.com/office/drawing/2010/main">
+                  <a:solidFill>
+                    <a:srgbClr val="FFFFFF"/>
+                  </a:solidFill>
+                </a14:hiddenFill>
+              </a:ext>
+              <a:ext uri="{91240B29-F687-4F45-9708-019B960494DF}">
+                <a14:hiddenLine xmlns:a14="http://schemas.microsoft.com/office/drawing/2010/main" w="9525">
+                  <a:solidFill>
+                    <a:srgbClr val="000000"/>
+                  </a:solidFill>
+                  <a:miter lim="800000"/>
+                  <a:headEnd/>
+                  <a:tailEnd/>
+                </a14:hiddenLine>
+              </a:ext>
+            </a:extLst>
+          </p:spPr>
+          <p:txBody>
+            <a:bodyPr>
+              <a:spAutoFit/>
+            </a:bodyPr>
+            <a:lstStyle>
+              <a:lvl1pPr eaLnBrk="0" hangingPunct="0">
+                <a:defRPr>
+                  <a:solidFill>
+                    <a:schemeClr val="tx1"/>
+                  </a:solidFill>
+                  <a:latin typeface="Arial" charset="0"/>
+                  <a:ea typeface="宋体" pitchFamily="2" charset="-122"/>
+                </a:defRPr>
+              </a:lvl1pPr>
+              <a:lvl2pPr marL="742950" indent="-285750" eaLnBrk="0" hangingPunct="0">
+                <a:defRPr>
+                  <a:solidFill>
+                    <a:schemeClr val="tx1"/>
+                  </a:solidFill>
+                  <a:latin typeface="Arial" charset="0"/>
+                  <a:ea typeface="宋体" pitchFamily="2" charset="-122"/>
+                </a:defRPr>
+              </a:lvl2pPr>
+              <a:lvl3pPr marL="1143000" indent="-228600" eaLnBrk="0" hangingPunct="0">
+                <a:defRPr>
+                  <a:solidFill>
+                    <a:schemeClr val="tx1"/>
+                  </a:solidFill>
+                  <a:latin typeface="Arial" charset="0"/>
+                  <a:ea typeface="宋体" pitchFamily="2" charset="-122"/>
+                </a:defRPr>
+              </a:lvl3pPr>
+              <a:lvl4pPr marL="1600200" indent="-228600" eaLnBrk="0" hangingPunct="0">
+                <a:defRPr>
+                  <a:solidFill>
+                    <a:schemeClr val="tx1"/>
+                  </a:solidFill>
+                  <a:latin typeface="Arial" charset="0"/>
+                  <a:ea typeface="宋体" pitchFamily="2" charset="-122"/>
+                </a:defRPr>
+              </a:lvl4pPr>
+              <a:lvl5pPr marL="2057400" indent="-228600" eaLnBrk="0" hangingPunct="0">
+                <a:defRPr>
+                  <a:solidFill>
+                    <a:schemeClr val="tx1"/>
+                  </a:solidFill>
+                  <a:latin typeface="Arial" charset="0"/>
+                  <a:ea typeface="宋体" pitchFamily="2" charset="-122"/>
+                </a:defRPr>
+              </a:lvl5pPr>
+              <a:lvl6pPr marL="2514600" indent="-228600" eaLnBrk="0" fontAlgn="base" hangingPunct="0">
+                <a:spcBef>
+                  <a:spcPct val="0"/>
+                </a:spcBef>
+                <a:spcAft>
+                  <a:spcPct val="0"/>
+                </a:spcAft>
+                <a:defRPr>
+                  <a:solidFill>
+                    <a:schemeClr val="tx1"/>
+                  </a:solidFill>
+                  <a:latin typeface="Arial" charset="0"/>
+                  <a:ea typeface="宋体" pitchFamily="2" charset="-122"/>
+                </a:defRPr>
+              </a:lvl6pPr>
+              <a:lvl7pPr marL="2971800" indent="-228600" eaLnBrk="0" fontAlgn="base" hangingPunct="0">
+                <a:spcBef>
+                  <a:spcPct val="0"/>
+                </a:spcBef>
+                <a:spcAft>
+                  <a:spcPct val="0"/>
+                </a:spcAft>
+                <a:defRPr>
+                  <a:solidFill>
+                    <a:schemeClr val="tx1"/>
+                  </a:solidFill>
+                  <a:latin typeface="Arial" charset="0"/>
+                  <a:ea typeface="宋体" pitchFamily="2" charset="-122"/>
+                </a:defRPr>
+              </a:lvl7pPr>
+              <a:lvl8pPr marL="3429000" indent="-228600" eaLnBrk="0" fontAlgn="base" hangingPunct="0">
+                <a:spcBef>
+                  <a:spcPct val="0"/>
+                </a:spcBef>
+                <a:spcAft>
+                  <a:spcPct val="0"/>
+                </a:spcAft>
+                <a:defRPr>
+                  <a:solidFill>
+                    <a:schemeClr val="tx1"/>
+                  </a:solidFill>
+                  <a:latin typeface="Arial" charset="0"/>
+                  <a:ea typeface="宋体" pitchFamily="2" charset="-122"/>
+                </a:defRPr>
+              </a:lvl8pPr>
+              <a:lvl9pPr marL="3886200" indent="-228600" eaLnBrk="0" fontAlgn="base" hangingPunct="0">
+                <a:spcBef>
+                  <a:spcPct val="0"/>
+                </a:spcBef>
+                <a:spcAft>
+                  <a:spcPct val="0"/>
+                </a:spcAft>
+                <a:defRPr>
+                  <a:solidFill>
+                    <a:schemeClr val="tx1"/>
+                  </a:solidFill>
+                  <a:latin typeface="Arial" charset="0"/>
+                  <a:ea typeface="宋体" pitchFamily="2" charset="-122"/>
+                </a:defRPr>
+              </a:lvl9pPr>
+            </a:lstStyle>
+            <a:p>
+              <a:pPr eaLnBrk="1" hangingPunct="1"/>
+              <a:r>
+                <a:rPr lang="en-US" altLang="zh-CN" sz="2000" dirty="0"/>
+                <a:t>displacement (</a:t>
+              </a:r>
+              <a:r>
+                <a:rPr lang="el-GR" altLang="zh-CN" sz="2000" dirty="0"/>
+                <a:t>μ</a:t>
+              </a:r>
+              <a:r>
+                <a:rPr lang="en-US" altLang="zh-CN" sz="2000" dirty="0"/>
+                <a:t>m)</a:t>
+              </a:r>
+              <a:endParaRPr lang="zh-CN" altLang="en-US" sz="2000" dirty="0"/>
+            </a:p>
+          </p:txBody>
+        </p:sp>
+        <p:sp>
+          <p:nvSpPr>
+            <p:cNvPr id="34" name="TextBox 12"/>
+            <p:cNvSpPr txBox="1">
+              <a:spLocks noChangeArrowheads="1"/>
+            </p:cNvSpPr>
+            <p:nvPr/>
+          </p:nvSpPr>
+          <p:spPr bwMode="auto">
+            <a:xfrm rot="16200000">
+              <a:off x="2596357" y="8636471"/>
+              <a:ext cx="2386012" cy="400050"/>
+            </a:xfrm>
+            <a:prstGeom prst="rect">
+              <a:avLst/>
+            </a:prstGeom>
+            <a:noFill/>
+            <a:ln>
+              <a:noFill/>
+            </a:ln>
+            <a:extLst>
+              <a:ext uri="{909E8E84-426E-40DD-AFC4-6F175D3DCCD1}">
+                <a14:hiddenFill xmlns:a14="http://schemas.microsoft.com/office/drawing/2010/main">
+                  <a:solidFill>
+                    <a:srgbClr val="FFFFFF"/>
+                  </a:solidFill>
+                </a14:hiddenFill>
+              </a:ext>
+              <a:ext uri="{91240B29-F687-4F45-9708-019B960494DF}">
+                <a14:hiddenLine xmlns:a14="http://schemas.microsoft.com/office/drawing/2010/main" w="9525">
+                  <a:solidFill>
+                    <a:srgbClr val="000000"/>
+                  </a:solidFill>
+                  <a:miter lim="800000"/>
+                  <a:headEnd/>
+                  <a:tailEnd/>
+                </a14:hiddenLine>
+              </a:ext>
+            </a:extLst>
+          </p:spPr>
+          <p:txBody>
+            <a:bodyPr>
+              <a:spAutoFit/>
+            </a:bodyPr>
+            <a:lstStyle>
+              <a:lvl1pPr eaLnBrk="0" hangingPunct="0">
+                <a:defRPr>
+                  <a:solidFill>
+                    <a:schemeClr val="tx1"/>
+                  </a:solidFill>
+                  <a:latin typeface="Arial" charset="0"/>
+                  <a:ea typeface="宋体" pitchFamily="2" charset="-122"/>
+                </a:defRPr>
+              </a:lvl1pPr>
+              <a:lvl2pPr marL="742950" indent="-285750" eaLnBrk="0" hangingPunct="0">
+                <a:defRPr>
+                  <a:solidFill>
+                    <a:schemeClr val="tx1"/>
+                  </a:solidFill>
+                  <a:latin typeface="Arial" charset="0"/>
+                  <a:ea typeface="宋体" pitchFamily="2" charset="-122"/>
+                </a:defRPr>
+              </a:lvl2pPr>
+              <a:lvl3pPr marL="1143000" indent="-228600" eaLnBrk="0" hangingPunct="0">
+                <a:defRPr>
+                  <a:solidFill>
+                    <a:schemeClr val="tx1"/>
+                  </a:solidFill>
+                  <a:latin typeface="Arial" charset="0"/>
+                  <a:ea typeface="宋体" pitchFamily="2" charset="-122"/>
+                </a:defRPr>
+              </a:lvl3pPr>
+              <a:lvl4pPr marL="1600200" indent="-228600" eaLnBrk="0" hangingPunct="0">
+                <a:defRPr>
+                  <a:solidFill>
+                    <a:schemeClr val="tx1"/>
+                  </a:solidFill>
+                  <a:latin typeface="Arial" charset="0"/>
+                  <a:ea typeface="宋体" pitchFamily="2" charset="-122"/>
+                </a:defRPr>
+              </a:lvl4pPr>
+              <a:lvl5pPr marL="2057400" indent="-228600" eaLnBrk="0" hangingPunct="0">
+                <a:defRPr>
+                  <a:solidFill>
+                    <a:schemeClr val="tx1"/>
+                  </a:solidFill>
+                  <a:latin typeface="Arial" charset="0"/>
+                  <a:ea typeface="宋体" pitchFamily="2" charset="-122"/>
+                </a:defRPr>
+              </a:lvl5pPr>
+              <a:lvl6pPr marL="2514600" indent="-228600" eaLnBrk="0" fontAlgn="base" hangingPunct="0">
+                <a:spcBef>
+                  <a:spcPct val="0"/>
+                </a:spcBef>
+                <a:spcAft>
+                  <a:spcPct val="0"/>
+                </a:spcAft>
+                <a:defRPr>
+                  <a:solidFill>
+                    <a:schemeClr val="tx1"/>
+                  </a:solidFill>
+                  <a:latin typeface="Arial" charset="0"/>
+                  <a:ea typeface="宋体" pitchFamily="2" charset="-122"/>
+                </a:defRPr>
+              </a:lvl6pPr>
+              <a:lvl7pPr marL="2971800" indent="-228600" eaLnBrk="0" fontAlgn="base" hangingPunct="0">
+                <a:spcBef>
+                  <a:spcPct val="0"/>
+                </a:spcBef>
+                <a:spcAft>
+                  <a:spcPct val="0"/>
+                </a:spcAft>
+                <a:defRPr>
+                  <a:solidFill>
+                    <a:schemeClr val="tx1"/>
+                  </a:solidFill>
+                  <a:latin typeface="Arial" charset="0"/>
+                  <a:ea typeface="宋体" pitchFamily="2" charset="-122"/>
+                </a:defRPr>
+              </a:lvl7pPr>
+              <a:lvl8pPr marL="3429000" indent="-228600" eaLnBrk="0" fontAlgn="base" hangingPunct="0">
+                <a:spcBef>
+                  <a:spcPct val="0"/>
+                </a:spcBef>
+                <a:spcAft>
+                  <a:spcPct val="0"/>
+                </a:spcAft>
+                <a:defRPr>
+                  <a:solidFill>
+                    <a:schemeClr val="tx1"/>
+                  </a:solidFill>
+                  <a:latin typeface="Arial" charset="0"/>
+                  <a:ea typeface="宋体" pitchFamily="2" charset="-122"/>
+                </a:defRPr>
+              </a:lvl8pPr>
+              <a:lvl9pPr marL="3886200" indent="-228600" eaLnBrk="0" fontAlgn="base" hangingPunct="0">
+                <a:spcBef>
+                  <a:spcPct val="0"/>
+                </a:spcBef>
+                <a:spcAft>
+                  <a:spcPct val="0"/>
+                </a:spcAft>
+                <a:defRPr>
+                  <a:solidFill>
+                    <a:schemeClr val="tx1"/>
+                  </a:solidFill>
+                  <a:latin typeface="Arial" charset="0"/>
+                  <a:ea typeface="宋体" pitchFamily="2" charset="-122"/>
+                </a:defRPr>
+              </a:lvl9pPr>
+            </a:lstStyle>
+            <a:p>
+              <a:pPr eaLnBrk="1" hangingPunct="1"/>
+              <a:r>
+                <a:rPr lang="en-US" altLang="zh-CN" sz="2000" dirty="0"/>
+                <a:t>probability density</a:t>
+              </a:r>
+              <a:endParaRPr lang="zh-CN" altLang="en-US" sz="2000" dirty="0"/>
+            </a:p>
+          </p:txBody>
+        </p:sp>
+        <p:sp>
+          <p:nvSpPr>
+            <p:cNvPr id="36" name="右箭头 35"/>
+            <p:cNvSpPr/>
+            <p:nvPr/>
+          </p:nvSpPr>
+          <p:spPr bwMode="auto">
+            <a:xfrm rot="13800000">
+              <a:off x="772160" y="9998312"/>
+              <a:ext cx="433387" cy="433388"/>
+            </a:xfrm>
+            <a:prstGeom prst="rightArrow">
+              <a:avLst/>
+            </a:prstGeom>
+            <a:solidFill>
+              <a:schemeClr val="bg1"/>
+            </a:solidFill>
+            <a:ln>
               <a:solidFill>
-                <a:schemeClr val="tx1"/>
+                <a:schemeClr val="bg1"/>
               </a:solidFill>
-              <a:headEnd type="arrow"/>
-              <a:tailEnd type="arrow"/>
             </a:ln>
+            <a:effectLst/>
           </p:spPr>
           <p:style>
-            <a:lnRef idx="1">
-              <a:schemeClr val="accent1"/>
+            <a:lnRef idx="2">
+              <a:schemeClr val="accent1">
+                <a:shade val="50000"/>
+              </a:schemeClr>
             </a:lnRef>
-            <a:fillRef idx="0">
+            <a:fillRef idx="1">
               <a:schemeClr val="accent1"/>
             </a:fillRef>
             <a:effectRef idx="0">
               <a:schemeClr val="accent1"/>
             </a:effectRef>
             <a:fontRef idx="minor">
-              <a:schemeClr val="tx1"/>
+              <a:schemeClr val="lt1"/>
             </a:fontRef>
           </p:style>
-        </p:cxnSp>
-        <p:sp>
-          <p:nvSpPr>
-            <p:cNvPr id="13" name="TextBox 12"/>
-            <p:cNvSpPr txBox="1"/>
-            <p:nvPr/>
-          </p:nvSpPr>
-          <p:spPr>
-            <a:xfrm>
-              <a:off x="3854531" y="2341032"/>
-              <a:ext cx="360040" cy="523220"/>
-            </a:xfrm>
-            <a:prstGeom prst="rect">
-              <a:avLst/>
-            </a:prstGeom>
-            <a:noFill/>
-          </p:spPr>
           <p:txBody>
-            <a:bodyPr wrap="square" rtlCol="0">
-              <a:spAutoFit/>
-            </a:bodyPr>
+            <a:bodyPr anchor="ctr"/>
             <a:lstStyle/>
             <a:p>
-              <a:pPr algn="ctr"/>
-              <a:r>
-                <a:rPr lang="en-US" altLang="zh-CN" sz="2800" b="1" dirty="0" smtClean="0"/>
-                <a:t>S</a:t>
-              </a:r>
-              <a:endParaRPr lang="zh-CN" altLang="en-US" sz="2000" b="1" dirty="0"/>
-            </a:p>
-          </p:txBody>
-        </p:sp>
-        <p:sp>
-          <p:nvSpPr>
-            <p:cNvPr id="14" name="TextBox 13"/>
-            <p:cNvSpPr txBox="1"/>
-            <p:nvPr/>
-          </p:nvSpPr>
-          <p:spPr>
-            <a:xfrm>
-              <a:off x="3851920" y="3189352"/>
-              <a:ext cx="360040" cy="523220"/>
-            </a:xfrm>
-            <a:prstGeom prst="rect">
-              <a:avLst/>
-            </a:prstGeom>
-            <a:noFill/>
-          </p:spPr>
-          <p:txBody>
-            <a:bodyPr wrap="square" rtlCol="0">
-              <a:spAutoFit/>
-            </a:bodyPr>
-            <a:lstStyle/>
-            <a:p>
-              <a:pPr algn="ctr"/>
-              <a:r>
-                <a:rPr lang="en-US" altLang="zh-CN" sz="2800" b="1" dirty="0" smtClean="0"/>
-                <a:t>I</a:t>
-              </a:r>
-              <a:endParaRPr lang="zh-CN" altLang="en-US" sz="2000" b="1" dirty="0"/>
-            </a:p>
-          </p:txBody>
-        </p:sp>
-        <p:sp>
-          <p:nvSpPr>
-            <p:cNvPr id="15" name="TextBox 14"/>
-            <p:cNvSpPr txBox="1"/>
-            <p:nvPr/>
-          </p:nvSpPr>
-          <p:spPr>
-            <a:xfrm>
-              <a:off x="4250060" y="2789806"/>
-              <a:ext cx="360040" cy="523220"/>
-            </a:xfrm>
-            <a:prstGeom prst="rect">
-              <a:avLst/>
-            </a:prstGeom>
-            <a:noFill/>
-          </p:spPr>
-          <p:txBody>
-            <a:bodyPr wrap="square" rtlCol="0">
-              <a:spAutoFit/>
-            </a:bodyPr>
-            <a:lstStyle/>
-            <a:p>
-              <a:r>
-                <a:rPr lang="en-US" altLang="zh-CN" sz="2800" b="1" dirty="0" smtClean="0"/>
-                <a:t>L</a:t>
-              </a:r>
-              <a:endParaRPr lang="zh-CN" altLang="en-US" sz="2000" b="1" dirty="0"/>
-            </a:p>
-          </p:txBody>
-        </p:sp>
-        <p:sp>
-          <p:nvSpPr>
-            <p:cNvPr id="16" name="TextBox 15"/>
-            <p:cNvSpPr txBox="1"/>
-            <p:nvPr/>
-          </p:nvSpPr>
-          <p:spPr>
-            <a:xfrm>
-              <a:off x="3398664" y="2789806"/>
-              <a:ext cx="360040" cy="523220"/>
-            </a:xfrm>
-            <a:prstGeom prst="rect">
-              <a:avLst/>
-            </a:prstGeom>
-            <a:noFill/>
-          </p:spPr>
-          <p:txBody>
-            <a:bodyPr wrap="square" rtlCol="0">
-              <a:spAutoFit/>
-            </a:bodyPr>
-            <a:lstStyle/>
-            <a:p>
-              <a:r>
-                <a:rPr lang="en-US" altLang="zh-CN" sz="2800" b="1" dirty="0" smtClean="0"/>
-                <a:t>R</a:t>
-              </a:r>
-              <a:endParaRPr lang="zh-CN" altLang="en-US" sz="2000" b="1" dirty="0"/>
+              <a:pPr algn="ctr">
+                <a:defRPr/>
+              </a:pPr>
+              <a:endParaRPr lang="zh-CN" altLang="en-US"/>
             </a:p>
           </p:txBody>
         </p:sp>
       </p:grpSp>
     </p:spTree>
-    <p:extLst>
-      <p:ext uri="{BB962C8B-B14F-4D97-AF65-F5344CB8AC3E}">
-        <p14:creationId xmlns:p14="http://schemas.microsoft.com/office/powerpoint/2010/main" val="814607090"/>
-      </p:ext>
-    </p:extLst>
   </p:cSld>
   <p:clrMapOvr>
     <a:masterClrMapping/>

--- a/figure2/ppt/figure2-pdf.pptx
+++ b/figure2/ppt/figure2-pdf.pptx
@@ -5513,7 +5513,7 @@
           <p:spPr>
             <a:xfrm>
               <a:off x="-3714750" y="6093296"/>
-              <a:ext cx="8229600" cy="5486400"/>
+              <a:ext cx="8229600" cy="5486399"/>
             </a:xfrm>
             <a:prstGeom prst="rect">
               <a:avLst/>
@@ -6220,7 +6220,7 @@
                     <a:srgbClr val="FF0000"/>
                   </a:solidFill>
                 </a:rPr>
-                <a:t>MDD=18.3</a:t>
+                <a:t>MDD=18.6</a:t>
               </a:r>
               <a:r>
                 <a:rPr lang="el-GR" altLang="zh-CN" sz="2600" dirty="0" smtClean="0">

--- a/figure2/ppt/figure2-pdf.pptx
+++ b/figure2/ppt/figure2-pdf.pptx
@@ -5513,7 +5513,7 @@
           <p:spPr>
             <a:xfrm>
               <a:off x="-3714750" y="6093296"/>
-              <a:ext cx="8229600" cy="5486399"/>
+              <a:ext cx="8229599" cy="5486399"/>
             </a:xfrm>
             <a:prstGeom prst="rect">
               <a:avLst/>
@@ -5543,7 +5543,7 @@
           <p:spPr>
             <a:xfrm>
               <a:off x="3414713" y="6093296"/>
-              <a:ext cx="7315214" cy="5486411"/>
+              <a:ext cx="7315214" cy="5486410"/>
             </a:xfrm>
             <a:prstGeom prst="rect">
               <a:avLst/>

--- a/figure2/ppt/figure2-pdf.pptx
+++ b/figure2/ppt/figure2-pdf.pptx
@@ -3991,7 +3991,15 @@
               <a:pPr algn="ctr" eaLnBrk="1" hangingPunct="1"/>
               <a:r>
                 <a:rPr lang="en-US" altLang="zh-CN" sz="2600" b="1" dirty="0"/>
-                <a:t>(a) DSI-11 Ex Vivo</a:t>
+                <a:t>(a) </a:t>
+              </a:r>
+              <a:r>
+                <a:rPr lang="en-US" altLang="zh-CN" sz="2600" b="1" dirty="0" smtClean="0"/>
+                <a:t>DSI-11 Ex </a:t>
+              </a:r>
+              <a:r>
+                <a:rPr lang="en-US" altLang="zh-CN" sz="2600" b="1" dirty="0"/>
+                <a:t>Vivo</a:t>
               </a:r>
               <a:endParaRPr lang="zh-CN" altLang="en-US" sz="2600" b="1" dirty="0"/>
             </a:p>
@@ -5709,7 +5717,7 @@
               </a:r>
               <a:r>
                 <a:rPr lang="en-US" altLang="zh-CN" sz="2600" b="1" dirty="0" smtClean="0"/>
-                <a:t>DSI-11 b10k </a:t>
+                <a:t>DSI-11-b10k </a:t>
               </a:r>
               <a:r>
                 <a:rPr lang="en-US" altLang="zh-CN" sz="2600" b="1" dirty="0"/>
@@ -6046,12 +6054,12 @@
                 <a:t>(c) </a:t>
               </a:r>
               <a:r>
-                <a:rPr lang="en-US" altLang="zh-CN" sz="2600" b="1" dirty="0"/>
-                <a:t>DSI-11 </a:t>
+                <a:rPr lang="en-US" altLang="zh-CN" sz="2600" b="1" dirty="0" smtClean="0"/>
+                <a:t>DSI-11-b7k </a:t>
               </a:r>
               <a:r>
                 <a:rPr lang="en-US" altLang="zh-CN" sz="2600" b="1" dirty="0" smtClean="0"/>
-                <a:t>b7k In </a:t>
+                <a:t>In </a:t>
               </a:r>
               <a:r>
                 <a:rPr lang="en-US" altLang="zh-CN" sz="2600" b="1" dirty="0"/>

--- a/figure2/ppt/figure2-pdf.pptx
+++ b/figure2/ppt/figure2-pdf.pptx
@@ -6051,15 +6051,7 @@
               <a:pPr algn="ctr" eaLnBrk="1" hangingPunct="1"/>
               <a:r>
                 <a:rPr lang="en-US" altLang="zh-CN" sz="2600" b="1" dirty="0" smtClean="0"/>
-                <a:t>(c) </a:t>
-              </a:r>
-              <a:r>
-                <a:rPr lang="en-US" altLang="zh-CN" sz="2600" b="1" dirty="0" smtClean="0"/>
-                <a:t>DSI-11-b7k </a:t>
-              </a:r>
-              <a:r>
-                <a:rPr lang="en-US" altLang="zh-CN" sz="2600" b="1" dirty="0" smtClean="0"/>
-                <a:t>In </a:t>
+                <a:t>(c) DSI-11-b7k In </a:t>
               </a:r>
               <a:r>
                 <a:rPr lang="en-US" altLang="zh-CN" sz="2600" b="1" dirty="0"/>

--- a/figure2/ppt/figure2-pdf.pptx
+++ b/figure2/ppt/figure2-pdf.pptx
@@ -3610,235 +3610,792 @@
           <a:chExt cx="0" cy="0"/>
         </a:xfrm>
       </p:grpSpPr>
+      <p:pic>
+        <p:nvPicPr>
+          <p:cNvPr id="3074" name="图片 3"/>
+          <p:cNvPicPr>
+            <a:picLocks noChangeAspect="1"/>
+          </p:cNvPicPr>
+          <p:nvPr/>
+        </p:nvPicPr>
+        <p:blipFill>
+          <a:blip r:embed="rId2" cstate="print">
+            <a:extLst>
+              <a:ext uri="{28A0092B-C50C-407E-A947-70E740481C1C}">
+                <a14:useLocalDpi xmlns:a14="http://schemas.microsoft.com/office/drawing/2010/main" val="0"/>
+              </a:ext>
+            </a:extLst>
+          </a:blip>
+          <a:stretch>
+            <a:fillRect/>
+          </a:stretch>
+        </p:blipFill>
+        <p:spPr bwMode="auto">
+          <a:xfrm>
+            <a:off x="-3714750" y="-4275856"/>
+            <a:ext cx="8229600" cy="5486400"/>
+          </a:xfrm>
+          <a:prstGeom prst="rect">
+            <a:avLst/>
+          </a:prstGeom>
+          <a:noFill/>
+          <a:ln>
+            <a:noFill/>
+          </a:ln>
+          <a:extLst>
+            <a:ext uri="{909E8E84-426E-40DD-AFC4-6F175D3DCCD1}">
+              <a14:hiddenFill xmlns:a14="http://schemas.microsoft.com/office/drawing/2010/main">
+                <a:solidFill>
+                  <a:srgbClr val="FFFFFF"/>
+                </a:solidFill>
+              </a14:hiddenFill>
+            </a:ext>
+            <a:ext uri="{91240B29-F687-4F45-9708-019B960494DF}">
+              <a14:hiddenLine xmlns:a14="http://schemas.microsoft.com/office/drawing/2010/main" w="9525">
+                <a:solidFill>
+                  <a:srgbClr val="000000"/>
+                </a:solidFill>
+                <a:miter lim="800000"/>
+                <a:headEnd/>
+                <a:tailEnd/>
+              </a14:hiddenLine>
+            </a:ext>
+          </a:extLst>
+        </p:spPr>
+      </p:pic>
+      <p:pic>
+        <p:nvPicPr>
+          <p:cNvPr id="3075" name="图片 4"/>
+          <p:cNvPicPr>
+            <a:picLocks noChangeAspect="1"/>
+          </p:cNvPicPr>
+          <p:nvPr/>
+        </p:nvPicPr>
+        <p:blipFill>
+          <a:blip r:embed="rId3" cstate="print">
+            <a:extLst>
+              <a:ext uri="{28A0092B-C50C-407E-A947-70E740481C1C}">
+                <a14:useLocalDpi xmlns:a14="http://schemas.microsoft.com/office/drawing/2010/main" val="0"/>
+              </a:ext>
+            </a:extLst>
+          </a:blip>
+          <a:stretch>
+            <a:fillRect/>
+          </a:stretch>
+        </p:blipFill>
+        <p:spPr bwMode="auto">
+          <a:xfrm>
+            <a:off x="-3714749" y="908720"/>
+            <a:ext cx="8229600" cy="5486399"/>
+          </a:xfrm>
+          <a:prstGeom prst="rect">
+            <a:avLst/>
+          </a:prstGeom>
+          <a:noFill/>
+          <a:ln>
+            <a:noFill/>
+          </a:ln>
+          <a:extLst>
+            <a:ext uri="{909E8E84-426E-40DD-AFC4-6F175D3DCCD1}">
+              <a14:hiddenFill xmlns:a14="http://schemas.microsoft.com/office/drawing/2010/main">
+                <a:solidFill>
+                  <a:srgbClr val="FFFFFF"/>
+                </a:solidFill>
+              </a14:hiddenFill>
+            </a:ext>
+            <a:ext uri="{91240B29-F687-4F45-9708-019B960494DF}">
+              <a14:hiddenLine xmlns:a14="http://schemas.microsoft.com/office/drawing/2010/main" w="9525">
+                <a:solidFill>
+                  <a:srgbClr val="000000"/>
+                </a:solidFill>
+                <a:miter lim="800000"/>
+                <a:headEnd/>
+                <a:tailEnd/>
+              </a14:hiddenLine>
+            </a:ext>
+          </a:extLst>
+        </p:spPr>
+      </p:pic>
+      <p:pic>
+        <p:nvPicPr>
+          <p:cNvPr id="3076" name="图片 14"/>
+          <p:cNvPicPr>
+            <a:picLocks noChangeAspect="1"/>
+          </p:cNvPicPr>
+          <p:nvPr/>
+        </p:nvPicPr>
+        <p:blipFill>
+          <a:blip r:embed="rId4" cstate="print">
+            <a:extLst>
+              <a:ext uri="{28A0092B-C50C-407E-A947-70E740481C1C}">
+                <a14:useLocalDpi xmlns:a14="http://schemas.microsoft.com/office/drawing/2010/main" val="0"/>
+              </a:ext>
+            </a:extLst>
+          </a:blip>
+          <a:stretch>
+            <a:fillRect/>
+          </a:stretch>
+        </p:blipFill>
+        <p:spPr bwMode="auto">
+          <a:xfrm>
+            <a:off x="3414714" y="-4275856"/>
+            <a:ext cx="7315198" cy="5486399"/>
+          </a:xfrm>
+          <a:prstGeom prst="rect">
+            <a:avLst/>
+          </a:prstGeom>
+          <a:noFill/>
+          <a:ln>
+            <a:noFill/>
+          </a:ln>
+          <a:extLst>
+            <a:ext uri="{909E8E84-426E-40DD-AFC4-6F175D3DCCD1}">
+              <a14:hiddenFill xmlns:a14="http://schemas.microsoft.com/office/drawing/2010/main">
+                <a:solidFill>
+                  <a:srgbClr val="FFFFFF"/>
+                </a:solidFill>
+              </a14:hiddenFill>
+            </a:ext>
+            <a:ext uri="{91240B29-F687-4F45-9708-019B960494DF}">
+              <a14:hiddenLine xmlns:a14="http://schemas.microsoft.com/office/drawing/2010/main" w="9525">
+                <a:solidFill>
+                  <a:srgbClr val="000000"/>
+                </a:solidFill>
+                <a:miter lim="800000"/>
+                <a:headEnd/>
+                <a:tailEnd/>
+              </a14:hiddenLine>
+            </a:ext>
+          </a:extLst>
+        </p:spPr>
+      </p:pic>
+      <p:pic>
+        <p:nvPicPr>
+          <p:cNvPr id="3077" name="图片 15"/>
+          <p:cNvPicPr>
+            <a:picLocks noChangeAspect="1"/>
+          </p:cNvPicPr>
+          <p:nvPr/>
+        </p:nvPicPr>
+        <p:blipFill>
+          <a:blip r:embed="rId5" cstate="print">
+            <a:extLst>
+              <a:ext uri="{28A0092B-C50C-407E-A947-70E740481C1C}">
+                <a14:useLocalDpi xmlns:a14="http://schemas.microsoft.com/office/drawing/2010/main" val="0"/>
+              </a:ext>
+            </a:extLst>
+          </a:blip>
+          <a:stretch>
+            <a:fillRect/>
+          </a:stretch>
+        </p:blipFill>
+        <p:spPr bwMode="auto">
+          <a:xfrm>
+            <a:off x="3414714" y="927969"/>
+            <a:ext cx="7315198" cy="5486399"/>
+          </a:xfrm>
+          <a:prstGeom prst="rect">
+            <a:avLst/>
+          </a:prstGeom>
+          <a:noFill/>
+          <a:ln>
+            <a:noFill/>
+          </a:ln>
+          <a:extLst>
+            <a:ext uri="{909E8E84-426E-40DD-AFC4-6F175D3DCCD1}">
+              <a14:hiddenFill xmlns:a14="http://schemas.microsoft.com/office/drawing/2010/main">
+                <a:solidFill>
+                  <a:srgbClr val="FFFFFF"/>
+                </a:solidFill>
+              </a14:hiddenFill>
+            </a:ext>
+            <a:ext uri="{91240B29-F687-4F45-9708-019B960494DF}">
+              <a14:hiddenLine xmlns:a14="http://schemas.microsoft.com/office/drawing/2010/main" w="9525">
+                <a:solidFill>
+                  <a:srgbClr val="000000"/>
+                </a:solidFill>
+                <a:miter lim="800000"/>
+                <a:headEnd/>
+                <a:tailEnd/>
+              </a14:hiddenLine>
+            </a:ext>
+          </a:extLst>
+        </p:spPr>
+      </p:pic>
+      <p:sp>
+        <p:nvSpPr>
+          <p:cNvPr id="3078" name="TextBox 1"/>
+          <p:cNvSpPr txBox="1">
+            <a:spLocks noChangeArrowheads="1"/>
+          </p:cNvSpPr>
+          <p:nvPr/>
+        </p:nvSpPr>
+        <p:spPr bwMode="auto">
+          <a:xfrm>
+            <a:off x="1618517" y="775047"/>
+            <a:ext cx="3630612" cy="493713"/>
+          </a:xfrm>
+          <a:prstGeom prst="rect">
+            <a:avLst/>
+          </a:prstGeom>
+          <a:noFill/>
+          <a:ln>
+            <a:noFill/>
+          </a:ln>
+          <a:extLst>
+            <a:ext uri="{909E8E84-426E-40DD-AFC4-6F175D3DCCD1}">
+              <a14:hiddenFill xmlns:a14="http://schemas.microsoft.com/office/drawing/2010/main">
+                <a:solidFill>
+                  <a:srgbClr val="FFFFFF"/>
+                </a:solidFill>
+              </a14:hiddenFill>
+            </a:ext>
+            <a:ext uri="{91240B29-F687-4F45-9708-019B960494DF}">
+              <a14:hiddenLine xmlns:a14="http://schemas.microsoft.com/office/drawing/2010/main" w="9525">
+                <a:solidFill>
+                  <a:srgbClr val="000000"/>
+                </a:solidFill>
+                <a:miter lim="800000"/>
+                <a:headEnd/>
+                <a:tailEnd/>
+              </a14:hiddenLine>
+            </a:ext>
+          </a:extLst>
+        </p:spPr>
+        <p:txBody>
+          <a:bodyPr>
+            <a:spAutoFit/>
+          </a:bodyPr>
+          <a:lstStyle>
+            <a:lvl1pPr eaLnBrk="0" hangingPunct="0">
+              <a:defRPr>
+                <a:solidFill>
+                  <a:schemeClr val="tx1"/>
+                </a:solidFill>
+                <a:latin typeface="Arial" charset="0"/>
+                <a:ea typeface="宋体" pitchFamily="2" charset="-122"/>
+              </a:defRPr>
+            </a:lvl1pPr>
+            <a:lvl2pPr marL="742950" indent="-285750" eaLnBrk="0" hangingPunct="0">
+              <a:defRPr>
+                <a:solidFill>
+                  <a:schemeClr val="tx1"/>
+                </a:solidFill>
+                <a:latin typeface="Arial" charset="0"/>
+                <a:ea typeface="宋体" pitchFamily="2" charset="-122"/>
+              </a:defRPr>
+            </a:lvl2pPr>
+            <a:lvl3pPr marL="1143000" indent="-228600" eaLnBrk="0" hangingPunct="0">
+              <a:defRPr>
+                <a:solidFill>
+                  <a:schemeClr val="tx1"/>
+                </a:solidFill>
+                <a:latin typeface="Arial" charset="0"/>
+                <a:ea typeface="宋体" pitchFamily="2" charset="-122"/>
+              </a:defRPr>
+            </a:lvl3pPr>
+            <a:lvl4pPr marL="1600200" indent="-228600" eaLnBrk="0" hangingPunct="0">
+              <a:defRPr>
+                <a:solidFill>
+                  <a:schemeClr val="tx1"/>
+                </a:solidFill>
+                <a:latin typeface="Arial" charset="0"/>
+                <a:ea typeface="宋体" pitchFamily="2" charset="-122"/>
+              </a:defRPr>
+            </a:lvl4pPr>
+            <a:lvl5pPr marL="2057400" indent="-228600" eaLnBrk="0" hangingPunct="0">
+              <a:defRPr>
+                <a:solidFill>
+                  <a:schemeClr val="tx1"/>
+                </a:solidFill>
+                <a:latin typeface="Arial" charset="0"/>
+                <a:ea typeface="宋体" pitchFamily="2" charset="-122"/>
+              </a:defRPr>
+            </a:lvl5pPr>
+            <a:lvl6pPr marL="2514600" indent="-228600" eaLnBrk="0" fontAlgn="base" hangingPunct="0">
+              <a:spcBef>
+                <a:spcPct val="0"/>
+              </a:spcBef>
+              <a:spcAft>
+                <a:spcPct val="0"/>
+              </a:spcAft>
+              <a:defRPr>
+                <a:solidFill>
+                  <a:schemeClr val="tx1"/>
+                </a:solidFill>
+                <a:latin typeface="Arial" charset="0"/>
+                <a:ea typeface="宋体" pitchFamily="2" charset="-122"/>
+              </a:defRPr>
+            </a:lvl6pPr>
+            <a:lvl7pPr marL="2971800" indent="-228600" eaLnBrk="0" fontAlgn="base" hangingPunct="0">
+              <a:spcBef>
+                <a:spcPct val="0"/>
+              </a:spcBef>
+              <a:spcAft>
+                <a:spcPct val="0"/>
+              </a:spcAft>
+              <a:defRPr>
+                <a:solidFill>
+                  <a:schemeClr val="tx1"/>
+                </a:solidFill>
+                <a:latin typeface="Arial" charset="0"/>
+                <a:ea typeface="宋体" pitchFamily="2" charset="-122"/>
+              </a:defRPr>
+            </a:lvl7pPr>
+            <a:lvl8pPr marL="3429000" indent="-228600" eaLnBrk="0" fontAlgn="base" hangingPunct="0">
+              <a:spcBef>
+                <a:spcPct val="0"/>
+              </a:spcBef>
+              <a:spcAft>
+                <a:spcPct val="0"/>
+              </a:spcAft>
+              <a:defRPr>
+                <a:solidFill>
+                  <a:schemeClr val="tx1"/>
+                </a:solidFill>
+                <a:latin typeface="Arial" charset="0"/>
+                <a:ea typeface="宋体" pitchFamily="2" charset="-122"/>
+              </a:defRPr>
+            </a:lvl8pPr>
+            <a:lvl9pPr marL="3886200" indent="-228600" eaLnBrk="0" fontAlgn="base" hangingPunct="0">
+              <a:spcBef>
+                <a:spcPct val="0"/>
+              </a:spcBef>
+              <a:spcAft>
+                <a:spcPct val="0"/>
+              </a:spcAft>
+              <a:defRPr>
+                <a:solidFill>
+                  <a:schemeClr val="tx1"/>
+                </a:solidFill>
+                <a:latin typeface="Arial" charset="0"/>
+                <a:ea typeface="宋体" pitchFamily="2" charset="-122"/>
+              </a:defRPr>
+            </a:lvl9pPr>
+          </a:lstStyle>
+          <a:p>
+            <a:pPr algn="ctr" eaLnBrk="1" hangingPunct="1"/>
+            <a:r>
+              <a:rPr lang="en-US" altLang="zh-CN" sz="2600" b="1" dirty="0"/>
+              <a:t>(a) </a:t>
+            </a:r>
+            <a:r>
+              <a:rPr lang="en-US" altLang="zh-CN" sz="2600" b="1" dirty="0" smtClean="0"/>
+              <a:t>DSI-11 Ex </a:t>
+            </a:r>
+            <a:r>
+              <a:rPr lang="en-US" altLang="zh-CN" sz="2600" b="1" dirty="0"/>
+              <a:t>Vivo</a:t>
+            </a:r>
+            <a:endParaRPr lang="zh-CN" altLang="en-US" sz="2600" b="1" dirty="0"/>
+          </a:p>
+        </p:txBody>
+      </p:sp>
+      <p:sp>
+        <p:nvSpPr>
+          <p:cNvPr id="3080" name="TextBox 15"/>
+          <p:cNvSpPr txBox="1">
+            <a:spLocks noChangeArrowheads="1"/>
+          </p:cNvSpPr>
+          <p:nvPr/>
+        </p:nvSpPr>
+        <p:spPr bwMode="auto">
+          <a:xfrm>
+            <a:off x="-977900" y="-3810719"/>
+            <a:ext cx="2576513" cy="493713"/>
+          </a:xfrm>
+          <a:prstGeom prst="rect">
+            <a:avLst/>
+          </a:prstGeom>
+          <a:noFill/>
+          <a:ln>
+            <a:noFill/>
+          </a:ln>
+          <a:extLst>
+            <a:ext uri="{909E8E84-426E-40DD-AFC4-6F175D3DCCD1}">
+              <a14:hiddenFill xmlns:a14="http://schemas.microsoft.com/office/drawing/2010/main">
+                <a:solidFill>
+                  <a:srgbClr val="FFFFFF"/>
+                </a:solidFill>
+              </a14:hiddenFill>
+            </a:ext>
+            <a:ext uri="{91240B29-F687-4F45-9708-019B960494DF}">
+              <a14:hiddenLine xmlns:a14="http://schemas.microsoft.com/office/drawing/2010/main" w="9525">
+                <a:solidFill>
+                  <a:srgbClr val="000000"/>
+                </a:solidFill>
+                <a:miter lim="800000"/>
+                <a:headEnd/>
+                <a:tailEnd/>
+              </a14:hiddenLine>
+            </a:ext>
+          </a:extLst>
+        </p:spPr>
+        <p:txBody>
+          <a:bodyPr>
+            <a:spAutoFit/>
+          </a:bodyPr>
+          <a:lstStyle>
+            <a:lvl1pPr eaLnBrk="0" hangingPunct="0">
+              <a:defRPr>
+                <a:solidFill>
+                  <a:schemeClr val="tx1"/>
+                </a:solidFill>
+                <a:latin typeface="Arial" charset="0"/>
+                <a:ea typeface="宋体" pitchFamily="2" charset="-122"/>
+              </a:defRPr>
+            </a:lvl1pPr>
+            <a:lvl2pPr marL="742950" indent="-285750" eaLnBrk="0" hangingPunct="0">
+              <a:defRPr>
+                <a:solidFill>
+                  <a:schemeClr val="tx1"/>
+                </a:solidFill>
+                <a:latin typeface="Arial" charset="0"/>
+                <a:ea typeface="宋体" pitchFamily="2" charset="-122"/>
+              </a:defRPr>
+            </a:lvl2pPr>
+            <a:lvl3pPr marL="1143000" indent="-228600" eaLnBrk="0" hangingPunct="0">
+              <a:defRPr>
+                <a:solidFill>
+                  <a:schemeClr val="tx1"/>
+                </a:solidFill>
+                <a:latin typeface="Arial" charset="0"/>
+                <a:ea typeface="宋体" pitchFamily="2" charset="-122"/>
+              </a:defRPr>
+            </a:lvl3pPr>
+            <a:lvl4pPr marL="1600200" indent="-228600" eaLnBrk="0" hangingPunct="0">
+              <a:defRPr>
+                <a:solidFill>
+                  <a:schemeClr val="tx1"/>
+                </a:solidFill>
+                <a:latin typeface="Arial" charset="0"/>
+                <a:ea typeface="宋体" pitchFamily="2" charset="-122"/>
+              </a:defRPr>
+            </a:lvl4pPr>
+            <a:lvl5pPr marL="2057400" indent="-228600" eaLnBrk="0" hangingPunct="0">
+              <a:defRPr>
+                <a:solidFill>
+                  <a:schemeClr val="tx1"/>
+                </a:solidFill>
+                <a:latin typeface="Arial" charset="0"/>
+                <a:ea typeface="宋体" pitchFamily="2" charset="-122"/>
+              </a:defRPr>
+            </a:lvl5pPr>
+            <a:lvl6pPr marL="2514600" indent="-228600" eaLnBrk="0" fontAlgn="base" hangingPunct="0">
+              <a:spcBef>
+                <a:spcPct val="0"/>
+              </a:spcBef>
+              <a:spcAft>
+                <a:spcPct val="0"/>
+              </a:spcAft>
+              <a:defRPr>
+                <a:solidFill>
+                  <a:schemeClr val="tx1"/>
+                </a:solidFill>
+                <a:latin typeface="Arial" charset="0"/>
+                <a:ea typeface="宋体" pitchFamily="2" charset="-122"/>
+              </a:defRPr>
+            </a:lvl6pPr>
+            <a:lvl7pPr marL="2971800" indent="-228600" eaLnBrk="0" fontAlgn="base" hangingPunct="0">
+              <a:spcBef>
+                <a:spcPct val="0"/>
+              </a:spcBef>
+              <a:spcAft>
+                <a:spcPct val="0"/>
+              </a:spcAft>
+              <a:defRPr>
+                <a:solidFill>
+                  <a:schemeClr val="tx1"/>
+                </a:solidFill>
+                <a:latin typeface="Arial" charset="0"/>
+                <a:ea typeface="宋体" pitchFamily="2" charset="-122"/>
+              </a:defRPr>
+            </a:lvl7pPr>
+            <a:lvl8pPr marL="3429000" indent="-228600" eaLnBrk="0" fontAlgn="base" hangingPunct="0">
+              <a:spcBef>
+                <a:spcPct val="0"/>
+              </a:spcBef>
+              <a:spcAft>
+                <a:spcPct val="0"/>
+              </a:spcAft>
+              <a:defRPr>
+                <a:solidFill>
+                  <a:schemeClr val="tx1"/>
+                </a:solidFill>
+                <a:latin typeface="Arial" charset="0"/>
+                <a:ea typeface="宋体" pitchFamily="2" charset="-122"/>
+              </a:defRPr>
+            </a:lvl8pPr>
+            <a:lvl9pPr marL="3886200" indent="-228600" eaLnBrk="0" fontAlgn="base" hangingPunct="0">
+              <a:spcBef>
+                <a:spcPct val="0"/>
+              </a:spcBef>
+              <a:spcAft>
+                <a:spcPct val="0"/>
+              </a:spcAft>
+              <a:defRPr>
+                <a:solidFill>
+                  <a:schemeClr val="tx1"/>
+                </a:solidFill>
+                <a:latin typeface="Arial" charset="0"/>
+                <a:ea typeface="宋体" pitchFamily="2" charset="-122"/>
+              </a:defRPr>
+            </a:lvl9pPr>
+          </a:lstStyle>
+          <a:p>
+            <a:pPr algn="ctr" eaLnBrk="1" hangingPunct="1"/>
+            <a:r>
+              <a:rPr lang="en-US" altLang="zh-CN" sz="2600" dirty="0" smtClean="0">
+                <a:solidFill>
+                  <a:srgbClr val="FF0000"/>
+                </a:solidFill>
+              </a:rPr>
+              <a:t>MDD=5.1</a:t>
+            </a:r>
+            <a:r>
+              <a:rPr lang="el-GR" altLang="zh-CN" sz="2600" dirty="0" smtClean="0">
+                <a:solidFill>
+                  <a:srgbClr val="FF0000"/>
+                </a:solidFill>
+              </a:rPr>
+              <a:t> </a:t>
+            </a:r>
+            <a:r>
+              <a:rPr lang="el-GR" altLang="zh-CN" sz="2600" dirty="0">
+                <a:solidFill>
+                  <a:srgbClr val="FF0000"/>
+                </a:solidFill>
+              </a:rPr>
+              <a:t>μ</a:t>
+            </a:r>
+            <a:r>
+              <a:rPr lang="en-US" altLang="zh-CN" sz="2600" dirty="0">
+                <a:solidFill>
+                  <a:srgbClr val="FF0000"/>
+                </a:solidFill>
+              </a:rPr>
+              <a:t>m</a:t>
+            </a:r>
+            <a:endParaRPr lang="zh-CN" altLang="en-US" sz="2600" dirty="0">
+              <a:solidFill>
+                <a:srgbClr val="FF0000"/>
+              </a:solidFill>
+            </a:endParaRPr>
+          </a:p>
+        </p:txBody>
+      </p:sp>
+      <p:sp>
+        <p:nvSpPr>
+          <p:cNvPr id="3081" name="TextBox 15"/>
+          <p:cNvSpPr txBox="1">
+            <a:spLocks noChangeArrowheads="1"/>
+          </p:cNvSpPr>
+          <p:nvPr/>
+        </p:nvSpPr>
+        <p:spPr bwMode="auto">
+          <a:xfrm>
+            <a:off x="-977900" y="1374057"/>
+            <a:ext cx="2576513" cy="492125"/>
+          </a:xfrm>
+          <a:prstGeom prst="rect">
+            <a:avLst/>
+          </a:prstGeom>
+          <a:noFill/>
+          <a:ln>
+            <a:noFill/>
+          </a:ln>
+          <a:extLst>
+            <a:ext uri="{909E8E84-426E-40DD-AFC4-6F175D3DCCD1}">
+              <a14:hiddenFill xmlns:a14="http://schemas.microsoft.com/office/drawing/2010/main">
+                <a:solidFill>
+                  <a:srgbClr val="FFFFFF"/>
+                </a:solidFill>
+              </a14:hiddenFill>
+            </a:ext>
+            <a:ext uri="{91240B29-F687-4F45-9708-019B960494DF}">
+              <a14:hiddenLine xmlns:a14="http://schemas.microsoft.com/office/drawing/2010/main" w="9525">
+                <a:solidFill>
+                  <a:srgbClr val="000000"/>
+                </a:solidFill>
+                <a:miter lim="800000"/>
+                <a:headEnd/>
+                <a:tailEnd/>
+              </a14:hiddenLine>
+            </a:ext>
+          </a:extLst>
+        </p:spPr>
+        <p:txBody>
+          <a:bodyPr>
+            <a:spAutoFit/>
+          </a:bodyPr>
+          <a:lstStyle>
+            <a:lvl1pPr eaLnBrk="0" hangingPunct="0">
+              <a:defRPr>
+                <a:solidFill>
+                  <a:schemeClr val="tx1"/>
+                </a:solidFill>
+                <a:latin typeface="Arial" charset="0"/>
+                <a:ea typeface="宋体" pitchFamily="2" charset="-122"/>
+              </a:defRPr>
+            </a:lvl1pPr>
+            <a:lvl2pPr marL="742950" indent="-285750" eaLnBrk="0" hangingPunct="0">
+              <a:defRPr>
+                <a:solidFill>
+                  <a:schemeClr val="tx1"/>
+                </a:solidFill>
+                <a:latin typeface="Arial" charset="0"/>
+                <a:ea typeface="宋体" pitchFamily="2" charset="-122"/>
+              </a:defRPr>
+            </a:lvl2pPr>
+            <a:lvl3pPr marL="1143000" indent="-228600" eaLnBrk="0" hangingPunct="0">
+              <a:defRPr>
+                <a:solidFill>
+                  <a:schemeClr val="tx1"/>
+                </a:solidFill>
+                <a:latin typeface="Arial" charset="0"/>
+                <a:ea typeface="宋体" pitchFamily="2" charset="-122"/>
+              </a:defRPr>
+            </a:lvl3pPr>
+            <a:lvl4pPr marL="1600200" indent="-228600" eaLnBrk="0" hangingPunct="0">
+              <a:defRPr>
+                <a:solidFill>
+                  <a:schemeClr val="tx1"/>
+                </a:solidFill>
+                <a:latin typeface="Arial" charset="0"/>
+                <a:ea typeface="宋体" pitchFamily="2" charset="-122"/>
+              </a:defRPr>
+            </a:lvl4pPr>
+            <a:lvl5pPr marL="2057400" indent="-228600" eaLnBrk="0" hangingPunct="0">
+              <a:defRPr>
+                <a:solidFill>
+                  <a:schemeClr val="tx1"/>
+                </a:solidFill>
+                <a:latin typeface="Arial" charset="0"/>
+                <a:ea typeface="宋体" pitchFamily="2" charset="-122"/>
+              </a:defRPr>
+            </a:lvl5pPr>
+            <a:lvl6pPr marL="2514600" indent="-228600" eaLnBrk="0" fontAlgn="base" hangingPunct="0">
+              <a:spcBef>
+                <a:spcPct val="0"/>
+              </a:spcBef>
+              <a:spcAft>
+                <a:spcPct val="0"/>
+              </a:spcAft>
+              <a:defRPr>
+                <a:solidFill>
+                  <a:schemeClr val="tx1"/>
+                </a:solidFill>
+                <a:latin typeface="Arial" charset="0"/>
+                <a:ea typeface="宋体" pitchFamily="2" charset="-122"/>
+              </a:defRPr>
+            </a:lvl6pPr>
+            <a:lvl7pPr marL="2971800" indent="-228600" eaLnBrk="0" fontAlgn="base" hangingPunct="0">
+              <a:spcBef>
+                <a:spcPct val="0"/>
+              </a:spcBef>
+              <a:spcAft>
+                <a:spcPct val="0"/>
+              </a:spcAft>
+              <a:defRPr>
+                <a:solidFill>
+                  <a:schemeClr val="tx1"/>
+                </a:solidFill>
+                <a:latin typeface="Arial" charset="0"/>
+                <a:ea typeface="宋体" pitchFamily="2" charset="-122"/>
+              </a:defRPr>
+            </a:lvl7pPr>
+            <a:lvl8pPr marL="3429000" indent="-228600" eaLnBrk="0" fontAlgn="base" hangingPunct="0">
+              <a:spcBef>
+                <a:spcPct val="0"/>
+              </a:spcBef>
+              <a:spcAft>
+                <a:spcPct val="0"/>
+              </a:spcAft>
+              <a:defRPr>
+                <a:solidFill>
+                  <a:schemeClr val="tx1"/>
+                </a:solidFill>
+                <a:latin typeface="Arial" charset="0"/>
+                <a:ea typeface="宋体" pitchFamily="2" charset="-122"/>
+              </a:defRPr>
+            </a:lvl8pPr>
+            <a:lvl9pPr marL="3886200" indent="-228600" eaLnBrk="0" fontAlgn="base" hangingPunct="0">
+              <a:spcBef>
+                <a:spcPct val="0"/>
+              </a:spcBef>
+              <a:spcAft>
+                <a:spcPct val="0"/>
+              </a:spcAft>
+              <a:defRPr>
+                <a:solidFill>
+                  <a:schemeClr val="tx1"/>
+                </a:solidFill>
+                <a:latin typeface="Arial" charset="0"/>
+                <a:ea typeface="宋体" pitchFamily="2" charset="-122"/>
+              </a:defRPr>
+            </a:lvl9pPr>
+          </a:lstStyle>
+          <a:p>
+            <a:pPr algn="ctr" eaLnBrk="1" hangingPunct="1"/>
+            <a:r>
+              <a:rPr lang="en-US" altLang="zh-CN" sz="2600" dirty="0" smtClean="0">
+                <a:solidFill>
+                  <a:srgbClr val="FF0000"/>
+                </a:solidFill>
+              </a:rPr>
+              <a:t>MDD=11.9</a:t>
+            </a:r>
+            <a:r>
+              <a:rPr lang="el-GR" altLang="zh-CN" sz="2600" dirty="0" smtClean="0">
+                <a:solidFill>
+                  <a:srgbClr val="FF0000"/>
+                </a:solidFill>
+              </a:rPr>
+              <a:t> </a:t>
+            </a:r>
+            <a:r>
+              <a:rPr lang="el-GR" altLang="zh-CN" sz="2600" dirty="0">
+                <a:solidFill>
+                  <a:srgbClr val="FF0000"/>
+                </a:solidFill>
+              </a:rPr>
+              <a:t>μ</a:t>
+            </a:r>
+            <a:r>
+              <a:rPr lang="en-US" altLang="zh-CN" sz="2600" dirty="0">
+                <a:solidFill>
+                  <a:srgbClr val="FF0000"/>
+                </a:solidFill>
+              </a:rPr>
+              <a:t>m</a:t>
+            </a:r>
+            <a:endParaRPr lang="zh-CN" altLang="en-US" sz="2600" dirty="0">
+              <a:solidFill>
+                <a:srgbClr val="FF0000"/>
+              </a:solidFill>
+            </a:endParaRPr>
+          </a:p>
+        </p:txBody>
+      </p:sp>
       <p:grpSp>
         <p:nvGrpSpPr>
-          <p:cNvPr id="5" name="组合 4"/>
-          <p:cNvGrpSpPr/>
+          <p:cNvPr id="3082" name="组合 39"/>
+          <p:cNvGrpSpPr>
+            <a:grpSpLocks/>
+          </p:cNvGrpSpPr>
           <p:nvPr/>
         </p:nvGrpSpPr>
-        <p:grpSpPr>
+        <p:grpSpPr bwMode="auto">
           <a:xfrm>
-            <a:off x="-3714750" y="-4275856"/>
-            <a:ext cx="14444677" cy="15913768"/>
-            <a:chOff x="-3714750" y="-4275856"/>
-            <a:chExt cx="14444677" cy="15913768"/>
+            <a:off x="-1838325" y="458069"/>
+            <a:ext cx="4244976" cy="492125"/>
+            <a:chOff x="-1111738" y="-1200944"/>
+            <a:chExt cx="4243578" cy="492443"/>
           </a:xfrm>
         </p:grpSpPr>
-        <p:pic>
-          <p:nvPicPr>
-            <p:cNvPr id="3074" name="图片 3"/>
-            <p:cNvPicPr>
-              <a:picLocks noChangeAspect="1"/>
-            </p:cNvPicPr>
-            <p:nvPr/>
-          </p:nvPicPr>
-          <p:blipFill>
-            <a:blip r:embed="rId2" cstate="print">
-              <a:extLst>
-                <a:ext uri="{28A0092B-C50C-407E-A947-70E740481C1C}">
-                  <a14:useLocalDpi xmlns:a14="http://schemas.microsoft.com/office/drawing/2010/main" val="0"/>
-                </a:ext>
-              </a:extLst>
-            </a:blip>
-            <a:stretch>
-              <a:fillRect/>
-            </a:stretch>
-          </p:blipFill>
-          <p:spPr bwMode="auto">
-            <a:xfrm>
-              <a:off x="-3714750" y="-4275856"/>
-              <a:ext cx="8229600" cy="5486400"/>
-            </a:xfrm>
-            <a:prstGeom prst="rect">
-              <a:avLst/>
-            </a:prstGeom>
-            <a:noFill/>
-            <a:ln>
-              <a:noFill/>
-            </a:ln>
-            <a:extLst>
-              <a:ext uri="{909E8E84-426E-40DD-AFC4-6F175D3DCCD1}">
-                <a14:hiddenFill xmlns:a14="http://schemas.microsoft.com/office/drawing/2010/main">
-                  <a:solidFill>
-                    <a:srgbClr val="FFFFFF"/>
-                  </a:solidFill>
-                </a14:hiddenFill>
-              </a:ext>
-              <a:ext uri="{91240B29-F687-4F45-9708-019B960494DF}">
-                <a14:hiddenLine xmlns:a14="http://schemas.microsoft.com/office/drawing/2010/main" w="9525">
-                  <a:solidFill>
-                    <a:srgbClr val="000000"/>
-                  </a:solidFill>
-                  <a:miter lim="800000"/>
-                  <a:headEnd/>
-                  <a:tailEnd/>
-                </a14:hiddenLine>
-              </a:ext>
-            </a:extLst>
-          </p:spPr>
-        </p:pic>
-        <p:pic>
-          <p:nvPicPr>
-            <p:cNvPr id="3075" name="图片 4"/>
-            <p:cNvPicPr>
-              <a:picLocks noChangeAspect="1"/>
-            </p:cNvPicPr>
-            <p:nvPr/>
-          </p:nvPicPr>
-          <p:blipFill>
-            <a:blip r:embed="rId3" cstate="print">
-              <a:extLst>
-                <a:ext uri="{28A0092B-C50C-407E-A947-70E740481C1C}">
-                  <a14:useLocalDpi xmlns:a14="http://schemas.microsoft.com/office/drawing/2010/main" val="0"/>
-                </a:ext>
-              </a:extLst>
-            </a:blip>
-            <a:stretch>
-              <a:fillRect/>
-            </a:stretch>
-          </p:blipFill>
-          <p:spPr bwMode="auto">
-            <a:xfrm>
-              <a:off x="-3714749" y="908720"/>
-              <a:ext cx="8229600" cy="5486399"/>
-            </a:xfrm>
-            <a:prstGeom prst="rect">
-              <a:avLst/>
-            </a:prstGeom>
-            <a:noFill/>
-            <a:ln>
-              <a:noFill/>
-            </a:ln>
-            <a:extLst>
-              <a:ext uri="{909E8E84-426E-40DD-AFC4-6F175D3DCCD1}">
-                <a14:hiddenFill xmlns:a14="http://schemas.microsoft.com/office/drawing/2010/main">
-                  <a:solidFill>
-                    <a:srgbClr val="FFFFFF"/>
-                  </a:solidFill>
-                </a14:hiddenFill>
-              </a:ext>
-              <a:ext uri="{91240B29-F687-4F45-9708-019B960494DF}">
-                <a14:hiddenLine xmlns:a14="http://schemas.microsoft.com/office/drawing/2010/main" w="9525">
-                  <a:solidFill>
-                    <a:srgbClr val="000000"/>
-                  </a:solidFill>
-                  <a:miter lim="800000"/>
-                  <a:headEnd/>
-                  <a:tailEnd/>
-                </a14:hiddenLine>
-              </a:ext>
-            </a:extLst>
-          </p:spPr>
-        </p:pic>
-        <p:pic>
-          <p:nvPicPr>
-            <p:cNvPr id="3076" name="图片 14"/>
-            <p:cNvPicPr>
-              <a:picLocks noChangeAspect="1"/>
-            </p:cNvPicPr>
-            <p:nvPr/>
-          </p:nvPicPr>
-          <p:blipFill>
-            <a:blip r:embed="rId4" cstate="print">
-              <a:extLst>
-                <a:ext uri="{28A0092B-C50C-407E-A947-70E740481C1C}">
-                  <a14:useLocalDpi xmlns:a14="http://schemas.microsoft.com/office/drawing/2010/main" val="0"/>
-                </a:ext>
-              </a:extLst>
-            </a:blip>
-            <a:stretch>
-              <a:fillRect/>
-            </a:stretch>
-          </p:blipFill>
-          <p:spPr bwMode="auto">
-            <a:xfrm>
-              <a:off x="3414714" y="-4275856"/>
-              <a:ext cx="7315198" cy="5486399"/>
-            </a:xfrm>
-            <a:prstGeom prst="rect">
-              <a:avLst/>
-            </a:prstGeom>
-            <a:noFill/>
-            <a:ln>
-              <a:noFill/>
-            </a:ln>
-            <a:extLst>
-              <a:ext uri="{909E8E84-426E-40DD-AFC4-6F175D3DCCD1}">
-                <a14:hiddenFill xmlns:a14="http://schemas.microsoft.com/office/drawing/2010/main">
-                  <a:solidFill>
-                    <a:srgbClr val="FFFFFF"/>
-                  </a:solidFill>
-                </a14:hiddenFill>
-              </a:ext>
-              <a:ext uri="{91240B29-F687-4F45-9708-019B960494DF}">
-                <a14:hiddenLine xmlns:a14="http://schemas.microsoft.com/office/drawing/2010/main" w="9525">
-                  <a:solidFill>
-                    <a:srgbClr val="000000"/>
-                  </a:solidFill>
-                  <a:miter lim="800000"/>
-                  <a:headEnd/>
-                  <a:tailEnd/>
-                </a14:hiddenLine>
-              </a:ext>
-            </a:extLst>
-          </p:spPr>
-        </p:pic>
-        <p:pic>
-          <p:nvPicPr>
-            <p:cNvPr id="3077" name="图片 15"/>
-            <p:cNvPicPr>
-              <a:picLocks noChangeAspect="1"/>
-            </p:cNvPicPr>
-            <p:nvPr/>
-          </p:nvPicPr>
-          <p:blipFill>
-            <a:blip r:embed="rId5" cstate="print">
-              <a:extLst>
-                <a:ext uri="{28A0092B-C50C-407E-A947-70E740481C1C}">
-                  <a14:useLocalDpi xmlns:a14="http://schemas.microsoft.com/office/drawing/2010/main" val="0"/>
-                </a:ext>
-              </a:extLst>
-            </a:blip>
-            <a:stretch>
-              <a:fillRect/>
-            </a:stretch>
-          </p:blipFill>
-          <p:spPr bwMode="auto">
-            <a:xfrm>
-              <a:off x="3414714" y="927969"/>
-              <a:ext cx="7315198" cy="5486399"/>
-            </a:xfrm>
-            <a:prstGeom prst="rect">
-              <a:avLst/>
-            </a:prstGeom>
-            <a:noFill/>
-            <a:ln>
-              <a:noFill/>
-            </a:ln>
-            <a:extLst>
-              <a:ext uri="{909E8E84-426E-40DD-AFC4-6F175D3DCCD1}">
-                <a14:hiddenFill xmlns:a14="http://schemas.microsoft.com/office/drawing/2010/main">
-                  <a:solidFill>
-                    <a:srgbClr val="FFFFFF"/>
-                  </a:solidFill>
-                </a14:hiddenFill>
-              </a:ext>
-              <a:ext uri="{91240B29-F687-4F45-9708-019B960494DF}">
-                <a14:hiddenLine xmlns:a14="http://schemas.microsoft.com/office/drawing/2010/main" w="9525">
-                  <a:solidFill>
-                    <a:srgbClr val="000000"/>
-                  </a:solidFill>
-                  <a:miter lim="800000"/>
-                  <a:headEnd/>
-                  <a:tailEnd/>
-                </a14:hiddenLine>
-              </a:ext>
-            </a:extLst>
-          </p:spPr>
-        </p:pic>
         <p:sp>
           <p:nvSpPr>
-            <p:cNvPr id="3078" name="TextBox 1"/>
+            <p:cNvPr id="3093" name="TextBox 40"/>
             <p:cNvSpPr txBox="1">
               <a:spLocks noChangeArrowheads="1"/>
             </p:cNvSpPr>
@@ -3846,8 +4403,8 @@
           </p:nvSpPr>
           <p:spPr bwMode="auto">
             <a:xfrm>
-              <a:off x="1662187" y="775047"/>
-              <a:ext cx="3630612" cy="493713"/>
+              <a:off x="-252536" y="-1200944"/>
+              <a:ext cx="2536396" cy="492443"/>
             </a:xfrm>
             <a:prstGeom prst="rect">
               <a:avLst/>
@@ -3990,24 +4547,112 @@
             <a:p>
               <a:pPr algn="ctr" eaLnBrk="1" hangingPunct="1"/>
               <a:r>
-                <a:rPr lang="en-US" altLang="zh-CN" sz="2600" b="1" dirty="0"/>
-                <a:t>(a) </a:t>
+                <a:rPr lang="en-US" altLang="zh-CN" sz="2600"/>
+                <a:t>FOV=28.0 </a:t>
               </a:r>
               <a:r>
-                <a:rPr lang="en-US" altLang="zh-CN" sz="2600" b="1" dirty="0" smtClean="0"/>
-                <a:t>DSI-11 Ex </a:t>
+                <a:rPr lang="el-GR" altLang="zh-CN" sz="2600"/>
+                <a:t>μ</a:t>
               </a:r>
               <a:r>
-                <a:rPr lang="en-US" altLang="zh-CN" sz="2600" b="1" dirty="0"/>
-                <a:t>Vivo</a:t>
+                <a:rPr lang="en-US" altLang="zh-CN" sz="2600"/>
+                <a:t>m</a:t>
               </a:r>
-              <a:endParaRPr lang="zh-CN" altLang="en-US" sz="2600" b="1" dirty="0"/>
             </a:p>
           </p:txBody>
         </p:sp>
+        <p:cxnSp>
+          <p:nvCxnSpPr>
+            <p:cNvPr id="42" name="直接箭头连接符 41"/>
+            <p:cNvCxnSpPr/>
+            <p:nvPr/>
+          </p:nvCxnSpPr>
+          <p:spPr bwMode="auto">
+            <a:xfrm flipH="1" flipV="1">
+              <a:off x="-1111738" y="-954722"/>
+              <a:ext cx="858555" cy="0"/>
+            </a:xfrm>
+            <a:prstGeom prst="straightConnector1">
+              <a:avLst/>
+            </a:prstGeom>
+            <a:ln w="76200">
+              <a:solidFill>
+                <a:schemeClr val="tx1"/>
+              </a:solidFill>
+              <a:tailEnd type="arrow"/>
+            </a:ln>
+          </p:spPr>
+          <p:style>
+            <a:lnRef idx="1">
+              <a:schemeClr val="accent1"/>
+            </a:lnRef>
+            <a:fillRef idx="0">
+              <a:schemeClr val="accent1"/>
+            </a:fillRef>
+            <a:effectRef idx="0">
+              <a:schemeClr val="accent1"/>
+            </a:effectRef>
+            <a:fontRef idx="minor">
+              <a:schemeClr val="tx1"/>
+            </a:fontRef>
+          </p:style>
+        </p:cxnSp>
+        <p:cxnSp>
+          <p:nvCxnSpPr>
+            <p:cNvPr id="43" name="直接箭头连接符 42"/>
+            <p:cNvCxnSpPr/>
+            <p:nvPr/>
+          </p:nvCxnSpPr>
+          <p:spPr bwMode="auto">
+            <a:xfrm flipV="1">
+              <a:off x="2273285" y="-954722"/>
+              <a:ext cx="858555" cy="0"/>
+            </a:xfrm>
+            <a:prstGeom prst="straightConnector1">
+              <a:avLst/>
+            </a:prstGeom>
+            <a:ln w="76200">
+              <a:solidFill>
+                <a:schemeClr val="tx1"/>
+              </a:solidFill>
+              <a:tailEnd type="arrow"/>
+            </a:ln>
+          </p:spPr>
+          <p:style>
+            <a:lnRef idx="1">
+              <a:schemeClr val="accent1"/>
+            </a:lnRef>
+            <a:fillRef idx="0">
+              <a:schemeClr val="accent1"/>
+            </a:fillRef>
+            <a:effectRef idx="0">
+              <a:schemeClr val="accent1"/>
+            </a:effectRef>
+            <a:fontRef idx="minor">
+              <a:schemeClr val="tx1"/>
+            </a:fontRef>
+          </p:style>
+        </p:cxnSp>
+      </p:grpSp>
+      <p:grpSp>
+        <p:nvGrpSpPr>
+          <p:cNvPr id="3083" name="组合 43"/>
+          <p:cNvGrpSpPr>
+            <a:grpSpLocks/>
+          </p:cNvGrpSpPr>
+          <p:nvPr/>
+        </p:nvGrpSpPr>
+        <p:grpSpPr bwMode="auto">
+          <a:xfrm>
+            <a:off x="-1838325" y="5649194"/>
+            <a:ext cx="4244976" cy="492125"/>
+            <a:chOff x="-1111738" y="-1200944"/>
+            <a:chExt cx="4243578" cy="492443"/>
+          </a:xfrm>
+        </p:grpSpPr>
         <p:sp>
           <p:nvSpPr>
-            <p:cNvPr id="3080" name="TextBox 15"/>
+            <p:cNvPr id="3090" name="TextBox 44"/>
             <p:cNvSpPr txBox="1">
               <a:spLocks noChangeArrowheads="1"/>
             </p:cNvSpPr>
@@ -4015,8 +4660,8 @@
           </p:nvSpPr>
           <p:spPr bwMode="auto">
             <a:xfrm>
-              <a:off x="-977900" y="-3810719"/>
-              <a:ext cx="2576513" cy="493713"/>
+              <a:off x="-252536" y="-1200944"/>
+              <a:ext cx="2536396" cy="492443"/>
             </a:xfrm>
             <a:prstGeom prst="rect">
               <a:avLst/>
@@ -4159,48 +4804,1469 @@
             <a:p>
               <a:pPr algn="ctr" eaLnBrk="1" hangingPunct="1"/>
               <a:r>
-                <a:rPr lang="en-US" altLang="zh-CN" sz="2600" dirty="0" smtClean="0">
-                  <a:solidFill>
-                    <a:srgbClr val="FF0000"/>
-                  </a:solidFill>
-                </a:rPr>
-                <a:t>MDD=5.1</a:t>
+                <a:rPr lang="en-US" altLang="zh-CN" sz="2600"/>
+                <a:t>FOV=40.5 </a:t>
               </a:r>
               <a:r>
-                <a:rPr lang="el-GR" altLang="zh-CN" sz="2600" dirty="0" smtClean="0">
-                  <a:solidFill>
-                    <a:srgbClr val="FF0000"/>
-                  </a:solidFill>
-                </a:rPr>
-                <a:t> </a:t>
-              </a:r>
-              <a:r>
-                <a:rPr lang="el-GR" altLang="zh-CN" sz="2600" dirty="0">
-                  <a:solidFill>
-                    <a:srgbClr val="FF0000"/>
-                  </a:solidFill>
-                </a:rPr>
+                <a:rPr lang="el-GR" altLang="zh-CN" sz="2600"/>
                 <a:t>μ</a:t>
               </a:r>
               <a:r>
-                <a:rPr lang="en-US" altLang="zh-CN" sz="2600" dirty="0">
-                  <a:solidFill>
-                    <a:srgbClr val="FF0000"/>
-                  </a:solidFill>
-                </a:rPr>
+                <a:rPr lang="en-US" altLang="zh-CN" sz="2600"/>
                 <a:t>m</a:t>
               </a:r>
-              <a:endParaRPr lang="zh-CN" altLang="en-US" sz="2600" dirty="0">
-                <a:solidFill>
-                  <a:srgbClr val="FF0000"/>
-                </a:solidFill>
-              </a:endParaRPr>
             </a:p>
           </p:txBody>
         </p:sp>
+        <p:cxnSp>
+          <p:nvCxnSpPr>
+            <p:cNvPr id="46" name="直接箭头连接符 45"/>
+            <p:cNvCxnSpPr/>
+            <p:nvPr/>
+          </p:nvCxnSpPr>
+          <p:spPr bwMode="auto">
+            <a:xfrm flipH="1" flipV="1">
+              <a:off x="-1111738" y="-954722"/>
+              <a:ext cx="858555" cy="0"/>
+            </a:xfrm>
+            <a:prstGeom prst="straightConnector1">
+              <a:avLst/>
+            </a:prstGeom>
+            <a:ln w="76200">
+              <a:solidFill>
+                <a:schemeClr val="tx1"/>
+              </a:solidFill>
+              <a:tailEnd type="arrow"/>
+            </a:ln>
+          </p:spPr>
+          <p:style>
+            <a:lnRef idx="1">
+              <a:schemeClr val="accent1"/>
+            </a:lnRef>
+            <a:fillRef idx="0">
+              <a:schemeClr val="accent1"/>
+            </a:fillRef>
+            <a:effectRef idx="0">
+              <a:schemeClr val="accent1"/>
+            </a:effectRef>
+            <a:fontRef idx="minor">
+              <a:schemeClr val="tx1"/>
+            </a:fontRef>
+          </p:style>
+        </p:cxnSp>
+        <p:cxnSp>
+          <p:nvCxnSpPr>
+            <p:cNvPr id="47" name="直接箭头连接符 46"/>
+            <p:cNvCxnSpPr/>
+            <p:nvPr/>
+          </p:nvCxnSpPr>
+          <p:spPr bwMode="auto">
+            <a:xfrm flipV="1">
+              <a:off x="2273285" y="-954722"/>
+              <a:ext cx="858555" cy="0"/>
+            </a:xfrm>
+            <a:prstGeom prst="straightConnector1">
+              <a:avLst/>
+            </a:prstGeom>
+            <a:ln w="76200">
+              <a:solidFill>
+                <a:schemeClr val="tx1"/>
+              </a:solidFill>
+              <a:tailEnd type="arrow"/>
+            </a:ln>
+          </p:spPr>
+          <p:style>
+            <a:lnRef idx="1">
+              <a:schemeClr val="accent1"/>
+            </a:lnRef>
+            <a:fillRef idx="0">
+              <a:schemeClr val="accent1"/>
+            </a:fillRef>
+            <a:effectRef idx="0">
+              <a:schemeClr val="accent1"/>
+            </a:effectRef>
+            <a:fontRef idx="minor">
+              <a:schemeClr val="tx1"/>
+            </a:fontRef>
+          </p:style>
+        </p:cxnSp>
+      </p:grpSp>
+      <p:sp>
+        <p:nvSpPr>
+          <p:cNvPr id="3084" name="TextBox 12"/>
+          <p:cNvSpPr txBox="1">
+            <a:spLocks noChangeArrowheads="1"/>
+          </p:cNvSpPr>
+          <p:nvPr/>
+        </p:nvSpPr>
+        <p:spPr bwMode="auto">
+          <a:xfrm>
+            <a:off x="5878513" y="662857"/>
+            <a:ext cx="2387600" cy="400050"/>
+          </a:xfrm>
+          <a:prstGeom prst="rect">
+            <a:avLst/>
+          </a:prstGeom>
+          <a:noFill/>
+          <a:ln>
+            <a:noFill/>
+          </a:ln>
+          <a:extLst>
+            <a:ext uri="{909E8E84-426E-40DD-AFC4-6F175D3DCCD1}">
+              <a14:hiddenFill xmlns:a14="http://schemas.microsoft.com/office/drawing/2010/main">
+                <a:solidFill>
+                  <a:srgbClr val="FFFFFF"/>
+                </a:solidFill>
+              </a14:hiddenFill>
+            </a:ext>
+            <a:ext uri="{91240B29-F687-4F45-9708-019B960494DF}">
+              <a14:hiddenLine xmlns:a14="http://schemas.microsoft.com/office/drawing/2010/main" w="9525">
+                <a:solidFill>
+                  <a:srgbClr val="000000"/>
+                </a:solidFill>
+                <a:miter lim="800000"/>
+                <a:headEnd/>
+                <a:tailEnd/>
+              </a14:hiddenLine>
+            </a:ext>
+          </a:extLst>
+        </p:spPr>
+        <p:txBody>
+          <a:bodyPr>
+            <a:spAutoFit/>
+          </a:bodyPr>
+          <a:lstStyle>
+            <a:lvl1pPr eaLnBrk="0" hangingPunct="0">
+              <a:defRPr>
+                <a:solidFill>
+                  <a:schemeClr val="tx1"/>
+                </a:solidFill>
+                <a:latin typeface="Arial" charset="0"/>
+                <a:ea typeface="宋体" pitchFamily="2" charset="-122"/>
+              </a:defRPr>
+            </a:lvl1pPr>
+            <a:lvl2pPr marL="742950" indent="-285750" eaLnBrk="0" hangingPunct="0">
+              <a:defRPr>
+                <a:solidFill>
+                  <a:schemeClr val="tx1"/>
+                </a:solidFill>
+                <a:latin typeface="Arial" charset="0"/>
+                <a:ea typeface="宋体" pitchFamily="2" charset="-122"/>
+              </a:defRPr>
+            </a:lvl2pPr>
+            <a:lvl3pPr marL="1143000" indent="-228600" eaLnBrk="0" hangingPunct="0">
+              <a:defRPr>
+                <a:solidFill>
+                  <a:schemeClr val="tx1"/>
+                </a:solidFill>
+                <a:latin typeface="Arial" charset="0"/>
+                <a:ea typeface="宋体" pitchFamily="2" charset="-122"/>
+              </a:defRPr>
+            </a:lvl3pPr>
+            <a:lvl4pPr marL="1600200" indent="-228600" eaLnBrk="0" hangingPunct="0">
+              <a:defRPr>
+                <a:solidFill>
+                  <a:schemeClr val="tx1"/>
+                </a:solidFill>
+                <a:latin typeface="Arial" charset="0"/>
+                <a:ea typeface="宋体" pitchFamily="2" charset="-122"/>
+              </a:defRPr>
+            </a:lvl4pPr>
+            <a:lvl5pPr marL="2057400" indent="-228600" eaLnBrk="0" hangingPunct="0">
+              <a:defRPr>
+                <a:solidFill>
+                  <a:schemeClr val="tx1"/>
+                </a:solidFill>
+                <a:latin typeface="Arial" charset="0"/>
+                <a:ea typeface="宋体" pitchFamily="2" charset="-122"/>
+              </a:defRPr>
+            </a:lvl5pPr>
+            <a:lvl6pPr marL="2514600" indent="-228600" eaLnBrk="0" fontAlgn="base" hangingPunct="0">
+              <a:spcBef>
+                <a:spcPct val="0"/>
+              </a:spcBef>
+              <a:spcAft>
+                <a:spcPct val="0"/>
+              </a:spcAft>
+              <a:defRPr>
+                <a:solidFill>
+                  <a:schemeClr val="tx1"/>
+                </a:solidFill>
+                <a:latin typeface="Arial" charset="0"/>
+                <a:ea typeface="宋体" pitchFamily="2" charset="-122"/>
+              </a:defRPr>
+            </a:lvl6pPr>
+            <a:lvl7pPr marL="2971800" indent="-228600" eaLnBrk="0" fontAlgn="base" hangingPunct="0">
+              <a:spcBef>
+                <a:spcPct val="0"/>
+              </a:spcBef>
+              <a:spcAft>
+                <a:spcPct val="0"/>
+              </a:spcAft>
+              <a:defRPr>
+                <a:solidFill>
+                  <a:schemeClr val="tx1"/>
+                </a:solidFill>
+                <a:latin typeface="Arial" charset="0"/>
+                <a:ea typeface="宋体" pitchFamily="2" charset="-122"/>
+              </a:defRPr>
+            </a:lvl7pPr>
+            <a:lvl8pPr marL="3429000" indent="-228600" eaLnBrk="0" fontAlgn="base" hangingPunct="0">
+              <a:spcBef>
+                <a:spcPct val="0"/>
+              </a:spcBef>
+              <a:spcAft>
+                <a:spcPct val="0"/>
+              </a:spcAft>
+              <a:defRPr>
+                <a:solidFill>
+                  <a:schemeClr val="tx1"/>
+                </a:solidFill>
+                <a:latin typeface="Arial" charset="0"/>
+                <a:ea typeface="宋体" pitchFamily="2" charset="-122"/>
+              </a:defRPr>
+            </a:lvl8pPr>
+            <a:lvl9pPr marL="3886200" indent="-228600" eaLnBrk="0" fontAlgn="base" hangingPunct="0">
+              <a:spcBef>
+                <a:spcPct val="0"/>
+              </a:spcBef>
+              <a:spcAft>
+                <a:spcPct val="0"/>
+              </a:spcAft>
+              <a:defRPr>
+                <a:solidFill>
+                  <a:schemeClr val="tx1"/>
+                </a:solidFill>
+                <a:latin typeface="Arial" charset="0"/>
+                <a:ea typeface="宋体" pitchFamily="2" charset="-122"/>
+              </a:defRPr>
+            </a:lvl9pPr>
+          </a:lstStyle>
+          <a:p>
+            <a:pPr eaLnBrk="1" hangingPunct="1"/>
+            <a:r>
+              <a:rPr lang="en-US" altLang="zh-CN" sz="2000"/>
+              <a:t>displacement (</a:t>
+            </a:r>
+            <a:r>
+              <a:rPr lang="el-GR" altLang="zh-CN" sz="2000"/>
+              <a:t>μ</a:t>
+            </a:r>
+            <a:r>
+              <a:rPr lang="en-US" altLang="zh-CN" sz="2000"/>
+              <a:t>m)</a:t>
+            </a:r>
+            <a:endParaRPr lang="zh-CN" altLang="en-US" sz="2000"/>
+          </a:p>
+        </p:txBody>
+      </p:sp>
+      <p:sp>
+        <p:nvSpPr>
+          <p:cNvPr id="3086" name="TextBox 12"/>
+          <p:cNvSpPr txBox="1">
+            <a:spLocks noChangeArrowheads="1"/>
+          </p:cNvSpPr>
+          <p:nvPr/>
+        </p:nvSpPr>
+        <p:spPr bwMode="auto">
+          <a:xfrm rot="16200000">
+            <a:off x="2596357" y="-1731887"/>
+            <a:ext cx="2386012" cy="400050"/>
+          </a:xfrm>
+          <a:prstGeom prst="rect">
+            <a:avLst/>
+          </a:prstGeom>
+          <a:noFill/>
+          <a:ln>
+            <a:noFill/>
+          </a:ln>
+          <a:extLst>
+            <a:ext uri="{909E8E84-426E-40DD-AFC4-6F175D3DCCD1}">
+              <a14:hiddenFill xmlns:a14="http://schemas.microsoft.com/office/drawing/2010/main">
+                <a:solidFill>
+                  <a:srgbClr val="FFFFFF"/>
+                </a:solidFill>
+              </a14:hiddenFill>
+            </a:ext>
+            <a:ext uri="{91240B29-F687-4F45-9708-019B960494DF}">
+              <a14:hiddenLine xmlns:a14="http://schemas.microsoft.com/office/drawing/2010/main" w="9525">
+                <a:solidFill>
+                  <a:srgbClr val="000000"/>
+                </a:solidFill>
+                <a:miter lim="800000"/>
+                <a:headEnd/>
+                <a:tailEnd/>
+              </a14:hiddenLine>
+            </a:ext>
+          </a:extLst>
+        </p:spPr>
+        <p:txBody>
+          <a:bodyPr>
+            <a:spAutoFit/>
+          </a:bodyPr>
+          <a:lstStyle>
+            <a:lvl1pPr eaLnBrk="0" hangingPunct="0">
+              <a:defRPr>
+                <a:solidFill>
+                  <a:schemeClr val="tx1"/>
+                </a:solidFill>
+                <a:latin typeface="Arial" charset="0"/>
+                <a:ea typeface="宋体" pitchFamily="2" charset="-122"/>
+              </a:defRPr>
+            </a:lvl1pPr>
+            <a:lvl2pPr marL="742950" indent="-285750" eaLnBrk="0" hangingPunct="0">
+              <a:defRPr>
+                <a:solidFill>
+                  <a:schemeClr val="tx1"/>
+                </a:solidFill>
+                <a:latin typeface="Arial" charset="0"/>
+                <a:ea typeface="宋体" pitchFamily="2" charset="-122"/>
+              </a:defRPr>
+            </a:lvl2pPr>
+            <a:lvl3pPr marL="1143000" indent="-228600" eaLnBrk="0" hangingPunct="0">
+              <a:defRPr>
+                <a:solidFill>
+                  <a:schemeClr val="tx1"/>
+                </a:solidFill>
+                <a:latin typeface="Arial" charset="0"/>
+                <a:ea typeface="宋体" pitchFamily="2" charset="-122"/>
+              </a:defRPr>
+            </a:lvl3pPr>
+            <a:lvl4pPr marL="1600200" indent="-228600" eaLnBrk="0" hangingPunct="0">
+              <a:defRPr>
+                <a:solidFill>
+                  <a:schemeClr val="tx1"/>
+                </a:solidFill>
+                <a:latin typeface="Arial" charset="0"/>
+                <a:ea typeface="宋体" pitchFamily="2" charset="-122"/>
+              </a:defRPr>
+            </a:lvl4pPr>
+            <a:lvl5pPr marL="2057400" indent="-228600" eaLnBrk="0" hangingPunct="0">
+              <a:defRPr>
+                <a:solidFill>
+                  <a:schemeClr val="tx1"/>
+                </a:solidFill>
+                <a:latin typeface="Arial" charset="0"/>
+                <a:ea typeface="宋体" pitchFamily="2" charset="-122"/>
+              </a:defRPr>
+            </a:lvl5pPr>
+            <a:lvl6pPr marL="2514600" indent="-228600" eaLnBrk="0" fontAlgn="base" hangingPunct="0">
+              <a:spcBef>
+                <a:spcPct val="0"/>
+              </a:spcBef>
+              <a:spcAft>
+                <a:spcPct val="0"/>
+              </a:spcAft>
+              <a:defRPr>
+                <a:solidFill>
+                  <a:schemeClr val="tx1"/>
+                </a:solidFill>
+                <a:latin typeface="Arial" charset="0"/>
+                <a:ea typeface="宋体" pitchFamily="2" charset="-122"/>
+              </a:defRPr>
+            </a:lvl6pPr>
+            <a:lvl7pPr marL="2971800" indent="-228600" eaLnBrk="0" fontAlgn="base" hangingPunct="0">
+              <a:spcBef>
+                <a:spcPct val="0"/>
+              </a:spcBef>
+              <a:spcAft>
+                <a:spcPct val="0"/>
+              </a:spcAft>
+              <a:defRPr>
+                <a:solidFill>
+                  <a:schemeClr val="tx1"/>
+                </a:solidFill>
+                <a:latin typeface="Arial" charset="0"/>
+                <a:ea typeface="宋体" pitchFamily="2" charset="-122"/>
+              </a:defRPr>
+            </a:lvl7pPr>
+            <a:lvl8pPr marL="3429000" indent="-228600" eaLnBrk="0" fontAlgn="base" hangingPunct="0">
+              <a:spcBef>
+                <a:spcPct val="0"/>
+              </a:spcBef>
+              <a:spcAft>
+                <a:spcPct val="0"/>
+              </a:spcAft>
+              <a:defRPr>
+                <a:solidFill>
+                  <a:schemeClr val="tx1"/>
+                </a:solidFill>
+                <a:latin typeface="Arial" charset="0"/>
+                <a:ea typeface="宋体" pitchFamily="2" charset="-122"/>
+              </a:defRPr>
+            </a:lvl8pPr>
+            <a:lvl9pPr marL="3886200" indent="-228600" eaLnBrk="0" fontAlgn="base" hangingPunct="0">
+              <a:spcBef>
+                <a:spcPct val="0"/>
+              </a:spcBef>
+              <a:spcAft>
+                <a:spcPct val="0"/>
+              </a:spcAft>
+              <a:defRPr>
+                <a:solidFill>
+                  <a:schemeClr val="tx1"/>
+                </a:solidFill>
+                <a:latin typeface="Arial" charset="0"/>
+                <a:ea typeface="宋体" pitchFamily="2" charset="-122"/>
+              </a:defRPr>
+            </a:lvl9pPr>
+          </a:lstStyle>
+          <a:p>
+            <a:pPr eaLnBrk="1" hangingPunct="1"/>
+            <a:r>
+              <a:rPr lang="en-US" altLang="zh-CN" sz="2000"/>
+              <a:t>probability density</a:t>
+            </a:r>
+            <a:endParaRPr lang="zh-CN" altLang="en-US" sz="2000"/>
+          </a:p>
+        </p:txBody>
+      </p:sp>
+      <p:sp>
+        <p:nvSpPr>
+          <p:cNvPr id="3087" name="TextBox 12"/>
+          <p:cNvSpPr txBox="1">
+            <a:spLocks noChangeArrowheads="1"/>
+          </p:cNvSpPr>
+          <p:nvPr/>
+        </p:nvSpPr>
+        <p:spPr bwMode="auto">
+          <a:xfrm rot="16200000">
+            <a:off x="2596357" y="3471938"/>
+            <a:ext cx="2386012" cy="400050"/>
+          </a:xfrm>
+          <a:prstGeom prst="rect">
+            <a:avLst/>
+          </a:prstGeom>
+          <a:noFill/>
+          <a:ln>
+            <a:noFill/>
+          </a:ln>
+          <a:extLst>
+            <a:ext uri="{909E8E84-426E-40DD-AFC4-6F175D3DCCD1}">
+              <a14:hiddenFill xmlns:a14="http://schemas.microsoft.com/office/drawing/2010/main">
+                <a:solidFill>
+                  <a:srgbClr val="FFFFFF"/>
+                </a:solidFill>
+              </a14:hiddenFill>
+            </a:ext>
+            <a:ext uri="{91240B29-F687-4F45-9708-019B960494DF}">
+              <a14:hiddenLine xmlns:a14="http://schemas.microsoft.com/office/drawing/2010/main" w="9525">
+                <a:solidFill>
+                  <a:srgbClr val="000000"/>
+                </a:solidFill>
+                <a:miter lim="800000"/>
+                <a:headEnd/>
+                <a:tailEnd/>
+              </a14:hiddenLine>
+            </a:ext>
+          </a:extLst>
+        </p:spPr>
+        <p:txBody>
+          <a:bodyPr>
+            <a:spAutoFit/>
+          </a:bodyPr>
+          <a:lstStyle>
+            <a:lvl1pPr eaLnBrk="0" hangingPunct="0">
+              <a:defRPr>
+                <a:solidFill>
+                  <a:schemeClr val="tx1"/>
+                </a:solidFill>
+                <a:latin typeface="Arial" charset="0"/>
+                <a:ea typeface="宋体" pitchFamily="2" charset="-122"/>
+              </a:defRPr>
+            </a:lvl1pPr>
+            <a:lvl2pPr marL="742950" indent="-285750" eaLnBrk="0" hangingPunct="0">
+              <a:defRPr>
+                <a:solidFill>
+                  <a:schemeClr val="tx1"/>
+                </a:solidFill>
+                <a:latin typeface="Arial" charset="0"/>
+                <a:ea typeface="宋体" pitchFamily="2" charset="-122"/>
+              </a:defRPr>
+            </a:lvl2pPr>
+            <a:lvl3pPr marL="1143000" indent="-228600" eaLnBrk="0" hangingPunct="0">
+              <a:defRPr>
+                <a:solidFill>
+                  <a:schemeClr val="tx1"/>
+                </a:solidFill>
+                <a:latin typeface="Arial" charset="0"/>
+                <a:ea typeface="宋体" pitchFamily="2" charset="-122"/>
+              </a:defRPr>
+            </a:lvl3pPr>
+            <a:lvl4pPr marL="1600200" indent="-228600" eaLnBrk="0" hangingPunct="0">
+              <a:defRPr>
+                <a:solidFill>
+                  <a:schemeClr val="tx1"/>
+                </a:solidFill>
+                <a:latin typeface="Arial" charset="0"/>
+                <a:ea typeface="宋体" pitchFamily="2" charset="-122"/>
+              </a:defRPr>
+            </a:lvl4pPr>
+            <a:lvl5pPr marL="2057400" indent="-228600" eaLnBrk="0" hangingPunct="0">
+              <a:defRPr>
+                <a:solidFill>
+                  <a:schemeClr val="tx1"/>
+                </a:solidFill>
+                <a:latin typeface="Arial" charset="0"/>
+                <a:ea typeface="宋体" pitchFamily="2" charset="-122"/>
+              </a:defRPr>
+            </a:lvl5pPr>
+            <a:lvl6pPr marL="2514600" indent="-228600" eaLnBrk="0" fontAlgn="base" hangingPunct="0">
+              <a:spcBef>
+                <a:spcPct val="0"/>
+              </a:spcBef>
+              <a:spcAft>
+                <a:spcPct val="0"/>
+              </a:spcAft>
+              <a:defRPr>
+                <a:solidFill>
+                  <a:schemeClr val="tx1"/>
+                </a:solidFill>
+                <a:latin typeface="Arial" charset="0"/>
+                <a:ea typeface="宋体" pitchFamily="2" charset="-122"/>
+              </a:defRPr>
+            </a:lvl6pPr>
+            <a:lvl7pPr marL="2971800" indent="-228600" eaLnBrk="0" fontAlgn="base" hangingPunct="0">
+              <a:spcBef>
+                <a:spcPct val="0"/>
+              </a:spcBef>
+              <a:spcAft>
+                <a:spcPct val="0"/>
+              </a:spcAft>
+              <a:defRPr>
+                <a:solidFill>
+                  <a:schemeClr val="tx1"/>
+                </a:solidFill>
+                <a:latin typeface="Arial" charset="0"/>
+                <a:ea typeface="宋体" pitchFamily="2" charset="-122"/>
+              </a:defRPr>
+            </a:lvl7pPr>
+            <a:lvl8pPr marL="3429000" indent="-228600" eaLnBrk="0" fontAlgn="base" hangingPunct="0">
+              <a:spcBef>
+                <a:spcPct val="0"/>
+              </a:spcBef>
+              <a:spcAft>
+                <a:spcPct val="0"/>
+              </a:spcAft>
+              <a:defRPr>
+                <a:solidFill>
+                  <a:schemeClr val="tx1"/>
+                </a:solidFill>
+                <a:latin typeface="Arial" charset="0"/>
+                <a:ea typeface="宋体" pitchFamily="2" charset="-122"/>
+              </a:defRPr>
+            </a:lvl8pPr>
+            <a:lvl9pPr marL="3886200" indent="-228600" eaLnBrk="0" fontAlgn="base" hangingPunct="0">
+              <a:spcBef>
+                <a:spcPct val="0"/>
+              </a:spcBef>
+              <a:spcAft>
+                <a:spcPct val="0"/>
+              </a:spcAft>
+              <a:defRPr>
+                <a:solidFill>
+                  <a:schemeClr val="tx1"/>
+                </a:solidFill>
+                <a:latin typeface="Arial" charset="0"/>
+                <a:ea typeface="宋体" pitchFamily="2" charset="-122"/>
+              </a:defRPr>
+            </a:lvl9pPr>
+          </a:lstStyle>
+          <a:p>
+            <a:pPr eaLnBrk="1" hangingPunct="1"/>
+            <a:r>
+              <a:rPr lang="en-US" altLang="zh-CN" sz="2000" dirty="0"/>
+              <a:t>probability density</a:t>
+            </a:r>
+            <a:endParaRPr lang="zh-CN" altLang="en-US" sz="2000" dirty="0"/>
+          </a:p>
+        </p:txBody>
+      </p:sp>
+      <p:sp>
+        <p:nvSpPr>
+          <p:cNvPr id="45" name="右箭头 44"/>
+          <p:cNvSpPr/>
+          <p:nvPr/>
+        </p:nvSpPr>
+        <p:spPr bwMode="auto">
+          <a:xfrm rot="13800000">
+            <a:off x="1077119" y="-555549"/>
+            <a:ext cx="433387" cy="431800"/>
+          </a:xfrm>
+          <a:prstGeom prst="rightArrow">
+            <a:avLst/>
+          </a:prstGeom>
+          <a:solidFill>
+            <a:schemeClr val="bg1"/>
+          </a:solidFill>
+          <a:ln>
+            <a:solidFill>
+              <a:schemeClr val="bg1"/>
+            </a:solidFill>
+          </a:ln>
+          <a:effectLst/>
+        </p:spPr>
+        <p:style>
+          <a:lnRef idx="2">
+            <a:schemeClr val="accent1">
+              <a:shade val="50000"/>
+            </a:schemeClr>
+          </a:lnRef>
+          <a:fillRef idx="1">
+            <a:schemeClr val="accent1"/>
+          </a:fillRef>
+          <a:effectRef idx="0">
+            <a:schemeClr val="accent1"/>
+          </a:effectRef>
+          <a:fontRef idx="minor">
+            <a:schemeClr val="lt1"/>
+          </a:fontRef>
+        </p:style>
+        <p:txBody>
+          <a:bodyPr anchor="ctr"/>
+          <a:lstStyle/>
+          <a:p>
+            <a:pPr algn="ctr">
+              <a:defRPr/>
+            </a:pPr>
+            <a:endParaRPr lang="zh-CN" altLang="en-US"/>
+          </a:p>
+        </p:txBody>
+      </p:sp>
+      <p:sp>
+        <p:nvSpPr>
+          <p:cNvPr id="48" name="右箭头 47"/>
+          <p:cNvSpPr/>
+          <p:nvPr/>
+        </p:nvSpPr>
+        <p:spPr bwMode="auto">
+          <a:xfrm rot="13800000">
+            <a:off x="916176" y="4851236"/>
+            <a:ext cx="433387" cy="433388"/>
+          </a:xfrm>
+          <a:prstGeom prst="rightArrow">
+            <a:avLst/>
+          </a:prstGeom>
+          <a:solidFill>
+            <a:schemeClr val="bg1"/>
+          </a:solidFill>
+          <a:ln>
+            <a:solidFill>
+              <a:schemeClr val="bg1"/>
+            </a:solidFill>
+          </a:ln>
+          <a:effectLst/>
+        </p:spPr>
+        <p:style>
+          <a:lnRef idx="2">
+            <a:schemeClr val="accent1">
+              <a:shade val="50000"/>
+            </a:schemeClr>
+          </a:lnRef>
+          <a:fillRef idx="1">
+            <a:schemeClr val="accent1"/>
+          </a:fillRef>
+          <a:effectRef idx="0">
+            <a:schemeClr val="accent1"/>
+          </a:effectRef>
+          <a:fontRef idx="minor">
+            <a:schemeClr val="lt1"/>
+          </a:fontRef>
+        </p:style>
+        <p:txBody>
+          <a:bodyPr anchor="ctr"/>
+          <a:lstStyle/>
+          <a:p>
+            <a:pPr algn="ctr">
+              <a:defRPr/>
+            </a:pPr>
+            <a:endParaRPr lang="zh-CN" altLang="en-US"/>
+          </a:p>
+        </p:txBody>
+      </p:sp>
+      <p:pic>
+        <p:nvPicPr>
+          <p:cNvPr id="4" name="图片 3"/>
+          <p:cNvPicPr>
+            <a:picLocks noChangeAspect="1"/>
+          </p:cNvPicPr>
+          <p:nvPr/>
+        </p:nvPicPr>
+        <p:blipFill>
+          <a:blip r:embed="rId6" cstate="print">
+            <a:extLst>
+              <a:ext uri="{28A0092B-C50C-407E-A947-70E740481C1C}">
+                <a14:useLocalDpi xmlns:a14="http://schemas.microsoft.com/office/drawing/2010/main" val="0"/>
+              </a:ext>
+            </a:extLst>
+          </a:blip>
+          <a:stretch>
+            <a:fillRect/>
+          </a:stretch>
+        </p:blipFill>
+        <p:spPr>
+          <a:xfrm>
+            <a:off x="-3714750" y="6093296"/>
+            <a:ext cx="8229599" cy="5486399"/>
+          </a:xfrm>
+          <a:prstGeom prst="rect">
+            <a:avLst/>
+          </a:prstGeom>
+        </p:spPr>
+      </p:pic>
+      <p:pic>
+        <p:nvPicPr>
+          <p:cNvPr id="3" name="图片 2"/>
+          <p:cNvPicPr>
+            <a:picLocks noChangeAspect="1"/>
+          </p:cNvPicPr>
+          <p:nvPr/>
+        </p:nvPicPr>
+        <p:blipFill>
+          <a:blip r:embed="rId7" cstate="print">
+            <a:extLst>
+              <a:ext uri="{28A0092B-C50C-407E-A947-70E740481C1C}">
+                <a14:useLocalDpi xmlns:a14="http://schemas.microsoft.com/office/drawing/2010/main" val="0"/>
+              </a:ext>
+            </a:extLst>
+          </a:blip>
+          <a:stretch>
+            <a:fillRect/>
+          </a:stretch>
+        </p:blipFill>
+        <p:spPr>
+          <a:xfrm>
+            <a:off x="3414713" y="6093296"/>
+            <a:ext cx="7315214" cy="5486410"/>
+          </a:xfrm>
+          <a:prstGeom prst="rect">
+            <a:avLst/>
+          </a:prstGeom>
+        </p:spPr>
+      </p:pic>
+      <p:sp>
+        <p:nvSpPr>
+          <p:cNvPr id="3079" name="TextBox 12"/>
+          <p:cNvSpPr txBox="1">
+            <a:spLocks noChangeArrowheads="1"/>
+          </p:cNvSpPr>
+          <p:nvPr/>
+        </p:nvSpPr>
+        <p:spPr bwMode="auto">
+          <a:xfrm>
+            <a:off x="1138194" y="5960893"/>
+            <a:ext cx="4591259" cy="492443"/>
+          </a:xfrm>
+          <a:prstGeom prst="rect">
+            <a:avLst/>
+          </a:prstGeom>
+          <a:noFill/>
+          <a:ln>
+            <a:noFill/>
+          </a:ln>
+          <a:extLst>
+            <a:ext uri="{909E8E84-426E-40DD-AFC4-6F175D3DCCD1}">
+              <a14:hiddenFill xmlns:a14="http://schemas.microsoft.com/office/drawing/2010/main">
+                <a:solidFill>
+                  <a:srgbClr val="FFFFFF"/>
+                </a:solidFill>
+              </a14:hiddenFill>
+            </a:ext>
+            <a:ext uri="{91240B29-F687-4F45-9708-019B960494DF}">
+              <a14:hiddenLine xmlns:a14="http://schemas.microsoft.com/office/drawing/2010/main" w="9525">
+                <a:solidFill>
+                  <a:srgbClr val="000000"/>
+                </a:solidFill>
+                <a:miter lim="800000"/>
+                <a:headEnd/>
+                <a:tailEnd/>
+              </a14:hiddenLine>
+            </a:ext>
+          </a:extLst>
+        </p:spPr>
+        <p:txBody>
+          <a:bodyPr wrap="square">
+            <a:spAutoFit/>
+          </a:bodyPr>
+          <a:lstStyle>
+            <a:lvl1pPr eaLnBrk="0" hangingPunct="0">
+              <a:defRPr>
+                <a:solidFill>
+                  <a:schemeClr val="tx1"/>
+                </a:solidFill>
+                <a:latin typeface="Arial" charset="0"/>
+                <a:ea typeface="宋体" pitchFamily="2" charset="-122"/>
+              </a:defRPr>
+            </a:lvl1pPr>
+            <a:lvl2pPr marL="742950" indent="-285750" eaLnBrk="0" hangingPunct="0">
+              <a:defRPr>
+                <a:solidFill>
+                  <a:schemeClr val="tx1"/>
+                </a:solidFill>
+                <a:latin typeface="Arial" charset="0"/>
+                <a:ea typeface="宋体" pitchFamily="2" charset="-122"/>
+              </a:defRPr>
+            </a:lvl2pPr>
+            <a:lvl3pPr marL="1143000" indent="-228600" eaLnBrk="0" hangingPunct="0">
+              <a:defRPr>
+                <a:solidFill>
+                  <a:schemeClr val="tx1"/>
+                </a:solidFill>
+                <a:latin typeface="Arial" charset="0"/>
+                <a:ea typeface="宋体" pitchFamily="2" charset="-122"/>
+              </a:defRPr>
+            </a:lvl3pPr>
+            <a:lvl4pPr marL="1600200" indent="-228600" eaLnBrk="0" hangingPunct="0">
+              <a:defRPr>
+                <a:solidFill>
+                  <a:schemeClr val="tx1"/>
+                </a:solidFill>
+                <a:latin typeface="Arial" charset="0"/>
+                <a:ea typeface="宋体" pitchFamily="2" charset="-122"/>
+              </a:defRPr>
+            </a:lvl4pPr>
+            <a:lvl5pPr marL="2057400" indent="-228600" eaLnBrk="0" hangingPunct="0">
+              <a:defRPr>
+                <a:solidFill>
+                  <a:schemeClr val="tx1"/>
+                </a:solidFill>
+                <a:latin typeface="Arial" charset="0"/>
+                <a:ea typeface="宋体" pitchFamily="2" charset="-122"/>
+              </a:defRPr>
+            </a:lvl5pPr>
+            <a:lvl6pPr marL="2514600" indent="-228600" eaLnBrk="0" fontAlgn="base" hangingPunct="0">
+              <a:spcBef>
+                <a:spcPct val="0"/>
+              </a:spcBef>
+              <a:spcAft>
+                <a:spcPct val="0"/>
+              </a:spcAft>
+              <a:defRPr>
+                <a:solidFill>
+                  <a:schemeClr val="tx1"/>
+                </a:solidFill>
+                <a:latin typeface="Arial" charset="0"/>
+                <a:ea typeface="宋体" pitchFamily="2" charset="-122"/>
+              </a:defRPr>
+            </a:lvl6pPr>
+            <a:lvl7pPr marL="2971800" indent="-228600" eaLnBrk="0" fontAlgn="base" hangingPunct="0">
+              <a:spcBef>
+                <a:spcPct val="0"/>
+              </a:spcBef>
+              <a:spcAft>
+                <a:spcPct val="0"/>
+              </a:spcAft>
+              <a:defRPr>
+                <a:solidFill>
+                  <a:schemeClr val="tx1"/>
+                </a:solidFill>
+                <a:latin typeface="Arial" charset="0"/>
+                <a:ea typeface="宋体" pitchFamily="2" charset="-122"/>
+              </a:defRPr>
+            </a:lvl7pPr>
+            <a:lvl8pPr marL="3429000" indent="-228600" eaLnBrk="0" fontAlgn="base" hangingPunct="0">
+              <a:spcBef>
+                <a:spcPct val="0"/>
+              </a:spcBef>
+              <a:spcAft>
+                <a:spcPct val="0"/>
+              </a:spcAft>
+              <a:defRPr>
+                <a:solidFill>
+                  <a:schemeClr val="tx1"/>
+                </a:solidFill>
+                <a:latin typeface="Arial" charset="0"/>
+                <a:ea typeface="宋体" pitchFamily="2" charset="-122"/>
+              </a:defRPr>
+            </a:lvl8pPr>
+            <a:lvl9pPr marL="3886200" indent="-228600" eaLnBrk="0" fontAlgn="base" hangingPunct="0">
+              <a:spcBef>
+                <a:spcPct val="0"/>
+              </a:spcBef>
+              <a:spcAft>
+                <a:spcPct val="0"/>
+              </a:spcAft>
+              <a:defRPr>
+                <a:solidFill>
+                  <a:schemeClr val="tx1"/>
+                </a:solidFill>
+                <a:latin typeface="Arial" charset="0"/>
+                <a:ea typeface="宋体" pitchFamily="2" charset="-122"/>
+              </a:defRPr>
+            </a:lvl9pPr>
+          </a:lstStyle>
+          <a:p>
+            <a:pPr algn="ctr" eaLnBrk="1" hangingPunct="1"/>
+            <a:r>
+              <a:rPr lang="en-US" altLang="zh-CN" sz="2600" b="1" dirty="0"/>
+              <a:t>(b) </a:t>
+            </a:r>
+            <a:r>
+              <a:rPr lang="en-US" altLang="zh-CN" sz="2600" b="1" dirty="0" smtClean="0"/>
+              <a:t>DSI-11-Gmax225 </a:t>
+            </a:r>
+            <a:r>
+              <a:rPr lang="en-US" altLang="zh-CN" sz="2600" b="1" dirty="0"/>
+              <a:t>In Vivo</a:t>
+            </a:r>
+            <a:endParaRPr lang="zh-CN" altLang="en-US" sz="2600" b="1" dirty="0"/>
+          </a:p>
+        </p:txBody>
+      </p:sp>
+      <p:sp>
+        <p:nvSpPr>
+          <p:cNvPr id="3085" name="TextBox 12"/>
+          <p:cNvSpPr txBox="1">
+            <a:spLocks noChangeArrowheads="1"/>
+          </p:cNvSpPr>
+          <p:nvPr/>
+        </p:nvSpPr>
+        <p:spPr bwMode="auto">
+          <a:xfrm>
+            <a:off x="5878513" y="5877794"/>
+            <a:ext cx="2387600" cy="400050"/>
+          </a:xfrm>
+          <a:prstGeom prst="rect">
+            <a:avLst/>
+          </a:prstGeom>
+          <a:noFill/>
+          <a:ln>
+            <a:noFill/>
+          </a:ln>
+          <a:extLst>
+            <a:ext uri="{909E8E84-426E-40DD-AFC4-6F175D3DCCD1}">
+              <a14:hiddenFill xmlns:a14="http://schemas.microsoft.com/office/drawing/2010/main">
+                <a:solidFill>
+                  <a:srgbClr val="FFFFFF"/>
+                </a:solidFill>
+              </a14:hiddenFill>
+            </a:ext>
+            <a:ext uri="{91240B29-F687-4F45-9708-019B960494DF}">
+              <a14:hiddenLine xmlns:a14="http://schemas.microsoft.com/office/drawing/2010/main" w="9525">
+                <a:solidFill>
+                  <a:srgbClr val="000000"/>
+                </a:solidFill>
+                <a:miter lim="800000"/>
+                <a:headEnd/>
+                <a:tailEnd/>
+              </a14:hiddenLine>
+            </a:ext>
+          </a:extLst>
+        </p:spPr>
+        <p:txBody>
+          <a:bodyPr>
+            <a:spAutoFit/>
+          </a:bodyPr>
+          <a:lstStyle>
+            <a:lvl1pPr eaLnBrk="0" hangingPunct="0">
+              <a:defRPr>
+                <a:solidFill>
+                  <a:schemeClr val="tx1"/>
+                </a:solidFill>
+                <a:latin typeface="Arial" charset="0"/>
+                <a:ea typeface="宋体" pitchFamily="2" charset="-122"/>
+              </a:defRPr>
+            </a:lvl1pPr>
+            <a:lvl2pPr marL="742950" indent="-285750" eaLnBrk="0" hangingPunct="0">
+              <a:defRPr>
+                <a:solidFill>
+                  <a:schemeClr val="tx1"/>
+                </a:solidFill>
+                <a:latin typeface="Arial" charset="0"/>
+                <a:ea typeface="宋体" pitchFamily="2" charset="-122"/>
+              </a:defRPr>
+            </a:lvl2pPr>
+            <a:lvl3pPr marL="1143000" indent="-228600" eaLnBrk="0" hangingPunct="0">
+              <a:defRPr>
+                <a:solidFill>
+                  <a:schemeClr val="tx1"/>
+                </a:solidFill>
+                <a:latin typeface="Arial" charset="0"/>
+                <a:ea typeface="宋体" pitchFamily="2" charset="-122"/>
+              </a:defRPr>
+            </a:lvl3pPr>
+            <a:lvl4pPr marL="1600200" indent="-228600" eaLnBrk="0" hangingPunct="0">
+              <a:defRPr>
+                <a:solidFill>
+                  <a:schemeClr val="tx1"/>
+                </a:solidFill>
+                <a:latin typeface="Arial" charset="0"/>
+                <a:ea typeface="宋体" pitchFamily="2" charset="-122"/>
+              </a:defRPr>
+            </a:lvl4pPr>
+            <a:lvl5pPr marL="2057400" indent="-228600" eaLnBrk="0" hangingPunct="0">
+              <a:defRPr>
+                <a:solidFill>
+                  <a:schemeClr val="tx1"/>
+                </a:solidFill>
+                <a:latin typeface="Arial" charset="0"/>
+                <a:ea typeface="宋体" pitchFamily="2" charset="-122"/>
+              </a:defRPr>
+            </a:lvl5pPr>
+            <a:lvl6pPr marL="2514600" indent="-228600" eaLnBrk="0" fontAlgn="base" hangingPunct="0">
+              <a:spcBef>
+                <a:spcPct val="0"/>
+              </a:spcBef>
+              <a:spcAft>
+                <a:spcPct val="0"/>
+              </a:spcAft>
+              <a:defRPr>
+                <a:solidFill>
+                  <a:schemeClr val="tx1"/>
+                </a:solidFill>
+                <a:latin typeface="Arial" charset="0"/>
+                <a:ea typeface="宋体" pitchFamily="2" charset="-122"/>
+              </a:defRPr>
+            </a:lvl6pPr>
+            <a:lvl7pPr marL="2971800" indent="-228600" eaLnBrk="0" fontAlgn="base" hangingPunct="0">
+              <a:spcBef>
+                <a:spcPct val="0"/>
+              </a:spcBef>
+              <a:spcAft>
+                <a:spcPct val="0"/>
+              </a:spcAft>
+              <a:defRPr>
+                <a:solidFill>
+                  <a:schemeClr val="tx1"/>
+                </a:solidFill>
+                <a:latin typeface="Arial" charset="0"/>
+                <a:ea typeface="宋体" pitchFamily="2" charset="-122"/>
+              </a:defRPr>
+            </a:lvl7pPr>
+            <a:lvl8pPr marL="3429000" indent="-228600" eaLnBrk="0" fontAlgn="base" hangingPunct="0">
+              <a:spcBef>
+                <a:spcPct val="0"/>
+              </a:spcBef>
+              <a:spcAft>
+                <a:spcPct val="0"/>
+              </a:spcAft>
+              <a:defRPr>
+                <a:solidFill>
+                  <a:schemeClr val="tx1"/>
+                </a:solidFill>
+                <a:latin typeface="Arial" charset="0"/>
+                <a:ea typeface="宋体" pitchFamily="2" charset="-122"/>
+              </a:defRPr>
+            </a:lvl8pPr>
+            <a:lvl9pPr marL="3886200" indent="-228600" eaLnBrk="0" fontAlgn="base" hangingPunct="0">
+              <a:spcBef>
+                <a:spcPct val="0"/>
+              </a:spcBef>
+              <a:spcAft>
+                <a:spcPct val="0"/>
+              </a:spcAft>
+              <a:defRPr>
+                <a:solidFill>
+                  <a:schemeClr val="tx1"/>
+                </a:solidFill>
+                <a:latin typeface="Arial" charset="0"/>
+                <a:ea typeface="宋体" pitchFamily="2" charset="-122"/>
+              </a:defRPr>
+            </a:lvl9pPr>
+          </a:lstStyle>
+          <a:p>
+            <a:pPr eaLnBrk="1" hangingPunct="1"/>
+            <a:r>
+              <a:rPr lang="en-US" altLang="zh-CN" sz="2000" dirty="0"/>
+              <a:t>displacement (</a:t>
+            </a:r>
+            <a:r>
+              <a:rPr lang="el-GR" altLang="zh-CN" sz="2000" dirty="0"/>
+              <a:t>μ</a:t>
+            </a:r>
+            <a:r>
+              <a:rPr lang="en-US" altLang="zh-CN" sz="2000" dirty="0"/>
+              <a:t>m)</a:t>
+            </a:r>
+            <a:endParaRPr lang="zh-CN" altLang="en-US" sz="2000" dirty="0"/>
+          </a:p>
+        </p:txBody>
+      </p:sp>
+      <p:sp>
+        <p:nvSpPr>
+          <p:cNvPr id="27" name="TextBox 12"/>
+          <p:cNvSpPr txBox="1">
+            <a:spLocks noChangeArrowheads="1"/>
+          </p:cNvSpPr>
+          <p:nvPr/>
+        </p:nvSpPr>
+        <p:spPr bwMode="auto">
+          <a:xfrm>
+            <a:off x="989135" y="11145469"/>
+            <a:ext cx="4889377" cy="492443"/>
+          </a:xfrm>
+          <a:prstGeom prst="rect">
+            <a:avLst/>
+          </a:prstGeom>
+          <a:noFill/>
+          <a:ln>
+            <a:noFill/>
+          </a:ln>
+          <a:extLst>
+            <a:ext uri="{909E8E84-426E-40DD-AFC4-6F175D3DCCD1}">
+              <a14:hiddenFill xmlns:a14="http://schemas.microsoft.com/office/drawing/2010/main">
+                <a:solidFill>
+                  <a:srgbClr val="FFFFFF"/>
+                </a:solidFill>
+              </a14:hiddenFill>
+            </a:ext>
+            <a:ext uri="{91240B29-F687-4F45-9708-019B960494DF}">
+              <a14:hiddenLine xmlns:a14="http://schemas.microsoft.com/office/drawing/2010/main" w="9525">
+                <a:solidFill>
+                  <a:srgbClr val="000000"/>
+                </a:solidFill>
+                <a:miter lim="800000"/>
+                <a:headEnd/>
+                <a:tailEnd/>
+              </a14:hiddenLine>
+            </a:ext>
+          </a:extLst>
+        </p:spPr>
+        <p:txBody>
+          <a:bodyPr wrap="square">
+            <a:spAutoFit/>
+          </a:bodyPr>
+          <a:lstStyle>
+            <a:lvl1pPr eaLnBrk="0" hangingPunct="0">
+              <a:defRPr>
+                <a:solidFill>
+                  <a:schemeClr val="tx1"/>
+                </a:solidFill>
+                <a:latin typeface="Arial" charset="0"/>
+                <a:ea typeface="宋体" pitchFamily="2" charset="-122"/>
+              </a:defRPr>
+            </a:lvl1pPr>
+            <a:lvl2pPr marL="742950" indent="-285750" eaLnBrk="0" hangingPunct="0">
+              <a:defRPr>
+                <a:solidFill>
+                  <a:schemeClr val="tx1"/>
+                </a:solidFill>
+                <a:latin typeface="Arial" charset="0"/>
+                <a:ea typeface="宋体" pitchFamily="2" charset="-122"/>
+              </a:defRPr>
+            </a:lvl2pPr>
+            <a:lvl3pPr marL="1143000" indent="-228600" eaLnBrk="0" hangingPunct="0">
+              <a:defRPr>
+                <a:solidFill>
+                  <a:schemeClr val="tx1"/>
+                </a:solidFill>
+                <a:latin typeface="Arial" charset="0"/>
+                <a:ea typeface="宋体" pitchFamily="2" charset="-122"/>
+              </a:defRPr>
+            </a:lvl3pPr>
+            <a:lvl4pPr marL="1600200" indent="-228600" eaLnBrk="0" hangingPunct="0">
+              <a:defRPr>
+                <a:solidFill>
+                  <a:schemeClr val="tx1"/>
+                </a:solidFill>
+                <a:latin typeface="Arial" charset="0"/>
+                <a:ea typeface="宋体" pitchFamily="2" charset="-122"/>
+              </a:defRPr>
+            </a:lvl4pPr>
+            <a:lvl5pPr marL="2057400" indent="-228600" eaLnBrk="0" hangingPunct="0">
+              <a:defRPr>
+                <a:solidFill>
+                  <a:schemeClr val="tx1"/>
+                </a:solidFill>
+                <a:latin typeface="Arial" charset="0"/>
+                <a:ea typeface="宋体" pitchFamily="2" charset="-122"/>
+              </a:defRPr>
+            </a:lvl5pPr>
+            <a:lvl6pPr marL="2514600" indent="-228600" eaLnBrk="0" fontAlgn="base" hangingPunct="0">
+              <a:spcBef>
+                <a:spcPct val="0"/>
+              </a:spcBef>
+              <a:spcAft>
+                <a:spcPct val="0"/>
+              </a:spcAft>
+              <a:defRPr>
+                <a:solidFill>
+                  <a:schemeClr val="tx1"/>
+                </a:solidFill>
+                <a:latin typeface="Arial" charset="0"/>
+                <a:ea typeface="宋体" pitchFamily="2" charset="-122"/>
+              </a:defRPr>
+            </a:lvl6pPr>
+            <a:lvl7pPr marL="2971800" indent="-228600" eaLnBrk="0" fontAlgn="base" hangingPunct="0">
+              <a:spcBef>
+                <a:spcPct val="0"/>
+              </a:spcBef>
+              <a:spcAft>
+                <a:spcPct val="0"/>
+              </a:spcAft>
+              <a:defRPr>
+                <a:solidFill>
+                  <a:schemeClr val="tx1"/>
+                </a:solidFill>
+                <a:latin typeface="Arial" charset="0"/>
+                <a:ea typeface="宋体" pitchFamily="2" charset="-122"/>
+              </a:defRPr>
+            </a:lvl7pPr>
+            <a:lvl8pPr marL="3429000" indent="-228600" eaLnBrk="0" fontAlgn="base" hangingPunct="0">
+              <a:spcBef>
+                <a:spcPct val="0"/>
+              </a:spcBef>
+              <a:spcAft>
+                <a:spcPct val="0"/>
+              </a:spcAft>
+              <a:defRPr>
+                <a:solidFill>
+                  <a:schemeClr val="tx1"/>
+                </a:solidFill>
+                <a:latin typeface="Arial" charset="0"/>
+                <a:ea typeface="宋体" pitchFamily="2" charset="-122"/>
+              </a:defRPr>
+            </a:lvl8pPr>
+            <a:lvl9pPr marL="3886200" indent="-228600" eaLnBrk="0" fontAlgn="base" hangingPunct="0">
+              <a:spcBef>
+                <a:spcPct val="0"/>
+              </a:spcBef>
+              <a:spcAft>
+                <a:spcPct val="0"/>
+              </a:spcAft>
+              <a:defRPr>
+                <a:solidFill>
+                  <a:schemeClr val="tx1"/>
+                </a:solidFill>
+                <a:latin typeface="Arial" charset="0"/>
+                <a:ea typeface="宋体" pitchFamily="2" charset="-122"/>
+              </a:defRPr>
+            </a:lvl9pPr>
+          </a:lstStyle>
+          <a:p>
+            <a:pPr algn="ctr" eaLnBrk="1" hangingPunct="1"/>
+            <a:r>
+              <a:rPr lang="en-US" altLang="zh-CN" sz="2600" b="1" dirty="0" smtClean="0"/>
+              <a:t>(c) </a:t>
+            </a:r>
+            <a:r>
+              <a:rPr lang="en-US" altLang="zh-CN" sz="2600" b="1" dirty="0" smtClean="0"/>
+              <a:t>DSI-11-Gmax40 </a:t>
+            </a:r>
+            <a:r>
+              <a:rPr lang="en-US" altLang="zh-CN" sz="2600" b="1" dirty="0" smtClean="0"/>
+              <a:t>In </a:t>
+            </a:r>
+            <a:r>
+              <a:rPr lang="en-US" altLang="zh-CN" sz="2600" b="1" dirty="0"/>
+              <a:t>Vivo</a:t>
+            </a:r>
+            <a:endParaRPr lang="zh-CN" altLang="en-US" sz="2600" b="1" dirty="0"/>
+          </a:p>
+        </p:txBody>
+      </p:sp>
+      <p:sp>
+        <p:nvSpPr>
+          <p:cNvPr id="28" name="TextBox 15"/>
+          <p:cNvSpPr txBox="1">
+            <a:spLocks noChangeArrowheads="1"/>
+          </p:cNvSpPr>
+          <p:nvPr/>
+        </p:nvSpPr>
+        <p:spPr bwMode="auto">
+          <a:xfrm>
+            <a:off x="-977900" y="6568395"/>
+            <a:ext cx="2576513" cy="492125"/>
+          </a:xfrm>
+          <a:prstGeom prst="rect">
+            <a:avLst/>
+          </a:prstGeom>
+          <a:noFill/>
+          <a:ln>
+            <a:noFill/>
+          </a:ln>
+          <a:extLst>
+            <a:ext uri="{909E8E84-426E-40DD-AFC4-6F175D3DCCD1}">
+              <a14:hiddenFill xmlns:a14="http://schemas.microsoft.com/office/drawing/2010/main">
+                <a:solidFill>
+                  <a:srgbClr val="FFFFFF"/>
+                </a:solidFill>
+              </a14:hiddenFill>
+            </a:ext>
+            <a:ext uri="{91240B29-F687-4F45-9708-019B960494DF}">
+              <a14:hiddenLine xmlns:a14="http://schemas.microsoft.com/office/drawing/2010/main" w="9525">
+                <a:solidFill>
+                  <a:srgbClr val="000000"/>
+                </a:solidFill>
+                <a:miter lim="800000"/>
+                <a:headEnd/>
+                <a:tailEnd/>
+              </a14:hiddenLine>
+            </a:ext>
+          </a:extLst>
+        </p:spPr>
+        <p:txBody>
+          <a:bodyPr>
+            <a:spAutoFit/>
+          </a:bodyPr>
+          <a:lstStyle>
+            <a:lvl1pPr eaLnBrk="0" hangingPunct="0">
+              <a:defRPr>
+                <a:solidFill>
+                  <a:schemeClr val="tx1"/>
+                </a:solidFill>
+                <a:latin typeface="Arial" charset="0"/>
+                <a:ea typeface="宋体" pitchFamily="2" charset="-122"/>
+              </a:defRPr>
+            </a:lvl1pPr>
+            <a:lvl2pPr marL="742950" indent="-285750" eaLnBrk="0" hangingPunct="0">
+              <a:defRPr>
+                <a:solidFill>
+                  <a:schemeClr val="tx1"/>
+                </a:solidFill>
+                <a:latin typeface="Arial" charset="0"/>
+                <a:ea typeface="宋体" pitchFamily="2" charset="-122"/>
+              </a:defRPr>
+            </a:lvl2pPr>
+            <a:lvl3pPr marL="1143000" indent="-228600" eaLnBrk="0" hangingPunct="0">
+              <a:defRPr>
+                <a:solidFill>
+                  <a:schemeClr val="tx1"/>
+                </a:solidFill>
+                <a:latin typeface="Arial" charset="0"/>
+                <a:ea typeface="宋体" pitchFamily="2" charset="-122"/>
+              </a:defRPr>
+            </a:lvl3pPr>
+            <a:lvl4pPr marL="1600200" indent="-228600" eaLnBrk="0" hangingPunct="0">
+              <a:defRPr>
+                <a:solidFill>
+                  <a:schemeClr val="tx1"/>
+                </a:solidFill>
+                <a:latin typeface="Arial" charset="0"/>
+                <a:ea typeface="宋体" pitchFamily="2" charset="-122"/>
+              </a:defRPr>
+            </a:lvl4pPr>
+            <a:lvl5pPr marL="2057400" indent="-228600" eaLnBrk="0" hangingPunct="0">
+              <a:defRPr>
+                <a:solidFill>
+                  <a:schemeClr val="tx1"/>
+                </a:solidFill>
+                <a:latin typeface="Arial" charset="0"/>
+                <a:ea typeface="宋体" pitchFamily="2" charset="-122"/>
+              </a:defRPr>
+            </a:lvl5pPr>
+            <a:lvl6pPr marL="2514600" indent="-228600" eaLnBrk="0" fontAlgn="base" hangingPunct="0">
+              <a:spcBef>
+                <a:spcPct val="0"/>
+              </a:spcBef>
+              <a:spcAft>
+                <a:spcPct val="0"/>
+              </a:spcAft>
+              <a:defRPr>
+                <a:solidFill>
+                  <a:schemeClr val="tx1"/>
+                </a:solidFill>
+                <a:latin typeface="Arial" charset="0"/>
+                <a:ea typeface="宋体" pitchFamily="2" charset="-122"/>
+              </a:defRPr>
+            </a:lvl6pPr>
+            <a:lvl7pPr marL="2971800" indent="-228600" eaLnBrk="0" fontAlgn="base" hangingPunct="0">
+              <a:spcBef>
+                <a:spcPct val="0"/>
+              </a:spcBef>
+              <a:spcAft>
+                <a:spcPct val="0"/>
+              </a:spcAft>
+              <a:defRPr>
+                <a:solidFill>
+                  <a:schemeClr val="tx1"/>
+                </a:solidFill>
+                <a:latin typeface="Arial" charset="0"/>
+                <a:ea typeface="宋体" pitchFamily="2" charset="-122"/>
+              </a:defRPr>
+            </a:lvl7pPr>
+            <a:lvl8pPr marL="3429000" indent="-228600" eaLnBrk="0" fontAlgn="base" hangingPunct="0">
+              <a:spcBef>
+                <a:spcPct val="0"/>
+              </a:spcBef>
+              <a:spcAft>
+                <a:spcPct val="0"/>
+              </a:spcAft>
+              <a:defRPr>
+                <a:solidFill>
+                  <a:schemeClr val="tx1"/>
+                </a:solidFill>
+                <a:latin typeface="Arial" charset="0"/>
+                <a:ea typeface="宋体" pitchFamily="2" charset="-122"/>
+              </a:defRPr>
+            </a:lvl8pPr>
+            <a:lvl9pPr marL="3886200" indent="-228600" eaLnBrk="0" fontAlgn="base" hangingPunct="0">
+              <a:spcBef>
+                <a:spcPct val="0"/>
+              </a:spcBef>
+              <a:spcAft>
+                <a:spcPct val="0"/>
+              </a:spcAft>
+              <a:defRPr>
+                <a:solidFill>
+                  <a:schemeClr val="tx1"/>
+                </a:solidFill>
+                <a:latin typeface="Arial" charset="0"/>
+                <a:ea typeface="宋体" pitchFamily="2" charset="-122"/>
+              </a:defRPr>
+            </a:lvl9pPr>
+          </a:lstStyle>
+          <a:p>
+            <a:pPr algn="ctr" eaLnBrk="1" hangingPunct="1"/>
+            <a:r>
+              <a:rPr lang="en-US" altLang="zh-CN" sz="2600" dirty="0" smtClean="0">
+                <a:solidFill>
+                  <a:srgbClr val="FF0000"/>
+                </a:solidFill>
+              </a:rPr>
+              <a:t>MDD=18.6</a:t>
+            </a:r>
+            <a:r>
+              <a:rPr lang="el-GR" altLang="zh-CN" sz="2600" dirty="0" smtClean="0">
+                <a:solidFill>
+                  <a:srgbClr val="FF0000"/>
+                </a:solidFill>
+              </a:rPr>
+              <a:t> </a:t>
+            </a:r>
+            <a:r>
+              <a:rPr lang="el-GR" altLang="zh-CN" sz="2600" dirty="0">
+                <a:solidFill>
+                  <a:srgbClr val="FF0000"/>
+                </a:solidFill>
+              </a:rPr>
+              <a:t>μ</a:t>
+            </a:r>
+            <a:r>
+              <a:rPr lang="en-US" altLang="zh-CN" sz="2600" dirty="0">
+                <a:solidFill>
+                  <a:srgbClr val="FF0000"/>
+                </a:solidFill>
+              </a:rPr>
+              <a:t>m</a:t>
+            </a:r>
+            <a:endParaRPr lang="zh-CN" altLang="en-US" sz="2600" dirty="0">
+              <a:solidFill>
+                <a:srgbClr val="FF0000"/>
+              </a:solidFill>
+            </a:endParaRPr>
+          </a:p>
+        </p:txBody>
+      </p:sp>
+      <p:grpSp>
+        <p:nvGrpSpPr>
+          <p:cNvPr id="29" name="组合 43"/>
+          <p:cNvGrpSpPr>
+            <a:grpSpLocks/>
+          </p:cNvGrpSpPr>
+          <p:nvPr/>
+        </p:nvGrpSpPr>
+        <p:grpSpPr bwMode="auto">
+          <a:xfrm>
+            <a:off x="-1832712" y="10822341"/>
+            <a:ext cx="4244976" cy="492125"/>
+            <a:chOff x="-1111738" y="-1200944"/>
+            <a:chExt cx="4243578" cy="492443"/>
+          </a:xfrm>
+        </p:grpSpPr>
         <p:sp>
           <p:nvSpPr>
-            <p:cNvPr id="3081" name="TextBox 15"/>
+            <p:cNvPr id="30" name="TextBox 44"/>
             <p:cNvSpPr txBox="1">
               <a:spLocks noChangeArrowheads="1"/>
             </p:cNvSpPr>
@@ -4208,8 +6274,8 @@
           </p:nvSpPr>
           <p:spPr bwMode="auto">
             <a:xfrm>
-              <a:off x="-977900" y="1374057"/>
-              <a:ext cx="2576513" cy="492125"/>
+              <a:off x="-252536" y="-1200944"/>
+              <a:ext cx="2536396" cy="492443"/>
             </a:xfrm>
             <a:prstGeom prst="rect">
               <a:avLst/>
@@ -4352,2577 +6418,504 @@
             <a:p>
               <a:pPr algn="ctr" eaLnBrk="1" hangingPunct="1"/>
               <a:r>
-                <a:rPr lang="en-US" altLang="zh-CN" sz="2600" dirty="0" smtClean="0">
-                  <a:solidFill>
-                    <a:srgbClr val="FF0000"/>
-                  </a:solidFill>
-                </a:rPr>
-                <a:t>MDD=11.9</a:t>
+                <a:rPr lang="en-US" altLang="zh-CN" sz="2600" dirty="0" smtClean="0"/>
+                <a:t>FOV=70.3 </a:t>
               </a:r>
               <a:r>
-                <a:rPr lang="el-GR" altLang="zh-CN" sz="2600" dirty="0" smtClean="0">
-                  <a:solidFill>
-                    <a:srgbClr val="FF0000"/>
-                  </a:solidFill>
-                </a:rPr>
-                <a:t> </a:t>
-              </a:r>
-              <a:r>
-                <a:rPr lang="el-GR" altLang="zh-CN" sz="2600" dirty="0">
-                  <a:solidFill>
-                    <a:srgbClr val="FF0000"/>
-                  </a:solidFill>
-                </a:rPr>
+                <a:rPr lang="el-GR" altLang="zh-CN" sz="2600" dirty="0"/>
                 <a:t>μ</a:t>
               </a:r>
               <a:r>
-                <a:rPr lang="en-US" altLang="zh-CN" sz="2600" dirty="0">
-                  <a:solidFill>
-                    <a:srgbClr val="FF0000"/>
-                  </a:solidFill>
-                </a:rPr>
+                <a:rPr lang="en-US" altLang="zh-CN" sz="2600" dirty="0"/>
                 <a:t>m</a:t>
               </a:r>
-              <a:endParaRPr lang="zh-CN" altLang="en-US" sz="2600" dirty="0">
-                <a:solidFill>
-                  <a:srgbClr val="FF0000"/>
-                </a:solidFill>
-              </a:endParaRPr>
             </a:p>
           </p:txBody>
         </p:sp>
-        <p:grpSp>
-          <p:nvGrpSpPr>
-            <p:cNvPr id="3082" name="组合 39"/>
-            <p:cNvGrpSpPr>
-              <a:grpSpLocks/>
-            </p:cNvGrpSpPr>
+        <p:cxnSp>
+          <p:nvCxnSpPr>
+            <p:cNvPr id="31" name="直接箭头连接符 30"/>
+            <p:cNvCxnSpPr/>
             <p:nvPr/>
-          </p:nvGrpSpPr>
-          <p:grpSpPr bwMode="auto">
-            <a:xfrm>
-              <a:off x="-1838325" y="458069"/>
-              <a:ext cx="4244976" cy="492125"/>
-              <a:chOff x="-1111738" y="-1200944"/>
-              <a:chExt cx="4243578" cy="492443"/>
+          </p:nvCxnSpPr>
+          <p:spPr bwMode="auto">
+            <a:xfrm flipH="1" flipV="1">
+              <a:off x="-1111738" y="-954722"/>
+              <a:ext cx="858555" cy="0"/>
             </a:xfrm>
-          </p:grpSpPr>
-          <p:sp>
-            <p:nvSpPr>
-              <p:cNvPr id="3093" name="TextBox 40"/>
-              <p:cNvSpPr txBox="1">
-                <a:spLocks noChangeArrowheads="1"/>
-              </p:cNvSpPr>
-              <p:nvPr/>
-            </p:nvSpPr>
-            <p:spPr bwMode="auto">
-              <a:xfrm>
-                <a:off x="-252536" y="-1200944"/>
-                <a:ext cx="2536396" cy="492443"/>
-              </a:xfrm>
-              <a:prstGeom prst="rect">
-                <a:avLst/>
-              </a:prstGeom>
-              <a:noFill/>
-              <a:ln>
-                <a:noFill/>
-              </a:ln>
-              <a:extLst>
-                <a:ext uri="{909E8E84-426E-40DD-AFC4-6F175D3DCCD1}">
-                  <a14:hiddenFill xmlns:a14="http://schemas.microsoft.com/office/drawing/2010/main">
-                    <a:solidFill>
-                      <a:srgbClr val="FFFFFF"/>
-                    </a:solidFill>
-                  </a14:hiddenFill>
-                </a:ext>
-                <a:ext uri="{91240B29-F687-4F45-9708-019B960494DF}">
-                  <a14:hiddenLine xmlns:a14="http://schemas.microsoft.com/office/drawing/2010/main" w="9525">
-                    <a:solidFill>
-                      <a:srgbClr val="000000"/>
-                    </a:solidFill>
-                    <a:miter lim="800000"/>
-                    <a:headEnd/>
-                    <a:tailEnd/>
-                  </a14:hiddenLine>
-                </a:ext>
-              </a:extLst>
-            </p:spPr>
-            <p:txBody>
-              <a:bodyPr>
-                <a:spAutoFit/>
-              </a:bodyPr>
-              <a:lstStyle>
-                <a:lvl1pPr eaLnBrk="0" hangingPunct="0">
-                  <a:defRPr>
-                    <a:solidFill>
-                      <a:schemeClr val="tx1"/>
-                    </a:solidFill>
-                    <a:latin typeface="Arial" charset="0"/>
-                    <a:ea typeface="宋体" pitchFamily="2" charset="-122"/>
-                  </a:defRPr>
-                </a:lvl1pPr>
-                <a:lvl2pPr marL="742950" indent="-285750" eaLnBrk="0" hangingPunct="0">
-                  <a:defRPr>
-                    <a:solidFill>
-                      <a:schemeClr val="tx1"/>
-                    </a:solidFill>
-                    <a:latin typeface="Arial" charset="0"/>
-                    <a:ea typeface="宋体" pitchFamily="2" charset="-122"/>
-                  </a:defRPr>
-                </a:lvl2pPr>
-                <a:lvl3pPr marL="1143000" indent="-228600" eaLnBrk="0" hangingPunct="0">
-                  <a:defRPr>
-                    <a:solidFill>
-                      <a:schemeClr val="tx1"/>
-                    </a:solidFill>
-                    <a:latin typeface="Arial" charset="0"/>
-                    <a:ea typeface="宋体" pitchFamily="2" charset="-122"/>
-                  </a:defRPr>
-                </a:lvl3pPr>
-                <a:lvl4pPr marL="1600200" indent="-228600" eaLnBrk="0" hangingPunct="0">
-                  <a:defRPr>
-                    <a:solidFill>
-                      <a:schemeClr val="tx1"/>
-                    </a:solidFill>
-                    <a:latin typeface="Arial" charset="0"/>
-                    <a:ea typeface="宋体" pitchFamily="2" charset="-122"/>
-                  </a:defRPr>
-                </a:lvl4pPr>
-                <a:lvl5pPr marL="2057400" indent="-228600" eaLnBrk="0" hangingPunct="0">
-                  <a:defRPr>
-                    <a:solidFill>
-                      <a:schemeClr val="tx1"/>
-                    </a:solidFill>
-                    <a:latin typeface="Arial" charset="0"/>
-                    <a:ea typeface="宋体" pitchFamily="2" charset="-122"/>
-                  </a:defRPr>
-                </a:lvl5pPr>
-                <a:lvl6pPr marL="2514600" indent="-228600" eaLnBrk="0" fontAlgn="base" hangingPunct="0">
-                  <a:spcBef>
-                    <a:spcPct val="0"/>
-                  </a:spcBef>
-                  <a:spcAft>
-                    <a:spcPct val="0"/>
-                  </a:spcAft>
-                  <a:defRPr>
-                    <a:solidFill>
-                      <a:schemeClr val="tx1"/>
-                    </a:solidFill>
-                    <a:latin typeface="Arial" charset="0"/>
-                    <a:ea typeface="宋体" pitchFamily="2" charset="-122"/>
-                  </a:defRPr>
-                </a:lvl6pPr>
-                <a:lvl7pPr marL="2971800" indent="-228600" eaLnBrk="0" fontAlgn="base" hangingPunct="0">
-                  <a:spcBef>
-                    <a:spcPct val="0"/>
-                  </a:spcBef>
-                  <a:spcAft>
-                    <a:spcPct val="0"/>
-                  </a:spcAft>
-                  <a:defRPr>
-                    <a:solidFill>
-                      <a:schemeClr val="tx1"/>
-                    </a:solidFill>
-                    <a:latin typeface="Arial" charset="0"/>
-                    <a:ea typeface="宋体" pitchFamily="2" charset="-122"/>
-                  </a:defRPr>
-                </a:lvl7pPr>
-                <a:lvl8pPr marL="3429000" indent="-228600" eaLnBrk="0" fontAlgn="base" hangingPunct="0">
-                  <a:spcBef>
-                    <a:spcPct val="0"/>
-                  </a:spcBef>
-                  <a:spcAft>
-                    <a:spcPct val="0"/>
-                  </a:spcAft>
-                  <a:defRPr>
-                    <a:solidFill>
-                      <a:schemeClr val="tx1"/>
-                    </a:solidFill>
-                    <a:latin typeface="Arial" charset="0"/>
-                    <a:ea typeface="宋体" pitchFamily="2" charset="-122"/>
-                  </a:defRPr>
-                </a:lvl8pPr>
-                <a:lvl9pPr marL="3886200" indent="-228600" eaLnBrk="0" fontAlgn="base" hangingPunct="0">
-                  <a:spcBef>
-                    <a:spcPct val="0"/>
-                  </a:spcBef>
-                  <a:spcAft>
-                    <a:spcPct val="0"/>
-                  </a:spcAft>
-                  <a:defRPr>
-                    <a:solidFill>
-                      <a:schemeClr val="tx1"/>
-                    </a:solidFill>
-                    <a:latin typeface="Arial" charset="0"/>
-                    <a:ea typeface="宋体" pitchFamily="2" charset="-122"/>
-                  </a:defRPr>
-                </a:lvl9pPr>
-              </a:lstStyle>
-              <a:p>
-                <a:pPr algn="ctr" eaLnBrk="1" hangingPunct="1"/>
-                <a:r>
-                  <a:rPr lang="en-US" altLang="zh-CN" sz="2600"/>
-                  <a:t>FOV=28.0 </a:t>
-                </a:r>
-                <a:r>
-                  <a:rPr lang="el-GR" altLang="zh-CN" sz="2600"/>
-                  <a:t>μ</a:t>
-                </a:r>
-                <a:r>
-                  <a:rPr lang="en-US" altLang="zh-CN" sz="2600"/>
-                  <a:t>m</a:t>
-                </a:r>
-              </a:p>
-            </p:txBody>
-          </p:sp>
-          <p:cxnSp>
-            <p:nvCxnSpPr>
-              <p:cNvPr id="42" name="直接箭头连接符 41"/>
-              <p:cNvCxnSpPr/>
-              <p:nvPr/>
-            </p:nvCxnSpPr>
-            <p:spPr bwMode="auto">
-              <a:xfrm flipH="1" flipV="1">
-                <a:off x="-1111738" y="-954722"/>
-                <a:ext cx="858555" cy="0"/>
-              </a:xfrm>
-              <a:prstGeom prst="straightConnector1">
-                <a:avLst/>
-              </a:prstGeom>
-              <a:ln w="76200">
-                <a:solidFill>
-                  <a:schemeClr val="tx1"/>
-                </a:solidFill>
-                <a:tailEnd type="arrow"/>
-              </a:ln>
-            </p:spPr>
-            <p:style>
-              <a:lnRef idx="1">
-                <a:schemeClr val="accent1"/>
-              </a:lnRef>
-              <a:fillRef idx="0">
-                <a:schemeClr val="accent1"/>
-              </a:fillRef>
-              <a:effectRef idx="0">
-                <a:schemeClr val="accent1"/>
-              </a:effectRef>
-              <a:fontRef idx="minor">
-                <a:schemeClr val="tx1"/>
-              </a:fontRef>
-            </p:style>
-          </p:cxnSp>
-          <p:cxnSp>
-            <p:nvCxnSpPr>
-              <p:cNvPr id="43" name="直接箭头连接符 42"/>
-              <p:cNvCxnSpPr/>
-              <p:nvPr/>
-            </p:nvCxnSpPr>
-            <p:spPr bwMode="auto">
-              <a:xfrm flipV="1">
-                <a:off x="2273285" y="-954722"/>
-                <a:ext cx="858555" cy="0"/>
-              </a:xfrm>
-              <a:prstGeom prst="straightConnector1">
-                <a:avLst/>
-              </a:prstGeom>
-              <a:ln w="76200">
-                <a:solidFill>
-                  <a:schemeClr val="tx1"/>
-                </a:solidFill>
-                <a:tailEnd type="arrow"/>
-              </a:ln>
-            </p:spPr>
-            <p:style>
-              <a:lnRef idx="1">
-                <a:schemeClr val="accent1"/>
-              </a:lnRef>
-              <a:fillRef idx="0">
-                <a:schemeClr val="accent1"/>
-              </a:fillRef>
-              <a:effectRef idx="0">
-                <a:schemeClr val="accent1"/>
-              </a:effectRef>
-              <a:fontRef idx="minor">
-                <a:schemeClr val="tx1"/>
-              </a:fontRef>
-            </p:style>
-          </p:cxnSp>
-        </p:grpSp>
-        <p:grpSp>
-          <p:nvGrpSpPr>
-            <p:cNvPr id="3083" name="组合 43"/>
-            <p:cNvGrpSpPr>
-              <a:grpSpLocks/>
-            </p:cNvGrpSpPr>
-            <p:nvPr/>
-          </p:nvGrpSpPr>
-          <p:grpSpPr bwMode="auto">
-            <a:xfrm>
-              <a:off x="-1838325" y="5649194"/>
-              <a:ext cx="4244976" cy="492125"/>
-              <a:chOff x="-1111738" y="-1200944"/>
-              <a:chExt cx="4243578" cy="492443"/>
-            </a:xfrm>
-          </p:grpSpPr>
-          <p:sp>
-            <p:nvSpPr>
-              <p:cNvPr id="3090" name="TextBox 44"/>
-              <p:cNvSpPr txBox="1">
-                <a:spLocks noChangeArrowheads="1"/>
-              </p:cNvSpPr>
-              <p:nvPr/>
-            </p:nvSpPr>
-            <p:spPr bwMode="auto">
-              <a:xfrm>
-                <a:off x="-252536" y="-1200944"/>
-                <a:ext cx="2536396" cy="492443"/>
-              </a:xfrm>
-              <a:prstGeom prst="rect">
-                <a:avLst/>
-              </a:prstGeom>
-              <a:noFill/>
-              <a:ln>
-                <a:noFill/>
-              </a:ln>
-              <a:extLst>
-                <a:ext uri="{909E8E84-426E-40DD-AFC4-6F175D3DCCD1}">
-                  <a14:hiddenFill xmlns:a14="http://schemas.microsoft.com/office/drawing/2010/main">
-                    <a:solidFill>
-                      <a:srgbClr val="FFFFFF"/>
-                    </a:solidFill>
-                  </a14:hiddenFill>
-                </a:ext>
-                <a:ext uri="{91240B29-F687-4F45-9708-019B960494DF}">
-                  <a14:hiddenLine xmlns:a14="http://schemas.microsoft.com/office/drawing/2010/main" w="9525">
-                    <a:solidFill>
-                      <a:srgbClr val="000000"/>
-                    </a:solidFill>
-                    <a:miter lim="800000"/>
-                    <a:headEnd/>
-                    <a:tailEnd/>
-                  </a14:hiddenLine>
-                </a:ext>
-              </a:extLst>
-            </p:spPr>
-            <p:txBody>
-              <a:bodyPr>
-                <a:spAutoFit/>
-              </a:bodyPr>
-              <a:lstStyle>
-                <a:lvl1pPr eaLnBrk="0" hangingPunct="0">
-                  <a:defRPr>
-                    <a:solidFill>
-                      <a:schemeClr val="tx1"/>
-                    </a:solidFill>
-                    <a:latin typeface="Arial" charset="0"/>
-                    <a:ea typeface="宋体" pitchFamily="2" charset="-122"/>
-                  </a:defRPr>
-                </a:lvl1pPr>
-                <a:lvl2pPr marL="742950" indent="-285750" eaLnBrk="0" hangingPunct="0">
-                  <a:defRPr>
-                    <a:solidFill>
-                      <a:schemeClr val="tx1"/>
-                    </a:solidFill>
-                    <a:latin typeface="Arial" charset="0"/>
-                    <a:ea typeface="宋体" pitchFamily="2" charset="-122"/>
-                  </a:defRPr>
-                </a:lvl2pPr>
-                <a:lvl3pPr marL="1143000" indent="-228600" eaLnBrk="0" hangingPunct="0">
-                  <a:defRPr>
-                    <a:solidFill>
-                      <a:schemeClr val="tx1"/>
-                    </a:solidFill>
-                    <a:latin typeface="Arial" charset="0"/>
-                    <a:ea typeface="宋体" pitchFamily="2" charset="-122"/>
-                  </a:defRPr>
-                </a:lvl3pPr>
-                <a:lvl4pPr marL="1600200" indent="-228600" eaLnBrk="0" hangingPunct="0">
-                  <a:defRPr>
-                    <a:solidFill>
-                      <a:schemeClr val="tx1"/>
-                    </a:solidFill>
-                    <a:latin typeface="Arial" charset="0"/>
-                    <a:ea typeface="宋体" pitchFamily="2" charset="-122"/>
-                  </a:defRPr>
-                </a:lvl4pPr>
-                <a:lvl5pPr marL="2057400" indent="-228600" eaLnBrk="0" hangingPunct="0">
-                  <a:defRPr>
-                    <a:solidFill>
-                      <a:schemeClr val="tx1"/>
-                    </a:solidFill>
-                    <a:latin typeface="Arial" charset="0"/>
-                    <a:ea typeface="宋体" pitchFamily="2" charset="-122"/>
-                  </a:defRPr>
-                </a:lvl5pPr>
-                <a:lvl6pPr marL="2514600" indent="-228600" eaLnBrk="0" fontAlgn="base" hangingPunct="0">
-                  <a:spcBef>
-                    <a:spcPct val="0"/>
-                  </a:spcBef>
-                  <a:spcAft>
-                    <a:spcPct val="0"/>
-                  </a:spcAft>
-                  <a:defRPr>
-                    <a:solidFill>
-                      <a:schemeClr val="tx1"/>
-                    </a:solidFill>
-                    <a:latin typeface="Arial" charset="0"/>
-                    <a:ea typeface="宋体" pitchFamily="2" charset="-122"/>
-                  </a:defRPr>
-                </a:lvl6pPr>
-                <a:lvl7pPr marL="2971800" indent="-228600" eaLnBrk="0" fontAlgn="base" hangingPunct="0">
-                  <a:spcBef>
-                    <a:spcPct val="0"/>
-                  </a:spcBef>
-                  <a:spcAft>
-                    <a:spcPct val="0"/>
-                  </a:spcAft>
-                  <a:defRPr>
-                    <a:solidFill>
-                      <a:schemeClr val="tx1"/>
-                    </a:solidFill>
-                    <a:latin typeface="Arial" charset="0"/>
-                    <a:ea typeface="宋体" pitchFamily="2" charset="-122"/>
-                  </a:defRPr>
-                </a:lvl7pPr>
-                <a:lvl8pPr marL="3429000" indent="-228600" eaLnBrk="0" fontAlgn="base" hangingPunct="0">
-                  <a:spcBef>
-                    <a:spcPct val="0"/>
-                  </a:spcBef>
-                  <a:spcAft>
-                    <a:spcPct val="0"/>
-                  </a:spcAft>
-                  <a:defRPr>
-                    <a:solidFill>
-                      <a:schemeClr val="tx1"/>
-                    </a:solidFill>
-                    <a:latin typeface="Arial" charset="0"/>
-                    <a:ea typeface="宋体" pitchFamily="2" charset="-122"/>
-                  </a:defRPr>
-                </a:lvl8pPr>
-                <a:lvl9pPr marL="3886200" indent="-228600" eaLnBrk="0" fontAlgn="base" hangingPunct="0">
-                  <a:spcBef>
-                    <a:spcPct val="0"/>
-                  </a:spcBef>
-                  <a:spcAft>
-                    <a:spcPct val="0"/>
-                  </a:spcAft>
-                  <a:defRPr>
-                    <a:solidFill>
-                      <a:schemeClr val="tx1"/>
-                    </a:solidFill>
-                    <a:latin typeface="Arial" charset="0"/>
-                    <a:ea typeface="宋体" pitchFamily="2" charset="-122"/>
-                  </a:defRPr>
-                </a:lvl9pPr>
-              </a:lstStyle>
-              <a:p>
-                <a:pPr algn="ctr" eaLnBrk="1" hangingPunct="1"/>
-                <a:r>
-                  <a:rPr lang="en-US" altLang="zh-CN" sz="2600"/>
-                  <a:t>FOV=40.5 </a:t>
-                </a:r>
-                <a:r>
-                  <a:rPr lang="el-GR" altLang="zh-CN" sz="2600"/>
-                  <a:t>μ</a:t>
-                </a:r>
-                <a:r>
-                  <a:rPr lang="en-US" altLang="zh-CN" sz="2600"/>
-                  <a:t>m</a:t>
-                </a:r>
-              </a:p>
-            </p:txBody>
-          </p:sp>
-          <p:cxnSp>
-            <p:nvCxnSpPr>
-              <p:cNvPr id="46" name="直接箭头连接符 45"/>
-              <p:cNvCxnSpPr/>
-              <p:nvPr/>
-            </p:nvCxnSpPr>
-            <p:spPr bwMode="auto">
-              <a:xfrm flipH="1" flipV="1">
-                <a:off x="-1111738" y="-954722"/>
-                <a:ext cx="858555" cy="0"/>
-              </a:xfrm>
-              <a:prstGeom prst="straightConnector1">
-                <a:avLst/>
-              </a:prstGeom>
-              <a:ln w="76200">
-                <a:solidFill>
-                  <a:schemeClr val="tx1"/>
-                </a:solidFill>
-                <a:tailEnd type="arrow"/>
-              </a:ln>
-            </p:spPr>
-            <p:style>
-              <a:lnRef idx="1">
-                <a:schemeClr val="accent1"/>
-              </a:lnRef>
-              <a:fillRef idx="0">
-                <a:schemeClr val="accent1"/>
-              </a:fillRef>
-              <a:effectRef idx="0">
-                <a:schemeClr val="accent1"/>
-              </a:effectRef>
-              <a:fontRef idx="minor">
-                <a:schemeClr val="tx1"/>
-              </a:fontRef>
-            </p:style>
-          </p:cxnSp>
-          <p:cxnSp>
-            <p:nvCxnSpPr>
-              <p:cNvPr id="47" name="直接箭头连接符 46"/>
-              <p:cNvCxnSpPr/>
-              <p:nvPr/>
-            </p:nvCxnSpPr>
-            <p:spPr bwMode="auto">
-              <a:xfrm flipV="1">
-                <a:off x="2273285" y="-954722"/>
-                <a:ext cx="858555" cy="0"/>
-              </a:xfrm>
-              <a:prstGeom prst="straightConnector1">
-                <a:avLst/>
-              </a:prstGeom>
-              <a:ln w="76200">
-                <a:solidFill>
-                  <a:schemeClr val="tx1"/>
-                </a:solidFill>
-                <a:tailEnd type="arrow"/>
-              </a:ln>
-            </p:spPr>
-            <p:style>
-              <a:lnRef idx="1">
-                <a:schemeClr val="accent1"/>
-              </a:lnRef>
-              <a:fillRef idx="0">
-                <a:schemeClr val="accent1"/>
-              </a:fillRef>
-              <a:effectRef idx="0">
-                <a:schemeClr val="accent1"/>
-              </a:effectRef>
-              <a:fontRef idx="minor">
-                <a:schemeClr val="tx1"/>
-              </a:fontRef>
-            </p:style>
-          </p:cxnSp>
-        </p:grpSp>
-        <p:sp>
-          <p:nvSpPr>
-            <p:cNvPr id="3084" name="TextBox 12"/>
-            <p:cNvSpPr txBox="1">
-              <a:spLocks noChangeArrowheads="1"/>
-            </p:cNvSpPr>
-            <p:nvPr/>
-          </p:nvSpPr>
-          <p:spPr bwMode="auto">
-            <a:xfrm>
-              <a:off x="5878513" y="662857"/>
-              <a:ext cx="2387600" cy="400050"/>
-            </a:xfrm>
-            <a:prstGeom prst="rect">
+            <a:prstGeom prst="straightConnector1">
               <a:avLst/>
             </a:prstGeom>
-            <a:noFill/>
-            <a:ln>
-              <a:noFill/>
+            <a:ln w="76200">
+              <a:solidFill>
+                <a:schemeClr val="tx1"/>
+              </a:solidFill>
+              <a:tailEnd type="arrow"/>
             </a:ln>
-            <a:extLst>
-              <a:ext uri="{909E8E84-426E-40DD-AFC4-6F175D3DCCD1}">
-                <a14:hiddenFill xmlns:a14="http://schemas.microsoft.com/office/drawing/2010/main">
-                  <a:solidFill>
-                    <a:srgbClr val="FFFFFF"/>
-                  </a:solidFill>
-                </a14:hiddenFill>
-              </a:ext>
-              <a:ext uri="{91240B29-F687-4F45-9708-019B960494DF}">
-                <a14:hiddenLine xmlns:a14="http://schemas.microsoft.com/office/drawing/2010/main" w="9525">
-                  <a:solidFill>
-                    <a:srgbClr val="000000"/>
-                  </a:solidFill>
-                  <a:miter lim="800000"/>
-                  <a:headEnd/>
-                  <a:tailEnd/>
-                </a14:hiddenLine>
-              </a:ext>
-            </a:extLst>
-          </p:spPr>
-          <p:txBody>
-            <a:bodyPr>
-              <a:spAutoFit/>
-            </a:bodyPr>
-            <a:lstStyle>
-              <a:lvl1pPr eaLnBrk="0" hangingPunct="0">
-                <a:defRPr>
-                  <a:solidFill>
-                    <a:schemeClr val="tx1"/>
-                  </a:solidFill>
-                  <a:latin typeface="Arial" charset="0"/>
-                  <a:ea typeface="宋体" pitchFamily="2" charset="-122"/>
-                </a:defRPr>
-              </a:lvl1pPr>
-              <a:lvl2pPr marL="742950" indent="-285750" eaLnBrk="0" hangingPunct="0">
-                <a:defRPr>
-                  <a:solidFill>
-                    <a:schemeClr val="tx1"/>
-                  </a:solidFill>
-                  <a:latin typeface="Arial" charset="0"/>
-                  <a:ea typeface="宋体" pitchFamily="2" charset="-122"/>
-                </a:defRPr>
-              </a:lvl2pPr>
-              <a:lvl3pPr marL="1143000" indent="-228600" eaLnBrk="0" hangingPunct="0">
-                <a:defRPr>
-                  <a:solidFill>
-                    <a:schemeClr val="tx1"/>
-                  </a:solidFill>
-                  <a:latin typeface="Arial" charset="0"/>
-                  <a:ea typeface="宋体" pitchFamily="2" charset="-122"/>
-                </a:defRPr>
-              </a:lvl3pPr>
-              <a:lvl4pPr marL="1600200" indent="-228600" eaLnBrk="0" hangingPunct="0">
-                <a:defRPr>
-                  <a:solidFill>
-                    <a:schemeClr val="tx1"/>
-                  </a:solidFill>
-                  <a:latin typeface="Arial" charset="0"/>
-                  <a:ea typeface="宋体" pitchFamily="2" charset="-122"/>
-                </a:defRPr>
-              </a:lvl4pPr>
-              <a:lvl5pPr marL="2057400" indent="-228600" eaLnBrk="0" hangingPunct="0">
-                <a:defRPr>
-                  <a:solidFill>
-                    <a:schemeClr val="tx1"/>
-                  </a:solidFill>
-                  <a:latin typeface="Arial" charset="0"/>
-                  <a:ea typeface="宋体" pitchFamily="2" charset="-122"/>
-                </a:defRPr>
-              </a:lvl5pPr>
-              <a:lvl6pPr marL="2514600" indent="-228600" eaLnBrk="0" fontAlgn="base" hangingPunct="0">
-                <a:spcBef>
-                  <a:spcPct val="0"/>
-                </a:spcBef>
-                <a:spcAft>
-                  <a:spcPct val="0"/>
-                </a:spcAft>
-                <a:defRPr>
-                  <a:solidFill>
-                    <a:schemeClr val="tx1"/>
-                  </a:solidFill>
-                  <a:latin typeface="Arial" charset="0"/>
-                  <a:ea typeface="宋体" pitchFamily="2" charset="-122"/>
-                </a:defRPr>
-              </a:lvl6pPr>
-              <a:lvl7pPr marL="2971800" indent="-228600" eaLnBrk="0" fontAlgn="base" hangingPunct="0">
-                <a:spcBef>
-                  <a:spcPct val="0"/>
-                </a:spcBef>
-                <a:spcAft>
-                  <a:spcPct val="0"/>
-                </a:spcAft>
-                <a:defRPr>
-                  <a:solidFill>
-                    <a:schemeClr val="tx1"/>
-                  </a:solidFill>
-                  <a:latin typeface="Arial" charset="0"/>
-                  <a:ea typeface="宋体" pitchFamily="2" charset="-122"/>
-                </a:defRPr>
-              </a:lvl7pPr>
-              <a:lvl8pPr marL="3429000" indent="-228600" eaLnBrk="0" fontAlgn="base" hangingPunct="0">
-                <a:spcBef>
-                  <a:spcPct val="0"/>
-                </a:spcBef>
-                <a:spcAft>
-                  <a:spcPct val="0"/>
-                </a:spcAft>
-                <a:defRPr>
-                  <a:solidFill>
-                    <a:schemeClr val="tx1"/>
-                  </a:solidFill>
-                  <a:latin typeface="Arial" charset="0"/>
-                  <a:ea typeface="宋体" pitchFamily="2" charset="-122"/>
-                </a:defRPr>
-              </a:lvl8pPr>
-              <a:lvl9pPr marL="3886200" indent="-228600" eaLnBrk="0" fontAlgn="base" hangingPunct="0">
-                <a:spcBef>
-                  <a:spcPct val="0"/>
-                </a:spcBef>
-                <a:spcAft>
-                  <a:spcPct val="0"/>
-                </a:spcAft>
-                <a:defRPr>
-                  <a:solidFill>
-                    <a:schemeClr val="tx1"/>
-                  </a:solidFill>
-                  <a:latin typeface="Arial" charset="0"/>
-                  <a:ea typeface="宋体" pitchFamily="2" charset="-122"/>
-                </a:defRPr>
-              </a:lvl9pPr>
-            </a:lstStyle>
-            <a:p>
-              <a:pPr eaLnBrk="1" hangingPunct="1"/>
-              <a:r>
-                <a:rPr lang="en-US" altLang="zh-CN" sz="2000"/>
-                <a:t>displacement (</a:t>
-              </a:r>
-              <a:r>
-                <a:rPr lang="el-GR" altLang="zh-CN" sz="2000"/>
-                <a:t>μ</a:t>
-              </a:r>
-              <a:r>
-                <a:rPr lang="en-US" altLang="zh-CN" sz="2000"/>
-                <a:t>m)</a:t>
-              </a:r>
-              <a:endParaRPr lang="zh-CN" altLang="en-US" sz="2000"/>
-            </a:p>
-          </p:txBody>
-        </p:sp>
-        <p:sp>
-          <p:nvSpPr>
-            <p:cNvPr id="3086" name="TextBox 12"/>
-            <p:cNvSpPr txBox="1">
-              <a:spLocks noChangeArrowheads="1"/>
-            </p:cNvSpPr>
-            <p:nvPr/>
-          </p:nvSpPr>
-          <p:spPr bwMode="auto">
-            <a:xfrm rot="16200000">
-              <a:off x="2596357" y="-1731887"/>
-              <a:ext cx="2386012" cy="400050"/>
-            </a:xfrm>
-            <a:prstGeom prst="rect">
-              <a:avLst/>
-            </a:prstGeom>
-            <a:noFill/>
-            <a:ln>
-              <a:noFill/>
-            </a:ln>
-            <a:extLst>
-              <a:ext uri="{909E8E84-426E-40DD-AFC4-6F175D3DCCD1}">
-                <a14:hiddenFill xmlns:a14="http://schemas.microsoft.com/office/drawing/2010/main">
-                  <a:solidFill>
-                    <a:srgbClr val="FFFFFF"/>
-                  </a:solidFill>
-                </a14:hiddenFill>
-              </a:ext>
-              <a:ext uri="{91240B29-F687-4F45-9708-019B960494DF}">
-                <a14:hiddenLine xmlns:a14="http://schemas.microsoft.com/office/drawing/2010/main" w="9525">
-                  <a:solidFill>
-                    <a:srgbClr val="000000"/>
-                  </a:solidFill>
-                  <a:miter lim="800000"/>
-                  <a:headEnd/>
-                  <a:tailEnd/>
-                </a14:hiddenLine>
-              </a:ext>
-            </a:extLst>
-          </p:spPr>
-          <p:txBody>
-            <a:bodyPr>
-              <a:spAutoFit/>
-            </a:bodyPr>
-            <a:lstStyle>
-              <a:lvl1pPr eaLnBrk="0" hangingPunct="0">
-                <a:defRPr>
-                  <a:solidFill>
-                    <a:schemeClr val="tx1"/>
-                  </a:solidFill>
-                  <a:latin typeface="Arial" charset="0"/>
-                  <a:ea typeface="宋体" pitchFamily="2" charset="-122"/>
-                </a:defRPr>
-              </a:lvl1pPr>
-              <a:lvl2pPr marL="742950" indent="-285750" eaLnBrk="0" hangingPunct="0">
-                <a:defRPr>
-                  <a:solidFill>
-                    <a:schemeClr val="tx1"/>
-                  </a:solidFill>
-                  <a:latin typeface="Arial" charset="0"/>
-                  <a:ea typeface="宋体" pitchFamily="2" charset="-122"/>
-                </a:defRPr>
-              </a:lvl2pPr>
-              <a:lvl3pPr marL="1143000" indent="-228600" eaLnBrk="0" hangingPunct="0">
-                <a:defRPr>
-                  <a:solidFill>
-                    <a:schemeClr val="tx1"/>
-                  </a:solidFill>
-                  <a:latin typeface="Arial" charset="0"/>
-                  <a:ea typeface="宋体" pitchFamily="2" charset="-122"/>
-                </a:defRPr>
-              </a:lvl3pPr>
-              <a:lvl4pPr marL="1600200" indent="-228600" eaLnBrk="0" hangingPunct="0">
-                <a:defRPr>
-                  <a:solidFill>
-                    <a:schemeClr val="tx1"/>
-                  </a:solidFill>
-                  <a:latin typeface="Arial" charset="0"/>
-                  <a:ea typeface="宋体" pitchFamily="2" charset="-122"/>
-                </a:defRPr>
-              </a:lvl4pPr>
-              <a:lvl5pPr marL="2057400" indent="-228600" eaLnBrk="0" hangingPunct="0">
-                <a:defRPr>
-                  <a:solidFill>
-                    <a:schemeClr val="tx1"/>
-                  </a:solidFill>
-                  <a:latin typeface="Arial" charset="0"/>
-                  <a:ea typeface="宋体" pitchFamily="2" charset="-122"/>
-                </a:defRPr>
-              </a:lvl5pPr>
-              <a:lvl6pPr marL="2514600" indent="-228600" eaLnBrk="0" fontAlgn="base" hangingPunct="0">
-                <a:spcBef>
-                  <a:spcPct val="0"/>
-                </a:spcBef>
-                <a:spcAft>
-                  <a:spcPct val="0"/>
-                </a:spcAft>
-                <a:defRPr>
-                  <a:solidFill>
-                    <a:schemeClr val="tx1"/>
-                  </a:solidFill>
-                  <a:latin typeface="Arial" charset="0"/>
-                  <a:ea typeface="宋体" pitchFamily="2" charset="-122"/>
-                </a:defRPr>
-              </a:lvl6pPr>
-              <a:lvl7pPr marL="2971800" indent="-228600" eaLnBrk="0" fontAlgn="base" hangingPunct="0">
-                <a:spcBef>
-                  <a:spcPct val="0"/>
-                </a:spcBef>
-                <a:spcAft>
-                  <a:spcPct val="0"/>
-                </a:spcAft>
-                <a:defRPr>
-                  <a:solidFill>
-                    <a:schemeClr val="tx1"/>
-                  </a:solidFill>
-                  <a:latin typeface="Arial" charset="0"/>
-                  <a:ea typeface="宋体" pitchFamily="2" charset="-122"/>
-                </a:defRPr>
-              </a:lvl7pPr>
-              <a:lvl8pPr marL="3429000" indent="-228600" eaLnBrk="0" fontAlgn="base" hangingPunct="0">
-                <a:spcBef>
-                  <a:spcPct val="0"/>
-                </a:spcBef>
-                <a:spcAft>
-                  <a:spcPct val="0"/>
-                </a:spcAft>
-                <a:defRPr>
-                  <a:solidFill>
-                    <a:schemeClr val="tx1"/>
-                  </a:solidFill>
-                  <a:latin typeface="Arial" charset="0"/>
-                  <a:ea typeface="宋体" pitchFamily="2" charset="-122"/>
-                </a:defRPr>
-              </a:lvl8pPr>
-              <a:lvl9pPr marL="3886200" indent="-228600" eaLnBrk="0" fontAlgn="base" hangingPunct="0">
-                <a:spcBef>
-                  <a:spcPct val="0"/>
-                </a:spcBef>
-                <a:spcAft>
-                  <a:spcPct val="0"/>
-                </a:spcAft>
-                <a:defRPr>
-                  <a:solidFill>
-                    <a:schemeClr val="tx1"/>
-                  </a:solidFill>
-                  <a:latin typeface="Arial" charset="0"/>
-                  <a:ea typeface="宋体" pitchFamily="2" charset="-122"/>
-                </a:defRPr>
-              </a:lvl9pPr>
-            </a:lstStyle>
-            <a:p>
-              <a:pPr eaLnBrk="1" hangingPunct="1"/>
-              <a:r>
-                <a:rPr lang="en-US" altLang="zh-CN" sz="2000"/>
-                <a:t>probability density</a:t>
-              </a:r>
-              <a:endParaRPr lang="zh-CN" altLang="en-US" sz="2000"/>
-            </a:p>
-          </p:txBody>
-        </p:sp>
-        <p:sp>
-          <p:nvSpPr>
-            <p:cNvPr id="3087" name="TextBox 12"/>
-            <p:cNvSpPr txBox="1">
-              <a:spLocks noChangeArrowheads="1"/>
-            </p:cNvSpPr>
-            <p:nvPr/>
-          </p:nvSpPr>
-          <p:spPr bwMode="auto">
-            <a:xfrm rot="16200000">
-              <a:off x="2596357" y="3471938"/>
-              <a:ext cx="2386012" cy="400050"/>
-            </a:xfrm>
-            <a:prstGeom prst="rect">
-              <a:avLst/>
-            </a:prstGeom>
-            <a:noFill/>
-            <a:ln>
-              <a:noFill/>
-            </a:ln>
-            <a:extLst>
-              <a:ext uri="{909E8E84-426E-40DD-AFC4-6F175D3DCCD1}">
-                <a14:hiddenFill xmlns:a14="http://schemas.microsoft.com/office/drawing/2010/main">
-                  <a:solidFill>
-                    <a:srgbClr val="FFFFFF"/>
-                  </a:solidFill>
-                </a14:hiddenFill>
-              </a:ext>
-              <a:ext uri="{91240B29-F687-4F45-9708-019B960494DF}">
-                <a14:hiddenLine xmlns:a14="http://schemas.microsoft.com/office/drawing/2010/main" w="9525">
-                  <a:solidFill>
-                    <a:srgbClr val="000000"/>
-                  </a:solidFill>
-                  <a:miter lim="800000"/>
-                  <a:headEnd/>
-                  <a:tailEnd/>
-                </a14:hiddenLine>
-              </a:ext>
-            </a:extLst>
-          </p:spPr>
-          <p:txBody>
-            <a:bodyPr>
-              <a:spAutoFit/>
-            </a:bodyPr>
-            <a:lstStyle>
-              <a:lvl1pPr eaLnBrk="0" hangingPunct="0">
-                <a:defRPr>
-                  <a:solidFill>
-                    <a:schemeClr val="tx1"/>
-                  </a:solidFill>
-                  <a:latin typeface="Arial" charset="0"/>
-                  <a:ea typeface="宋体" pitchFamily="2" charset="-122"/>
-                </a:defRPr>
-              </a:lvl1pPr>
-              <a:lvl2pPr marL="742950" indent="-285750" eaLnBrk="0" hangingPunct="0">
-                <a:defRPr>
-                  <a:solidFill>
-                    <a:schemeClr val="tx1"/>
-                  </a:solidFill>
-                  <a:latin typeface="Arial" charset="0"/>
-                  <a:ea typeface="宋体" pitchFamily="2" charset="-122"/>
-                </a:defRPr>
-              </a:lvl2pPr>
-              <a:lvl3pPr marL="1143000" indent="-228600" eaLnBrk="0" hangingPunct="0">
-                <a:defRPr>
-                  <a:solidFill>
-                    <a:schemeClr val="tx1"/>
-                  </a:solidFill>
-                  <a:latin typeface="Arial" charset="0"/>
-                  <a:ea typeface="宋体" pitchFamily="2" charset="-122"/>
-                </a:defRPr>
-              </a:lvl3pPr>
-              <a:lvl4pPr marL="1600200" indent="-228600" eaLnBrk="0" hangingPunct="0">
-                <a:defRPr>
-                  <a:solidFill>
-                    <a:schemeClr val="tx1"/>
-                  </a:solidFill>
-                  <a:latin typeface="Arial" charset="0"/>
-                  <a:ea typeface="宋体" pitchFamily="2" charset="-122"/>
-                </a:defRPr>
-              </a:lvl4pPr>
-              <a:lvl5pPr marL="2057400" indent="-228600" eaLnBrk="0" hangingPunct="0">
-                <a:defRPr>
-                  <a:solidFill>
-                    <a:schemeClr val="tx1"/>
-                  </a:solidFill>
-                  <a:latin typeface="Arial" charset="0"/>
-                  <a:ea typeface="宋体" pitchFamily="2" charset="-122"/>
-                </a:defRPr>
-              </a:lvl5pPr>
-              <a:lvl6pPr marL="2514600" indent="-228600" eaLnBrk="0" fontAlgn="base" hangingPunct="0">
-                <a:spcBef>
-                  <a:spcPct val="0"/>
-                </a:spcBef>
-                <a:spcAft>
-                  <a:spcPct val="0"/>
-                </a:spcAft>
-                <a:defRPr>
-                  <a:solidFill>
-                    <a:schemeClr val="tx1"/>
-                  </a:solidFill>
-                  <a:latin typeface="Arial" charset="0"/>
-                  <a:ea typeface="宋体" pitchFamily="2" charset="-122"/>
-                </a:defRPr>
-              </a:lvl6pPr>
-              <a:lvl7pPr marL="2971800" indent="-228600" eaLnBrk="0" fontAlgn="base" hangingPunct="0">
-                <a:spcBef>
-                  <a:spcPct val="0"/>
-                </a:spcBef>
-                <a:spcAft>
-                  <a:spcPct val="0"/>
-                </a:spcAft>
-                <a:defRPr>
-                  <a:solidFill>
-                    <a:schemeClr val="tx1"/>
-                  </a:solidFill>
-                  <a:latin typeface="Arial" charset="0"/>
-                  <a:ea typeface="宋体" pitchFamily="2" charset="-122"/>
-                </a:defRPr>
-              </a:lvl7pPr>
-              <a:lvl8pPr marL="3429000" indent="-228600" eaLnBrk="0" fontAlgn="base" hangingPunct="0">
-                <a:spcBef>
-                  <a:spcPct val="0"/>
-                </a:spcBef>
-                <a:spcAft>
-                  <a:spcPct val="0"/>
-                </a:spcAft>
-                <a:defRPr>
-                  <a:solidFill>
-                    <a:schemeClr val="tx1"/>
-                  </a:solidFill>
-                  <a:latin typeface="Arial" charset="0"/>
-                  <a:ea typeface="宋体" pitchFamily="2" charset="-122"/>
-                </a:defRPr>
-              </a:lvl8pPr>
-              <a:lvl9pPr marL="3886200" indent="-228600" eaLnBrk="0" fontAlgn="base" hangingPunct="0">
-                <a:spcBef>
-                  <a:spcPct val="0"/>
-                </a:spcBef>
-                <a:spcAft>
-                  <a:spcPct val="0"/>
-                </a:spcAft>
-                <a:defRPr>
-                  <a:solidFill>
-                    <a:schemeClr val="tx1"/>
-                  </a:solidFill>
-                  <a:latin typeface="Arial" charset="0"/>
-                  <a:ea typeface="宋体" pitchFamily="2" charset="-122"/>
-                </a:defRPr>
-              </a:lvl9pPr>
-            </a:lstStyle>
-            <a:p>
-              <a:pPr eaLnBrk="1" hangingPunct="1"/>
-              <a:r>
-                <a:rPr lang="en-US" altLang="zh-CN" sz="2000" dirty="0"/>
-                <a:t>probability density</a:t>
-              </a:r>
-              <a:endParaRPr lang="zh-CN" altLang="en-US" sz="2000" dirty="0"/>
-            </a:p>
-          </p:txBody>
-        </p:sp>
-        <p:sp>
-          <p:nvSpPr>
-            <p:cNvPr id="45" name="右箭头 44"/>
-            <p:cNvSpPr/>
-            <p:nvPr/>
-          </p:nvSpPr>
-          <p:spPr bwMode="auto">
-            <a:xfrm rot="13800000">
-              <a:off x="1077119" y="-555549"/>
-              <a:ext cx="433387" cy="431800"/>
-            </a:xfrm>
-            <a:prstGeom prst="rightArrow">
-              <a:avLst/>
-            </a:prstGeom>
-            <a:solidFill>
-              <a:schemeClr val="bg1"/>
-            </a:solidFill>
-            <a:ln>
-              <a:solidFill>
-                <a:schemeClr val="bg1"/>
-              </a:solidFill>
-            </a:ln>
-            <a:effectLst/>
           </p:spPr>
           <p:style>
-            <a:lnRef idx="2">
-              <a:schemeClr val="accent1">
-                <a:shade val="50000"/>
-              </a:schemeClr>
+            <a:lnRef idx="1">
+              <a:schemeClr val="accent1"/>
             </a:lnRef>
-            <a:fillRef idx="1">
+            <a:fillRef idx="0">
               <a:schemeClr val="accent1"/>
             </a:fillRef>
             <a:effectRef idx="0">
               <a:schemeClr val="accent1"/>
             </a:effectRef>
             <a:fontRef idx="minor">
-              <a:schemeClr val="lt1"/>
+              <a:schemeClr val="tx1"/>
             </a:fontRef>
           </p:style>
-          <p:txBody>
-            <a:bodyPr anchor="ctr"/>
-            <a:lstStyle/>
-            <a:p>
-              <a:pPr algn="ctr">
-                <a:defRPr/>
-              </a:pPr>
-              <a:endParaRPr lang="zh-CN" altLang="en-US"/>
-            </a:p>
-          </p:txBody>
-        </p:sp>
-        <p:sp>
-          <p:nvSpPr>
-            <p:cNvPr id="48" name="右箭头 47"/>
-            <p:cNvSpPr/>
+        </p:cxnSp>
+        <p:cxnSp>
+          <p:nvCxnSpPr>
+            <p:cNvPr id="32" name="直接箭头连接符 31"/>
+            <p:cNvCxnSpPr/>
             <p:nvPr/>
-          </p:nvSpPr>
+          </p:nvCxnSpPr>
           <p:spPr bwMode="auto">
-            <a:xfrm rot="13800000">
-              <a:off x="916176" y="4851236"/>
-              <a:ext cx="433387" cy="433388"/>
+            <a:xfrm flipV="1">
+              <a:off x="2273285" y="-954722"/>
+              <a:ext cx="858555" cy="0"/>
             </a:xfrm>
-            <a:prstGeom prst="rightArrow">
+            <a:prstGeom prst="straightConnector1">
               <a:avLst/>
             </a:prstGeom>
-            <a:solidFill>
-              <a:schemeClr val="bg1"/>
-            </a:solidFill>
-            <a:ln>
+            <a:ln w="76200">
               <a:solidFill>
-                <a:schemeClr val="bg1"/>
+                <a:schemeClr val="tx1"/>
               </a:solidFill>
+              <a:tailEnd type="arrow"/>
             </a:ln>
-            <a:effectLst/>
           </p:spPr>
           <p:style>
-            <a:lnRef idx="2">
-              <a:schemeClr val="accent1">
-                <a:shade val="50000"/>
-              </a:schemeClr>
+            <a:lnRef idx="1">
+              <a:schemeClr val="accent1"/>
             </a:lnRef>
-            <a:fillRef idx="1">
+            <a:fillRef idx="0">
               <a:schemeClr val="accent1"/>
             </a:fillRef>
             <a:effectRef idx="0">
               <a:schemeClr val="accent1"/>
             </a:effectRef>
             <a:fontRef idx="minor">
-              <a:schemeClr val="lt1"/>
+              <a:schemeClr val="tx1"/>
             </a:fontRef>
           </p:style>
-          <p:txBody>
-            <a:bodyPr anchor="ctr"/>
-            <a:lstStyle/>
-            <a:p>
-              <a:pPr algn="ctr">
-                <a:defRPr/>
-              </a:pPr>
-              <a:endParaRPr lang="zh-CN" altLang="en-US"/>
-            </a:p>
-          </p:txBody>
-        </p:sp>
-        <p:pic>
-          <p:nvPicPr>
-            <p:cNvPr id="4" name="图片 3"/>
-            <p:cNvPicPr>
-              <a:picLocks noChangeAspect="1"/>
-            </p:cNvPicPr>
-            <p:nvPr/>
-          </p:nvPicPr>
-          <p:blipFill>
-            <a:blip r:embed="rId6" cstate="print">
-              <a:extLst>
-                <a:ext uri="{28A0092B-C50C-407E-A947-70E740481C1C}">
-                  <a14:useLocalDpi xmlns:a14="http://schemas.microsoft.com/office/drawing/2010/main" val="0"/>
-                </a:ext>
-              </a:extLst>
-            </a:blip>
-            <a:stretch>
-              <a:fillRect/>
-            </a:stretch>
-          </p:blipFill>
-          <p:spPr>
-            <a:xfrm>
-              <a:off x="-3714750" y="6093296"/>
-              <a:ext cx="8229599" cy="5486399"/>
-            </a:xfrm>
-            <a:prstGeom prst="rect">
-              <a:avLst/>
-            </a:prstGeom>
-          </p:spPr>
-        </p:pic>
-        <p:pic>
-          <p:nvPicPr>
-            <p:cNvPr id="3" name="图片 2"/>
-            <p:cNvPicPr>
-              <a:picLocks noChangeAspect="1"/>
-            </p:cNvPicPr>
-            <p:nvPr/>
-          </p:nvPicPr>
-          <p:blipFill>
-            <a:blip r:embed="rId7" cstate="print">
-              <a:extLst>
-                <a:ext uri="{28A0092B-C50C-407E-A947-70E740481C1C}">
-                  <a14:useLocalDpi xmlns:a14="http://schemas.microsoft.com/office/drawing/2010/main" val="0"/>
-                </a:ext>
-              </a:extLst>
-            </a:blip>
-            <a:stretch>
-              <a:fillRect/>
-            </a:stretch>
-          </p:blipFill>
-          <p:spPr>
-            <a:xfrm>
-              <a:off x="3414713" y="6093296"/>
-              <a:ext cx="7315214" cy="5486410"/>
-            </a:xfrm>
-            <a:prstGeom prst="rect">
-              <a:avLst/>
-            </a:prstGeom>
-          </p:spPr>
-        </p:pic>
-        <p:sp>
-          <p:nvSpPr>
-            <p:cNvPr id="3079" name="TextBox 12"/>
-            <p:cNvSpPr txBox="1">
-              <a:spLocks noChangeArrowheads="1"/>
-            </p:cNvSpPr>
-            <p:nvPr/>
-          </p:nvSpPr>
-          <p:spPr bwMode="auto">
-            <a:xfrm>
-              <a:off x="1526853" y="5960893"/>
-              <a:ext cx="3901281" cy="492443"/>
-            </a:xfrm>
-            <a:prstGeom prst="rect">
-              <a:avLst/>
-            </a:prstGeom>
-            <a:noFill/>
-            <a:ln>
-              <a:noFill/>
-            </a:ln>
+        </p:cxnSp>
+      </p:grpSp>
+      <p:pic>
+        <p:nvPicPr>
+          <p:cNvPr id="14" name="图片 13"/>
+          <p:cNvPicPr>
+            <a:picLocks noChangeAspect="1"/>
+          </p:cNvPicPr>
+          <p:nvPr/>
+        </p:nvPicPr>
+        <p:blipFill>
+          <a:blip r:embed="rId8" cstate="print">
             <a:extLst>
-              <a:ext uri="{909E8E84-426E-40DD-AFC4-6F175D3DCCD1}">
-                <a14:hiddenFill xmlns:a14="http://schemas.microsoft.com/office/drawing/2010/main">
-                  <a:solidFill>
-                    <a:srgbClr val="FFFFFF"/>
-                  </a:solidFill>
-                </a14:hiddenFill>
-              </a:ext>
-              <a:ext uri="{91240B29-F687-4F45-9708-019B960494DF}">
-                <a14:hiddenLine xmlns:a14="http://schemas.microsoft.com/office/drawing/2010/main" w="9525">
-                  <a:solidFill>
-                    <a:srgbClr val="000000"/>
-                  </a:solidFill>
-                  <a:miter lim="800000"/>
-                  <a:headEnd/>
-                  <a:tailEnd/>
-                </a14:hiddenLine>
+              <a:ext uri="{28A0092B-C50C-407E-A947-70E740481C1C}">
+                <a14:useLocalDpi xmlns:a14="http://schemas.microsoft.com/office/drawing/2010/main" val="0"/>
               </a:ext>
             </a:extLst>
-          </p:spPr>
-          <p:txBody>
-            <a:bodyPr wrap="square">
-              <a:spAutoFit/>
-            </a:bodyPr>
-            <a:lstStyle>
-              <a:lvl1pPr eaLnBrk="0" hangingPunct="0">
-                <a:defRPr>
-                  <a:solidFill>
-                    <a:schemeClr val="tx1"/>
-                  </a:solidFill>
-                  <a:latin typeface="Arial" charset="0"/>
-                  <a:ea typeface="宋体" pitchFamily="2" charset="-122"/>
-                </a:defRPr>
-              </a:lvl1pPr>
-              <a:lvl2pPr marL="742950" indent="-285750" eaLnBrk="0" hangingPunct="0">
-                <a:defRPr>
-                  <a:solidFill>
-                    <a:schemeClr val="tx1"/>
-                  </a:solidFill>
-                  <a:latin typeface="Arial" charset="0"/>
-                  <a:ea typeface="宋体" pitchFamily="2" charset="-122"/>
-                </a:defRPr>
-              </a:lvl2pPr>
-              <a:lvl3pPr marL="1143000" indent="-228600" eaLnBrk="0" hangingPunct="0">
-                <a:defRPr>
-                  <a:solidFill>
-                    <a:schemeClr val="tx1"/>
-                  </a:solidFill>
-                  <a:latin typeface="Arial" charset="0"/>
-                  <a:ea typeface="宋体" pitchFamily="2" charset="-122"/>
-                </a:defRPr>
-              </a:lvl3pPr>
-              <a:lvl4pPr marL="1600200" indent="-228600" eaLnBrk="0" hangingPunct="0">
-                <a:defRPr>
-                  <a:solidFill>
-                    <a:schemeClr val="tx1"/>
-                  </a:solidFill>
-                  <a:latin typeface="Arial" charset="0"/>
-                  <a:ea typeface="宋体" pitchFamily="2" charset="-122"/>
-                </a:defRPr>
-              </a:lvl4pPr>
-              <a:lvl5pPr marL="2057400" indent="-228600" eaLnBrk="0" hangingPunct="0">
-                <a:defRPr>
-                  <a:solidFill>
-                    <a:schemeClr val="tx1"/>
-                  </a:solidFill>
-                  <a:latin typeface="Arial" charset="0"/>
-                  <a:ea typeface="宋体" pitchFamily="2" charset="-122"/>
-                </a:defRPr>
-              </a:lvl5pPr>
-              <a:lvl6pPr marL="2514600" indent="-228600" eaLnBrk="0" fontAlgn="base" hangingPunct="0">
-                <a:spcBef>
-                  <a:spcPct val="0"/>
-                </a:spcBef>
-                <a:spcAft>
-                  <a:spcPct val="0"/>
-                </a:spcAft>
-                <a:defRPr>
-                  <a:solidFill>
-                    <a:schemeClr val="tx1"/>
-                  </a:solidFill>
-                  <a:latin typeface="Arial" charset="0"/>
-                  <a:ea typeface="宋体" pitchFamily="2" charset="-122"/>
-                </a:defRPr>
-              </a:lvl6pPr>
-              <a:lvl7pPr marL="2971800" indent="-228600" eaLnBrk="0" fontAlgn="base" hangingPunct="0">
-                <a:spcBef>
-                  <a:spcPct val="0"/>
-                </a:spcBef>
-                <a:spcAft>
-                  <a:spcPct val="0"/>
-                </a:spcAft>
-                <a:defRPr>
-                  <a:solidFill>
-                    <a:schemeClr val="tx1"/>
-                  </a:solidFill>
-                  <a:latin typeface="Arial" charset="0"/>
-                  <a:ea typeface="宋体" pitchFamily="2" charset="-122"/>
-                </a:defRPr>
-              </a:lvl7pPr>
-              <a:lvl8pPr marL="3429000" indent="-228600" eaLnBrk="0" fontAlgn="base" hangingPunct="0">
-                <a:spcBef>
-                  <a:spcPct val="0"/>
-                </a:spcBef>
-                <a:spcAft>
-                  <a:spcPct val="0"/>
-                </a:spcAft>
-                <a:defRPr>
-                  <a:solidFill>
-                    <a:schemeClr val="tx1"/>
-                  </a:solidFill>
-                  <a:latin typeface="Arial" charset="0"/>
-                  <a:ea typeface="宋体" pitchFamily="2" charset="-122"/>
-                </a:defRPr>
-              </a:lvl8pPr>
-              <a:lvl9pPr marL="3886200" indent="-228600" eaLnBrk="0" fontAlgn="base" hangingPunct="0">
-                <a:spcBef>
-                  <a:spcPct val="0"/>
-                </a:spcBef>
-                <a:spcAft>
-                  <a:spcPct val="0"/>
-                </a:spcAft>
-                <a:defRPr>
-                  <a:solidFill>
-                    <a:schemeClr val="tx1"/>
-                  </a:solidFill>
-                  <a:latin typeface="Arial" charset="0"/>
-                  <a:ea typeface="宋体" pitchFamily="2" charset="-122"/>
-                </a:defRPr>
-              </a:lvl9pPr>
-            </a:lstStyle>
-            <a:p>
-              <a:pPr algn="ctr" eaLnBrk="1" hangingPunct="1"/>
-              <a:r>
-                <a:rPr lang="en-US" altLang="zh-CN" sz="2600" b="1" dirty="0"/>
-                <a:t>(b) </a:t>
-              </a:r>
-              <a:r>
-                <a:rPr lang="en-US" altLang="zh-CN" sz="2600" b="1" dirty="0" smtClean="0"/>
-                <a:t>DSI-11-b10k </a:t>
-              </a:r>
-              <a:r>
-                <a:rPr lang="en-US" altLang="zh-CN" sz="2600" b="1" dirty="0"/>
-                <a:t>In Vivo</a:t>
-              </a:r>
-              <a:endParaRPr lang="zh-CN" altLang="en-US" sz="2600" b="1" dirty="0"/>
-            </a:p>
-          </p:txBody>
-        </p:sp>
-        <p:sp>
-          <p:nvSpPr>
-            <p:cNvPr id="3085" name="TextBox 12"/>
-            <p:cNvSpPr txBox="1">
-              <a:spLocks noChangeArrowheads="1"/>
-            </p:cNvSpPr>
-            <p:nvPr/>
-          </p:nvSpPr>
-          <p:spPr bwMode="auto">
-            <a:xfrm>
-              <a:off x="5878513" y="5877794"/>
-              <a:ext cx="2387600" cy="400050"/>
-            </a:xfrm>
-            <a:prstGeom prst="rect">
-              <a:avLst/>
-            </a:prstGeom>
+          </a:blip>
+          <a:stretch>
+            <a:fillRect/>
+          </a:stretch>
+        </p:blipFill>
+        <p:spPr>
+          <a:xfrm>
+            <a:off x="-1971312" y="-3844370"/>
+            <a:ext cx="874675" cy="931564"/>
+          </a:xfrm>
+          <a:prstGeom prst="rect">
+            <a:avLst/>
+          </a:prstGeom>
+        </p:spPr>
+      </p:pic>
+      <p:sp>
+        <p:nvSpPr>
+          <p:cNvPr id="33" name="TextBox 12"/>
+          <p:cNvSpPr txBox="1">
+            <a:spLocks noChangeArrowheads="1"/>
+          </p:cNvSpPr>
+          <p:nvPr/>
+        </p:nvSpPr>
+        <p:spPr bwMode="auto">
+          <a:xfrm>
+            <a:off x="5878513" y="11055883"/>
+            <a:ext cx="2387600" cy="400050"/>
+          </a:xfrm>
+          <a:prstGeom prst="rect">
+            <a:avLst/>
+          </a:prstGeom>
+          <a:noFill/>
+          <a:ln>
             <a:noFill/>
-            <a:ln>
-              <a:noFill/>
-            </a:ln>
-            <a:extLst>
-              <a:ext uri="{909E8E84-426E-40DD-AFC4-6F175D3DCCD1}">
-                <a14:hiddenFill xmlns:a14="http://schemas.microsoft.com/office/drawing/2010/main">
-                  <a:solidFill>
-                    <a:srgbClr val="FFFFFF"/>
-                  </a:solidFill>
-                </a14:hiddenFill>
-              </a:ext>
-              <a:ext uri="{91240B29-F687-4F45-9708-019B960494DF}">
-                <a14:hiddenLine xmlns:a14="http://schemas.microsoft.com/office/drawing/2010/main" w="9525">
-                  <a:solidFill>
-                    <a:srgbClr val="000000"/>
-                  </a:solidFill>
-                  <a:miter lim="800000"/>
-                  <a:headEnd/>
-                  <a:tailEnd/>
-                </a14:hiddenLine>
-              </a:ext>
-            </a:extLst>
-          </p:spPr>
-          <p:txBody>
-            <a:bodyPr>
-              <a:spAutoFit/>
-            </a:bodyPr>
-            <a:lstStyle>
-              <a:lvl1pPr eaLnBrk="0" hangingPunct="0">
-                <a:defRPr>
-                  <a:solidFill>
-                    <a:schemeClr val="tx1"/>
-                  </a:solidFill>
-                  <a:latin typeface="Arial" charset="0"/>
-                  <a:ea typeface="宋体" pitchFamily="2" charset="-122"/>
-                </a:defRPr>
-              </a:lvl1pPr>
-              <a:lvl2pPr marL="742950" indent="-285750" eaLnBrk="0" hangingPunct="0">
-                <a:defRPr>
-                  <a:solidFill>
-                    <a:schemeClr val="tx1"/>
-                  </a:solidFill>
-                  <a:latin typeface="Arial" charset="0"/>
-                  <a:ea typeface="宋体" pitchFamily="2" charset="-122"/>
-                </a:defRPr>
-              </a:lvl2pPr>
-              <a:lvl3pPr marL="1143000" indent="-228600" eaLnBrk="0" hangingPunct="0">
-                <a:defRPr>
-                  <a:solidFill>
-                    <a:schemeClr val="tx1"/>
-                  </a:solidFill>
-                  <a:latin typeface="Arial" charset="0"/>
-                  <a:ea typeface="宋体" pitchFamily="2" charset="-122"/>
-                </a:defRPr>
-              </a:lvl3pPr>
-              <a:lvl4pPr marL="1600200" indent="-228600" eaLnBrk="0" hangingPunct="0">
-                <a:defRPr>
-                  <a:solidFill>
-                    <a:schemeClr val="tx1"/>
-                  </a:solidFill>
-                  <a:latin typeface="Arial" charset="0"/>
-                  <a:ea typeface="宋体" pitchFamily="2" charset="-122"/>
-                </a:defRPr>
-              </a:lvl4pPr>
-              <a:lvl5pPr marL="2057400" indent="-228600" eaLnBrk="0" hangingPunct="0">
-                <a:defRPr>
-                  <a:solidFill>
-                    <a:schemeClr val="tx1"/>
-                  </a:solidFill>
-                  <a:latin typeface="Arial" charset="0"/>
-                  <a:ea typeface="宋体" pitchFamily="2" charset="-122"/>
-                </a:defRPr>
-              </a:lvl5pPr>
-              <a:lvl6pPr marL="2514600" indent="-228600" eaLnBrk="0" fontAlgn="base" hangingPunct="0">
-                <a:spcBef>
-                  <a:spcPct val="0"/>
-                </a:spcBef>
-                <a:spcAft>
-                  <a:spcPct val="0"/>
-                </a:spcAft>
-                <a:defRPr>
-                  <a:solidFill>
-                    <a:schemeClr val="tx1"/>
-                  </a:solidFill>
-                  <a:latin typeface="Arial" charset="0"/>
-                  <a:ea typeface="宋体" pitchFamily="2" charset="-122"/>
-                </a:defRPr>
-              </a:lvl6pPr>
-              <a:lvl7pPr marL="2971800" indent="-228600" eaLnBrk="0" fontAlgn="base" hangingPunct="0">
-                <a:spcBef>
-                  <a:spcPct val="0"/>
-                </a:spcBef>
-                <a:spcAft>
-                  <a:spcPct val="0"/>
-                </a:spcAft>
-                <a:defRPr>
-                  <a:solidFill>
-                    <a:schemeClr val="tx1"/>
-                  </a:solidFill>
-                  <a:latin typeface="Arial" charset="0"/>
-                  <a:ea typeface="宋体" pitchFamily="2" charset="-122"/>
-                </a:defRPr>
-              </a:lvl7pPr>
-              <a:lvl8pPr marL="3429000" indent="-228600" eaLnBrk="0" fontAlgn="base" hangingPunct="0">
-                <a:spcBef>
-                  <a:spcPct val="0"/>
-                </a:spcBef>
-                <a:spcAft>
-                  <a:spcPct val="0"/>
-                </a:spcAft>
-                <a:defRPr>
-                  <a:solidFill>
-                    <a:schemeClr val="tx1"/>
-                  </a:solidFill>
-                  <a:latin typeface="Arial" charset="0"/>
-                  <a:ea typeface="宋体" pitchFamily="2" charset="-122"/>
-                </a:defRPr>
-              </a:lvl8pPr>
-              <a:lvl9pPr marL="3886200" indent="-228600" eaLnBrk="0" fontAlgn="base" hangingPunct="0">
-                <a:spcBef>
-                  <a:spcPct val="0"/>
-                </a:spcBef>
-                <a:spcAft>
-                  <a:spcPct val="0"/>
-                </a:spcAft>
-                <a:defRPr>
-                  <a:solidFill>
-                    <a:schemeClr val="tx1"/>
-                  </a:solidFill>
-                  <a:latin typeface="Arial" charset="0"/>
-                  <a:ea typeface="宋体" pitchFamily="2" charset="-122"/>
-                </a:defRPr>
-              </a:lvl9pPr>
-            </a:lstStyle>
-            <a:p>
-              <a:pPr eaLnBrk="1" hangingPunct="1"/>
-              <a:r>
-                <a:rPr lang="en-US" altLang="zh-CN" sz="2000" dirty="0"/>
-                <a:t>displacement (</a:t>
-              </a:r>
-              <a:r>
-                <a:rPr lang="el-GR" altLang="zh-CN" sz="2000" dirty="0"/>
-                <a:t>μ</a:t>
-              </a:r>
-              <a:r>
-                <a:rPr lang="en-US" altLang="zh-CN" sz="2000" dirty="0"/>
-                <a:t>m)</a:t>
-              </a:r>
-              <a:endParaRPr lang="zh-CN" altLang="en-US" sz="2000" dirty="0"/>
-            </a:p>
-          </p:txBody>
-        </p:sp>
-        <p:sp>
-          <p:nvSpPr>
-            <p:cNvPr id="27" name="TextBox 12"/>
-            <p:cNvSpPr txBox="1">
-              <a:spLocks noChangeArrowheads="1"/>
-            </p:cNvSpPr>
-            <p:nvPr/>
-          </p:nvSpPr>
-          <p:spPr bwMode="auto">
-            <a:xfrm>
-              <a:off x="1475656" y="11145469"/>
-              <a:ext cx="4003675" cy="492443"/>
-            </a:xfrm>
-            <a:prstGeom prst="rect">
-              <a:avLst/>
-            </a:prstGeom>
+          </a:ln>
+          <a:extLst>
+            <a:ext uri="{909E8E84-426E-40DD-AFC4-6F175D3DCCD1}">
+              <a14:hiddenFill xmlns:a14="http://schemas.microsoft.com/office/drawing/2010/main">
+                <a:solidFill>
+                  <a:srgbClr val="FFFFFF"/>
+                </a:solidFill>
+              </a14:hiddenFill>
+            </a:ext>
+            <a:ext uri="{91240B29-F687-4F45-9708-019B960494DF}">
+              <a14:hiddenLine xmlns:a14="http://schemas.microsoft.com/office/drawing/2010/main" w="9525">
+                <a:solidFill>
+                  <a:srgbClr val="000000"/>
+                </a:solidFill>
+                <a:miter lim="800000"/>
+                <a:headEnd/>
+                <a:tailEnd/>
+              </a14:hiddenLine>
+            </a:ext>
+          </a:extLst>
+        </p:spPr>
+        <p:txBody>
+          <a:bodyPr>
+            <a:spAutoFit/>
+          </a:bodyPr>
+          <a:lstStyle>
+            <a:lvl1pPr eaLnBrk="0" hangingPunct="0">
+              <a:defRPr>
+                <a:solidFill>
+                  <a:schemeClr val="tx1"/>
+                </a:solidFill>
+                <a:latin typeface="Arial" charset="0"/>
+                <a:ea typeface="宋体" pitchFamily="2" charset="-122"/>
+              </a:defRPr>
+            </a:lvl1pPr>
+            <a:lvl2pPr marL="742950" indent="-285750" eaLnBrk="0" hangingPunct="0">
+              <a:defRPr>
+                <a:solidFill>
+                  <a:schemeClr val="tx1"/>
+                </a:solidFill>
+                <a:latin typeface="Arial" charset="0"/>
+                <a:ea typeface="宋体" pitchFamily="2" charset="-122"/>
+              </a:defRPr>
+            </a:lvl2pPr>
+            <a:lvl3pPr marL="1143000" indent="-228600" eaLnBrk="0" hangingPunct="0">
+              <a:defRPr>
+                <a:solidFill>
+                  <a:schemeClr val="tx1"/>
+                </a:solidFill>
+                <a:latin typeface="Arial" charset="0"/>
+                <a:ea typeface="宋体" pitchFamily="2" charset="-122"/>
+              </a:defRPr>
+            </a:lvl3pPr>
+            <a:lvl4pPr marL="1600200" indent="-228600" eaLnBrk="0" hangingPunct="0">
+              <a:defRPr>
+                <a:solidFill>
+                  <a:schemeClr val="tx1"/>
+                </a:solidFill>
+                <a:latin typeface="Arial" charset="0"/>
+                <a:ea typeface="宋体" pitchFamily="2" charset="-122"/>
+              </a:defRPr>
+            </a:lvl4pPr>
+            <a:lvl5pPr marL="2057400" indent="-228600" eaLnBrk="0" hangingPunct="0">
+              <a:defRPr>
+                <a:solidFill>
+                  <a:schemeClr val="tx1"/>
+                </a:solidFill>
+                <a:latin typeface="Arial" charset="0"/>
+                <a:ea typeface="宋体" pitchFamily="2" charset="-122"/>
+              </a:defRPr>
+            </a:lvl5pPr>
+            <a:lvl6pPr marL="2514600" indent="-228600" eaLnBrk="0" fontAlgn="base" hangingPunct="0">
+              <a:spcBef>
+                <a:spcPct val="0"/>
+              </a:spcBef>
+              <a:spcAft>
+                <a:spcPct val="0"/>
+              </a:spcAft>
+              <a:defRPr>
+                <a:solidFill>
+                  <a:schemeClr val="tx1"/>
+                </a:solidFill>
+                <a:latin typeface="Arial" charset="0"/>
+                <a:ea typeface="宋体" pitchFamily="2" charset="-122"/>
+              </a:defRPr>
+            </a:lvl6pPr>
+            <a:lvl7pPr marL="2971800" indent="-228600" eaLnBrk="0" fontAlgn="base" hangingPunct="0">
+              <a:spcBef>
+                <a:spcPct val="0"/>
+              </a:spcBef>
+              <a:spcAft>
+                <a:spcPct val="0"/>
+              </a:spcAft>
+              <a:defRPr>
+                <a:solidFill>
+                  <a:schemeClr val="tx1"/>
+                </a:solidFill>
+                <a:latin typeface="Arial" charset="0"/>
+                <a:ea typeface="宋体" pitchFamily="2" charset="-122"/>
+              </a:defRPr>
+            </a:lvl7pPr>
+            <a:lvl8pPr marL="3429000" indent="-228600" eaLnBrk="0" fontAlgn="base" hangingPunct="0">
+              <a:spcBef>
+                <a:spcPct val="0"/>
+              </a:spcBef>
+              <a:spcAft>
+                <a:spcPct val="0"/>
+              </a:spcAft>
+              <a:defRPr>
+                <a:solidFill>
+                  <a:schemeClr val="tx1"/>
+                </a:solidFill>
+                <a:latin typeface="Arial" charset="0"/>
+                <a:ea typeface="宋体" pitchFamily="2" charset="-122"/>
+              </a:defRPr>
+            </a:lvl8pPr>
+            <a:lvl9pPr marL="3886200" indent="-228600" eaLnBrk="0" fontAlgn="base" hangingPunct="0">
+              <a:spcBef>
+                <a:spcPct val="0"/>
+              </a:spcBef>
+              <a:spcAft>
+                <a:spcPct val="0"/>
+              </a:spcAft>
+              <a:defRPr>
+                <a:solidFill>
+                  <a:schemeClr val="tx1"/>
+                </a:solidFill>
+                <a:latin typeface="Arial" charset="0"/>
+                <a:ea typeface="宋体" pitchFamily="2" charset="-122"/>
+              </a:defRPr>
+            </a:lvl9pPr>
+          </a:lstStyle>
+          <a:p>
+            <a:pPr eaLnBrk="1" hangingPunct="1"/>
+            <a:r>
+              <a:rPr lang="en-US" altLang="zh-CN" sz="2000" dirty="0"/>
+              <a:t>displacement (</a:t>
+            </a:r>
+            <a:r>
+              <a:rPr lang="el-GR" altLang="zh-CN" sz="2000" dirty="0"/>
+              <a:t>μ</a:t>
+            </a:r>
+            <a:r>
+              <a:rPr lang="en-US" altLang="zh-CN" sz="2000" dirty="0"/>
+              <a:t>m)</a:t>
+            </a:r>
+            <a:endParaRPr lang="zh-CN" altLang="en-US" sz="2000" dirty="0"/>
+          </a:p>
+        </p:txBody>
+      </p:sp>
+      <p:sp>
+        <p:nvSpPr>
+          <p:cNvPr id="34" name="TextBox 12"/>
+          <p:cNvSpPr txBox="1">
+            <a:spLocks noChangeArrowheads="1"/>
+          </p:cNvSpPr>
+          <p:nvPr/>
+        </p:nvSpPr>
+        <p:spPr bwMode="auto">
+          <a:xfrm rot="16200000">
+            <a:off x="2596357" y="8636471"/>
+            <a:ext cx="2386012" cy="400050"/>
+          </a:xfrm>
+          <a:prstGeom prst="rect">
+            <a:avLst/>
+          </a:prstGeom>
+          <a:noFill/>
+          <a:ln>
             <a:noFill/>
-            <a:ln>
-              <a:noFill/>
-            </a:ln>
-            <a:extLst>
-              <a:ext uri="{909E8E84-426E-40DD-AFC4-6F175D3DCCD1}">
-                <a14:hiddenFill xmlns:a14="http://schemas.microsoft.com/office/drawing/2010/main">
-                  <a:solidFill>
-                    <a:srgbClr val="FFFFFF"/>
-                  </a:solidFill>
-                </a14:hiddenFill>
-              </a:ext>
-              <a:ext uri="{91240B29-F687-4F45-9708-019B960494DF}">
-                <a14:hiddenLine xmlns:a14="http://schemas.microsoft.com/office/drawing/2010/main" w="9525">
-                  <a:solidFill>
-                    <a:srgbClr val="000000"/>
-                  </a:solidFill>
-                  <a:miter lim="800000"/>
-                  <a:headEnd/>
-                  <a:tailEnd/>
-                </a14:hiddenLine>
-              </a:ext>
-            </a:extLst>
-          </p:spPr>
-          <p:txBody>
-            <a:bodyPr wrap="square">
-              <a:spAutoFit/>
-            </a:bodyPr>
-            <a:lstStyle>
-              <a:lvl1pPr eaLnBrk="0" hangingPunct="0">
-                <a:defRPr>
-                  <a:solidFill>
-                    <a:schemeClr val="tx1"/>
-                  </a:solidFill>
-                  <a:latin typeface="Arial" charset="0"/>
-                  <a:ea typeface="宋体" pitchFamily="2" charset="-122"/>
-                </a:defRPr>
-              </a:lvl1pPr>
-              <a:lvl2pPr marL="742950" indent="-285750" eaLnBrk="0" hangingPunct="0">
-                <a:defRPr>
-                  <a:solidFill>
-                    <a:schemeClr val="tx1"/>
-                  </a:solidFill>
-                  <a:latin typeface="Arial" charset="0"/>
-                  <a:ea typeface="宋体" pitchFamily="2" charset="-122"/>
-                </a:defRPr>
-              </a:lvl2pPr>
-              <a:lvl3pPr marL="1143000" indent="-228600" eaLnBrk="0" hangingPunct="0">
-                <a:defRPr>
-                  <a:solidFill>
-                    <a:schemeClr val="tx1"/>
-                  </a:solidFill>
-                  <a:latin typeface="Arial" charset="0"/>
-                  <a:ea typeface="宋体" pitchFamily="2" charset="-122"/>
-                </a:defRPr>
-              </a:lvl3pPr>
-              <a:lvl4pPr marL="1600200" indent="-228600" eaLnBrk="0" hangingPunct="0">
-                <a:defRPr>
-                  <a:solidFill>
-                    <a:schemeClr val="tx1"/>
-                  </a:solidFill>
-                  <a:latin typeface="Arial" charset="0"/>
-                  <a:ea typeface="宋体" pitchFamily="2" charset="-122"/>
-                </a:defRPr>
-              </a:lvl4pPr>
-              <a:lvl5pPr marL="2057400" indent="-228600" eaLnBrk="0" hangingPunct="0">
-                <a:defRPr>
-                  <a:solidFill>
-                    <a:schemeClr val="tx1"/>
-                  </a:solidFill>
-                  <a:latin typeface="Arial" charset="0"/>
-                  <a:ea typeface="宋体" pitchFamily="2" charset="-122"/>
-                </a:defRPr>
-              </a:lvl5pPr>
-              <a:lvl6pPr marL="2514600" indent="-228600" eaLnBrk="0" fontAlgn="base" hangingPunct="0">
-                <a:spcBef>
-                  <a:spcPct val="0"/>
-                </a:spcBef>
-                <a:spcAft>
-                  <a:spcPct val="0"/>
-                </a:spcAft>
-                <a:defRPr>
-                  <a:solidFill>
-                    <a:schemeClr val="tx1"/>
-                  </a:solidFill>
-                  <a:latin typeface="Arial" charset="0"/>
-                  <a:ea typeface="宋体" pitchFamily="2" charset="-122"/>
-                </a:defRPr>
-              </a:lvl6pPr>
-              <a:lvl7pPr marL="2971800" indent="-228600" eaLnBrk="0" fontAlgn="base" hangingPunct="0">
-                <a:spcBef>
-                  <a:spcPct val="0"/>
-                </a:spcBef>
-                <a:spcAft>
-                  <a:spcPct val="0"/>
-                </a:spcAft>
-                <a:defRPr>
-                  <a:solidFill>
-                    <a:schemeClr val="tx1"/>
-                  </a:solidFill>
-                  <a:latin typeface="Arial" charset="0"/>
-                  <a:ea typeface="宋体" pitchFamily="2" charset="-122"/>
-                </a:defRPr>
-              </a:lvl7pPr>
-              <a:lvl8pPr marL="3429000" indent="-228600" eaLnBrk="0" fontAlgn="base" hangingPunct="0">
-                <a:spcBef>
-                  <a:spcPct val="0"/>
-                </a:spcBef>
-                <a:spcAft>
-                  <a:spcPct val="0"/>
-                </a:spcAft>
-                <a:defRPr>
-                  <a:solidFill>
-                    <a:schemeClr val="tx1"/>
-                  </a:solidFill>
-                  <a:latin typeface="Arial" charset="0"/>
-                  <a:ea typeface="宋体" pitchFamily="2" charset="-122"/>
-                </a:defRPr>
-              </a:lvl8pPr>
-              <a:lvl9pPr marL="3886200" indent="-228600" eaLnBrk="0" fontAlgn="base" hangingPunct="0">
-                <a:spcBef>
-                  <a:spcPct val="0"/>
-                </a:spcBef>
-                <a:spcAft>
-                  <a:spcPct val="0"/>
-                </a:spcAft>
-                <a:defRPr>
-                  <a:solidFill>
-                    <a:schemeClr val="tx1"/>
-                  </a:solidFill>
-                  <a:latin typeface="Arial" charset="0"/>
-                  <a:ea typeface="宋体" pitchFamily="2" charset="-122"/>
-                </a:defRPr>
-              </a:lvl9pPr>
-            </a:lstStyle>
-            <a:p>
-              <a:pPr algn="ctr" eaLnBrk="1" hangingPunct="1"/>
-              <a:r>
-                <a:rPr lang="en-US" altLang="zh-CN" sz="2600" b="1" dirty="0" smtClean="0"/>
-                <a:t>(c) DSI-11-b7k In </a:t>
-              </a:r>
-              <a:r>
-                <a:rPr lang="en-US" altLang="zh-CN" sz="2600" b="1" dirty="0"/>
-                <a:t>Vivo</a:t>
-              </a:r>
-              <a:endParaRPr lang="zh-CN" altLang="en-US" sz="2600" b="1" dirty="0"/>
-            </a:p>
-          </p:txBody>
-        </p:sp>
-        <p:sp>
-          <p:nvSpPr>
-            <p:cNvPr id="28" name="TextBox 15"/>
-            <p:cNvSpPr txBox="1">
-              <a:spLocks noChangeArrowheads="1"/>
-            </p:cNvSpPr>
-            <p:nvPr/>
-          </p:nvSpPr>
-          <p:spPr bwMode="auto">
-            <a:xfrm>
-              <a:off x="-977900" y="6568395"/>
-              <a:ext cx="2576513" cy="492125"/>
-            </a:xfrm>
-            <a:prstGeom prst="rect">
-              <a:avLst/>
-            </a:prstGeom>
-            <a:noFill/>
-            <a:ln>
-              <a:noFill/>
-            </a:ln>
-            <a:extLst>
-              <a:ext uri="{909E8E84-426E-40DD-AFC4-6F175D3DCCD1}">
-                <a14:hiddenFill xmlns:a14="http://schemas.microsoft.com/office/drawing/2010/main">
-                  <a:solidFill>
-                    <a:srgbClr val="FFFFFF"/>
-                  </a:solidFill>
-                </a14:hiddenFill>
-              </a:ext>
-              <a:ext uri="{91240B29-F687-4F45-9708-019B960494DF}">
-                <a14:hiddenLine xmlns:a14="http://schemas.microsoft.com/office/drawing/2010/main" w="9525">
-                  <a:solidFill>
-                    <a:srgbClr val="000000"/>
-                  </a:solidFill>
-                  <a:miter lim="800000"/>
-                  <a:headEnd/>
-                  <a:tailEnd/>
-                </a14:hiddenLine>
-              </a:ext>
-            </a:extLst>
-          </p:spPr>
-          <p:txBody>
-            <a:bodyPr>
-              <a:spAutoFit/>
-            </a:bodyPr>
-            <a:lstStyle>
-              <a:lvl1pPr eaLnBrk="0" hangingPunct="0">
-                <a:defRPr>
-                  <a:solidFill>
-                    <a:schemeClr val="tx1"/>
-                  </a:solidFill>
-                  <a:latin typeface="Arial" charset="0"/>
-                  <a:ea typeface="宋体" pitchFamily="2" charset="-122"/>
-                </a:defRPr>
-              </a:lvl1pPr>
-              <a:lvl2pPr marL="742950" indent="-285750" eaLnBrk="0" hangingPunct="0">
-                <a:defRPr>
-                  <a:solidFill>
-                    <a:schemeClr val="tx1"/>
-                  </a:solidFill>
-                  <a:latin typeface="Arial" charset="0"/>
-                  <a:ea typeface="宋体" pitchFamily="2" charset="-122"/>
-                </a:defRPr>
-              </a:lvl2pPr>
-              <a:lvl3pPr marL="1143000" indent="-228600" eaLnBrk="0" hangingPunct="0">
-                <a:defRPr>
-                  <a:solidFill>
-                    <a:schemeClr val="tx1"/>
-                  </a:solidFill>
-                  <a:latin typeface="Arial" charset="0"/>
-                  <a:ea typeface="宋体" pitchFamily="2" charset="-122"/>
-                </a:defRPr>
-              </a:lvl3pPr>
-              <a:lvl4pPr marL="1600200" indent="-228600" eaLnBrk="0" hangingPunct="0">
-                <a:defRPr>
-                  <a:solidFill>
-                    <a:schemeClr val="tx1"/>
-                  </a:solidFill>
-                  <a:latin typeface="Arial" charset="0"/>
-                  <a:ea typeface="宋体" pitchFamily="2" charset="-122"/>
-                </a:defRPr>
-              </a:lvl4pPr>
-              <a:lvl5pPr marL="2057400" indent="-228600" eaLnBrk="0" hangingPunct="0">
-                <a:defRPr>
-                  <a:solidFill>
-                    <a:schemeClr val="tx1"/>
-                  </a:solidFill>
-                  <a:latin typeface="Arial" charset="0"/>
-                  <a:ea typeface="宋体" pitchFamily="2" charset="-122"/>
-                </a:defRPr>
-              </a:lvl5pPr>
-              <a:lvl6pPr marL="2514600" indent="-228600" eaLnBrk="0" fontAlgn="base" hangingPunct="0">
-                <a:spcBef>
-                  <a:spcPct val="0"/>
-                </a:spcBef>
-                <a:spcAft>
-                  <a:spcPct val="0"/>
-                </a:spcAft>
-                <a:defRPr>
-                  <a:solidFill>
-                    <a:schemeClr val="tx1"/>
-                  </a:solidFill>
-                  <a:latin typeface="Arial" charset="0"/>
-                  <a:ea typeface="宋体" pitchFamily="2" charset="-122"/>
-                </a:defRPr>
-              </a:lvl6pPr>
-              <a:lvl7pPr marL="2971800" indent="-228600" eaLnBrk="0" fontAlgn="base" hangingPunct="0">
-                <a:spcBef>
-                  <a:spcPct val="0"/>
-                </a:spcBef>
-                <a:spcAft>
-                  <a:spcPct val="0"/>
-                </a:spcAft>
-                <a:defRPr>
-                  <a:solidFill>
-                    <a:schemeClr val="tx1"/>
-                  </a:solidFill>
-                  <a:latin typeface="Arial" charset="0"/>
-                  <a:ea typeface="宋体" pitchFamily="2" charset="-122"/>
-                </a:defRPr>
-              </a:lvl7pPr>
-              <a:lvl8pPr marL="3429000" indent="-228600" eaLnBrk="0" fontAlgn="base" hangingPunct="0">
-                <a:spcBef>
-                  <a:spcPct val="0"/>
-                </a:spcBef>
-                <a:spcAft>
-                  <a:spcPct val="0"/>
-                </a:spcAft>
-                <a:defRPr>
-                  <a:solidFill>
-                    <a:schemeClr val="tx1"/>
-                  </a:solidFill>
-                  <a:latin typeface="Arial" charset="0"/>
-                  <a:ea typeface="宋体" pitchFamily="2" charset="-122"/>
-                </a:defRPr>
-              </a:lvl8pPr>
-              <a:lvl9pPr marL="3886200" indent="-228600" eaLnBrk="0" fontAlgn="base" hangingPunct="0">
-                <a:spcBef>
-                  <a:spcPct val="0"/>
-                </a:spcBef>
-                <a:spcAft>
-                  <a:spcPct val="0"/>
-                </a:spcAft>
-                <a:defRPr>
-                  <a:solidFill>
-                    <a:schemeClr val="tx1"/>
-                  </a:solidFill>
-                  <a:latin typeface="Arial" charset="0"/>
-                  <a:ea typeface="宋体" pitchFamily="2" charset="-122"/>
-                </a:defRPr>
-              </a:lvl9pPr>
-            </a:lstStyle>
-            <a:p>
-              <a:pPr algn="ctr" eaLnBrk="1" hangingPunct="1"/>
-              <a:r>
-                <a:rPr lang="en-US" altLang="zh-CN" sz="2600" dirty="0" smtClean="0">
-                  <a:solidFill>
-                    <a:srgbClr val="FF0000"/>
-                  </a:solidFill>
-                </a:rPr>
-                <a:t>MDD=18.6</a:t>
-              </a:r>
-              <a:r>
-                <a:rPr lang="el-GR" altLang="zh-CN" sz="2600" dirty="0" smtClean="0">
-                  <a:solidFill>
-                    <a:srgbClr val="FF0000"/>
-                  </a:solidFill>
-                </a:rPr>
-                <a:t> </a:t>
-              </a:r>
-              <a:r>
-                <a:rPr lang="el-GR" altLang="zh-CN" sz="2600" dirty="0">
-                  <a:solidFill>
-                    <a:srgbClr val="FF0000"/>
-                  </a:solidFill>
-                </a:rPr>
-                <a:t>μ</a:t>
-              </a:r>
-              <a:r>
-                <a:rPr lang="en-US" altLang="zh-CN" sz="2600" dirty="0">
-                  <a:solidFill>
-                    <a:srgbClr val="FF0000"/>
-                  </a:solidFill>
-                </a:rPr>
-                <a:t>m</a:t>
-              </a:r>
-              <a:endParaRPr lang="zh-CN" altLang="en-US" sz="2600" dirty="0">
-                <a:solidFill>
-                  <a:srgbClr val="FF0000"/>
-                </a:solidFill>
-              </a:endParaRPr>
-            </a:p>
-          </p:txBody>
-        </p:sp>
-        <p:grpSp>
-          <p:nvGrpSpPr>
-            <p:cNvPr id="29" name="组合 43"/>
-            <p:cNvGrpSpPr>
-              <a:grpSpLocks/>
-            </p:cNvGrpSpPr>
-            <p:nvPr/>
-          </p:nvGrpSpPr>
-          <p:grpSpPr bwMode="auto">
-            <a:xfrm>
-              <a:off x="-1832712" y="10822341"/>
-              <a:ext cx="4244976" cy="492125"/>
-              <a:chOff x="-1111738" y="-1200944"/>
-              <a:chExt cx="4243578" cy="492443"/>
-            </a:xfrm>
-          </p:grpSpPr>
-          <p:sp>
-            <p:nvSpPr>
-              <p:cNvPr id="30" name="TextBox 44"/>
-              <p:cNvSpPr txBox="1">
-                <a:spLocks noChangeArrowheads="1"/>
-              </p:cNvSpPr>
-              <p:nvPr/>
-            </p:nvSpPr>
-            <p:spPr bwMode="auto">
-              <a:xfrm>
-                <a:off x="-252536" y="-1200944"/>
-                <a:ext cx="2536396" cy="492443"/>
-              </a:xfrm>
-              <a:prstGeom prst="rect">
-                <a:avLst/>
-              </a:prstGeom>
-              <a:noFill/>
-              <a:ln>
-                <a:noFill/>
-              </a:ln>
-              <a:extLst>
-                <a:ext uri="{909E8E84-426E-40DD-AFC4-6F175D3DCCD1}">
-                  <a14:hiddenFill xmlns:a14="http://schemas.microsoft.com/office/drawing/2010/main">
-                    <a:solidFill>
-                      <a:srgbClr val="FFFFFF"/>
-                    </a:solidFill>
-                  </a14:hiddenFill>
-                </a:ext>
-                <a:ext uri="{91240B29-F687-4F45-9708-019B960494DF}">
-                  <a14:hiddenLine xmlns:a14="http://schemas.microsoft.com/office/drawing/2010/main" w="9525">
-                    <a:solidFill>
-                      <a:srgbClr val="000000"/>
-                    </a:solidFill>
-                    <a:miter lim="800000"/>
-                    <a:headEnd/>
-                    <a:tailEnd/>
-                  </a14:hiddenLine>
-                </a:ext>
-              </a:extLst>
-            </p:spPr>
-            <p:txBody>
-              <a:bodyPr>
-                <a:spAutoFit/>
-              </a:bodyPr>
-              <a:lstStyle>
-                <a:lvl1pPr eaLnBrk="0" hangingPunct="0">
-                  <a:defRPr>
-                    <a:solidFill>
-                      <a:schemeClr val="tx1"/>
-                    </a:solidFill>
-                    <a:latin typeface="Arial" charset="0"/>
-                    <a:ea typeface="宋体" pitchFamily="2" charset="-122"/>
-                  </a:defRPr>
-                </a:lvl1pPr>
-                <a:lvl2pPr marL="742950" indent="-285750" eaLnBrk="0" hangingPunct="0">
-                  <a:defRPr>
-                    <a:solidFill>
-                      <a:schemeClr val="tx1"/>
-                    </a:solidFill>
-                    <a:latin typeface="Arial" charset="0"/>
-                    <a:ea typeface="宋体" pitchFamily="2" charset="-122"/>
-                  </a:defRPr>
-                </a:lvl2pPr>
-                <a:lvl3pPr marL="1143000" indent="-228600" eaLnBrk="0" hangingPunct="0">
-                  <a:defRPr>
-                    <a:solidFill>
-                      <a:schemeClr val="tx1"/>
-                    </a:solidFill>
-                    <a:latin typeface="Arial" charset="0"/>
-                    <a:ea typeface="宋体" pitchFamily="2" charset="-122"/>
-                  </a:defRPr>
-                </a:lvl3pPr>
-                <a:lvl4pPr marL="1600200" indent="-228600" eaLnBrk="0" hangingPunct="0">
-                  <a:defRPr>
-                    <a:solidFill>
-                      <a:schemeClr val="tx1"/>
-                    </a:solidFill>
-                    <a:latin typeface="Arial" charset="0"/>
-                    <a:ea typeface="宋体" pitchFamily="2" charset="-122"/>
-                  </a:defRPr>
-                </a:lvl4pPr>
-                <a:lvl5pPr marL="2057400" indent="-228600" eaLnBrk="0" hangingPunct="0">
-                  <a:defRPr>
-                    <a:solidFill>
-                      <a:schemeClr val="tx1"/>
-                    </a:solidFill>
-                    <a:latin typeface="Arial" charset="0"/>
-                    <a:ea typeface="宋体" pitchFamily="2" charset="-122"/>
-                  </a:defRPr>
-                </a:lvl5pPr>
-                <a:lvl6pPr marL="2514600" indent="-228600" eaLnBrk="0" fontAlgn="base" hangingPunct="0">
-                  <a:spcBef>
-                    <a:spcPct val="0"/>
-                  </a:spcBef>
-                  <a:spcAft>
-                    <a:spcPct val="0"/>
-                  </a:spcAft>
-                  <a:defRPr>
-                    <a:solidFill>
-                      <a:schemeClr val="tx1"/>
-                    </a:solidFill>
-                    <a:latin typeface="Arial" charset="0"/>
-                    <a:ea typeface="宋体" pitchFamily="2" charset="-122"/>
-                  </a:defRPr>
-                </a:lvl6pPr>
-                <a:lvl7pPr marL="2971800" indent="-228600" eaLnBrk="0" fontAlgn="base" hangingPunct="0">
-                  <a:spcBef>
-                    <a:spcPct val="0"/>
-                  </a:spcBef>
-                  <a:spcAft>
-                    <a:spcPct val="0"/>
-                  </a:spcAft>
-                  <a:defRPr>
-                    <a:solidFill>
-                      <a:schemeClr val="tx1"/>
-                    </a:solidFill>
-                    <a:latin typeface="Arial" charset="0"/>
-                    <a:ea typeface="宋体" pitchFamily="2" charset="-122"/>
-                  </a:defRPr>
-                </a:lvl7pPr>
-                <a:lvl8pPr marL="3429000" indent="-228600" eaLnBrk="0" fontAlgn="base" hangingPunct="0">
-                  <a:spcBef>
-                    <a:spcPct val="0"/>
-                  </a:spcBef>
-                  <a:spcAft>
-                    <a:spcPct val="0"/>
-                  </a:spcAft>
-                  <a:defRPr>
-                    <a:solidFill>
-                      <a:schemeClr val="tx1"/>
-                    </a:solidFill>
-                    <a:latin typeface="Arial" charset="0"/>
-                    <a:ea typeface="宋体" pitchFamily="2" charset="-122"/>
-                  </a:defRPr>
-                </a:lvl8pPr>
-                <a:lvl9pPr marL="3886200" indent="-228600" eaLnBrk="0" fontAlgn="base" hangingPunct="0">
-                  <a:spcBef>
-                    <a:spcPct val="0"/>
-                  </a:spcBef>
-                  <a:spcAft>
-                    <a:spcPct val="0"/>
-                  </a:spcAft>
-                  <a:defRPr>
-                    <a:solidFill>
-                      <a:schemeClr val="tx1"/>
-                    </a:solidFill>
-                    <a:latin typeface="Arial" charset="0"/>
-                    <a:ea typeface="宋体" pitchFamily="2" charset="-122"/>
-                  </a:defRPr>
-                </a:lvl9pPr>
-              </a:lstStyle>
-              <a:p>
-                <a:pPr algn="ctr" eaLnBrk="1" hangingPunct="1"/>
-                <a:r>
-                  <a:rPr lang="en-US" altLang="zh-CN" sz="2600" dirty="0" smtClean="0"/>
-                  <a:t>FOV=70.3 </a:t>
-                </a:r>
-                <a:r>
-                  <a:rPr lang="el-GR" altLang="zh-CN" sz="2600" dirty="0"/>
-                  <a:t>μ</a:t>
-                </a:r>
-                <a:r>
-                  <a:rPr lang="en-US" altLang="zh-CN" sz="2600" dirty="0"/>
-                  <a:t>m</a:t>
-                </a:r>
-              </a:p>
-            </p:txBody>
-          </p:sp>
-          <p:cxnSp>
-            <p:nvCxnSpPr>
-              <p:cNvPr id="31" name="直接箭头连接符 30"/>
-              <p:cNvCxnSpPr/>
-              <p:nvPr/>
-            </p:nvCxnSpPr>
-            <p:spPr bwMode="auto">
-              <a:xfrm flipH="1" flipV="1">
-                <a:off x="-1111738" y="-954722"/>
-                <a:ext cx="858555" cy="0"/>
-              </a:xfrm>
-              <a:prstGeom prst="straightConnector1">
-                <a:avLst/>
-              </a:prstGeom>
-              <a:ln w="76200">
-                <a:solidFill>
-                  <a:schemeClr val="tx1"/>
-                </a:solidFill>
-                <a:tailEnd type="arrow"/>
-              </a:ln>
-            </p:spPr>
-            <p:style>
-              <a:lnRef idx="1">
-                <a:schemeClr val="accent1"/>
-              </a:lnRef>
-              <a:fillRef idx="0">
-                <a:schemeClr val="accent1"/>
-              </a:fillRef>
-              <a:effectRef idx="0">
-                <a:schemeClr val="accent1"/>
-              </a:effectRef>
-              <a:fontRef idx="minor">
-                <a:schemeClr val="tx1"/>
-              </a:fontRef>
-            </p:style>
-          </p:cxnSp>
-          <p:cxnSp>
-            <p:nvCxnSpPr>
-              <p:cNvPr id="32" name="直接箭头连接符 31"/>
-              <p:cNvCxnSpPr/>
-              <p:nvPr/>
-            </p:nvCxnSpPr>
-            <p:spPr bwMode="auto">
-              <a:xfrm flipV="1">
-                <a:off x="2273285" y="-954722"/>
-                <a:ext cx="858555" cy="0"/>
-              </a:xfrm>
-              <a:prstGeom prst="straightConnector1">
-                <a:avLst/>
-              </a:prstGeom>
-              <a:ln w="76200">
-                <a:solidFill>
-                  <a:schemeClr val="tx1"/>
-                </a:solidFill>
-                <a:tailEnd type="arrow"/>
-              </a:ln>
-            </p:spPr>
-            <p:style>
-              <a:lnRef idx="1">
-                <a:schemeClr val="accent1"/>
-              </a:lnRef>
-              <a:fillRef idx="0">
-                <a:schemeClr val="accent1"/>
-              </a:fillRef>
-              <a:effectRef idx="0">
-                <a:schemeClr val="accent1"/>
-              </a:effectRef>
-              <a:fontRef idx="minor">
-                <a:schemeClr val="tx1"/>
-              </a:fontRef>
-            </p:style>
-          </p:cxnSp>
-        </p:grpSp>
-        <p:pic>
-          <p:nvPicPr>
-            <p:cNvPr id="14" name="图片 13"/>
-            <p:cNvPicPr>
-              <a:picLocks noChangeAspect="1"/>
-            </p:cNvPicPr>
-            <p:nvPr/>
-          </p:nvPicPr>
-          <p:blipFill>
-            <a:blip r:embed="rId8" cstate="print">
-              <a:extLst>
-                <a:ext uri="{28A0092B-C50C-407E-A947-70E740481C1C}">
-                  <a14:useLocalDpi xmlns:a14="http://schemas.microsoft.com/office/drawing/2010/main" val="0"/>
-                </a:ext>
-              </a:extLst>
-            </a:blip>
-            <a:stretch>
-              <a:fillRect/>
-            </a:stretch>
-          </p:blipFill>
-          <p:spPr>
-            <a:xfrm>
-              <a:off x="-1971312" y="-3844370"/>
-              <a:ext cx="874675" cy="931564"/>
-            </a:xfrm>
-            <a:prstGeom prst="rect">
-              <a:avLst/>
-            </a:prstGeom>
-          </p:spPr>
-        </p:pic>
-        <p:sp>
-          <p:nvSpPr>
-            <p:cNvPr id="33" name="TextBox 12"/>
-            <p:cNvSpPr txBox="1">
-              <a:spLocks noChangeArrowheads="1"/>
-            </p:cNvSpPr>
-            <p:nvPr/>
-          </p:nvSpPr>
-          <p:spPr bwMode="auto">
-            <a:xfrm>
-              <a:off x="5878513" y="11055883"/>
-              <a:ext cx="2387600" cy="400050"/>
-            </a:xfrm>
-            <a:prstGeom prst="rect">
-              <a:avLst/>
-            </a:prstGeom>
-            <a:noFill/>
-            <a:ln>
-              <a:noFill/>
-            </a:ln>
-            <a:extLst>
-              <a:ext uri="{909E8E84-426E-40DD-AFC4-6F175D3DCCD1}">
-                <a14:hiddenFill xmlns:a14="http://schemas.microsoft.com/office/drawing/2010/main">
-                  <a:solidFill>
-                    <a:srgbClr val="FFFFFF"/>
-                  </a:solidFill>
-                </a14:hiddenFill>
-              </a:ext>
-              <a:ext uri="{91240B29-F687-4F45-9708-019B960494DF}">
-                <a14:hiddenLine xmlns:a14="http://schemas.microsoft.com/office/drawing/2010/main" w="9525">
-                  <a:solidFill>
-                    <a:srgbClr val="000000"/>
-                  </a:solidFill>
-                  <a:miter lim="800000"/>
-                  <a:headEnd/>
-                  <a:tailEnd/>
-                </a14:hiddenLine>
-              </a:ext>
-            </a:extLst>
-          </p:spPr>
-          <p:txBody>
-            <a:bodyPr>
-              <a:spAutoFit/>
-            </a:bodyPr>
-            <a:lstStyle>
-              <a:lvl1pPr eaLnBrk="0" hangingPunct="0">
-                <a:defRPr>
-                  <a:solidFill>
-                    <a:schemeClr val="tx1"/>
-                  </a:solidFill>
-                  <a:latin typeface="Arial" charset="0"/>
-                  <a:ea typeface="宋体" pitchFamily="2" charset="-122"/>
-                </a:defRPr>
-              </a:lvl1pPr>
-              <a:lvl2pPr marL="742950" indent="-285750" eaLnBrk="0" hangingPunct="0">
-                <a:defRPr>
-                  <a:solidFill>
-                    <a:schemeClr val="tx1"/>
-                  </a:solidFill>
-                  <a:latin typeface="Arial" charset="0"/>
-                  <a:ea typeface="宋体" pitchFamily="2" charset="-122"/>
-                </a:defRPr>
-              </a:lvl2pPr>
-              <a:lvl3pPr marL="1143000" indent="-228600" eaLnBrk="0" hangingPunct="0">
-                <a:defRPr>
-                  <a:solidFill>
-                    <a:schemeClr val="tx1"/>
-                  </a:solidFill>
-                  <a:latin typeface="Arial" charset="0"/>
-                  <a:ea typeface="宋体" pitchFamily="2" charset="-122"/>
-                </a:defRPr>
-              </a:lvl3pPr>
-              <a:lvl4pPr marL="1600200" indent="-228600" eaLnBrk="0" hangingPunct="0">
-                <a:defRPr>
-                  <a:solidFill>
-                    <a:schemeClr val="tx1"/>
-                  </a:solidFill>
-                  <a:latin typeface="Arial" charset="0"/>
-                  <a:ea typeface="宋体" pitchFamily="2" charset="-122"/>
-                </a:defRPr>
-              </a:lvl4pPr>
-              <a:lvl5pPr marL="2057400" indent="-228600" eaLnBrk="0" hangingPunct="0">
-                <a:defRPr>
-                  <a:solidFill>
-                    <a:schemeClr val="tx1"/>
-                  </a:solidFill>
-                  <a:latin typeface="Arial" charset="0"/>
-                  <a:ea typeface="宋体" pitchFamily="2" charset="-122"/>
-                </a:defRPr>
-              </a:lvl5pPr>
-              <a:lvl6pPr marL="2514600" indent="-228600" eaLnBrk="0" fontAlgn="base" hangingPunct="0">
-                <a:spcBef>
-                  <a:spcPct val="0"/>
-                </a:spcBef>
-                <a:spcAft>
-                  <a:spcPct val="0"/>
-                </a:spcAft>
-                <a:defRPr>
-                  <a:solidFill>
-                    <a:schemeClr val="tx1"/>
-                  </a:solidFill>
-                  <a:latin typeface="Arial" charset="0"/>
-                  <a:ea typeface="宋体" pitchFamily="2" charset="-122"/>
-                </a:defRPr>
-              </a:lvl6pPr>
-              <a:lvl7pPr marL="2971800" indent="-228600" eaLnBrk="0" fontAlgn="base" hangingPunct="0">
-                <a:spcBef>
-                  <a:spcPct val="0"/>
-                </a:spcBef>
-                <a:spcAft>
-                  <a:spcPct val="0"/>
-                </a:spcAft>
-                <a:defRPr>
-                  <a:solidFill>
-                    <a:schemeClr val="tx1"/>
-                  </a:solidFill>
-                  <a:latin typeface="Arial" charset="0"/>
-                  <a:ea typeface="宋体" pitchFamily="2" charset="-122"/>
-                </a:defRPr>
-              </a:lvl7pPr>
-              <a:lvl8pPr marL="3429000" indent="-228600" eaLnBrk="0" fontAlgn="base" hangingPunct="0">
-                <a:spcBef>
-                  <a:spcPct val="0"/>
-                </a:spcBef>
-                <a:spcAft>
-                  <a:spcPct val="0"/>
-                </a:spcAft>
-                <a:defRPr>
-                  <a:solidFill>
-                    <a:schemeClr val="tx1"/>
-                  </a:solidFill>
-                  <a:latin typeface="Arial" charset="0"/>
-                  <a:ea typeface="宋体" pitchFamily="2" charset="-122"/>
-                </a:defRPr>
-              </a:lvl8pPr>
-              <a:lvl9pPr marL="3886200" indent="-228600" eaLnBrk="0" fontAlgn="base" hangingPunct="0">
-                <a:spcBef>
-                  <a:spcPct val="0"/>
-                </a:spcBef>
-                <a:spcAft>
-                  <a:spcPct val="0"/>
-                </a:spcAft>
-                <a:defRPr>
-                  <a:solidFill>
-                    <a:schemeClr val="tx1"/>
-                  </a:solidFill>
-                  <a:latin typeface="Arial" charset="0"/>
-                  <a:ea typeface="宋体" pitchFamily="2" charset="-122"/>
-                </a:defRPr>
-              </a:lvl9pPr>
-            </a:lstStyle>
-            <a:p>
-              <a:pPr eaLnBrk="1" hangingPunct="1"/>
-              <a:r>
-                <a:rPr lang="en-US" altLang="zh-CN" sz="2000" dirty="0"/>
-                <a:t>displacement (</a:t>
-              </a:r>
-              <a:r>
-                <a:rPr lang="el-GR" altLang="zh-CN" sz="2000" dirty="0"/>
-                <a:t>μ</a:t>
-              </a:r>
-              <a:r>
-                <a:rPr lang="en-US" altLang="zh-CN" sz="2000" dirty="0"/>
-                <a:t>m)</a:t>
-              </a:r>
-              <a:endParaRPr lang="zh-CN" altLang="en-US" sz="2000" dirty="0"/>
-            </a:p>
-          </p:txBody>
-        </p:sp>
-        <p:sp>
-          <p:nvSpPr>
-            <p:cNvPr id="34" name="TextBox 12"/>
-            <p:cNvSpPr txBox="1">
-              <a:spLocks noChangeArrowheads="1"/>
-            </p:cNvSpPr>
-            <p:nvPr/>
-          </p:nvSpPr>
-          <p:spPr bwMode="auto">
-            <a:xfrm rot="16200000">
-              <a:off x="2596357" y="8636471"/>
-              <a:ext cx="2386012" cy="400050"/>
-            </a:xfrm>
-            <a:prstGeom prst="rect">
-              <a:avLst/>
-            </a:prstGeom>
-            <a:noFill/>
-            <a:ln>
-              <a:noFill/>
-            </a:ln>
-            <a:extLst>
-              <a:ext uri="{909E8E84-426E-40DD-AFC4-6F175D3DCCD1}">
-                <a14:hiddenFill xmlns:a14="http://schemas.microsoft.com/office/drawing/2010/main">
-                  <a:solidFill>
-                    <a:srgbClr val="FFFFFF"/>
-                  </a:solidFill>
-                </a14:hiddenFill>
-              </a:ext>
-              <a:ext uri="{91240B29-F687-4F45-9708-019B960494DF}">
-                <a14:hiddenLine xmlns:a14="http://schemas.microsoft.com/office/drawing/2010/main" w="9525">
-                  <a:solidFill>
-                    <a:srgbClr val="000000"/>
-                  </a:solidFill>
-                  <a:miter lim="800000"/>
-                  <a:headEnd/>
-                  <a:tailEnd/>
-                </a14:hiddenLine>
-              </a:ext>
-            </a:extLst>
-          </p:spPr>
-          <p:txBody>
-            <a:bodyPr>
-              <a:spAutoFit/>
-            </a:bodyPr>
-            <a:lstStyle>
-              <a:lvl1pPr eaLnBrk="0" hangingPunct="0">
-                <a:defRPr>
-                  <a:solidFill>
-                    <a:schemeClr val="tx1"/>
-                  </a:solidFill>
-                  <a:latin typeface="Arial" charset="0"/>
-                  <a:ea typeface="宋体" pitchFamily="2" charset="-122"/>
-                </a:defRPr>
-              </a:lvl1pPr>
-              <a:lvl2pPr marL="742950" indent="-285750" eaLnBrk="0" hangingPunct="0">
-                <a:defRPr>
-                  <a:solidFill>
-                    <a:schemeClr val="tx1"/>
-                  </a:solidFill>
-                  <a:latin typeface="Arial" charset="0"/>
-                  <a:ea typeface="宋体" pitchFamily="2" charset="-122"/>
-                </a:defRPr>
-              </a:lvl2pPr>
-              <a:lvl3pPr marL="1143000" indent="-228600" eaLnBrk="0" hangingPunct="0">
-                <a:defRPr>
-                  <a:solidFill>
-                    <a:schemeClr val="tx1"/>
-                  </a:solidFill>
-                  <a:latin typeface="Arial" charset="0"/>
-                  <a:ea typeface="宋体" pitchFamily="2" charset="-122"/>
-                </a:defRPr>
-              </a:lvl3pPr>
-              <a:lvl4pPr marL="1600200" indent="-228600" eaLnBrk="0" hangingPunct="0">
-                <a:defRPr>
-                  <a:solidFill>
-                    <a:schemeClr val="tx1"/>
-                  </a:solidFill>
-                  <a:latin typeface="Arial" charset="0"/>
-                  <a:ea typeface="宋体" pitchFamily="2" charset="-122"/>
-                </a:defRPr>
-              </a:lvl4pPr>
-              <a:lvl5pPr marL="2057400" indent="-228600" eaLnBrk="0" hangingPunct="0">
-                <a:defRPr>
-                  <a:solidFill>
-                    <a:schemeClr val="tx1"/>
-                  </a:solidFill>
-                  <a:latin typeface="Arial" charset="0"/>
-                  <a:ea typeface="宋体" pitchFamily="2" charset="-122"/>
-                </a:defRPr>
-              </a:lvl5pPr>
-              <a:lvl6pPr marL="2514600" indent="-228600" eaLnBrk="0" fontAlgn="base" hangingPunct="0">
-                <a:spcBef>
-                  <a:spcPct val="0"/>
-                </a:spcBef>
-                <a:spcAft>
-                  <a:spcPct val="0"/>
-                </a:spcAft>
-                <a:defRPr>
-                  <a:solidFill>
-                    <a:schemeClr val="tx1"/>
-                  </a:solidFill>
-                  <a:latin typeface="Arial" charset="0"/>
-                  <a:ea typeface="宋体" pitchFamily="2" charset="-122"/>
-                </a:defRPr>
-              </a:lvl6pPr>
-              <a:lvl7pPr marL="2971800" indent="-228600" eaLnBrk="0" fontAlgn="base" hangingPunct="0">
-                <a:spcBef>
-                  <a:spcPct val="0"/>
-                </a:spcBef>
-                <a:spcAft>
-                  <a:spcPct val="0"/>
-                </a:spcAft>
-                <a:defRPr>
-                  <a:solidFill>
-                    <a:schemeClr val="tx1"/>
-                  </a:solidFill>
-                  <a:latin typeface="Arial" charset="0"/>
-                  <a:ea typeface="宋体" pitchFamily="2" charset="-122"/>
-                </a:defRPr>
-              </a:lvl7pPr>
-              <a:lvl8pPr marL="3429000" indent="-228600" eaLnBrk="0" fontAlgn="base" hangingPunct="0">
-                <a:spcBef>
-                  <a:spcPct val="0"/>
-                </a:spcBef>
-                <a:spcAft>
-                  <a:spcPct val="0"/>
-                </a:spcAft>
-                <a:defRPr>
-                  <a:solidFill>
-                    <a:schemeClr val="tx1"/>
-                  </a:solidFill>
-                  <a:latin typeface="Arial" charset="0"/>
-                  <a:ea typeface="宋体" pitchFamily="2" charset="-122"/>
-                </a:defRPr>
-              </a:lvl8pPr>
-              <a:lvl9pPr marL="3886200" indent="-228600" eaLnBrk="0" fontAlgn="base" hangingPunct="0">
-                <a:spcBef>
-                  <a:spcPct val="0"/>
-                </a:spcBef>
-                <a:spcAft>
-                  <a:spcPct val="0"/>
-                </a:spcAft>
-                <a:defRPr>
-                  <a:solidFill>
-                    <a:schemeClr val="tx1"/>
-                  </a:solidFill>
-                  <a:latin typeface="Arial" charset="0"/>
-                  <a:ea typeface="宋体" pitchFamily="2" charset="-122"/>
-                </a:defRPr>
-              </a:lvl9pPr>
-            </a:lstStyle>
-            <a:p>
-              <a:pPr eaLnBrk="1" hangingPunct="1"/>
-              <a:r>
-                <a:rPr lang="en-US" altLang="zh-CN" sz="2000" dirty="0"/>
-                <a:t>probability density</a:t>
-              </a:r>
-              <a:endParaRPr lang="zh-CN" altLang="en-US" sz="2000" dirty="0"/>
-            </a:p>
-          </p:txBody>
-        </p:sp>
-        <p:sp>
-          <p:nvSpPr>
-            <p:cNvPr id="36" name="右箭头 35"/>
-            <p:cNvSpPr/>
-            <p:nvPr/>
-          </p:nvSpPr>
-          <p:spPr bwMode="auto">
-            <a:xfrm rot="13800000">
-              <a:off x="772160" y="9998312"/>
-              <a:ext cx="433387" cy="433388"/>
-            </a:xfrm>
-            <a:prstGeom prst="rightArrow">
-              <a:avLst/>
-            </a:prstGeom>
+          </a:ln>
+          <a:extLst>
+            <a:ext uri="{909E8E84-426E-40DD-AFC4-6F175D3DCCD1}">
+              <a14:hiddenFill xmlns:a14="http://schemas.microsoft.com/office/drawing/2010/main">
+                <a:solidFill>
+                  <a:srgbClr val="FFFFFF"/>
+                </a:solidFill>
+              </a14:hiddenFill>
+            </a:ext>
+            <a:ext uri="{91240B29-F687-4F45-9708-019B960494DF}">
+              <a14:hiddenLine xmlns:a14="http://schemas.microsoft.com/office/drawing/2010/main" w="9525">
+                <a:solidFill>
+                  <a:srgbClr val="000000"/>
+                </a:solidFill>
+                <a:miter lim="800000"/>
+                <a:headEnd/>
+                <a:tailEnd/>
+              </a14:hiddenLine>
+            </a:ext>
+          </a:extLst>
+        </p:spPr>
+        <p:txBody>
+          <a:bodyPr>
+            <a:spAutoFit/>
+          </a:bodyPr>
+          <a:lstStyle>
+            <a:lvl1pPr eaLnBrk="0" hangingPunct="0">
+              <a:defRPr>
+                <a:solidFill>
+                  <a:schemeClr val="tx1"/>
+                </a:solidFill>
+                <a:latin typeface="Arial" charset="0"/>
+                <a:ea typeface="宋体" pitchFamily="2" charset="-122"/>
+              </a:defRPr>
+            </a:lvl1pPr>
+            <a:lvl2pPr marL="742950" indent="-285750" eaLnBrk="0" hangingPunct="0">
+              <a:defRPr>
+                <a:solidFill>
+                  <a:schemeClr val="tx1"/>
+                </a:solidFill>
+                <a:latin typeface="Arial" charset="0"/>
+                <a:ea typeface="宋体" pitchFamily="2" charset="-122"/>
+              </a:defRPr>
+            </a:lvl2pPr>
+            <a:lvl3pPr marL="1143000" indent="-228600" eaLnBrk="0" hangingPunct="0">
+              <a:defRPr>
+                <a:solidFill>
+                  <a:schemeClr val="tx1"/>
+                </a:solidFill>
+                <a:latin typeface="Arial" charset="0"/>
+                <a:ea typeface="宋体" pitchFamily="2" charset="-122"/>
+              </a:defRPr>
+            </a:lvl3pPr>
+            <a:lvl4pPr marL="1600200" indent="-228600" eaLnBrk="0" hangingPunct="0">
+              <a:defRPr>
+                <a:solidFill>
+                  <a:schemeClr val="tx1"/>
+                </a:solidFill>
+                <a:latin typeface="Arial" charset="0"/>
+                <a:ea typeface="宋体" pitchFamily="2" charset="-122"/>
+              </a:defRPr>
+            </a:lvl4pPr>
+            <a:lvl5pPr marL="2057400" indent="-228600" eaLnBrk="0" hangingPunct="0">
+              <a:defRPr>
+                <a:solidFill>
+                  <a:schemeClr val="tx1"/>
+                </a:solidFill>
+                <a:latin typeface="Arial" charset="0"/>
+                <a:ea typeface="宋体" pitchFamily="2" charset="-122"/>
+              </a:defRPr>
+            </a:lvl5pPr>
+            <a:lvl6pPr marL="2514600" indent="-228600" eaLnBrk="0" fontAlgn="base" hangingPunct="0">
+              <a:spcBef>
+                <a:spcPct val="0"/>
+              </a:spcBef>
+              <a:spcAft>
+                <a:spcPct val="0"/>
+              </a:spcAft>
+              <a:defRPr>
+                <a:solidFill>
+                  <a:schemeClr val="tx1"/>
+                </a:solidFill>
+                <a:latin typeface="Arial" charset="0"/>
+                <a:ea typeface="宋体" pitchFamily="2" charset="-122"/>
+              </a:defRPr>
+            </a:lvl6pPr>
+            <a:lvl7pPr marL="2971800" indent="-228600" eaLnBrk="0" fontAlgn="base" hangingPunct="0">
+              <a:spcBef>
+                <a:spcPct val="0"/>
+              </a:spcBef>
+              <a:spcAft>
+                <a:spcPct val="0"/>
+              </a:spcAft>
+              <a:defRPr>
+                <a:solidFill>
+                  <a:schemeClr val="tx1"/>
+                </a:solidFill>
+                <a:latin typeface="Arial" charset="0"/>
+                <a:ea typeface="宋体" pitchFamily="2" charset="-122"/>
+              </a:defRPr>
+            </a:lvl7pPr>
+            <a:lvl8pPr marL="3429000" indent="-228600" eaLnBrk="0" fontAlgn="base" hangingPunct="0">
+              <a:spcBef>
+                <a:spcPct val="0"/>
+              </a:spcBef>
+              <a:spcAft>
+                <a:spcPct val="0"/>
+              </a:spcAft>
+              <a:defRPr>
+                <a:solidFill>
+                  <a:schemeClr val="tx1"/>
+                </a:solidFill>
+                <a:latin typeface="Arial" charset="0"/>
+                <a:ea typeface="宋体" pitchFamily="2" charset="-122"/>
+              </a:defRPr>
+            </a:lvl8pPr>
+            <a:lvl9pPr marL="3886200" indent="-228600" eaLnBrk="0" fontAlgn="base" hangingPunct="0">
+              <a:spcBef>
+                <a:spcPct val="0"/>
+              </a:spcBef>
+              <a:spcAft>
+                <a:spcPct val="0"/>
+              </a:spcAft>
+              <a:defRPr>
+                <a:solidFill>
+                  <a:schemeClr val="tx1"/>
+                </a:solidFill>
+                <a:latin typeface="Arial" charset="0"/>
+                <a:ea typeface="宋体" pitchFamily="2" charset="-122"/>
+              </a:defRPr>
+            </a:lvl9pPr>
+          </a:lstStyle>
+          <a:p>
+            <a:pPr eaLnBrk="1" hangingPunct="1"/>
+            <a:r>
+              <a:rPr lang="en-US" altLang="zh-CN" sz="2000" dirty="0"/>
+              <a:t>probability density</a:t>
+            </a:r>
+            <a:endParaRPr lang="zh-CN" altLang="en-US" sz="2000" dirty="0"/>
+          </a:p>
+        </p:txBody>
+      </p:sp>
+      <p:sp>
+        <p:nvSpPr>
+          <p:cNvPr id="36" name="右箭头 35"/>
+          <p:cNvSpPr/>
+          <p:nvPr/>
+        </p:nvSpPr>
+        <p:spPr bwMode="auto">
+          <a:xfrm rot="13800000">
+            <a:off x="772160" y="9998312"/>
+            <a:ext cx="433387" cy="433388"/>
+          </a:xfrm>
+          <a:prstGeom prst="rightArrow">
+            <a:avLst/>
+          </a:prstGeom>
+          <a:solidFill>
+            <a:schemeClr val="bg1"/>
+          </a:solidFill>
+          <a:ln>
             <a:solidFill>
               <a:schemeClr val="bg1"/>
             </a:solidFill>
-            <a:ln>
-              <a:solidFill>
-                <a:schemeClr val="bg1"/>
-              </a:solidFill>
-            </a:ln>
-            <a:effectLst/>
-          </p:spPr>
-          <p:style>
-            <a:lnRef idx="2">
-              <a:schemeClr val="accent1">
-                <a:shade val="50000"/>
-              </a:schemeClr>
-            </a:lnRef>
-            <a:fillRef idx="1">
-              <a:schemeClr val="accent1"/>
-            </a:fillRef>
-            <a:effectRef idx="0">
-              <a:schemeClr val="accent1"/>
-            </a:effectRef>
-            <a:fontRef idx="minor">
-              <a:schemeClr val="lt1"/>
-            </a:fontRef>
-          </p:style>
-          <p:txBody>
-            <a:bodyPr anchor="ctr"/>
-            <a:lstStyle/>
-            <a:p>
-              <a:pPr algn="ctr">
-                <a:defRPr/>
-              </a:pPr>
-              <a:endParaRPr lang="zh-CN" altLang="en-US"/>
-            </a:p>
-          </p:txBody>
-        </p:sp>
-      </p:grpSp>
+          </a:ln>
+          <a:effectLst/>
+        </p:spPr>
+        <p:style>
+          <a:lnRef idx="2">
+            <a:schemeClr val="accent1">
+              <a:shade val="50000"/>
+            </a:schemeClr>
+          </a:lnRef>
+          <a:fillRef idx="1">
+            <a:schemeClr val="accent1"/>
+          </a:fillRef>
+          <a:effectRef idx="0">
+            <a:schemeClr val="accent1"/>
+          </a:effectRef>
+          <a:fontRef idx="minor">
+            <a:schemeClr val="lt1"/>
+          </a:fontRef>
+        </p:style>
+        <p:txBody>
+          <a:bodyPr anchor="ctr"/>
+          <a:lstStyle/>
+          <a:p>
+            <a:pPr algn="ctr">
+              <a:defRPr/>
+            </a:pPr>
+            <a:endParaRPr lang="zh-CN" altLang="en-US"/>
+          </a:p>
+        </p:txBody>
+      </p:sp>
     </p:spTree>
   </p:cSld>
   <p:clrMapOvr>
